--- a/0.组会记录/2024-11-14/report-2024-11-14.pptx
+++ b/0.组会记录/2024-11-14/report-2024-11-14.pptx
@@ -12,24 +12,21 @@
     <p:sldId id="1047" r:id="rId4"/>
     <p:sldId id="1007" r:id="rId5"/>
     <p:sldId id="1286" r:id="rId6"/>
-    <p:sldId id="1478" r:id="rId8"/>
-    <p:sldId id="1456" r:id="rId9"/>
-    <p:sldId id="1479" r:id="rId10"/>
-    <p:sldId id="1481" r:id="rId11"/>
-    <p:sldId id="1482" r:id="rId12"/>
-    <p:sldId id="1483" r:id="rId13"/>
-    <p:sldId id="1369" r:id="rId14"/>
-    <p:sldId id="1466" r:id="rId15"/>
-    <p:sldId id="1467" r:id="rId16"/>
-    <p:sldId id="1468" r:id="rId17"/>
-    <p:sldId id="1430" r:id="rId18"/>
-    <p:sldId id="1432" r:id="rId19"/>
-    <p:sldId id="1356" r:id="rId20"/>
+    <p:sldId id="1495" r:id="rId8"/>
+    <p:sldId id="1496" r:id="rId9"/>
+    <p:sldId id="1493" r:id="rId10"/>
+    <p:sldId id="1494" r:id="rId11"/>
+    <p:sldId id="1478" r:id="rId12"/>
+    <p:sldId id="1369" r:id="rId13"/>
+    <p:sldId id="1430" r:id="rId14"/>
+    <p:sldId id="1432" r:id="rId15"/>
+    <p:sldId id="1491" r:id="rId16"/>
+    <p:sldId id="1356" r:id="rId17"/>
   </p:sldIdLst>
   <p:sldSz cx="12192000" cy="6858000"/>
   <p:notesSz cx="6858000" cy="9144000"/>
   <p:custDataLst>
-    <p:tags r:id="rId25"/>
+    <p:tags r:id="rId22"/>
   </p:custDataLst>
   <p:defaultTextStyle>
     <a:defPPr>
@@ -560,162 +557,6 @@
 </p:notes>
 </file>
 
-<file path=ppt/notesSlides/notesSlide10.xml><?xml version="1.0" encoding="utf-8"?>
-<p:notes xmlns:a="http://schemas.openxmlformats.org/drawingml/2006/main" xmlns:r="http://schemas.openxmlformats.org/officeDocument/2006/relationships" xmlns:p="http://schemas.openxmlformats.org/presentationml/2006/main">
-  <p:cSld>
-    <p:spTree>
-      <p:nvGrpSpPr>
-        <p:cNvPr id="1" name=""/>
-        <p:cNvGrpSpPr/>
-        <p:nvPr/>
-      </p:nvGrpSpPr>
-      <p:grpSpPr>
-        <a:xfrm>
-          <a:off x="0" y="0"/>
-          <a:ext cx="0" cy="0"/>
-          <a:chOff x="0" y="0"/>
-          <a:chExt cx="0" cy="0"/>
-        </a:xfrm>
-      </p:grpSpPr>
-      <p:sp>
-        <p:nvSpPr>
-          <p:cNvPr id="2" name="幻灯片图像占位符 1"/>
-          <p:cNvSpPr>
-            <a:spLocks noGrp="1" noRot="1" noChangeAspect="1"/>
-          </p:cNvSpPr>
-          <p:nvPr>
-            <p:ph type="sldImg"/>
-          </p:nvPr>
-        </p:nvSpPr>
-        <p:spPr/>
-      </p:sp>
-      <p:sp>
-        <p:nvSpPr>
-          <p:cNvPr id="3" name="备注占位符 2"/>
-          <p:cNvSpPr>
-            <a:spLocks noGrp="1"/>
-          </p:cNvSpPr>
-          <p:nvPr>
-            <p:ph type="body" idx="1"/>
-          </p:nvPr>
-        </p:nvSpPr>
-        <p:spPr/>
-        <p:txBody>
-          <a:bodyPr/>
-          <a:lstStyle/>
-          <a:p>
-            <a:endParaRPr lang="zh-CN" altLang="en-US" dirty="0"/>
-          </a:p>
-        </p:txBody>
-      </p:sp>
-      <p:sp>
-        <p:nvSpPr>
-          <p:cNvPr id="4" name="灯片编号占位符 3"/>
-          <p:cNvSpPr>
-            <a:spLocks noGrp="1"/>
-          </p:cNvSpPr>
-          <p:nvPr>
-            <p:ph type="sldNum" sz="quarter" idx="5"/>
-          </p:nvPr>
-        </p:nvSpPr>
-        <p:spPr/>
-        <p:txBody>
-          <a:bodyPr/>
-          <a:lstStyle/>
-          <a:p>
-            <a:fld id="{311DA921-5814-416C-A214-0F50BD081254}" type="slidenum">
-              <a:rPr lang="zh-CN" altLang="en-US" smtClean="0"/>
-            </a:fld>
-            <a:endParaRPr lang="zh-CN" altLang="en-US"/>
-          </a:p>
-        </p:txBody>
-      </p:sp>
-    </p:spTree>
-  </p:cSld>
-  <p:clrMapOvr>
-    <a:masterClrMapping/>
-  </p:clrMapOvr>
-</p:notes>
-</file>
-
-<file path=ppt/notesSlides/notesSlide11.xml><?xml version="1.0" encoding="utf-8"?>
-<p:notes xmlns:a="http://schemas.openxmlformats.org/drawingml/2006/main" xmlns:r="http://schemas.openxmlformats.org/officeDocument/2006/relationships" xmlns:p="http://schemas.openxmlformats.org/presentationml/2006/main">
-  <p:cSld>
-    <p:spTree>
-      <p:nvGrpSpPr>
-        <p:cNvPr id="1" name=""/>
-        <p:cNvGrpSpPr/>
-        <p:nvPr/>
-      </p:nvGrpSpPr>
-      <p:grpSpPr>
-        <a:xfrm>
-          <a:off x="0" y="0"/>
-          <a:ext cx="0" cy="0"/>
-          <a:chOff x="0" y="0"/>
-          <a:chExt cx="0" cy="0"/>
-        </a:xfrm>
-      </p:grpSpPr>
-      <p:sp>
-        <p:nvSpPr>
-          <p:cNvPr id="2" name="幻灯片图像占位符 1"/>
-          <p:cNvSpPr>
-            <a:spLocks noGrp="1" noRot="1" noChangeAspect="1"/>
-          </p:cNvSpPr>
-          <p:nvPr>
-            <p:ph type="sldImg"/>
-          </p:nvPr>
-        </p:nvSpPr>
-        <p:spPr/>
-      </p:sp>
-      <p:sp>
-        <p:nvSpPr>
-          <p:cNvPr id="3" name="备注占位符 2"/>
-          <p:cNvSpPr>
-            <a:spLocks noGrp="1"/>
-          </p:cNvSpPr>
-          <p:nvPr>
-            <p:ph type="body" idx="1"/>
-          </p:nvPr>
-        </p:nvSpPr>
-        <p:spPr/>
-        <p:txBody>
-          <a:bodyPr/>
-          <a:lstStyle/>
-          <a:p>
-            <a:endParaRPr lang="zh-CN" altLang="en-US" dirty="0"/>
-          </a:p>
-        </p:txBody>
-      </p:sp>
-      <p:sp>
-        <p:nvSpPr>
-          <p:cNvPr id="4" name="灯片编号占位符 3"/>
-          <p:cNvSpPr>
-            <a:spLocks noGrp="1"/>
-          </p:cNvSpPr>
-          <p:nvPr>
-            <p:ph type="sldNum" sz="quarter" idx="5"/>
-          </p:nvPr>
-        </p:nvSpPr>
-        <p:spPr/>
-        <p:txBody>
-          <a:bodyPr/>
-          <a:lstStyle/>
-          <a:p>
-            <a:fld id="{311DA921-5814-416C-A214-0F50BD081254}" type="slidenum">
-              <a:rPr lang="zh-CN" altLang="en-US" smtClean="0"/>
-            </a:fld>
-            <a:endParaRPr lang="zh-CN" altLang="en-US"/>
-          </a:p>
-        </p:txBody>
-      </p:sp>
-    </p:spTree>
-  </p:cSld>
-  <p:clrMapOvr>
-    <a:masterClrMapping/>
-  </p:clrMapOvr>
-</p:notes>
-</file>
-
 <file path=ppt/notesSlides/notesSlide2.xml><?xml version="1.0" encoding="utf-8"?>
 <p:notes xmlns:a="http://schemas.openxmlformats.org/drawingml/2006/main" xmlns:r="http://schemas.openxmlformats.org/officeDocument/2006/relationships" xmlns:p="http://schemas.openxmlformats.org/presentationml/2006/main">
   <p:cSld>
@@ -1107,162 +948,6 @@
 </file>
 
 <file path=ppt/notesSlides/notesSlide7.xml><?xml version="1.0" encoding="utf-8"?>
-<p:notes xmlns:a="http://schemas.openxmlformats.org/drawingml/2006/main" xmlns:r="http://schemas.openxmlformats.org/officeDocument/2006/relationships" xmlns:p="http://schemas.openxmlformats.org/presentationml/2006/main">
-  <p:cSld>
-    <p:spTree>
-      <p:nvGrpSpPr>
-        <p:cNvPr id="1" name=""/>
-        <p:cNvGrpSpPr/>
-        <p:nvPr/>
-      </p:nvGrpSpPr>
-      <p:grpSpPr>
-        <a:xfrm>
-          <a:off x="0" y="0"/>
-          <a:ext cx="0" cy="0"/>
-          <a:chOff x="0" y="0"/>
-          <a:chExt cx="0" cy="0"/>
-        </a:xfrm>
-      </p:grpSpPr>
-      <p:sp>
-        <p:nvSpPr>
-          <p:cNvPr id="2" name="幻灯片图像占位符 1"/>
-          <p:cNvSpPr>
-            <a:spLocks noGrp="1" noRot="1" noChangeAspect="1"/>
-          </p:cNvSpPr>
-          <p:nvPr>
-            <p:ph type="sldImg"/>
-          </p:nvPr>
-        </p:nvSpPr>
-        <p:spPr/>
-      </p:sp>
-      <p:sp>
-        <p:nvSpPr>
-          <p:cNvPr id="3" name="备注占位符 2"/>
-          <p:cNvSpPr>
-            <a:spLocks noGrp="1"/>
-          </p:cNvSpPr>
-          <p:nvPr>
-            <p:ph type="body" idx="1"/>
-          </p:nvPr>
-        </p:nvSpPr>
-        <p:spPr/>
-        <p:txBody>
-          <a:bodyPr/>
-          <a:lstStyle/>
-          <a:p>
-            <a:endParaRPr lang="zh-CN" altLang="en-US" dirty="0"/>
-          </a:p>
-        </p:txBody>
-      </p:sp>
-      <p:sp>
-        <p:nvSpPr>
-          <p:cNvPr id="4" name="灯片编号占位符 3"/>
-          <p:cNvSpPr>
-            <a:spLocks noGrp="1"/>
-          </p:cNvSpPr>
-          <p:nvPr>
-            <p:ph type="sldNum" sz="quarter" idx="5"/>
-          </p:nvPr>
-        </p:nvSpPr>
-        <p:spPr/>
-        <p:txBody>
-          <a:bodyPr/>
-          <a:lstStyle/>
-          <a:p>
-            <a:fld id="{311DA921-5814-416C-A214-0F50BD081254}" type="slidenum">
-              <a:rPr lang="zh-CN" altLang="en-US" smtClean="0"/>
-            </a:fld>
-            <a:endParaRPr lang="zh-CN" altLang="en-US"/>
-          </a:p>
-        </p:txBody>
-      </p:sp>
-    </p:spTree>
-  </p:cSld>
-  <p:clrMapOvr>
-    <a:masterClrMapping/>
-  </p:clrMapOvr>
-</p:notes>
-</file>
-
-<file path=ppt/notesSlides/notesSlide8.xml><?xml version="1.0" encoding="utf-8"?>
-<p:notes xmlns:a="http://schemas.openxmlformats.org/drawingml/2006/main" xmlns:r="http://schemas.openxmlformats.org/officeDocument/2006/relationships" xmlns:p="http://schemas.openxmlformats.org/presentationml/2006/main">
-  <p:cSld>
-    <p:spTree>
-      <p:nvGrpSpPr>
-        <p:cNvPr id="1" name=""/>
-        <p:cNvGrpSpPr/>
-        <p:nvPr/>
-      </p:nvGrpSpPr>
-      <p:grpSpPr>
-        <a:xfrm>
-          <a:off x="0" y="0"/>
-          <a:ext cx="0" cy="0"/>
-          <a:chOff x="0" y="0"/>
-          <a:chExt cx="0" cy="0"/>
-        </a:xfrm>
-      </p:grpSpPr>
-      <p:sp>
-        <p:nvSpPr>
-          <p:cNvPr id="2" name="幻灯片图像占位符 1"/>
-          <p:cNvSpPr>
-            <a:spLocks noGrp="1" noRot="1" noChangeAspect="1"/>
-          </p:cNvSpPr>
-          <p:nvPr>
-            <p:ph type="sldImg"/>
-          </p:nvPr>
-        </p:nvSpPr>
-        <p:spPr/>
-      </p:sp>
-      <p:sp>
-        <p:nvSpPr>
-          <p:cNvPr id="3" name="备注占位符 2"/>
-          <p:cNvSpPr>
-            <a:spLocks noGrp="1"/>
-          </p:cNvSpPr>
-          <p:nvPr>
-            <p:ph type="body" idx="1"/>
-          </p:nvPr>
-        </p:nvSpPr>
-        <p:spPr/>
-        <p:txBody>
-          <a:bodyPr/>
-          <a:lstStyle/>
-          <a:p>
-            <a:endParaRPr lang="zh-CN" altLang="en-US" dirty="0"/>
-          </a:p>
-        </p:txBody>
-      </p:sp>
-      <p:sp>
-        <p:nvSpPr>
-          <p:cNvPr id="4" name="灯片编号占位符 3"/>
-          <p:cNvSpPr>
-            <a:spLocks noGrp="1"/>
-          </p:cNvSpPr>
-          <p:nvPr>
-            <p:ph type="sldNum" sz="quarter" idx="5"/>
-          </p:nvPr>
-        </p:nvSpPr>
-        <p:spPr/>
-        <p:txBody>
-          <a:bodyPr/>
-          <a:lstStyle/>
-          <a:p>
-            <a:fld id="{311DA921-5814-416C-A214-0F50BD081254}" type="slidenum">
-              <a:rPr lang="zh-CN" altLang="en-US" smtClean="0"/>
-            </a:fld>
-            <a:endParaRPr lang="zh-CN" altLang="en-US"/>
-          </a:p>
-        </p:txBody>
-      </p:sp>
-    </p:spTree>
-  </p:cSld>
-  <p:clrMapOvr>
-    <a:masterClrMapping/>
-  </p:clrMapOvr>
-</p:notes>
-</file>
-
-<file path=ppt/notesSlides/notesSlide9.xml><?xml version="1.0" encoding="utf-8"?>
 <p:notes xmlns:a="http://schemas.openxmlformats.org/drawingml/2006/main" xmlns:r="http://schemas.openxmlformats.org/officeDocument/2006/relationships" xmlns:p="http://schemas.openxmlformats.org/presentationml/2006/main">
   <p:cSld>
     <p:spTree>
@@ -4490,7 +4175,7 @@
       </p:grpSpPr>
       <p:pic>
         <p:nvPicPr>
-          <p:cNvPr id="4" name="图片 3"/>
+          <p:cNvPr id="4" name="图片 3" descr="1"/>
           <p:cNvPicPr>
             <a:picLocks noChangeAspect="1"/>
           </p:cNvPicPr>
@@ -4504,8 +4189,8 @@
         </p:blipFill>
         <p:spPr>
           <a:xfrm>
-            <a:off x="7553325" y="1631315"/>
-            <a:ext cx="4768215" cy="5190490"/>
+            <a:off x="4745355" y="-588645"/>
+            <a:ext cx="12060555" cy="8474075"/>
           </a:xfrm>
           <a:prstGeom prst="rect">
             <a:avLst/>
@@ -4514,14 +4199,14 @@
       </p:pic>
       <p:sp>
         <p:nvSpPr>
-          <p:cNvPr id="13" name="文本框 12"/>
+          <p:cNvPr id="5" name="文本框 4"/>
           <p:cNvSpPr txBox="1"/>
           <p:nvPr/>
         </p:nvSpPr>
         <p:spPr>
           <a:xfrm>
-            <a:off x="106466" y="601786"/>
-            <a:ext cx="1033780" cy="398780"/>
+            <a:off x="1038225" y="1470025"/>
+            <a:ext cx="2301875" cy="1861185"/>
           </a:xfrm>
           <a:prstGeom prst="rect">
             <a:avLst/>
@@ -4529,36 +4214,71 @@
           <a:noFill/>
         </p:spPr>
         <p:txBody>
-          <a:bodyPr wrap="none" rtlCol="0">
+          <a:bodyPr wrap="square" rtlCol="0">
             <a:spAutoFit/>
           </a:bodyPr>
           <a:lstStyle/>
           <a:p>
-            <a:pPr marL="342900" indent="-342900">
-              <a:buFont typeface="Wingdings" panose="05000000000000000000" charset="0"/>
-              <a:buChar char="n"/>
+            <a:pPr marL="0" marR="0" lvl="0" indent="0" algn="l" defTabSz="914400" rtl="0" eaLnBrk="1" fontAlgn="auto" latinLnBrk="0" hangingPunct="1">
+              <a:lnSpc>
+                <a:spcPct val="100000"/>
+              </a:lnSpc>
+              <a:spcBef>
+                <a:spcPts val="0"/>
+              </a:spcBef>
+              <a:spcAft>
+                <a:spcPts val="0"/>
+              </a:spcAft>
+              <a:buClrTx/>
+              <a:buSzTx/>
+              <a:buFontTx/>
+              <a:buNone/>
+              <a:defRPr/>
             </a:pPr>
             <a:r>
-              <a:rPr lang="zh-CN" altLang="en-US" sz="2000" b="1" dirty="0">
-                <a:latin typeface="微软雅黑" panose="020B0503020204020204" charset="-122"/>
-                <a:ea typeface="微软雅黑" panose="020B0503020204020204" charset="-122"/>
-              </a:rPr>
-              <a:t>内容</a:t>
-            </a:r>
-            <a:endParaRPr lang="zh-CN" altLang="en-US" sz="2000" b="1" dirty="0"/>
-          </a:p>
-        </p:txBody>
-      </p:sp>
-      <p:sp>
-        <p:nvSpPr>
-          <p:cNvPr id="7" name="文本框 6"/>
+              <a:rPr kumimoji="0" lang="en-US" altLang="zh-CN" sz="11500" b="0" i="0" u="none" strike="noStrike" kern="1200" cap="none" spc="0" normalizeH="0" baseline="0" noProof="0" dirty="0">
+                <a:ln>
+                  <a:solidFill>
+                    <a:srgbClr val="383987"/>
+                  </a:solidFill>
+                </a:ln>
+                <a:noFill/>
+                <a:effectLst/>
+                <a:uLnTx/>
+                <a:uFillTx/>
+                <a:latin typeface="Agency FB" panose="020B0503020202020204" pitchFamily="34" charset="0"/>
+                <a:ea typeface="宋体" panose="02010600030101010101" pitchFamily="2" charset="-122"/>
+                <a:cs typeface="+mn-cs"/>
+              </a:rPr>
+              <a:t>03</a:t>
+            </a:r>
+            <a:endParaRPr kumimoji="0" lang="en-US" altLang="zh-CN" sz="11500" b="0" i="0" u="none" strike="noStrike" kern="1200" cap="none" spc="0" normalizeH="0" baseline="0" noProof="0" dirty="0">
+              <a:ln>
+                <a:solidFill>
+                  <a:srgbClr val="383987"/>
+                </a:solidFill>
+              </a:ln>
+              <a:noFill/>
+              <a:effectLst/>
+              <a:uLnTx/>
+              <a:uFillTx/>
+              <a:latin typeface="Agency FB" panose="020B0503020202020204" pitchFamily="34" charset="0"/>
+              <a:ea typeface="宋体" panose="02010600030101010101" pitchFamily="2" charset="-122"/>
+              <a:cs typeface="+mn-cs"/>
+            </a:endParaRPr>
+          </a:p>
+        </p:txBody>
+      </p:sp>
+      <p:sp>
+        <p:nvSpPr>
+          <p:cNvPr id="6" name="文本框 5"/>
           <p:cNvSpPr txBox="1"/>
           <p:nvPr/>
         </p:nvSpPr>
         <p:spPr>
           <a:xfrm>
-            <a:off x="724535" y="1323340"/>
-            <a:ext cx="2247900" cy="410845"/>
+            <a:off x="1265555" y="3049270"/>
+            <a:ext cx="11768455" cy="777240"/>
           </a:xfrm>
           <a:prstGeom prst="rect">
             <a:avLst/>
@@ -4566,69 +4286,10 @@
           <a:noFill/>
         </p:spPr>
         <p:txBody>
-          <a:bodyPr wrap="square">
+          <a:bodyPr wrap="square" rtlCol="0">
             <a:noAutofit/>
           </a:bodyPr>
           <a:lstStyle/>
-          <a:p>
-            <a:pPr algn="l" fontAlgn="auto">
-              <a:lnSpc>
-                <a:spcPts val="2200"/>
-              </a:lnSpc>
-              <a:buClrTx/>
-              <a:buSzTx/>
-              <a:buNone/>
-            </a:pPr>
-            <a:endParaRPr lang="zh-CN" altLang="en-US" sz="1600" dirty="0">
-              <a:latin typeface="微软雅黑" panose="020B0503020204020204" charset="-122"/>
-              <a:ea typeface="微软雅黑" panose="020B0503020204020204" charset="-122"/>
-            </a:endParaRPr>
-          </a:p>
-        </p:txBody>
-      </p:sp>
-      <p:sp>
-        <p:nvSpPr>
-          <p:cNvPr id="3" name="矩形 2"/>
-          <p:cNvSpPr/>
-          <p:nvPr>
-            <p:custDataLst>
-              <p:tags r:id="rId2"/>
-            </p:custDataLst>
-          </p:nvPr>
-        </p:nvSpPr>
-        <p:spPr>
-          <a:xfrm>
-            <a:off x="-6350" y="0"/>
-            <a:ext cx="12198350" cy="540000"/>
-          </a:xfrm>
-          <a:prstGeom prst="rect">
-            <a:avLst/>
-          </a:prstGeom>
-          <a:solidFill>
-            <a:srgbClr val="A099CB"/>
-          </a:solidFill>
-          <a:ln>
-            <a:noFill/>
-          </a:ln>
-        </p:spPr>
-        <p:style>
-          <a:lnRef idx="2">
-            <a:schemeClr val="accent1">
-              <a:shade val="50000"/>
-            </a:schemeClr>
-          </a:lnRef>
-          <a:fillRef idx="1">
-            <a:schemeClr val="accent1"/>
-          </a:fillRef>
-          <a:effectRef idx="0">
-            <a:schemeClr val="accent1"/>
-          </a:effectRef>
-          <a:fontRef idx="minor">
-            <a:schemeClr val="lt1"/>
-          </a:fontRef>
-        </p:style>
-        <p:txBody>
-          <a:bodyPr rtlCol="0" anchor="ctr"/>
           <a:p>
             <a:pPr marL="0" marR="0" lvl="0" indent="0" algn="ctr" defTabSz="914400" rtl="0" eaLnBrk="1" fontAlgn="auto" latinLnBrk="0" hangingPunct="1">
               <a:lnSpc>
@@ -4647,188 +4308,27 @@
               <a:defRPr/>
             </a:pPr>
             <a:r>
-              <a:rPr lang="en-US" altLang="zh-CN" sz="1800" dirty="0">
-                <a:effectLst/>
-                <a:latin typeface="微软雅黑" panose="020B0503020204020204" charset="-122"/>
-                <a:ea typeface="微软雅黑" panose="020B0503020204020204" charset="-122"/>
-              </a:rPr>
-              <a:t>1.</a:t>
-            </a:r>
-            <a:r>
-              <a:rPr lang="en-US" altLang="zh-CN" dirty="0">
-                <a:effectLst/>
+              <a:rPr lang="en-US" altLang="zh-CN" sz="3600" dirty="0">
+                <a:solidFill>
+                  <a:srgbClr val="383987"/>
+                </a:solidFill>
                 <a:latin typeface="微软雅黑" panose="020B0503020204020204" charset="-122"/>
                 <a:ea typeface="微软雅黑" panose="020B0503020204020204" charset="-122"/>
                 <a:sym typeface="+mn-ea"/>
               </a:rPr>
-              <a:t>基础大模型论文</a:t>
-            </a:r>
-            <a:endParaRPr lang="en-US" altLang="zh-CN" dirty="0">
-              <a:effectLst/>
-              <a:latin typeface="微软雅黑" panose="020B0503020204020204" charset="-122"/>
-              <a:ea typeface="微软雅黑" panose="020B0503020204020204" charset="-122"/>
-            </a:endParaRPr>
-          </a:p>
-        </p:txBody>
-      </p:sp>
-      <p:sp>
-        <p:nvSpPr>
-          <p:cNvPr id="10" name="文本框 9"/>
-          <p:cNvSpPr txBox="1"/>
-          <p:nvPr/>
-        </p:nvSpPr>
-        <p:spPr>
-          <a:xfrm>
-            <a:off x="362585" y="2164080"/>
-            <a:ext cx="7295515" cy="603885"/>
-          </a:xfrm>
-          <a:prstGeom prst="rect">
-            <a:avLst/>
-          </a:prstGeom>
-          <a:noFill/>
-        </p:spPr>
-        <p:txBody>
-          <a:bodyPr wrap="square" rtlCol="0">
-            <a:noAutofit/>
-          </a:bodyPr>
-          <a:p>
-            <a:pPr marL="0" lvl="0" indent="457200">
-              <a:buNone/>
-            </a:pPr>
-            <a:r>
-              <a:rPr lang="zh-CN" altLang="en-US" sz="1600" dirty="0">
-                <a:solidFill>
-                  <a:schemeClr val="tx1"/>
-                </a:solidFill>
-                <a:latin typeface="微软雅黑" panose="020B0503020204020204" charset="-122"/>
-                <a:ea typeface="微软雅黑" panose="020B0503020204020204" charset="-122"/>
-              </a:rPr>
-              <a:t>作提示词的微调（</a:t>
-            </a:r>
-            <a:r>
-              <a:rPr lang="en-US" altLang="zh-CN" sz="1600" dirty="0">
-                <a:solidFill>
-                  <a:schemeClr val="tx1"/>
-                </a:solidFill>
-                <a:latin typeface="微软雅黑" panose="020B0503020204020204" charset="-122"/>
-                <a:ea typeface="微软雅黑" panose="020B0503020204020204" charset="-122"/>
-              </a:rPr>
-              <a:t>prompt tuning</a:t>
-            </a:r>
-            <a:r>
-              <a:rPr lang="zh-CN" altLang="en-US" sz="1600" dirty="0">
-                <a:solidFill>
-                  <a:schemeClr val="tx1"/>
-                </a:solidFill>
-                <a:latin typeface="微软雅黑" panose="020B0503020204020204" charset="-122"/>
-                <a:ea typeface="微软雅黑" panose="020B0503020204020204" charset="-122"/>
-              </a:rPr>
-              <a:t>）它以前缀形式添加提示，直接在输入前拼</a:t>
-            </a:r>
-            <a:r>
-              <a:rPr lang="en-US" altLang="zh-CN" sz="1600" dirty="0">
-                <a:solidFill>
-                  <a:schemeClr val="tx1"/>
-                </a:solidFill>
-                <a:latin typeface="微软雅黑" panose="020B0503020204020204" charset="-122"/>
-                <a:ea typeface="微软雅黑" panose="020B0503020204020204" charset="-122"/>
-              </a:rPr>
-              <a:t>接连续型向量。在提示微调的训练过程中，只有提示的嵌入向量会根据特定任务进行监督学习.</a:t>
-            </a:r>
-            <a:endParaRPr lang="en-US" altLang="zh-CN" sz="1600" dirty="0">
+              <a:t>Computational Bottlenecks of Training Small-scale Large Language Models</a:t>
+            </a:r>
+            <a:endParaRPr lang="en-US" altLang="zh-CN" sz="3600" dirty="0">
               <a:solidFill>
-                <a:schemeClr val="tx1"/>
+                <a:srgbClr val="383987"/>
               </a:solidFill>
               <a:latin typeface="微软雅黑" panose="020B0503020204020204" charset="-122"/>
               <a:ea typeface="微软雅黑" panose="020B0503020204020204" charset="-122"/>
-            </a:endParaRPr>
-          </a:p>
-          <a:p>
-            <a:pPr marL="0" lvl="0" indent="0">
-              <a:buNone/>
-            </a:pPr>
-            <a:endParaRPr lang="en-US" altLang="zh-CN" sz="1600" b="1" dirty="0">
-              <a:solidFill>
-                <a:schemeClr val="tx1"/>
-              </a:solidFill>
-              <a:latin typeface="微软雅黑" panose="020B0503020204020204" charset="-122"/>
-              <a:ea typeface="微软雅黑" panose="020B0503020204020204" charset="-122"/>
-            </a:endParaRPr>
-          </a:p>
-        </p:txBody>
-      </p:sp>
-      <p:sp>
-        <p:nvSpPr>
-          <p:cNvPr id="5" name="文本框 4"/>
-          <p:cNvSpPr txBox="1"/>
-          <p:nvPr>
-            <p:custDataLst>
-              <p:tags r:id="rId3"/>
-            </p:custDataLst>
-          </p:nvPr>
-        </p:nvSpPr>
-        <p:spPr>
-          <a:xfrm>
-            <a:off x="455295" y="1062990"/>
-            <a:ext cx="10515600" cy="506095"/>
-          </a:xfrm>
-          <a:prstGeom prst="rect">
-            <a:avLst/>
-          </a:prstGeom>
-          <a:noFill/>
-        </p:spPr>
-        <p:txBody>
-          <a:bodyPr wrap="square" rtlCol="0">
-            <a:noAutofit/>
-          </a:bodyPr>
-          <a:p>
-            <a:pPr marL="285750" indent="-285750">
-              <a:lnSpc>
-                <a:spcPct val="150000"/>
-              </a:lnSpc>
-              <a:buFont typeface="Wingdings" panose="05000000000000000000" charset="0"/>
-              <a:buChar char="p"/>
-            </a:pPr>
-            <a:r>
-              <a:rPr lang="zh-CN" altLang="en-US" b="1" dirty="0">
-                <a:latin typeface="微软雅黑" panose="020B0503020204020204" charset="-122"/>
-                <a:ea typeface="微软雅黑" panose="020B0503020204020204" charset="-122"/>
-                <a:sym typeface="+mn-ea"/>
-              </a:rPr>
-              <a:t>Brian Lester, Rami Al-Rfou, and Noah Constant. “The Power of Scale for Parameter_x0002_Efficient Prompt Tuning”. In: EMNLP. 2021.</a:t>
-            </a:r>
-            <a:endParaRPr lang="zh-CN" altLang="en-US" b="1" dirty="0">
-              <a:latin typeface="微软雅黑" panose="020B0503020204020204" charset="-122"/>
-              <a:ea typeface="微软雅黑" panose="020B0503020204020204" charset="-122"/>
               <a:sym typeface="+mn-ea"/>
             </a:endParaRPr>
           </a:p>
         </p:txBody>
       </p:sp>
-      <p:pic>
-        <p:nvPicPr>
-          <p:cNvPr id="6" name="图片 5"/>
-          <p:cNvPicPr>
-            <a:picLocks noChangeAspect="1"/>
-          </p:cNvPicPr>
-          <p:nvPr/>
-        </p:nvPicPr>
-        <p:blipFill>
-          <a:blip r:embed="rId4"/>
-          <a:stretch>
-            <a:fillRect/>
-          </a:stretch>
-        </p:blipFill>
-        <p:spPr>
-          <a:xfrm>
-            <a:off x="4392930" y="2873375"/>
-            <a:ext cx="3402330" cy="3752215"/>
-          </a:xfrm>
-          <a:prstGeom prst="rect">
-            <a:avLst/>
-          </a:prstGeom>
-        </p:spPr>
-      </p:pic>
     </p:spTree>
   </p:cSld>
   <p:clrMapOvr>
@@ -4931,7 +4431,7 @@
                 <a:ea typeface="宋体" panose="02010600030101010101" pitchFamily="2" charset="-122"/>
                 <a:cs typeface="+mn-cs"/>
               </a:rPr>
-              <a:t>02</a:t>
+              <a:t>04</a:t>
             </a:r>
             <a:endParaRPr kumimoji="0" lang="en-US" altLang="zh-CN" sz="11500" b="0" i="0" u="none" strike="noStrike" kern="1200" cap="none" spc="0" normalizeH="0" baseline="0" noProof="0" dirty="0">
               <a:ln>
@@ -4989,7 +4489,7 @@
               <a:defRPr/>
             </a:pPr>
             <a:r>
-              <a:rPr lang="en-US" sz="3600" dirty="0">
+              <a:rPr lang="zh-CN" sz="3600" dirty="0">
                 <a:solidFill>
                   <a:srgbClr val="383987"/>
                 </a:solidFill>
@@ -4997,9 +4497,9 @@
                 <a:ea typeface="微软雅黑" panose="020B0503020204020204" charset="-122"/>
                 <a:sym typeface="+mn-ea"/>
               </a:rPr>
-              <a:t>LoRA</a:t>
-            </a:r>
-            <a:endParaRPr lang="en-US" altLang="zh-CN" sz="3600" dirty="0">
+              <a:t>计划</a:t>
+            </a:r>
+            <a:endParaRPr lang="zh-CN" sz="3600" dirty="0">
               <a:solidFill>
                 <a:srgbClr val="383987"/>
               </a:solidFill>
@@ -5035,30 +4535,6 @@
           <a:chExt cx="0" cy="0"/>
         </a:xfrm>
       </p:grpSpPr>
-      <p:pic>
-        <p:nvPicPr>
-          <p:cNvPr id="2" name="图片 1"/>
-          <p:cNvPicPr>
-            <a:picLocks noChangeAspect="1"/>
-          </p:cNvPicPr>
-          <p:nvPr/>
-        </p:nvPicPr>
-        <p:blipFill>
-          <a:blip r:embed="rId1"/>
-          <a:stretch>
-            <a:fillRect/>
-          </a:stretch>
-        </p:blipFill>
-        <p:spPr>
-          <a:xfrm>
-            <a:off x="8173720" y="601980"/>
-            <a:ext cx="3829050" cy="3835400"/>
-          </a:xfrm>
-          <a:prstGeom prst="rect">
-            <a:avLst/>
-          </a:prstGeom>
-        </p:spPr>
-      </p:pic>
       <p:sp>
         <p:nvSpPr>
           <p:cNvPr id="13" name="文本框 12"/>
@@ -5068,7 +4544,7 @@
         <p:spPr>
           <a:xfrm>
             <a:off x="106466" y="601786"/>
-            <a:ext cx="1033780" cy="398780"/>
+            <a:ext cx="1287780" cy="398780"/>
           </a:xfrm>
           <a:prstGeom prst="rect">
             <a:avLst/>
@@ -5090,43 +4566,9 @@
                 <a:latin typeface="微软雅黑" panose="020B0503020204020204" charset="-122"/>
                 <a:ea typeface="微软雅黑" panose="020B0503020204020204" charset="-122"/>
               </a:rPr>
-              <a:t>概述</a:t>
-            </a:r>
-            <a:endParaRPr lang="zh-CN" altLang="en-US" sz="2000" b="1" dirty="0"/>
-          </a:p>
-        </p:txBody>
-      </p:sp>
-      <p:sp>
-        <p:nvSpPr>
-          <p:cNvPr id="7" name="文本框 6"/>
-          <p:cNvSpPr txBox="1"/>
-          <p:nvPr/>
-        </p:nvSpPr>
-        <p:spPr>
-          <a:xfrm>
-            <a:off x="724535" y="1323340"/>
-            <a:ext cx="2247900" cy="410845"/>
-          </a:xfrm>
-          <a:prstGeom prst="rect">
-            <a:avLst/>
-          </a:prstGeom>
-          <a:noFill/>
-        </p:spPr>
-        <p:txBody>
-          <a:bodyPr wrap="square">
-            <a:noAutofit/>
-          </a:bodyPr>
-          <a:lstStyle/>
-          <a:p>
-            <a:pPr algn="l" fontAlgn="auto">
-              <a:lnSpc>
-                <a:spcPts val="2200"/>
-              </a:lnSpc>
-              <a:buClrTx/>
-              <a:buSzTx/>
-              <a:buNone/>
-            </a:pPr>
-            <a:endParaRPr lang="zh-CN" altLang="en-US" sz="1600" dirty="0">
+              <a:t>下一周</a:t>
+            </a:r>
+            <a:endParaRPr lang="zh-CN" altLang="en-US" sz="2000" b="1" dirty="0">
               <a:latin typeface="微软雅黑" panose="020B0503020204020204" charset="-122"/>
               <a:ea typeface="微软雅黑" panose="020B0503020204020204" charset="-122"/>
             </a:endParaRPr>
@@ -5135,11 +4577,11 @@
       </p:sp>
       <p:sp>
         <p:nvSpPr>
-          <p:cNvPr id="3" name="矩形 2"/>
+          <p:cNvPr id="6" name="矩形 5"/>
           <p:cNvSpPr/>
           <p:nvPr>
             <p:custDataLst>
-              <p:tags r:id="rId2"/>
+              <p:tags r:id="rId1"/>
             </p:custDataLst>
           </p:nvPr>
         </p:nvSpPr>
@@ -5177,12 +4619,21 @@
         <p:txBody>
           <a:bodyPr rtlCol="0" anchor="ctr"/>
           <a:p>
-            <a:pPr indent="0" algn="ctr">
+            <a:pPr marL="0" marR="0" lvl="0" indent="0" algn="ctr" defTabSz="914400" rtl="0" eaLnBrk="1" fontAlgn="auto" latinLnBrk="0" hangingPunct="1">
               <a:lnSpc>
-                <a:spcPct val="150000"/>
+                <a:spcPct val="100000"/>
               </a:lnSpc>
-              <a:buFont typeface="Wingdings" panose="05000000000000000000" charset="0"/>
-              <a:buNone/>
+              <a:spcBef>
+                <a:spcPts val="0"/>
+              </a:spcBef>
+              <a:spcAft>
+                <a:spcPts val="0"/>
+              </a:spcAft>
+              <a:buClrTx/>
+              <a:buSzTx/>
+              <a:buFontTx/>
+              <a:buNone/>
+              <a:defRPr/>
             </a:pPr>
             <a:r>
               <a:rPr lang="en-US" altLang="zh-CN" dirty="0">
@@ -5191,39 +4642,40 @@
                 <a:ea typeface="微软雅黑" panose="020B0503020204020204" charset="-122"/>
                 <a:sym typeface="+mn-ea"/>
               </a:rPr>
-              <a:t>2.</a:t>
-            </a:r>
-            <a:r>
-              <a:rPr lang="en-US" altLang="zh-CN" dirty="0">
+              <a:t>4.</a:t>
+            </a:r>
+            <a:r>
+              <a:rPr lang="zh-CN" altLang="en-US" dirty="0">
                 <a:effectLst/>
                 <a:latin typeface="微软雅黑" panose="020B0503020204020204" charset="-122"/>
                 <a:ea typeface="微软雅黑" panose="020B0503020204020204" charset="-122"/>
                 <a:sym typeface="+mn-ea"/>
               </a:rPr>
-              <a:t>LoRA: Low-Rank Adaptation of Large Language Models</a:t>
-            </a:r>
-            <a:endParaRPr lang="en-US" altLang="zh-CN" dirty="0">
+              <a:t>计划</a:t>
+            </a:r>
+            <a:endParaRPr lang="zh-CN" altLang="en-US" dirty="0">
               <a:effectLst/>
               <a:latin typeface="微软雅黑" panose="020B0503020204020204" charset="-122"/>
               <a:ea typeface="微软雅黑" panose="020B0503020204020204" charset="-122"/>
-            </a:endParaRPr>
-          </a:p>
-        </p:txBody>
-      </p:sp>
-      <p:sp>
-        <p:nvSpPr>
-          <p:cNvPr id="5" name="文本框 4"/>
+              <a:sym typeface="+mn-ea"/>
+            </a:endParaRPr>
+          </a:p>
+        </p:txBody>
+      </p:sp>
+      <p:sp>
+        <p:nvSpPr>
+          <p:cNvPr id="3" name="文本框 2"/>
           <p:cNvSpPr txBox="1"/>
           <p:nvPr>
             <p:custDataLst>
-              <p:tags r:id="rId3"/>
+              <p:tags r:id="rId2"/>
             </p:custDataLst>
           </p:nvPr>
         </p:nvSpPr>
         <p:spPr>
           <a:xfrm>
-            <a:off x="455295" y="972185"/>
-            <a:ext cx="1725930" cy="506730"/>
+            <a:off x="455295" y="1657350"/>
+            <a:ext cx="4956810" cy="506730"/>
           </a:xfrm>
           <a:prstGeom prst="rect">
             <a:avLst/>
@@ -5247,7 +4699,21 @@
                 <a:latin typeface="微软雅黑" panose="020B0503020204020204" charset="-122"/>
                 <a:ea typeface="微软雅黑" panose="020B0503020204020204" charset="-122"/>
               </a:rPr>
-              <a:t>任务：</a:t>
+              <a:t>继续读大模型</a:t>
+            </a:r>
+            <a:r>
+              <a:rPr lang="en-US" altLang="zh-CN" b="1" dirty="0">
+                <a:latin typeface="微软雅黑" panose="020B0503020204020204" charset="-122"/>
+                <a:ea typeface="微软雅黑" panose="020B0503020204020204" charset="-122"/>
+              </a:rPr>
+              <a:t>guide</a:t>
+            </a:r>
+            <a:r>
+              <a:rPr lang="zh-CN" altLang="en-US" b="1" dirty="0">
+                <a:latin typeface="微软雅黑" panose="020B0503020204020204" charset="-122"/>
+                <a:ea typeface="微软雅黑" panose="020B0503020204020204" charset="-122"/>
+              </a:rPr>
+              <a:t>的论文推荐：</a:t>
             </a:r>
             <a:endParaRPr lang="en-US" altLang="zh-CN" b="1" dirty="0">
               <a:latin typeface="微软雅黑" panose="020B0503020204020204" charset="-122"/>
@@ -5258,229 +4724,14 @@
       </p:sp>
       <p:sp>
         <p:nvSpPr>
-          <p:cNvPr id="8" name="文本框 7"/>
+          <p:cNvPr id="7" name="文本框 6"/>
           <p:cNvSpPr txBox="1"/>
           <p:nvPr/>
         </p:nvSpPr>
         <p:spPr>
           <a:xfrm>
-            <a:off x="286385" y="2472055"/>
-            <a:ext cx="9719945" cy="1276350"/>
-          </a:xfrm>
-          <a:prstGeom prst="rect">
-            <a:avLst/>
-          </a:prstGeom>
-          <a:noFill/>
-        </p:spPr>
-        <p:txBody>
-          <a:bodyPr wrap="square" rtlCol="0">
-            <a:noAutofit/>
-          </a:bodyPr>
-          <a:p>
-            <a:pPr marL="0" lvl="0" indent="0">
-              <a:buNone/>
-            </a:pPr>
-            <a:endParaRPr lang="en-US" altLang="zh-CN" sz="1600" dirty="0">
-              <a:solidFill>
-                <a:schemeClr val="tx1"/>
-              </a:solidFill>
-              <a:latin typeface="微软雅黑" panose="020B0503020204020204" charset="-122"/>
-              <a:ea typeface="微软雅黑" panose="020B0503020204020204" charset="-122"/>
-            </a:endParaRPr>
-          </a:p>
-          <a:p>
-            <a:pPr marL="0" lvl="0" indent="0">
-              <a:buNone/>
-            </a:pPr>
-            <a:endParaRPr lang="en-US" altLang="zh-CN" sz="1600" dirty="0">
-              <a:solidFill>
-                <a:schemeClr val="tx1"/>
-              </a:solidFill>
-              <a:latin typeface="微软雅黑" panose="020B0503020204020204" charset="-122"/>
-              <a:ea typeface="微软雅黑" panose="020B0503020204020204" charset="-122"/>
-            </a:endParaRPr>
-          </a:p>
-          <a:p>
-            <a:pPr marL="0" lvl="0" indent="0">
-              <a:buNone/>
-            </a:pPr>
-            <a:endParaRPr lang="en-US" altLang="zh-CN" sz="1600" dirty="0">
-              <a:solidFill>
-                <a:schemeClr val="tx1"/>
-              </a:solidFill>
-              <a:latin typeface="微软雅黑" panose="020B0503020204020204" charset="-122"/>
-              <a:ea typeface="微软雅黑" panose="020B0503020204020204" charset="-122"/>
-            </a:endParaRPr>
-          </a:p>
-          <a:p>
-            <a:pPr marL="0" lvl="0" indent="0">
-              <a:buNone/>
-            </a:pPr>
-            <a:endParaRPr lang="en-US" altLang="zh-CN" sz="1600" dirty="0">
-              <a:solidFill>
-                <a:schemeClr val="tx1"/>
-              </a:solidFill>
-              <a:latin typeface="微软雅黑" panose="020B0503020204020204" charset="-122"/>
-              <a:ea typeface="微软雅黑" panose="020B0503020204020204" charset="-122"/>
-            </a:endParaRPr>
-          </a:p>
-        </p:txBody>
-      </p:sp>
-      <p:sp>
-        <p:nvSpPr>
-          <p:cNvPr id="11" name="文本框 10"/>
-          <p:cNvSpPr txBox="1"/>
-          <p:nvPr>
-            <p:custDataLst>
-              <p:tags r:id="rId4"/>
-            </p:custDataLst>
-          </p:nvPr>
-        </p:nvSpPr>
-        <p:spPr>
-          <a:xfrm>
-            <a:off x="455295" y="2056765"/>
-            <a:ext cx="1725930" cy="506730"/>
-          </a:xfrm>
-          <a:prstGeom prst="rect">
-            <a:avLst/>
-          </a:prstGeom>
-          <a:noFill/>
-        </p:spPr>
-        <p:txBody>
-          <a:bodyPr wrap="square" rtlCol="0">
-            <a:spAutoFit/>
-          </a:bodyPr>
-          <a:p>
-            <a:pPr marL="285750" indent="-285750">
-              <a:lnSpc>
-                <a:spcPct val="150000"/>
-              </a:lnSpc>
-              <a:buFont typeface="Wingdings" panose="05000000000000000000" charset="0"/>
-              <a:buChar char="p"/>
-            </a:pPr>
-            <a:r>
-              <a:rPr lang="zh-CN" altLang="en-US" b="1" dirty="0">
-                <a:latin typeface="微软雅黑" panose="020B0503020204020204" charset="-122"/>
-                <a:ea typeface="微软雅黑" panose="020B0503020204020204" charset="-122"/>
-              </a:rPr>
-              <a:t>动机：</a:t>
-            </a:r>
-            <a:endParaRPr lang="en-US" altLang="zh-CN" b="1" dirty="0">
-              <a:latin typeface="微软雅黑" panose="020B0503020204020204" charset="-122"/>
-              <a:ea typeface="微软雅黑" panose="020B0503020204020204" charset="-122"/>
-            </a:endParaRPr>
-          </a:p>
-        </p:txBody>
-      </p:sp>
-      <p:sp>
-        <p:nvSpPr>
-          <p:cNvPr id="4" name="文本框 3"/>
-          <p:cNvSpPr txBox="1"/>
-          <p:nvPr>
-            <p:custDataLst>
-              <p:tags r:id="rId5"/>
-            </p:custDataLst>
-          </p:nvPr>
-        </p:nvSpPr>
-        <p:spPr>
-          <a:xfrm>
-            <a:off x="455295" y="3140075"/>
-            <a:ext cx="1725930" cy="506730"/>
-          </a:xfrm>
-          <a:prstGeom prst="rect">
-            <a:avLst/>
-          </a:prstGeom>
-          <a:noFill/>
-        </p:spPr>
-        <p:txBody>
-          <a:bodyPr wrap="square" rtlCol="0">
-            <a:spAutoFit/>
-          </a:bodyPr>
-          <a:p>
-            <a:pPr marL="285750" indent="-285750">
-              <a:lnSpc>
-                <a:spcPct val="150000"/>
-              </a:lnSpc>
-              <a:buFont typeface="Wingdings" panose="05000000000000000000" charset="0"/>
-              <a:buChar char="p"/>
-            </a:pPr>
-            <a:r>
-              <a:rPr lang="zh-CN" altLang="en-US" b="1" dirty="0">
-                <a:latin typeface="微软雅黑" panose="020B0503020204020204" charset="-122"/>
-                <a:ea typeface="微软雅黑" panose="020B0503020204020204" charset="-122"/>
-              </a:rPr>
-              <a:t>整体</a:t>
-            </a:r>
-            <a:r>
-              <a:rPr lang="zh-CN" altLang="en-US" b="1" dirty="0">
-                <a:latin typeface="微软雅黑" panose="020B0503020204020204" charset="-122"/>
-                <a:ea typeface="微软雅黑" panose="020B0503020204020204" charset="-122"/>
-              </a:rPr>
-              <a:t>思路：</a:t>
-            </a:r>
-            <a:endParaRPr lang="en-US" altLang="zh-CN" b="1" dirty="0">
-              <a:latin typeface="微软雅黑" panose="020B0503020204020204" charset="-122"/>
-              <a:ea typeface="微软雅黑" panose="020B0503020204020204" charset="-122"/>
-            </a:endParaRPr>
-          </a:p>
-        </p:txBody>
-      </p:sp>
-      <p:sp>
-        <p:nvSpPr>
-          <p:cNvPr id="6" name="文本框 5"/>
-          <p:cNvSpPr txBox="1"/>
-          <p:nvPr>
-            <p:custDataLst>
-              <p:tags r:id="rId6"/>
-            </p:custDataLst>
-          </p:nvPr>
-        </p:nvSpPr>
-        <p:spPr>
-          <a:xfrm>
-            <a:off x="455295" y="5052695"/>
-            <a:ext cx="1725930" cy="506730"/>
-          </a:xfrm>
-          <a:prstGeom prst="rect">
-            <a:avLst/>
-          </a:prstGeom>
-          <a:noFill/>
-        </p:spPr>
-        <p:txBody>
-          <a:bodyPr wrap="square" rtlCol="0">
-            <a:spAutoFit/>
-          </a:bodyPr>
-          <a:p>
-            <a:pPr marL="285750" indent="-285750">
-              <a:lnSpc>
-                <a:spcPct val="150000"/>
-              </a:lnSpc>
-              <a:buFont typeface="Wingdings" panose="05000000000000000000" charset="0"/>
-              <a:buChar char="p"/>
-            </a:pPr>
-            <a:r>
-              <a:rPr lang="zh-CN" altLang="en-US" b="1" dirty="0">
-                <a:latin typeface="微软雅黑" panose="020B0503020204020204" charset="-122"/>
-                <a:ea typeface="微软雅黑" panose="020B0503020204020204" charset="-122"/>
-              </a:rPr>
-              <a:t>贡献：</a:t>
-            </a:r>
-            <a:endParaRPr lang="en-US" altLang="zh-CN" b="1" dirty="0">
-              <a:latin typeface="微软雅黑" panose="020B0503020204020204" charset="-122"/>
-              <a:ea typeface="微软雅黑" panose="020B0503020204020204" charset="-122"/>
-            </a:endParaRPr>
-          </a:p>
-        </p:txBody>
-      </p:sp>
-      <p:sp>
-        <p:nvSpPr>
-          <p:cNvPr id="14" name="文本框 13"/>
-          <p:cNvSpPr txBox="1"/>
-          <p:nvPr/>
-        </p:nvSpPr>
-        <p:spPr>
-          <a:xfrm>
-            <a:off x="106680" y="6453505"/>
-            <a:ext cx="11391265" cy="275590"/>
+            <a:off x="911860" y="2178050"/>
+            <a:ext cx="8903970" cy="4523105"/>
           </a:xfrm>
           <a:prstGeom prst="rect">
             <a:avLst/>
@@ -5491,414 +4742,430 @@
             <a:spAutoFit/>
           </a:bodyPr>
           <a:p>
-            <a:pPr marL="0" indent="0" algn="l"/>
-            <a:r>
-              <a:rPr lang="en-US" altLang="zh-CN" sz="1200" b="0" i="0">
-                <a:solidFill>
-                  <a:srgbClr val="333333"/>
-                </a:solidFill>
-                <a:latin typeface="Arial" panose="020B0604020202020204"/>
-                <a:ea typeface="Arial" panose="020B0604020202020204"/>
-              </a:rPr>
-              <a:t>Hu E J, Shen Y, Wallis P, et al. Lora: Low-rank adaptation of large language models[J]. arXiv preprint arXiv:2106.09685, 2021.</a:t>
-            </a:r>
-            <a:endParaRPr lang="en-US" altLang="zh-CN" sz="1200" b="0" i="0">
+            <a:pPr marL="0" indent="0" algn="just"/>
+            <a:r>
+              <a:rPr lang="zh-CN" altLang="en-US" sz="1600" b="0" i="0">
+                <a:solidFill>
+                  <a:srgbClr val="000000"/>
+                </a:solidFill>
+                <a:latin typeface="微软雅黑" panose="020B0503020204020204" charset="-122"/>
+                <a:ea typeface="微软雅黑" panose="020B0503020204020204" charset="-122"/>
+              </a:rPr>
+              <a:t>继续补充大模型和微调的基础论文，少看视频，多看论文和博客。不懂的多查，感觉看视频十分低效</a:t>
+            </a:r>
+            <a:endParaRPr lang="zh-CN" altLang="en-US" sz="1600" b="0" i="0">
               <a:solidFill>
-                <a:srgbClr val="333333"/>
-              </a:solidFill>
-              <a:latin typeface="Arial" panose="020B0604020202020204"/>
-              <a:ea typeface="Arial" panose="020B0604020202020204"/>
-            </a:endParaRPr>
-          </a:p>
-        </p:txBody>
-      </p:sp>
-      <p:sp>
-        <p:nvSpPr>
-          <p:cNvPr id="15" name="文本框 14"/>
-          <p:cNvSpPr txBox="1"/>
-          <p:nvPr/>
-        </p:nvSpPr>
-        <p:spPr>
-          <a:xfrm>
-            <a:off x="286385" y="1457325"/>
-            <a:ext cx="7389495" cy="603885"/>
-          </a:xfrm>
-          <a:prstGeom prst="rect">
-            <a:avLst/>
-          </a:prstGeom>
-          <a:noFill/>
-        </p:spPr>
-        <p:txBody>
-          <a:bodyPr wrap="square" rtlCol="0">
-            <a:noAutofit/>
-          </a:bodyPr>
-          <a:p>
-            <a:pPr indent="457200"/>
-            <a:r>
-              <a:rPr lang="zh-CN" sz="1600" dirty="0">
-                <a:solidFill>
-                  <a:schemeClr val="tx1"/>
-                </a:solidFill>
-                <a:latin typeface="微软雅黑" panose="020B0503020204020204" charset="-122"/>
-                <a:ea typeface="微软雅黑" panose="020B0503020204020204" charset="-122"/>
-              </a:rPr>
-              <a:t>解决模型训练中一些只有低秩的内容但是还是执行全局计算导致的过大计算量问题</a:t>
-            </a:r>
-            <a:endParaRPr lang="zh-CN" sz="1600" dirty="0">
-              <a:solidFill>
-                <a:schemeClr val="tx1"/>
+                <a:srgbClr val="000000"/>
               </a:solidFill>
               <a:latin typeface="微软雅黑" panose="020B0503020204020204" charset="-122"/>
               <a:ea typeface="微软雅黑" panose="020B0503020204020204" charset="-122"/>
             </a:endParaRPr>
           </a:p>
           <a:p>
-            <a:pPr indent="457200"/>
-            <a:endParaRPr lang="zh-CN" altLang="zh-CN" sz="1600" dirty="0">
+            <a:pPr marL="0" indent="0" algn="just"/>
+            <a:endParaRPr lang="zh-CN" altLang="en-US" sz="1600" b="0" i="0">
               <a:solidFill>
-                <a:schemeClr val="tx1"/>
+                <a:srgbClr val="000000"/>
               </a:solidFill>
               <a:latin typeface="微软雅黑" panose="020B0503020204020204" charset="-122"/>
               <a:ea typeface="微软雅黑" panose="020B0503020204020204" charset="-122"/>
             </a:endParaRPr>
           </a:p>
           <a:p>
-            <a:pPr indent="457200"/>
-            <a:endParaRPr lang="zh-CN" altLang="zh-CN" sz="1600" dirty="0">
+            <a:pPr marL="0" indent="0" algn="just"/>
+            <a:r>
+              <a:rPr lang="zh-CN" altLang="en-US" sz="1600" b="1" i="0">
+                <a:solidFill>
+                  <a:srgbClr val="000000"/>
+                </a:solidFill>
+                <a:latin typeface="微软雅黑" panose="020B0503020204020204" charset="-122"/>
+                <a:ea typeface="微软雅黑" panose="020B0503020204020204" charset="-122"/>
+              </a:rPr>
+              <a:t>现阶段的疑惑是</a:t>
+            </a:r>
+            <a:r>
+              <a:rPr lang="zh-CN" altLang="en-US" sz="1600" b="0" i="0">
+                <a:solidFill>
+                  <a:srgbClr val="000000"/>
+                </a:solidFill>
+                <a:latin typeface="微软雅黑" panose="020B0503020204020204" charset="-122"/>
+                <a:ea typeface="微软雅黑" panose="020B0503020204020204" charset="-122"/>
+              </a:rPr>
+              <a:t>：</a:t>
+            </a:r>
+            <a:endParaRPr lang="zh-CN" altLang="en-US" sz="1600" b="0" i="0">
               <a:solidFill>
-                <a:schemeClr val="tx1"/>
+                <a:srgbClr val="000000"/>
               </a:solidFill>
               <a:latin typeface="微软雅黑" panose="020B0503020204020204" charset="-122"/>
               <a:ea typeface="微软雅黑" panose="020B0503020204020204" charset="-122"/>
             </a:endParaRPr>
           </a:p>
           <a:p>
-            <a:pPr indent="457200"/>
-            <a:r>
-              <a:rPr lang="en-US" altLang="zh-CN" sz="1600" dirty="0">
-                <a:solidFill>
-                  <a:schemeClr val="tx1"/>
-                </a:solidFill>
-                <a:latin typeface="微软雅黑" panose="020B0503020204020204" charset="-122"/>
-                <a:ea typeface="微软雅黑" panose="020B0503020204020204" charset="-122"/>
-              </a:rPr>
-              <a:t>1.  模型在针对特定任务进行适配时，参数矩阵往往</a:t>
-            </a:r>
-            <a:r>
-              <a:rPr lang="zh-CN" altLang="en-US" sz="1600" dirty="0">
-                <a:solidFill>
-                  <a:schemeClr val="tx1"/>
-                </a:solidFill>
-                <a:latin typeface="微软雅黑" panose="020B0503020204020204" charset="-122"/>
-                <a:ea typeface="微软雅黑" panose="020B0503020204020204" charset="-122"/>
-              </a:rPr>
-              <a:t>是过参数化（Over-</a:t>
-            </a:r>
-            <a:r>
-              <a:rPr lang="en-US" altLang="zh-CN" sz="1600" dirty="0">
-                <a:solidFill>
-                  <a:schemeClr val="tx1"/>
-                </a:solidFill>
-                <a:latin typeface="微软雅黑" panose="020B0503020204020204" charset="-122"/>
-                <a:ea typeface="微软雅黑" panose="020B0503020204020204" charset="-122"/>
-              </a:rPr>
-              <a:t>   </a:t>
-            </a:r>
-            <a:endParaRPr lang="en-US" altLang="zh-CN" sz="1600" dirty="0">
+            <a:pPr marL="0" indent="0" algn="just"/>
+            <a:r>
+              <a:rPr lang="zh-CN" altLang="en-US" sz="1600" b="0" i="0">
+                <a:solidFill>
+                  <a:srgbClr val="000000"/>
+                </a:solidFill>
+                <a:latin typeface="微软雅黑" panose="020B0503020204020204" charset="-122"/>
+                <a:ea typeface="微软雅黑" panose="020B0503020204020204" charset="-122"/>
+              </a:rPr>
+              <a:t>在和学长们的讨论后，对基础的补齐思路大致如下：</a:t>
+            </a:r>
+            <a:endParaRPr lang="zh-CN" altLang="en-US" sz="1600" b="0" i="0">
               <a:solidFill>
-                <a:schemeClr val="tx1"/>
+                <a:srgbClr val="000000"/>
               </a:solidFill>
               <a:latin typeface="微软雅黑" panose="020B0503020204020204" charset="-122"/>
               <a:ea typeface="微软雅黑" panose="020B0503020204020204" charset="-122"/>
             </a:endParaRPr>
           </a:p>
           <a:p>
-            <a:pPr indent="457200"/>
-            <a:r>
-              <a:rPr lang="en-US" altLang="zh-CN" sz="1600" dirty="0">
-                <a:solidFill>
-                  <a:schemeClr val="tx1"/>
-                </a:solidFill>
-                <a:latin typeface="微软雅黑" panose="020B0503020204020204" charset="-122"/>
-                <a:ea typeface="微软雅黑" panose="020B0503020204020204" charset="-122"/>
-              </a:rPr>
-              <a:t>     </a:t>
-            </a:r>
-            <a:r>
-              <a:rPr lang="zh-CN" altLang="en-US" sz="1600" dirty="0">
-                <a:solidFill>
-                  <a:schemeClr val="tx1"/>
-                </a:solidFill>
-                <a:latin typeface="微软雅黑" panose="020B0503020204020204" charset="-122"/>
-                <a:ea typeface="微软雅黑" panose="020B0503020204020204" charset="-122"/>
-              </a:rPr>
-              <a:t>parametrized）的，其存在一个较低的内在秩</a:t>
-            </a:r>
-            <a:endParaRPr lang="zh-CN" altLang="en-US" sz="1600" dirty="0">
+            <a:pPr marL="0" indent="0" algn="just"/>
+            <a:endParaRPr lang="zh-CN" altLang="en-US" sz="1600" b="0" i="0">
               <a:solidFill>
-                <a:schemeClr val="tx1"/>
+                <a:srgbClr val="000000"/>
               </a:solidFill>
               <a:latin typeface="微软雅黑" panose="020B0503020204020204" charset="-122"/>
               <a:ea typeface="微软雅黑" panose="020B0503020204020204" charset="-122"/>
             </a:endParaRPr>
           </a:p>
           <a:p>
-            <a:pPr indent="457200"/>
-            <a:r>
-              <a:rPr lang="en-US" altLang="zh-CN" sz="1600" dirty="0">
-                <a:solidFill>
-                  <a:schemeClr val="tx1"/>
-                </a:solidFill>
-                <a:latin typeface="微软雅黑" panose="020B0503020204020204" charset="-122"/>
-                <a:ea typeface="微软雅黑" panose="020B0503020204020204" charset="-122"/>
-              </a:rPr>
-              <a:t>2.  </a:t>
-            </a:r>
-            <a:r>
-              <a:rPr lang="zh-CN" altLang="en-US" sz="1600" dirty="0">
-                <a:solidFill>
-                  <a:schemeClr val="tx1"/>
-                </a:solidFill>
-                <a:latin typeface="微软雅黑" panose="020B0503020204020204" charset="-122"/>
-                <a:ea typeface="微软雅黑" panose="020B0503020204020204" charset="-122"/>
-              </a:rPr>
-              <a:t>这样会导致一些冗余计算</a:t>
-            </a:r>
-            <a:endParaRPr lang="zh-CN" altLang="en-US" sz="1600" dirty="0">
+            <a:pPr marL="0" indent="0" algn="just"/>
+            <a:r>
+              <a:rPr lang="zh-CN" altLang="en-US" sz="1600" b="0" i="0">
+                <a:solidFill>
+                  <a:srgbClr val="000000"/>
+                </a:solidFill>
+                <a:latin typeface="微软雅黑" panose="020B0503020204020204" charset="-122"/>
+                <a:ea typeface="微软雅黑" panose="020B0503020204020204" charset="-122"/>
+              </a:rPr>
+              <a:t>理论知识：</a:t>
+            </a:r>
+            <a:endParaRPr lang="zh-CN" altLang="en-US" sz="1600" b="0" i="0">
               <a:solidFill>
-                <a:schemeClr val="tx1"/>
+                <a:srgbClr val="000000"/>
               </a:solidFill>
               <a:latin typeface="微软雅黑" panose="020B0503020204020204" charset="-122"/>
               <a:ea typeface="微软雅黑" panose="020B0503020204020204" charset="-122"/>
             </a:endParaRPr>
           </a:p>
           <a:p>
-            <a:pPr indent="457200"/>
-            <a:endParaRPr lang="zh-CN" altLang="en-US" sz="1600" dirty="0">
+            <a:pPr marL="0" indent="457200" algn="just"/>
+            <a:r>
+              <a:rPr lang="en-US" altLang="zh-CN" sz="1600" b="0" i="0">
+                <a:solidFill>
+                  <a:srgbClr val="000000"/>
+                </a:solidFill>
+                <a:latin typeface="微软雅黑" panose="020B0503020204020204" charset="-122"/>
+                <a:ea typeface="微软雅黑" panose="020B0503020204020204" charset="-122"/>
+              </a:rPr>
+              <a:t>1.</a:t>
+            </a:r>
+            <a:r>
+              <a:rPr lang="zh-CN" altLang="en-US" sz="1600" b="0" i="0">
+                <a:solidFill>
+                  <a:srgbClr val="000000"/>
+                </a:solidFill>
+                <a:latin typeface="微软雅黑" panose="020B0503020204020204" charset="-122"/>
+                <a:ea typeface="微软雅黑" panose="020B0503020204020204" charset="-122"/>
+              </a:rPr>
+              <a:t>前置的</a:t>
+            </a:r>
+            <a:r>
+              <a:rPr lang="en-US" altLang="zh-CN" sz="1600" b="0" i="0">
+                <a:solidFill>
+                  <a:srgbClr val="000000"/>
+                </a:solidFill>
+                <a:latin typeface="微软雅黑" panose="020B0503020204020204" charset="-122"/>
+                <a:ea typeface="微软雅黑" panose="020B0503020204020204" charset="-122"/>
+              </a:rPr>
+              <a:t>NLP</a:t>
+            </a:r>
+            <a:r>
+              <a:rPr lang="zh-CN" altLang="en-US" sz="1600" b="0" i="0">
+                <a:solidFill>
+                  <a:srgbClr val="000000"/>
+                </a:solidFill>
+                <a:latin typeface="微软雅黑" panose="020B0503020204020204" charset="-122"/>
+                <a:ea typeface="微软雅黑" panose="020B0503020204020204" charset="-122"/>
+              </a:rPr>
+              <a:t>，</a:t>
+            </a:r>
+            <a:r>
+              <a:rPr lang="en-US" altLang="zh-CN" sz="1600" b="0" i="0">
+                <a:solidFill>
+                  <a:srgbClr val="000000"/>
+                </a:solidFill>
+                <a:latin typeface="微软雅黑" panose="020B0503020204020204" charset="-122"/>
+                <a:ea typeface="微软雅黑" panose="020B0503020204020204" charset="-122"/>
+              </a:rPr>
+              <a:t>DL</a:t>
+            </a:r>
+            <a:endParaRPr lang="en-US" altLang="zh-CN" sz="1600" b="0" i="0">
               <a:solidFill>
-                <a:schemeClr val="tx1"/>
+                <a:srgbClr val="000000"/>
               </a:solidFill>
               <a:latin typeface="微软雅黑" panose="020B0503020204020204" charset="-122"/>
               <a:ea typeface="微软雅黑" panose="020B0503020204020204" charset="-122"/>
             </a:endParaRPr>
           </a:p>
           <a:p>
-            <a:pPr indent="457200"/>
-            <a:endParaRPr lang="zh-CN" altLang="en-US" sz="1600" dirty="0">
+            <a:pPr marL="0" indent="457200" algn="just"/>
+            <a:r>
+              <a:rPr lang="en-US" altLang="zh-CN" sz="1600" b="0" i="0">
+                <a:solidFill>
+                  <a:srgbClr val="000000"/>
+                </a:solidFill>
+                <a:latin typeface="微软雅黑" panose="020B0503020204020204" charset="-122"/>
+                <a:ea typeface="微软雅黑" panose="020B0503020204020204" charset="-122"/>
+              </a:rPr>
+              <a:t>2.LLM</a:t>
+            </a:r>
+            <a:endParaRPr lang="en-US" altLang="zh-CN" sz="1600" b="0" i="0">
               <a:solidFill>
-                <a:schemeClr val="tx1"/>
+                <a:srgbClr val="000000"/>
               </a:solidFill>
               <a:latin typeface="微软雅黑" panose="020B0503020204020204" charset="-122"/>
               <a:ea typeface="微软雅黑" panose="020B0503020204020204" charset="-122"/>
             </a:endParaRPr>
           </a:p>
           <a:p>
-            <a:pPr indent="457200"/>
-            <a:r>
-              <a:rPr lang="en-US" altLang="zh-CN" sz="1600" dirty="0">
-                <a:solidFill>
-                  <a:schemeClr val="tx1"/>
-                </a:solidFill>
-                <a:latin typeface="微软雅黑" panose="020B0503020204020204" charset="-122"/>
-                <a:ea typeface="微软雅黑" panose="020B0503020204020204" charset="-122"/>
-              </a:rPr>
-              <a:t>1.  </a:t>
-            </a:r>
-            <a:r>
-              <a:rPr lang="zh-CN" altLang="en-US" sz="1600" dirty="0">
-                <a:solidFill>
-                  <a:schemeClr val="tx1"/>
-                </a:solidFill>
-                <a:latin typeface="微软雅黑" panose="020B0503020204020204" charset="-122"/>
-                <a:ea typeface="微软雅黑" panose="020B0503020204020204" charset="-122"/>
-              </a:rPr>
-              <a:t>在预训练模型的参数矩阵上添加低秩分解矩阵</a:t>
-            </a:r>
-            <a:endParaRPr lang="zh-CN" altLang="en-US" sz="1600" dirty="0">
+            <a:pPr marL="0" indent="457200" algn="just"/>
+            <a:r>
+              <a:rPr lang="en-US" altLang="zh-CN" sz="1600" b="0" i="0">
+                <a:solidFill>
+                  <a:srgbClr val="000000"/>
+                </a:solidFill>
+                <a:latin typeface="微软雅黑" panose="020B0503020204020204" charset="-122"/>
+                <a:ea typeface="微软雅黑" panose="020B0503020204020204" charset="-122"/>
+              </a:rPr>
+              <a:t>3.</a:t>
+            </a:r>
+            <a:r>
+              <a:rPr lang="zh-CN" altLang="en-US" sz="1600" b="0" i="0">
+                <a:solidFill>
+                  <a:srgbClr val="000000"/>
+                </a:solidFill>
+                <a:latin typeface="微软雅黑" panose="020B0503020204020204" charset="-122"/>
+                <a:ea typeface="微软雅黑" panose="020B0503020204020204" charset="-122"/>
+              </a:rPr>
+              <a:t>模型微调，剪枝，模型量化（目前我正在主要学习的）</a:t>
+            </a:r>
+            <a:endParaRPr lang="en-US" altLang="zh-CN" sz="1600" b="0" i="0">
               <a:solidFill>
-                <a:schemeClr val="tx1"/>
+                <a:srgbClr val="000000"/>
               </a:solidFill>
               <a:latin typeface="微软雅黑" panose="020B0503020204020204" charset="-122"/>
               <a:ea typeface="微软雅黑" panose="020B0503020204020204" charset="-122"/>
             </a:endParaRPr>
           </a:p>
           <a:p>
-            <a:pPr indent="457200"/>
-            <a:r>
-              <a:rPr lang="en-US" altLang="zh-CN" sz="1600" dirty="0">
-                <a:solidFill>
-                  <a:schemeClr val="tx1"/>
-                </a:solidFill>
-                <a:latin typeface="微软雅黑" panose="020B0503020204020204" charset="-122"/>
-                <a:ea typeface="微软雅黑" panose="020B0503020204020204" charset="-122"/>
-              </a:rPr>
-              <a:t>2.  </a:t>
-            </a:r>
-            <a:r>
-              <a:rPr lang="zh-CN" altLang="en-US" sz="1600" dirty="0">
-                <a:solidFill>
-                  <a:schemeClr val="tx1"/>
-                </a:solidFill>
-                <a:latin typeface="微软雅黑" panose="020B0503020204020204" charset="-122"/>
-                <a:ea typeface="微软雅黑" panose="020B0503020204020204" charset="-122"/>
-              </a:rPr>
-              <a:t>在更新参数矩阵的时候冻结初始的矩阵</a:t>
-            </a:r>
-            <a:endParaRPr lang="zh-CN" altLang="en-US" sz="1600" dirty="0">
+            <a:pPr marL="0" indent="457200" algn="just"/>
+            <a:r>
+              <a:rPr lang="en-US" altLang="zh-CN" sz="1600" b="0" i="0">
+                <a:solidFill>
+                  <a:srgbClr val="000000"/>
+                </a:solidFill>
+                <a:latin typeface="微软雅黑" panose="020B0503020204020204" charset="-122"/>
+                <a:ea typeface="微软雅黑" panose="020B0503020204020204" charset="-122"/>
+              </a:rPr>
+              <a:t>4.SLM</a:t>
+            </a:r>
+            <a:r>
+              <a:rPr lang="zh-CN" altLang="en-US" sz="1600" b="0" i="0">
+                <a:solidFill>
+                  <a:srgbClr val="000000"/>
+                </a:solidFill>
+                <a:latin typeface="微软雅黑" panose="020B0503020204020204" charset="-122"/>
+                <a:ea typeface="微软雅黑" panose="020B0503020204020204" charset="-122"/>
+              </a:rPr>
+              <a:t>，</a:t>
+            </a:r>
+            <a:r>
+              <a:rPr lang="en-US" altLang="zh-CN" sz="1600" b="0" i="0">
+                <a:solidFill>
+                  <a:srgbClr val="000000"/>
+                </a:solidFill>
+                <a:latin typeface="微软雅黑" panose="020B0503020204020204" charset="-122"/>
+                <a:ea typeface="微软雅黑" panose="020B0503020204020204" charset="-122"/>
+              </a:rPr>
+              <a:t>VLM</a:t>
+            </a:r>
+            <a:endParaRPr lang="en-US" altLang="zh-CN" sz="1600" b="0" i="0">
               <a:solidFill>
-                <a:schemeClr val="tx1"/>
+                <a:srgbClr val="000000"/>
               </a:solidFill>
               <a:latin typeface="微软雅黑" panose="020B0503020204020204" charset="-122"/>
               <a:ea typeface="微软雅黑" panose="020B0503020204020204" charset="-122"/>
             </a:endParaRPr>
           </a:p>
           <a:p>
-            <a:pPr indent="457200"/>
-            <a:r>
-              <a:rPr lang="en-US" altLang="zh-CN" sz="1600" dirty="0">
-                <a:solidFill>
-                  <a:schemeClr val="tx1"/>
-                </a:solidFill>
-                <a:latin typeface="微软雅黑" panose="020B0503020204020204" charset="-122"/>
-                <a:ea typeface="微软雅黑" panose="020B0503020204020204" charset="-122"/>
-              </a:rPr>
-              <a:t>3.  </a:t>
-            </a:r>
-            <a:r>
-              <a:rPr lang="zh-CN" altLang="en-US" sz="1600" dirty="0">
-                <a:solidFill>
-                  <a:schemeClr val="tx1"/>
-                </a:solidFill>
-                <a:latin typeface="微软雅黑" panose="020B0503020204020204" charset="-122"/>
-                <a:ea typeface="微软雅黑" panose="020B0503020204020204" charset="-122"/>
-              </a:rPr>
-              <a:t>用低秩的分解矩阵来近似参数更新</a:t>
-            </a:r>
-            <a:endParaRPr lang="zh-CN" altLang="en-US" sz="1600" dirty="0">
+            <a:pPr marL="0" indent="457200" algn="just"/>
+            <a:endParaRPr lang="zh-CN" altLang="en-US" sz="1600" b="0" i="0">
               <a:solidFill>
-                <a:schemeClr val="tx1"/>
+                <a:srgbClr val="000000"/>
               </a:solidFill>
               <a:latin typeface="微软雅黑" panose="020B0503020204020204" charset="-122"/>
               <a:ea typeface="微软雅黑" panose="020B0503020204020204" charset="-122"/>
             </a:endParaRPr>
           </a:p>
           <a:p>
-            <a:pPr indent="457200"/>
-            <a:endParaRPr lang="en-US" altLang="zh-CN" sz="1600" dirty="0">
+            <a:pPr marL="0" lvl="0" indent="0" algn="just">
+              <a:buNone/>
+            </a:pPr>
+            <a:r>
+              <a:rPr lang="zh-CN" altLang="en-US" sz="1600" b="0" i="0">
+                <a:solidFill>
+                  <a:srgbClr val="000000"/>
+                </a:solidFill>
+                <a:latin typeface="微软雅黑" panose="020B0503020204020204" charset="-122"/>
+                <a:ea typeface="微软雅黑" panose="020B0503020204020204" charset="-122"/>
+              </a:rPr>
+              <a:t>动手实践：</a:t>
+            </a:r>
+            <a:endParaRPr lang="zh-CN" altLang="en-US" sz="1600" b="0" i="0">
               <a:solidFill>
-                <a:schemeClr val="tx1"/>
+                <a:srgbClr val="000000"/>
               </a:solidFill>
               <a:latin typeface="微软雅黑" panose="020B0503020204020204" charset="-122"/>
               <a:ea typeface="微软雅黑" panose="020B0503020204020204" charset="-122"/>
             </a:endParaRPr>
           </a:p>
           <a:p>
-            <a:pPr marL="0" lvl="0" indent="0">
+            <a:pPr marL="0" lvl="0" indent="457200" algn="just">
               <a:buNone/>
             </a:pPr>
-            <a:endParaRPr lang="en-US" altLang="zh-CN" sz="1600" dirty="0">
+            <a:r>
+              <a:rPr lang="en-US" altLang="zh-CN" sz="1600" b="0" i="0">
+                <a:solidFill>
+                  <a:srgbClr val="000000"/>
+                </a:solidFill>
+                <a:latin typeface="微软雅黑" panose="020B0503020204020204" charset="-122"/>
+                <a:ea typeface="微软雅黑" panose="020B0503020204020204" charset="-122"/>
+              </a:rPr>
+              <a:t>1.</a:t>
+            </a:r>
+            <a:r>
+              <a:rPr lang="zh-CN" altLang="en-US" sz="1600" b="0" i="0">
+                <a:solidFill>
+                  <a:srgbClr val="000000"/>
+                </a:solidFill>
+                <a:latin typeface="微软雅黑" panose="020B0503020204020204" charset="-122"/>
+                <a:ea typeface="微软雅黑" panose="020B0503020204020204" charset="-122"/>
+              </a:rPr>
+              <a:t>前置知识的实践（已经跟着一些比如李沐老师的动手深度学习等敲过一些）</a:t>
+            </a:r>
+            <a:endParaRPr lang="zh-CN" altLang="en-US" sz="1600" b="0" i="0">
               <a:solidFill>
-                <a:schemeClr val="tx1"/>
+                <a:srgbClr val="000000"/>
               </a:solidFill>
               <a:latin typeface="微软雅黑" panose="020B0503020204020204" charset="-122"/>
               <a:ea typeface="微软雅黑" panose="020B0503020204020204" charset="-122"/>
             </a:endParaRPr>
           </a:p>
           <a:p>
-            <a:pPr marL="0" lvl="0" indent="0">
+            <a:pPr marL="0" lvl="0" indent="457200" algn="just">
               <a:buNone/>
             </a:pPr>
-            <a:endParaRPr lang="en-US" altLang="zh-CN" sz="1600" dirty="0">
+            <a:r>
+              <a:rPr lang="en-US" altLang="zh-CN" sz="1600" b="0" i="0">
+                <a:solidFill>
+                  <a:srgbClr val="000000"/>
+                </a:solidFill>
+                <a:latin typeface="微软雅黑" panose="020B0503020204020204" charset="-122"/>
+                <a:ea typeface="微软雅黑" panose="020B0503020204020204" charset="-122"/>
+              </a:rPr>
+              <a:t>2.</a:t>
+            </a:r>
+            <a:r>
+              <a:rPr lang="zh-CN" altLang="en-US" sz="1600" b="0" i="0">
+                <a:solidFill>
+                  <a:srgbClr val="000000"/>
+                </a:solidFill>
+                <a:latin typeface="微软雅黑" panose="020B0503020204020204" charset="-122"/>
+                <a:ea typeface="微软雅黑" panose="020B0503020204020204" charset="-122"/>
+              </a:rPr>
+              <a:t>自己实践一次模型的微调对齐（目前正在尝试的）</a:t>
+            </a:r>
+            <a:endParaRPr lang="zh-CN" altLang="en-US" sz="1600" b="0" i="0">
               <a:solidFill>
-                <a:schemeClr val="tx1"/>
+                <a:srgbClr val="000000"/>
               </a:solidFill>
               <a:latin typeface="微软雅黑" panose="020B0503020204020204" charset="-122"/>
               <a:ea typeface="微软雅黑" panose="020B0503020204020204" charset="-122"/>
             </a:endParaRPr>
           </a:p>
           <a:p>
-            <a:pPr marL="0" lvl="0" indent="0">
+            <a:pPr marL="0" lvl="0" indent="457200" algn="just">
               <a:buNone/>
             </a:pPr>
-            <a:endParaRPr lang="en-US" altLang="zh-CN" sz="1600" dirty="0">
+            <a:r>
+              <a:rPr lang="en-US" altLang="zh-CN" sz="1600" b="0" i="0">
+                <a:solidFill>
+                  <a:srgbClr val="000000"/>
+                </a:solidFill>
+                <a:latin typeface="微软雅黑" panose="020B0503020204020204" charset="-122"/>
+                <a:ea typeface="微软雅黑" panose="020B0503020204020204" charset="-122"/>
+              </a:rPr>
+              <a:t>3.</a:t>
+            </a:r>
+            <a:r>
+              <a:rPr lang="zh-CN" altLang="en-US" sz="1600" b="0" i="0">
+                <a:solidFill>
+                  <a:srgbClr val="000000"/>
+                </a:solidFill>
+                <a:latin typeface="微软雅黑" panose="020B0503020204020204" charset="-122"/>
+                <a:ea typeface="微软雅黑" panose="020B0503020204020204" charset="-122"/>
+              </a:rPr>
+              <a:t>尝试自己把一个原有模型迁移到其他任务</a:t>
+            </a:r>
+            <a:endParaRPr lang="zh-CN" altLang="en-US" sz="1600" b="0" i="0">
               <a:solidFill>
-                <a:schemeClr val="tx1"/>
+                <a:srgbClr val="000000"/>
               </a:solidFill>
               <a:latin typeface="微软雅黑" panose="020B0503020204020204" charset="-122"/>
               <a:ea typeface="微软雅黑" panose="020B0503020204020204" charset="-122"/>
             </a:endParaRPr>
           </a:p>
           <a:p>
-            <a:pPr marL="0" lvl="0" indent="457200">
+            <a:pPr marL="0" lvl="0" indent="457200" algn="just">
               <a:buNone/>
             </a:pPr>
-            <a:endParaRPr lang="en-US" altLang="zh-CN" sz="1600" dirty="0">
+            <a:r>
+              <a:rPr lang="en-US" altLang="zh-CN" sz="1600" b="0" i="0">
+                <a:solidFill>
+                  <a:srgbClr val="000000"/>
+                </a:solidFill>
+                <a:latin typeface="微软雅黑" panose="020B0503020204020204" charset="-122"/>
+                <a:ea typeface="微软雅黑" panose="020B0503020204020204" charset="-122"/>
+              </a:rPr>
+              <a:t>4.</a:t>
+            </a:r>
+            <a:r>
+              <a:rPr lang="zh-CN" altLang="en-US" sz="1600" b="0" i="0">
+                <a:solidFill>
+                  <a:srgbClr val="000000"/>
+                </a:solidFill>
+                <a:latin typeface="微软雅黑" panose="020B0503020204020204" charset="-122"/>
+                <a:ea typeface="微软雅黑" panose="020B0503020204020204" charset="-122"/>
+              </a:rPr>
+              <a:t>实践一次模型量化</a:t>
+            </a:r>
+            <a:endParaRPr lang="zh-CN" altLang="en-US" sz="1600" b="0" i="0">
               <a:solidFill>
-                <a:schemeClr val="tx1"/>
+                <a:srgbClr val="000000"/>
               </a:solidFill>
               <a:latin typeface="微软雅黑" panose="020B0503020204020204" charset="-122"/>
               <a:ea typeface="微软雅黑" panose="020B0503020204020204" charset="-122"/>
             </a:endParaRPr>
           </a:p>
           <a:p>
-            <a:pPr marL="0" lvl="0" indent="457200">
-              <a:buNone/>
-            </a:pPr>
-            <a:r>
-              <a:rPr lang="en-US" altLang="zh-CN" sz="1600" dirty="0">
-                <a:solidFill>
-                  <a:schemeClr val="tx1"/>
-                </a:solidFill>
-                <a:latin typeface="微软雅黑" panose="020B0503020204020204" charset="-122"/>
-                <a:ea typeface="微软雅黑" panose="020B0503020204020204" charset="-122"/>
-              </a:rPr>
-              <a:t>1.  </a:t>
-            </a:r>
-            <a:r>
-              <a:rPr lang="zh-CN" altLang="en-US" sz="1600" dirty="0">
-                <a:solidFill>
-                  <a:schemeClr val="tx1"/>
-                </a:solidFill>
-                <a:latin typeface="微软雅黑" panose="020B0503020204020204" charset="-122"/>
-                <a:ea typeface="微软雅黑" panose="020B0503020204020204" charset="-122"/>
-              </a:rPr>
-              <a:t>降低训练计算量</a:t>
-            </a:r>
-            <a:endParaRPr lang="zh-CN" altLang="en-US" sz="1600" dirty="0">
+            <a:pPr marL="0" indent="0" algn="just"/>
+            <a:endParaRPr lang="zh-CN" altLang="en-US" sz="1600" b="0" i="0">
               <a:solidFill>
-                <a:schemeClr val="tx1"/>
-              </a:solidFill>
-              <a:latin typeface="微软雅黑" panose="020B0503020204020204" charset="-122"/>
-              <a:ea typeface="微软雅黑" panose="020B0503020204020204" charset="-122"/>
-            </a:endParaRPr>
-          </a:p>
-          <a:p>
-            <a:pPr marL="0" lvl="0" indent="457200">
-              <a:buNone/>
-            </a:pPr>
-            <a:r>
-              <a:rPr lang="en-US" altLang="zh-CN" sz="1600" dirty="0">
-                <a:solidFill>
-                  <a:schemeClr val="tx1"/>
-                </a:solidFill>
-                <a:latin typeface="微软雅黑" panose="020B0503020204020204" charset="-122"/>
-                <a:ea typeface="微软雅黑" panose="020B0503020204020204" charset="-122"/>
-              </a:rPr>
-              <a:t>2.  </a:t>
-            </a:r>
-            <a:r>
-              <a:rPr lang="zh-CN" altLang="en-US" sz="1600" dirty="0">
-                <a:solidFill>
-                  <a:schemeClr val="tx1"/>
-                </a:solidFill>
-                <a:latin typeface="微软雅黑" panose="020B0503020204020204" charset="-122"/>
-                <a:ea typeface="微软雅黑" panose="020B0503020204020204" charset="-122"/>
-              </a:rPr>
-              <a:t>降低训练需要的显存大小</a:t>
-            </a:r>
-            <a:endParaRPr lang="zh-CN" altLang="en-US" sz="1600" dirty="0">
-              <a:solidFill>
-                <a:schemeClr val="tx1"/>
+                <a:srgbClr val="000000"/>
               </a:solidFill>
               <a:latin typeface="微软雅黑" panose="020B0503020204020204" charset="-122"/>
               <a:ea typeface="微软雅黑" panose="020B0503020204020204" charset="-122"/>
@@ -5931,30 +5198,6 @@
           <a:chExt cx="0" cy="0"/>
         </a:xfrm>
       </p:grpSpPr>
-      <p:pic>
-        <p:nvPicPr>
-          <p:cNvPr id="6" name="图片 5"/>
-          <p:cNvPicPr>
-            <a:picLocks noChangeAspect="1"/>
-          </p:cNvPicPr>
-          <p:nvPr/>
-        </p:nvPicPr>
-        <p:blipFill>
-          <a:blip r:embed="rId1"/>
-          <a:stretch>
-            <a:fillRect/>
-          </a:stretch>
-        </p:blipFill>
-        <p:spPr>
-          <a:xfrm>
-            <a:off x="4516755" y="890270"/>
-            <a:ext cx="4245610" cy="5020945"/>
-          </a:xfrm>
-          <a:prstGeom prst="rect">
-            <a:avLst/>
-          </a:prstGeom>
-        </p:spPr>
-      </p:pic>
       <p:sp>
         <p:nvSpPr>
           <p:cNvPr id="13" name="文本框 12"/>
@@ -5964,7 +5207,7 @@
         <p:spPr>
           <a:xfrm>
             <a:off x="106466" y="601786"/>
-            <a:ext cx="1541780" cy="398780"/>
+            <a:ext cx="1287780" cy="398780"/>
           </a:xfrm>
           <a:prstGeom prst="rect">
             <a:avLst/>
@@ -5977,9 +5220,7 @@
           </a:bodyPr>
           <a:lstStyle/>
           <a:p>
-            <a:pPr marL="342900" indent="-342900" algn="l">
-              <a:buClrTx/>
-              <a:buSzTx/>
+            <a:pPr marL="342900" indent="-342900">
               <a:buFont typeface="Wingdings" panose="05000000000000000000" charset="0"/>
               <a:buChar char="n"/>
             </a:pPr>
@@ -5988,7 +5229,7 @@
                 <a:latin typeface="微软雅黑" panose="020B0503020204020204" charset="-122"/>
                 <a:ea typeface="微软雅黑" panose="020B0503020204020204" charset="-122"/>
               </a:rPr>
-              <a:t>模型架构</a:t>
+              <a:t>下一周</a:t>
             </a:r>
             <a:endParaRPr lang="zh-CN" altLang="en-US" sz="2000" b="1" dirty="0">
               <a:latin typeface="微软雅黑" panose="020B0503020204020204" charset="-122"/>
@@ -5999,48 +5240,11 @@
       </p:sp>
       <p:sp>
         <p:nvSpPr>
-          <p:cNvPr id="7" name="文本框 6"/>
-          <p:cNvSpPr txBox="1"/>
-          <p:nvPr/>
-        </p:nvSpPr>
-        <p:spPr>
-          <a:xfrm>
-            <a:off x="724535" y="1323340"/>
-            <a:ext cx="2247900" cy="410845"/>
-          </a:xfrm>
-          <a:prstGeom prst="rect">
-            <a:avLst/>
-          </a:prstGeom>
-          <a:noFill/>
-        </p:spPr>
-        <p:txBody>
-          <a:bodyPr wrap="square">
-            <a:noAutofit/>
-          </a:bodyPr>
-          <a:lstStyle/>
-          <a:p>
-            <a:pPr algn="l" fontAlgn="auto">
-              <a:lnSpc>
-                <a:spcPts val="2200"/>
-              </a:lnSpc>
-              <a:buClrTx/>
-              <a:buSzTx/>
-              <a:buNone/>
-            </a:pPr>
-            <a:endParaRPr lang="zh-CN" altLang="en-US" sz="1600" dirty="0">
-              <a:latin typeface="微软雅黑" panose="020B0503020204020204" charset="-122"/>
-              <a:ea typeface="微软雅黑" panose="020B0503020204020204" charset="-122"/>
-            </a:endParaRPr>
-          </a:p>
-        </p:txBody>
-      </p:sp>
-      <p:sp>
-        <p:nvSpPr>
-          <p:cNvPr id="3" name="矩形 2"/>
+          <p:cNvPr id="6" name="矩形 5"/>
           <p:cNvSpPr/>
           <p:nvPr>
             <p:custDataLst>
-              <p:tags r:id="rId2"/>
+              <p:tags r:id="rId1"/>
             </p:custDataLst>
           </p:nvPr>
         </p:nvSpPr>
@@ -6078,12 +5282,21 @@
         <p:txBody>
           <a:bodyPr rtlCol="0" anchor="ctr"/>
           <a:p>
-            <a:pPr indent="0" algn="ctr">
+            <a:pPr marL="0" marR="0" lvl="0" indent="0" algn="ctr" defTabSz="914400" rtl="0" eaLnBrk="1" fontAlgn="auto" latinLnBrk="0" hangingPunct="1">
               <a:lnSpc>
-                <a:spcPct val="150000"/>
+                <a:spcPct val="100000"/>
               </a:lnSpc>
-              <a:buFont typeface="Wingdings" panose="05000000000000000000" charset="0"/>
-              <a:buNone/>
+              <a:spcBef>
+                <a:spcPts val="0"/>
+              </a:spcBef>
+              <a:spcAft>
+                <a:spcPts val="0"/>
+              </a:spcAft>
+              <a:buClrTx/>
+              <a:buSzTx/>
+              <a:buFontTx/>
+              <a:buNone/>
+              <a:defRPr/>
             </a:pPr>
             <a:r>
               <a:rPr lang="en-US" altLang="zh-CN" dirty="0">
@@ -6092,72 +5305,36 @@
                 <a:ea typeface="微软雅黑" panose="020B0503020204020204" charset="-122"/>
                 <a:sym typeface="+mn-ea"/>
               </a:rPr>
-              <a:t>2.LoRA: Low-Rank Adaptation of Large Language Models</a:t>
-            </a:r>
-            <a:endParaRPr lang="en-US" altLang="zh-CN" dirty="0">
+              <a:t>4.</a:t>
+            </a:r>
+            <a:r>
+              <a:rPr lang="zh-CN" altLang="en-US" dirty="0">
+                <a:effectLst/>
+                <a:latin typeface="微软雅黑" panose="020B0503020204020204" charset="-122"/>
+                <a:ea typeface="微软雅黑" panose="020B0503020204020204" charset="-122"/>
+                <a:sym typeface="+mn-ea"/>
+              </a:rPr>
+              <a:t>计划</a:t>
+            </a:r>
+            <a:endParaRPr lang="zh-CN" altLang="en-US" dirty="0">
               <a:effectLst/>
               <a:latin typeface="微软雅黑" panose="020B0503020204020204" charset="-122"/>
               <a:ea typeface="微软雅黑" panose="020B0503020204020204" charset="-122"/>
-            </a:endParaRPr>
-          </a:p>
-        </p:txBody>
-      </p:sp>
-      <p:sp>
-        <p:nvSpPr>
-          <p:cNvPr id="15" name="文本框 14"/>
+              <a:sym typeface="+mn-ea"/>
+            </a:endParaRPr>
+          </a:p>
+        </p:txBody>
+      </p:sp>
+      <p:sp>
+        <p:nvSpPr>
+          <p:cNvPr id="7" name="文本框 6"/>
           <p:cNvSpPr txBox="1"/>
-          <p:nvPr>
-            <p:custDataLst>
-              <p:tags r:id="rId3"/>
-            </p:custDataLst>
-          </p:nvPr>
+          <p:nvPr/>
         </p:nvSpPr>
         <p:spPr>
           <a:xfrm>
-            <a:off x="724535" y="890270"/>
-            <a:ext cx="2831465" cy="506730"/>
-          </a:xfrm>
-          <a:prstGeom prst="rect">
-            <a:avLst/>
-          </a:prstGeom>
-          <a:noFill/>
-        </p:spPr>
-        <p:txBody>
-          <a:bodyPr wrap="square" rtlCol="0">
-            <a:spAutoFit/>
-          </a:bodyPr>
-          <a:p>
-            <a:pPr marL="285750" indent="-285750">
-              <a:lnSpc>
-                <a:spcPct val="150000"/>
-              </a:lnSpc>
-              <a:buFont typeface="Wingdings" panose="05000000000000000000" charset="0"/>
-              <a:buChar char="p"/>
-            </a:pPr>
-            <a:r>
-              <a:rPr lang="zh-CN" altLang="en-US" b="1" dirty="0">
-                <a:latin typeface="微软雅黑" panose="020B0503020204020204" charset="-122"/>
-                <a:ea typeface="微软雅黑" panose="020B0503020204020204" charset="-122"/>
-              </a:rPr>
-              <a:t>冻结：</a:t>
-            </a:r>
-            <a:endParaRPr lang="en-US" altLang="zh-CN" b="1" dirty="0">
-              <a:latin typeface="微软雅黑" panose="020B0503020204020204" charset="-122"/>
-              <a:ea typeface="微软雅黑" panose="020B0503020204020204" charset="-122"/>
-            </a:endParaRPr>
-          </a:p>
-        </p:txBody>
-      </p:sp>
-      <p:sp>
-        <p:nvSpPr>
-          <p:cNvPr id="2" name="文本框 1"/>
-          <p:cNvSpPr txBox="1"/>
-          <p:nvPr/>
-        </p:nvSpPr>
-        <p:spPr>
-          <a:xfrm>
-            <a:off x="724535" y="1662430"/>
-            <a:ext cx="3929380" cy="2553335"/>
+            <a:off x="911860" y="889635"/>
+            <a:ext cx="8903970" cy="3046095"/>
           </a:xfrm>
           <a:prstGeom prst="rect">
             <a:avLst/>
@@ -6168,759 +5345,231 @@
             <a:spAutoFit/>
           </a:bodyPr>
           <a:p>
-            <a:pPr marL="0" indent="0" algn="l"/>
-            <a:r>
-              <a:rPr lang="zh-CN" sz="1600" b="0" i="0" dirty="0">
-                <a:latin typeface="微软雅黑" panose="020B0503020204020204" charset="-122"/>
-                <a:ea typeface="微软雅黑" panose="020B0503020204020204" charset="-122"/>
-              </a:rPr>
-              <a:t>在更新参数矩阵的过程中，可以把原矩阵</a:t>
-            </a:r>
-            <a:r>
-              <a:rPr lang="en-US" altLang="zh-CN" sz="1600" b="0" i="0" dirty="0">
-                <a:latin typeface="微软雅黑" panose="020B0503020204020204" charset="-122"/>
-                <a:ea typeface="微软雅黑" panose="020B0503020204020204" charset="-122"/>
-              </a:rPr>
-              <a:t>W0</a:t>
-            </a:r>
-            <a:r>
-              <a:rPr lang="zh-CN" altLang="en-US" sz="1600" b="0" i="0" dirty="0">
-                <a:latin typeface="微软雅黑" panose="020B0503020204020204" charset="-122"/>
-                <a:ea typeface="微软雅黑" panose="020B0503020204020204" charset="-122"/>
-              </a:rPr>
-              <a:t>冻结，通过低秩分解出的</a:t>
-            </a:r>
-            <a:r>
-              <a:rPr lang="en-US" altLang="zh-CN" sz="1600" b="0" i="0" dirty="0">
-                <a:latin typeface="微软雅黑" panose="020B0503020204020204" charset="-122"/>
-                <a:ea typeface="微软雅黑" panose="020B0503020204020204" charset="-122"/>
-              </a:rPr>
-              <a:t>A (shape:(H,R))</a:t>
-            </a:r>
-            <a:r>
-              <a:rPr lang="zh-CN" altLang="en-US" sz="1600" b="0" i="0" dirty="0">
-                <a:latin typeface="微软雅黑" panose="020B0503020204020204" charset="-122"/>
-                <a:ea typeface="微软雅黑" panose="020B0503020204020204" charset="-122"/>
-              </a:rPr>
-              <a:t>和</a:t>
-            </a:r>
-            <a:r>
-              <a:rPr lang="en-US" altLang="zh-CN" sz="1600" b="0" i="0" dirty="0">
-                <a:latin typeface="微软雅黑" panose="020B0503020204020204" charset="-122"/>
-                <a:ea typeface="微软雅黑" panose="020B0503020204020204" charset="-122"/>
-              </a:rPr>
-              <a:t>B(shape:(H,R))</a:t>
-            </a:r>
-            <a:r>
-              <a:rPr lang="zh-CN" altLang="en-US" sz="1600" b="0" i="0" dirty="0">
-                <a:latin typeface="微软雅黑" panose="020B0503020204020204" charset="-122"/>
-                <a:ea typeface="微软雅黑" panose="020B0503020204020204" charset="-122"/>
-              </a:rPr>
-              <a:t>，其中</a:t>
-            </a:r>
-            <a:r>
-              <a:rPr lang="en-US" altLang="zh-CN" sz="1600" b="0" i="0" dirty="0">
-                <a:latin typeface="微软雅黑" panose="020B0503020204020204" charset="-122"/>
-                <a:ea typeface="微软雅黑" panose="020B0503020204020204" charset="-122"/>
-              </a:rPr>
-              <a:t>R</a:t>
-            </a:r>
-            <a:r>
-              <a:rPr lang="zh-CN" altLang="en-US" sz="1600" b="0" i="0" dirty="0">
-                <a:latin typeface="微软雅黑" panose="020B0503020204020204" charset="-122"/>
-                <a:ea typeface="微软雅黑" panose="020B0503020204020204" charset="-122"/>
-              </a:rPr>
-              <a:t>远远小于</a:t>
-            </a:r>
-            <a:r>
-              <a:rPr lang="en-US" altLang="zh-CN" sz="1600" b="0" i="0" dirty="0">
-                <a:latin typeface="微软雅黑" panose="020B0503020204020204" charset="-122"/>
-                <a:ea typeface="微软雅黑" panose="020B0503020204020204" charset="-122"/>
-              </a:rPr>
-              <a:t>H</a:t>
-            </a:r>
-            <a:endParaRPr lang="en-US" altLang="zh-CN" sz="1600" b="0" i="0" dirty="0">
+            <a:pPr marL="0" indent="0" algn="just"/>
+            <a:r>
+              <a:rPr lang="zh-CN" altLang="en-US" sz="1600" b="0" i="0">
+                <a:solidFill>
+                  <a:srgbClr val="000000"/>
+                </a:solidFill>
+                <a:latin typeface="微软雅黑" panose="020B0503020204020204" charset="-122"/>
+                <a:ea typeface="微软雅黑" panose="020B0503020204020204" charset="-122"/>
+              </a:rPr>
+              <a:t>动手实践方面，我主要请教的是</a:t>
+            </a:r>
+            <a:r>
+              <a:rPr lang="en-US" altLang="zh-CN" sz="1600" b="0" i="0">
+                <a:solidFill>
+                  <a:srgbClr val="000000"/>
+                </a:solidFill>
+                <a:latin typeface="微软雅黑" panose="020B0503020204020204" charset="-122"/>
+                <a:ea typeface="微软雅黑" panose="020B0503020204020204" charset="-122"/>
+              </a:rPr>
+              <a:t>zls</a:t>
+            </a:r>
+            <a:r>
+              <a:rPr lang="zh-CN" altLang="en-US" sz="1600" b="0" i="0">
+                <a:solidFill>
+                  <a:srgbClr val="000000"/>
+                </a:solidFill>
+                <a:latin typeface="微软雅黑" panose="020B0503020204020204" charset="-122"/>
+                <a:ea typeface="微软雅黑" panose="020B0503020204020204" charset="-122"/>
+              </a:rPr>
+              <a:t>学长，可以学习他部署的文生图模型然后进行微调的步骤。我也部署一个相似参数量的模型</a:t>
+            </a:r>
+            <a:r>
+              <a:rPr lang="en-US" altLang="zh-CN" sz="1600" b="0" i="0">
+                <a:solidFill>
+                  <a:srgbClr val="000000"/>
+                </a:solidFill>
+                <a:latin typeface="微软雅黑" panose="020B0503020204020204" charset="-122"/>
+                <a:ea typeface="微软雅黑" panose="020B0503020204020204" charset="-122"/>
+              </a:rPr>
+              <a:t> </a:t>
+            </a:r>
+            <a:r>
+              <a:rPr lang="zh-CN" altLang="en-US" sz="1600" b="0" i="0">
+                <a:solidFill>
+                  <a:srgbClr val="000000"/>
+                </a:solidFill>
+                <a:latin typeface="微软雅黑" panose="020B0503020204020204" charset="-122"/>
+                <a:ea typeface="微软雅黑" panose="020B0503020204020204" charset="-122"/>
+              </a:rPr>
+              <a:t>（学长的模型花费内存</a:t>
+            </a:r>
+            <a:r>
+              <a:rPr lang="en-US" altLang="zh-CN" sz="1600" b="0" i="0">
+                <a:solidFill>
+                  <a:srgbClr val="000000"/>
+                </a:solidFill>
+                <a:latin typeface="微软雅黑" panose="020B0503020204020204" charset="-122"/>
+                <a:ea typeface="微软雅黑" panose="020B0503020204020204" charset="-122"/>
+              </a:rPr>
+              <a:t>50G</a:t>
+            </a:r>
+            <a:r>
+              <a:rPr lang="zh-CN" altLang="en-US" sz="1600" b="0" i="0">
+                <a:solidFill>
+                  <a:srgbClr val="000000"/>
+                </a:solidFill>
+                <a:latin typeface="微软雅黑" panose="020B0503020204020204" charset="-122"/>
+                <a:ea typeface="微软雅黑" panose="020B0503020204020204" charset="-122"/>
+              </a:rPr>
+              <a:t>左右，显存</a:t>
+            </a:r>
+            <a:r>
+              <a:rPr lang="en-US" altLang="zh-CN" sz="1600" b="0" i="0">
+                <a:solidFill>
+                  <a:srgbClr val="000000"/>
+                </a:solidFill>
+                <a:latin typeface="微软雅黑" panose="020B0503020204020204" charset="-122"/>
+                <a:ea typeface="微软雅黑" panose="020B0503020204020204" charset="-122"/>
+              </a:rPr>
+              <a:t>24G</a:t>
+            </a:r>
+            <a:r>
+              <a:rPr lang="zh-CN" altLang="en-US" sz="1600" b="0" i="0">
+                <a:solidFill>
+                  <a:srgbClr val="000000"/>
+                </a:solidFill>
+                <a:latin typeface="微软雅黑" panose="020B0503020204020204" charset="-122"/>
+                <a:ea typeface="微软雅黑" panose="020B0503020204020204" charset="-122"/>
+              </a:rPr>
+              <a:t>跑起来没有问题）</a:t>
+            </a:r>
+            <a:endParaRPr lang="zh-CN" altLang="en-US" sz="1600" b="0" i="0">
+              <a:solidFill>
+                <a:srgbClr val="000000"/>
+              </a:solidFill>
               <a:latin typeface="微软雅黑" panose="020B0503020204020204" charset="-122"/>
               <a:ea typeface="微软雅黑" panose="020B0503020204020204" charset="-122"/>
             </a:endParaRPr>
           </a:p>
           <a:p>
-            <a:pPr marL="0" indent="0" algn="l"/>
-            <a:endParaRPr lang="en-US" altLang="zh-CN" sz="1600" b="0" i="0" dirty="0">
+            <a:pPr marL="0" indent="0" algn="just"/>
+            <a:endParaRPr lang="zh-CN" altLang="en-US" sz="1600" b="0" i="0">
+              <a:solidFill>
+                <a:srgbClr val="000000"/>
+              </a:solidFill>
               <a:latin typeface="微软雅黑" panose="020B0503020204020204" charset="-122"/>
               <a:ea typeface="微软雅黑" panose="020B0503020204020204" charset="-122"/>
             </a:endParaRPr>
           </a:p>
           <a:p>
-            <a:pPr marL="0" indent="0" algn="l"/>
-            <a:r>
-              <a:rPr lang="en-US" altLang="zh-CN" sz="1600" b="0" i="0" dirty="0">
-                <a:latin typeface="微软雅黑" panose="020B0503020204020204" charset="-122"/>
-                <a:ea typeface="微软雅黑" panose="020B0503020204020204" charset="-122"/>
-              </a:rPr>
-              <a:t>A</a:t>
-            </a:r>
-            <a:r>
-              <a:rPr lang="zh-CN" altLang="en-US" sz="1600" b="0" i="0" dirty="0">
-                <a:latin typeface="微软雅黑" panose="020B0503020204020204" charset="-122"/>
-                <a:ea typeface="微软雅黑" panose="020B0503020204020204" charset="-122"/>
-              </a:rPr>
-              <a:t>和</a:t>
-            </a:r>
-            <a:r>
-              <a:rPr lang="en-US" altLang="zh-CN" sz="1600" b="0" i="0" dirty="0">
-                <a:latin typeface="微软雅黑" panose="020B0503020204020204" charset="-122"/>
-                <a:ea typeface="微软雅黑" panose="020B0503020204020204" charset="-122"/>
-              </a:rPr>
-              <a:t>B</a:t>
-            </a:r>
-            <a:r>
-              <a:rPr lang="zh-CN" altLang="en-US" sz="1600" b="0" i="0" dirty="0">
-                <a:latin typeface="微软雅黑" panose="020B0503020204020204" charset="-122"/>
-                <a:ea typeface="微软雅黑" panose="020B0503020204020204" charset="-122"/>
-              </a:rPr>
-              <a:t>是可训练的用于适配下游任务的参数，在最后才返回来更新</a:t>
-            </a:r>
-            <a:r>
-              <a:rPr lang="en-US" altLang="zh-CN" sz="1600" b="0" i="0" dirty="0">
-                <a:latin typeface="微软雅黑" panose="020B0503020204020204" charset="-122"/>
-                <a:ea typeface="微软雅黑" panose="020B0503020204020204" charset="-122"/>
-              </a:rPr>
-              <a:t>W0</a:t>
-            </a:r>
-            <a:r>
-              <a:rPr lang="zh-CN" altLang="en-US" sz="1600" b="0" i="0" dirty="0">
-                <a:latin typeface="微软雅黑" panose="020B0503020204020204" charset="-122"/>
-                <a:ea typeface="微软雅黑" panose="020B0503020204020204" charset="-122"/>
-              </a:rPr>
-              <a:t>，不会产生额外花费</a:t>
-            </a:r>
-            <a:endParaRPr lang="en-US" altLang="zh-CN" sz="1600" b="0" i="0" dirty="0">
+            <a:pPr marL="0" indent="0" algn="just"/>
+            <a:r>
+              <a:rPr lang="zh-CN" altLang="en-US" sz="1600" b="0" i="0">
+                <a:solidFill>
+                  <a:srgbClr val="000000"/>
+                </a:solidFill>
+                <a:latin typeface="微软雅黑" panose="020B0503020204020204" charset="-122"/>
+                <a:ea typeface="微软雅黑" panose="020B0503020204020204" charset="-122"/>
+              </a:rPr>
+              <a:t>或者是这个：这个是我找的一个医疗影像的大模型项目，他有一些自带的数据集和公开的数据集，然后提供了几个微调的实例，我已经部署好了，等着下周去尝试一个微调，调的最好的模型作者说已经商用了就没开放</a:t>
+            </a:r>
+            <a:endParaRPr lang="zh-CN" altLang="en-US" sz="1600" b="0" i="0">
+              <a:solidFill>
+                <a:srgbClr val="000000"/>
+              </a:solidFill>
               <a:latin typeface="微软雅黑" panose="020B0503020204020204" charset="-122"/>
               <a:ea typeface="微软雅黑" panose="020B0503020204020204" charset="-122"/>
             </a:endParaRPr>
           </a:p>
           <a:p>
-            <a:pPr marL="0" indent="0" algn="l"/>
-            <a:endParaRPr lang="en-US" altLang="zh-CN" sz="1600" b="0" i="0" dirty="0">
+            <a:pPr marL="0" indent="0" algn="just"/>
+            <a:endParaRPr lang="zh-CN" altLang="en-US" sz="1600" b="0" i="0">
+              <a:solidFill>
+                <a:srgbClr val="000000"/>
+              </a:solidFill>
               <a:latin typeface="微软雅黑" panose="020B0503020204020204" charset="-122"/>
               <a:ea typeface="微软雅黑" panose="020B0503020204020204" charset="-122"/>
             </a:endParaRPr>
           </a:p>
           <a:p>
-            <a:pPr marL="0" indent="0" algn="l"/>
-            <a:r>
-              <a:rPr lang="zh-CN" altLang="en-US" sz="1600" b="0" i="0" dirty="0">
-                <a:latin typeface="微软雅黑" panose="020B0503020204020204" charset="-122"/>
-                <a:ea typeface="微软雅黑" panose="020B0503020204020204" charset="-122"/>
-              </a:rPr>
-              <a:t>来用</a:t>
-            </a:r>
-            <a:r>
-              <a:rPr lang="en-US" altLang="zh-CN" sz="1600" b="0" i="0" dirty="0">
-                <a:latin typeface="微软雅黑" panose="020B0503020204020204" charset="-122"/>
-                <a:ea typeface="微软雅黑" panose="020B0503020204020204" charset="-122"/>
-              </a:rPr>
-              <a:t>AxB^T</a:t>
-            </a:r>
-            <a:r>
-              <a:rPr lang="zh-CN" altLang="en-US" sz="1600" b="0" i="0" dirty="0">
-                <a:latin typeface="微软雅黑" panose="020B0503020204020204" charset="-122"/>
-                <a:ea typeface="微软雅黑" panose="020B0503020204020204" charset="-122"/>
-              </a:rPr>
-              <a:t>更新参数矩阵</a:t>
-            </a:r>
-            <a:endParaRPr lang="zh-CN" altLang="en-US" sz="1600" b="0" i="0" dirty="0">
+            <a:pPr marL="0" indent="0" algn="just"/>
+            <a:r>
+              <a:rPr lang="en-US" altLang="zh-CN" sz="1600" b="0" i="0">
+                <a:solidFill>
+                  <a:srgbClr val="000000"/>
+                </a:solidFill>
+                <a:latin typeface="微软雅黑" panose="020B0503020204020204" charset="-122"/>
+                <a:ea typeface="微软雅黑" panose="020B0503020204020204" charset="-122"/>
+              </a:rPr>
+              <a:t>https://github.com/WangRongsheng/XrayGLM/tree/main</a:t>
+            </a:r>
+            <a:endParaRPr lang="zh-CN" altLang="en-US" sz="1600" b="0" i="0">
+              <a:solidFill>
+                <a:srgbClr val="000000"/>
+              </a:solidFill>
               <a:latin typeface="微软雅黑" panose="020B0503020204020204" charset="-122"/>
               <a:ea typeface="微软雅黑" panose="020B0503020204020204" charset="-122"/>
             </a:endParaRPr>
           </a:p>
-        </p:txBody>
-      </p:sp>
-      <p:cxnSp>
-        <p:nvCxnSpPr>
-          <p:cNvPr id="8" name="直接箭头连接符 7"/>
-          <p:cNvCxnSpPr/>
-          <p:nvPr/>
-        </p:nvCxnSpPr>
-        <p:spPr>
-          <a:xfrm flipV="1">
-            <a:off x="7874635" y="4039235"/>
-            <a:ext cx="1558925" cy="741045"/>
-          </a:xfrm>
-          <a:prstGeom prst="straightConnector1">
-            <a:avLst/>
-          </a:prstGeom>
-          <a:ln>
-            <a:tailEnd type="arrow"/>
-          </a:ln>
-        </p:spPr>
-        <p:style>
-          <a:lnRef idx="2">
-            <a:schemeClr val="accent1"/>
-          </a:lnRef>
-          <a:fillRef idx="0">
-            <a:srgbClr val="FFFFFF"/>
-          </a:fillRef>
-          <a:effectRef idx="0">
-            <a:srgbClr val="FFFFFF"/>
-          </a:effectRef>
-          <a:fontRef idx="minor">
-            <a:schemeClr val="tx1"/>
-          </a:fontRef>
-        </p:style>
-      </p:cxnSp>
+          <a:p>
+            <a:pPr marL="0" indent="0" algn="just"/>
+            <a:endParaRPr lang="zh-CN" altLang="en-US" sz="1600" b="0" i="0">
+              <a:solidFill>
+                <a:srgbClr val="000000"/>
+              </a:solidFill>
+              <a:latin typeface="微软雅黑" panose="020B0503020204020204" charset="-122"/>
+              <a:ea typeface="微软雅黑" panose="020B0503020204020204" charset="-122"/>
+            </a:endParaRPr>
+          </a:p>
+          <a:p>
+            <a:pPr marL="0" indent="0" algn="just"/>
+            <a:endParaRPr lang="en-US" altLang="zh-CN" sz="1600" b="0" i="0">
+              <a:solidFill>
+                <a:srgbClr val="000000"/>
+              </a:solidFill>
+              <a:latin typeface="微软雅黑" panose="020B0503020204020204" charset="-122"/>
+              <a:ea typeface="微软雅黑" panose="020B0503020204020204" charset="-122"/>
+            </a:endParaRPr>
+          </a:p>
+          <a:p>
+            <a:pPr marL="0" indent="0" algn="just"/>
+            <a:endParaRPr lang="zh-CN" altLang="en-US" sz="1600" b="0" i="0">
+              <a:solidFill>
+                <a:srgbClr val="000000"/>
+              </a:solidFill>
+              <a:latin typeface="微软雅黑" panose="020B0503020204020204" charset="-122"/>
+              <a:ea typeface="微软雅黑" panose="020B0503020204020204" charset="-122"/>
+            </a:endParaRPr>
+          </a:p>
+          <a:p>
+            <a:pPr marL="0" indent="0" algn="just"/>
+            <a:endParaRPr lang="zh-CN" altLang="en-US" sz="1600" b="0" i="0">
+              <a:solidFill>
+                <a:srgbClr val="000000"/>
+              </a:solidFill>
+              <a:latin typeface="微软雅黑" panose="020B0503020204020204" charset="-122"/>
+              <a:ea typeface="微软雅黑" panose="020B0503020204020204" charset="-122"/>
+            </a:endParaRPr>
+          </a:p>
+        </p:txBody>
+      </p:sp>
       <p:pic>
         <p:nvPicPr>
-          <p:cNvPr id="9" name="图片 8"/>
+          <p:cNvPr id="2" name="图片 1"/>
           <p:cNvPicPr>
             <a:picLocks noChangeAspect="1"/>
           </p:cNvPicPr>
           <p:nvPr/>
         </p:nvPicPr>
         <p:blipFill>
-          <a:blip r:embed="rId4"/>
+          <a:blip r:embed="rId2"/>
           <a:stretch>
             <a:fillRect/>
           </a:stretch>
         </p:blipFill>
         <p:spPr>
           <a:xfrm>
-            <a:off x="8762365" y="1217930"/>
-            <a:ext cx="2609215" cy="2613660"/>
+            <a:off x="311785" y="3044190"/>
+            <a:ext cx="5784215" cy="3710305"/>
           </a:xfrm>
           <a:prstGeom prst="rect">
             <a:avLst/>
           </a:prstGeom>
         </p:spPr>
       </p:pic>
-      <p:cxnSp>
-        <p:nvCxnSpPr>
-          <p:cNvPr id="10" name="直接箭头连接符 9"/>
-          <p:cNvCxnSpPr>
-            <a:endCxn id="9" idx="1"/>
-          </p:cNvCxnSpPr>
-          <p:nvPr/>
-        </p:nvCxnSpPr>
-        <p:spPr>
-          <a:xfrm>
-            <a:off x="7999730" y="2038350"/>
-            <a:ext cx="762635" cy="486410"/>
-          </a:xfrm>
-          <a:prstGeom prst="straightConnector1">
-            <a:avLst/>
-          </a:prstGeom>
-          <a:ln>
-            <a:tailEnd type="arrow"/>
-          </a:ln>
-        </p:spPr>
-        <p:style>
-          <a:lnRef idx="2">
-            <a:schemeClr val="accent1"/>
-          </a:lnRef>
-          <a:fillRef idx="0">
-            <a:srgbClr val="FFFFFF"/>
-          </a:fillRef>
-          <a:effectRef idx="0">
-            <a:srgbClr val="FFFFFF"/>
-          </a:effectRef>
-          <a:fontRef idx="minor">
-            <a:schemeClr val="tx1"/>
-          </a:fontRef>
-        </p:style>
-      </p:cxnSp>
-      <p:pic>
-        <p:nvPicPr>
-          <p:cNvPr id="11" name="图片 10"/>
-          <p:cNvPicPr>
-            <a:picLocks noChangeAspect="1"/>
-          </p:cNvPicPr>
-          <p:nvPr/>
-        </p:nvPicPr>
-        <p:blipFill>
-          <a:blip r:embed="rId5"/>
-          <a:stretch>
-            <a:fillRect/>
-          </a:stretch>
-        </p:blipFill>
-        <p:spPr>
-          <a:xfrm>
-            <a:off x="944245" y="1329690"/>
-            <a:ext cx="1609725" cy="332740"/>
-          </a:xfrm>
-          <a:prstGeom prst="rect">
-            <a:avLst/>
-          </a:prstGeom>
-        </p:spPr>
-      </p:pic>
-    </p:spTree>
-  </p:cSld>
-  <p:clrMapOvr>
-    <a:masterClrMapping/>
-  </p:clrMapOvr>
-</p:sld>
-</file>
-
-<file path=ppt/slides/slide14.xml><?xml version="1.0" encoding="utf-8"?>
-<p:sld xmlns:a="http://schemas.openxmlformats.org/drawingml/2006/main" xmlns:r="http://schemas.openxmlformats.org/officeDocument/2006/relationships" xmlns:p="http://schemas.openxmlformats.org/presentationml/2006/main">
-  <p:cSld>
-    <p:spTree>
-      <p:nvGrpSpPr>
-        <p:cNvPr id="1" name=""/>
-        <p:cNvGrpSpPr/>
-        <p:nvPr/>
-      </p:nvGrpSpPr>
-      <p:grpSpPr>
-        <a:xfrm>
-          <a:off x="0" y="0"/>
-          <a:ext cx="0" cy="0"/>
-          <a:chOff x="0" y="0"/>
-          <a:chExt cx="0" cy="0"/>
-        </a:xfrm>
-      </p:grpSpPr>
-      <p:sp>
-        <p:nvSpPr>
-          <p:cNvPr id="13" name="文本框 12"/>
-          <p:cNvSpPr txBox="1"/>
-          <p:nvPr/>
-        </p:nvSpPr>
-        <p:spPr>
-          <a:xfrm>
-            <a:off x="106466" y="601786"/>
-            <a:ext cx="1541780" cy="398780"/>
-          </a:xfrm>
-          <a:prstGeom prst="rect">
-            <a:avLst/>
-          </a:prstGeom>
-          <a:noFill/>
-        </p:spPr>
-        <p:txBody>
-          <a:bodyPr wrap="none" rtlCol="0">
-            <a:spAutoFit/>
-          </a:bodyPr>
-          <a:lstStyle/>
-          <a:p>
-            <a:pPr marL="342900" indent="-342900" algn="l">
-              <a:buClrTx/>
-              <a:buSzTx/>
-              <a:buFont typeface="Wingdings" panose="05000000000000000000" charset="0"/>
-              <a:buChar char="n"/>
-            </a:pPr>
-            <a:r>
-              <a:rPr lang="zh-CN" altLang="en-US" sz="2000" b="1" dirty="0">
-                <a:latin typeface="微软雅黑" panose="020B0503020204020204" charset="-122"/>
-                <a:ea typeface="微软雅黑" panose="020B0503020204020204" charset="-122"/>
-              </a:rPr>
-              <a:t>微调效果</a:t>
-            </a:r>
-            <a:endParaRPr lang="zh-CN" altLang="en-US" sz="2000" b="1" dirty="0">
-              <a:latin typeface="微软雅黑" panose="020B0503020204020204" charset="-122"/>
-              <a:ea typeface="微软雅黑" panose="020B0503020204020204" charset="-122"/>
-            </a:endParaRPr>
-          </a:p>
-        </p:txBody>
-      </p:sp>
-      <p:sp>
-        <p:nvSpPr>
-          <p:cNvPr id="7" name="文本框 6"/>
-          <p:cNvSpPr txBox="1"/>
-          <p:nvPr/>
-        </p:nvSpPr>
-        <p:spPr>
-          <a:xfrm>
-            <a:off x="724535" y="1323340"/>
-            <a:ext cx="2247900" cy="410845"/>
-          </a:xfrm>
-          <a:prstGeom prst="rect">
-            <a:avLst/>
-          </a:prstGeom>
-          <a:noFill/>
-        </p:spPr>
-        <p:txBody>
-          <a:bodyPr wrap="square">
-            <a:noAutofit/>
-          </a:bodyPr>
-          <a:lstStyle/>
-          <a:p>
-            <a:pPr algn="l" fontAlgn="auto">
-              <a:lnSpc>
-                <a:spcPts val="2200"/>
-              </a:lnSpc>
-              <a:buClrTx/>
-              <a:buSzTx/>
-              <a:buNone/>
-            </a:pPr>
-            <a:endParaRPr lang="zh-CN" altLang="en-US" sz="1600" dirty="0">
-              <a:latin typeface="微软雅黑" panose="020B0503020204020204" charset="-122"/>
-              <a:ea typeface="微软雅黑" panose="020B0503020204020204" charset="-122"/>
-            </a:endParaRPr>
-          </a:p>
-        </p:txBody>
-      </p:sp>
-      <p:sp>
-        <p:nvSpPr>
-          <p:cNvPr id="3" name="矩形 2"/>
-          <p:cNvSpPr/>
-          <p:nvPr>
-            <p:custDataLst>
-              <p:tags r:id="rId1"/>
-            </p:custDataLst>
-          </p:nvPr>
-        </p:nvSpPr>
-        <p:spPr>
-          <a:xfrm>
-            <a:off x="-6350" y="0"/>
-            <a:ext cx="12198350" cy="540000"/>
-          </a:xfrm>
-          <a:prstGeom prst="rect">
-            <a:avLst/>
-          </a:prstGeom>
-          <a:solidFill>
-            <a:srgbClr val="A099CB"/>
-          </a:solidFill>
-          <a:ln>
-            <a:noFill/>
-          </a:ln>
-        </p:spPr>
-        <p:style>
-          <a:lnRef idx="2">
-            <a:schemeClr val="accent1">
-              <a:shade val="50000"/>
-            </a:schemeClr>
-          </a:lnRef>
-          <a:fillRef idx="1">
-            <a:schemeClr val="accent1"/>
-          </a:fillRef>
-          <a:effectRef idx="0">
-            <a:schemeClr val="accent1"/>
-          </a:effectRef>
-          <a:fontRef idx="minor">
-            <a:schemeClr val="lt1"/>
-          </a:fontRef>
-        </p:style>
-        <p:txBody>
-          <a:bodyPr rtlCol="0" anchor="ctr"/>
-          <a:p>
-            <a:pPr indent="0" algn="ctr">
-              <a:lnSpc>
-                <a:spcPct val="150000"/>
-              </a:lnSpc>
-              <a:buFont typeface="Wingdings" panose="05000000000000000000" charset="0"/>
-              <a:buNone/>
-            </a:pPr>
-            <a:r>
-              <a:rPr lang="en-US" altLang="zh-CN" dirty="0">
-                <a:effectLst/>
-                <a:latin typeface="微软雅黑" panose="020B0503020204020204" charset="-122"/>
-                <a:ea typeface="微软雅黑" panose="020B0503020204020204" charset="-122"/>
-                <a:sym typeface="+mn-ea"/>
-              </a:rPr>
-              <a:t>2.LoRA: Low-Rank Adaptation of Large Language Models</a:t>
-            </a:r>
-            <a:endParaRPr lang="en-US" altLang="zh-CN" dirty="0">
-              <a:effectLst/>
-              <a:latin typeface="微软雅黑" panose="020B0503020204020204" charset="-122"/>
-              <a:ea typeface="微软雅黑" panose="020B0503020204020204" charset="-122"/>
-            </a:endParaRPr>
-          </a:p>
-        </p:txBody>
-      </p:sp>
-      <p:sp>
-        <p:nvSpPr>
-          <p:cNvPr id="15" name="文本框 14"/>
-          <p:cNvSpPr txBox="1"/>
-          <p:nvPr>
-            <p:custDataLst>
-              <p:tags r:id="rId2"/>
-            </p:custDataLst>
-          </p:nvPr>
-        </p:nvSpPr>
-        <p:spPr>
-          <a:xfrm>
-            <a:off x="724535" y="890270"/>
-            <a:ext cx="2831465" cy="506730"/>
-          </a:xfrm>
-          <a:prstGeom prst="rect">
-            <a:avLst/>
-          </a:prstGeom>
-          <a:noFill/>
-        </p:spPr>
-        <p:txBody>
-          <a:bodyPr wrap="square" rtlCol="0">
-            <a:spAutoFit/>
-          </a:bodyPr>
-          <a:p>
-            <a:pPr marL="285750" indent="-285750">
-              <a:lnSpc>
-                <a:spcPct val="150000"/>
-              </a:lnSpc>
-              <a:buFont typeface="Wingdings" panose="05000000000000000000" charset="0"/>
-              <a:buChar char="p"/>
-            </a:pPr>
-            <a:r>
-              <a:rPr lang="zh-CN" altLang="en-US" b="1" dirty="0">
-                <a:latin typeface="微软雅黑" panose="020B0503020204020204" charset="-122"/>
-                <a:ea typeface="微软雅黑" panose="020B0503020204020204" charset="-122"/>
-              </a:rPr>
-              <a:t>降低的计算量：</a:t>
-            </a:r>
-            <a:endParaRPr lang="en-US" altLang="zh-CN" b="1" dirty="0">
-              <a:latin typeface="微软雅黑" panose="020B0503020204020204" charset="-122"/>
-              <a:ea typeface="微软雅黑" panose="020B0503020204020204" charset="-122"/>
-            </a:endParaRPr>
-          </a:p>
-        </p:txBody>
-      </p:sp>
-      <p:sp>
-        <p:nvSpPr>
-          <p:cNvPr id="2" name="文本框 1"/>
-          <p:cNvSpPr txBox="1"/>
-          <p:nvPr/>
-        </p:nvSpPr>
-        <p:spPr>
-          <a:xfrm>
-            <a:off x="791210" y="1363980"/>
-            <a:ext cx="8864600" cy="1076325"/>
-          </a:xfrm>
-          <a:prstGeom prst="rect">
-            <a:avLst/>
-          </a:prstGeom>
-        </p:spPr>
-        <p:txBody>
-          <a:bodyPr wrap="square">
-            <a:spAutoFit/>
-          </a:bodyPr>
-          <a:p>
-            <a:pPr marL="0" indent="0" algn="l"/>
-            <a:r>
-              <a:rPr lang="zh-CN" sz="1600" b="0" i="0" dirty="0">
-                <a:latin typeface="微软雅黑" panose="020B0503020204020204" charset="-122"/>
-                <a:ea typeface="微软雅黑" panose="020B0503020204020204" charset="-122"/>
-              </a:rPr>
-              <a:t>设模型原参数量是</a:t>
-            </a:r>
-            <a:r>
-              <a:rPr lang="en-US" altLang="zh-CN" sz="1600" b="0" i="0" dirty="0">
-                <a:latin typeface="微软雅黑" panose="020B0503020204020204" charset="-122"/>
-                <a:ea typeface="微软雅黑" panose="020B0503020204020204" charset="-122"/>
-              </a:rPr>
-              <a:t>P</a:t>
-            </a:r>
-            <a:r>
-              <a:rPr lang="zh-CN" altLang="en-US" sz="1600" b="0" i="0" dirty="0">
-                <a:latin typeface="微软雅黑" panose="020B0503020204020204" charset="-122"/>
-                <a:ea typeface="微软雅黑" panose="020B0503020204020204" charset="-122"/>
-              </a:rPr>
-              <a:t>，</a:t>
-            </a:r>
-            <a:r>
-              <a:rPr lang="en-US" altLang="zh-CN" sz="1600" b="0" i="0" dirty="0">
-                <a:latin typeface="微软雅黑" panose="020B0503020204020204" charset="-122"/>
-                <a:ea typeface="微软雅黑" panose="020B0503020204020204" charset="-122"/>
-              </a:rPr>
-              <a:t>LoRA</a:t>
-            </a:r>
-            <a:r>
-              <a:rPr lang="zh-CN" altLang="en-US" sz="1600" b="0" i="0" dirty="0">
-                <a:latin typeface="微软雅黑" panose="020B0503020204020204" charset="-122"/>
-                <a:ea typeface="微软雅黑" panose="020B0503020204020204" charset="-122"/>
-              </a:rPr>
-              <a:t>学习出的低秩参数量是</a:t>
-            </a:r>
-            <a:r>
-              <a:rPr lang="en-US" altLang="zh-CN" sz="1600" b="0" i="0" dirty="0">
-                <a:latin typeface="微软雅黑" panose="020B0503020204020204" charset="-122"/>
-                <a:ea typeface="微软雅黑" panose="020B0503020204020204" charset="-122"/>
-              </a:rPr>
-              <a:t>P</a:t>
-            </a:r>
-            <a:r>
-              <a:rPr lang="en-US" altLang="zh-CN" sz="1600" b="0" i="0" baseline="-25000" dirty="0">
-                <a:latin typeface="微软雅黑" panose="020B0503020204020204" charset="-122"/>
-                <a:ea typeface="微软雅黑" panose="020B0503020204020204" charset="-122"/>
-              </a:rPr>
-              <a:t>lora </a:t>
-            </a:r>
-            <a:r>
-              <a:rPr lang="zh-CN" altLang="en-US" sz="1600" b="0" i="0" dirty="0">
-                <a:latin typeface="微软雅黑" panose="020B0503020204020204" charset="-122"/>
-                <a:ea typeface="微软雅黑" panose="020B0503020204020204" charset="-122"/>
-              </a:rPr>
-              <a:t>。</a:t>
-            </a:r>
-            <a:endParaRPr lang="zh-CN" altLang="en-US" sz="1600" b="0" i="0" dirty="0">
-              <a:latin typeface="微软雅黑" panose="020B0503020204020204" charset="-122"/>
-              <a:ea typeface="微软雅黑" panose="020B0503020204020204" charset="-122"/>
-            </a:endParaRPr>
-          </a:p>
-          <a:p>
-            <a:pPr marL="0" indent="0" algn="l"/>
-            <a:r>
-              <a:rPr lang="zh-CN" altLang="en-US" sz="1600" b="0" i="0" dirty="0">
-                <a:latin typeface="微软雅黑" panose="020B0503020204020204" charset="-122"/>
-                <a:ea typeface="微软雅黑" panose="020B0503020204020204" charset="-122"/>
-              </a:rPr>
-              <a:t>LoRA 微调需要保存的模型参数量为</a:t>
-            </a:r>
-            <a:r>
-              <a:rPr lang="en-US" altLang="zh-CN" sz="1600" b="0" i="0" dirty="0">
-                <a:latin typeface="微软雅黑" panose="020B0503020204020204" charset="-122"/>
-                <a:ea typeface="微软雅黑" panose="020B0503020204020204" charset="-122"/>
-              </a:rPr>
-              <a:t>2P+2</a:t>
-            </a:r>
-            <a:r>
-              <a:rPr lang="en-US" altLang="zh-CN" sz="1600" dirty="0">
-                <a:latin typeface="微软雅黑" panose="020B0503020204020204" charset="-122"/>
-                <a:ea typeface="微软雅黑" panose="020B0503020204020204" charset="-122"/>
-                <a:sym typeface="+mn-ea"/>
-              </a:rPr>
-              <a:t>P</a:t>
-            </a:r>
-            <a:r>
-              <a:rPr lang="en-US" altLang="zh-CN" sz="1600" baseline="-25000" dirty="0">
-                <a:latin typeface="微软雅黑" panose="020B0503020204020204" charset="-122"/>
-                <a:ea typeface="微软雅黑" panose="020B0503020204020204" charset="-122"/>
-                <a:sym typeface="+mn-ea"/>
-              </a:rPr>
-              <a:t>lora </a:t>
-            </a:r>
-            <a:r>
-              <a:rPr lang="zh-CN" altLang="en-US" sz="1600" dirty="0">
-                <a:latin typeface="微软雅黑" panose="020B0503020204020204" charset="-122"/>
-                <a:ea typeface="微软雅黑" panose="020B0503020204020204" charset="-122"/>
-                <a:sym typeface="+mn-ea"/>
-              </a:rPr>
-              <a:t>。梯度和优化器参数总计</a:t>
-            </a:r>
-            <a:r>
-              <a:rPr lang="en-US" altLang="zh-CN" sz="1600" dirty="0">
-                <a:latin typeface="微软雅黑" panose="020B0503020204020204" charset="-122"/>
-                <a:ea typeface="微软雅黑" panose="020B0503020204020204" charset="-122"/>
-                <a:sym typeface="+mn-ea"/>
-              </a:rPr>
-              <a:t>:14</a:t>
-            </a:r>
-            <a:r>
-              <a:rPr lang="en-US" altLang="zh-CN" sz="1600" dirty="0">
-                <a:latin typeface="微软雅黑" panose="020B0503020204020204" charset="-122"/>
-                <a:ea typeface="微软雅黑" panose="020B0503020204020204" charset="-122"/>
-                <a:sym typeface="+mn-ea"/>
-              </a:rPr>
-              <a:t>P</a:t>
-            </a:r>
-            <a:r>
-              <a:rPr lang="en-US" altLang="zh-CN" sz="1600" baseline="-25000" dirty="0">
-                <a:latin typeface="微软雅黑" panose="020B0503020204020204" charset="-122"/>
-                <a:ea typeface="微软雅黑" panose="020B0503020204020204" charset="-122"/>
-                <a:sym typeface="+mn-ea"/>
-              </a:rPr>
-              <a:t>lora </a:t>
-            </a:r>
-            <a:r>
-              <a:rPr lang="zh-CN" altLang="en-US" sz="1600" dirty="0">
-                <a:latin typeface="微软雅黑" panose="020B0503020204020204" charset="-122"/>
-                <a:ea typeface="微软雅黑" panose="020B0503020204020204" charset="-122"/>
-                <a:sym typeface="+mn-ea"/>
-              </a:rPr>
-              <a:t>。</a:t>
-            </a:r>
-            <a:endParaRPr lang="zh-CN" altLang="en-US" sz="1600" dirty="0">
-              <a:latin typeface="微软雅黑" panose="020B0503020204020204" charset="-122"/>
-              <a:ea typeface="微软雅黑" panose="020B0503020204020204" charset="-122"/>
-              <a:sym typeface="+mn-ea"/>
-            </a:endParaRPr>
-          </a:p>
-          <a:p>
-            <a:pPr marL="0" indent="0" algn="l"/>
-            <a:r>
-              <a:rPr lang="en-US" altLang="zh-CN" sz="1600" dirty="0">
-                <a:latin typeface="微软雅黑" panose="020B0503020204020204" charset="-122"/>
-                <a:ea typeface="微软雅黑" panose="020B0503020204020204" charset="-122"/>
-                <a:sym typeface="+mn-ea"/>
-              </a:rPr>
-              <a:t>LoRA</a:t>
-            </a:r>
-            <a:r>
-              <a:rPr lang="zh-CN" altLang="en-US" sz="1600" dirty="0">
-                <a:latin typeface="微软雅黑" panose="020B0503020204020204" charset="-122"/>
-                <a:ea typeface="微软雅黑" panose="020B0503020204020204" charset="-122"/>
-                <a:sym typeface="+mn-ea"/>
-              </a:rPr>
-              <a:t>总参数量为</a:t>
-            </a:r>
-            <a:r>
-              <a:rPr lang="en-US" altLang="zh-CN" sz="1600" b="1" dirty="0">
-                <a:latin typeface="微软雅黑" panose="020B0503020204020204" charset="-122"/>
-                <a:ea typeface="微软雅黑" panose="020B0503020204020204" charset="-122"/>
-                <a:sym typeface="+mn-ea"/>
-              </a:rPr>
-              <a:t>2P+16</a:t>
-            </a:r>
-            <a:r>
-              <a:rPr lang="en-US" altLang="zh-CN" sz="1600" b="1" dirty="0">
-                <a:latin typeface="微软雅黑" panose="020B0503020204020204" charset="-122"/>
-                <a:ea typeface="微软雅黑" panose="020B0503020204020204" charset="-122"/>
-                <a:sym typeface="+mn-ea"/>
-              </a:rPr>
-              <a:t>P</a:t>
-            </a:r>
-            <a:r>
-              <a:rPr lang="en-US" altLang="zh-CN" sz="1600" b="1" baseline="-25000" dirty="0">
-                <a:latin typeface="微软雅黑" panose="020B0503020204020204" charset="-122"/>
-                <a:ea typeface="微软雅黑" panose="020B0503020204020204" charset="-122"/>
-                <a:sym typeface="+mn-ea"/>
-              </a:rPr>
-              <a:t>lora </a:t>
-            </a:r>
-            <a:endParaRPr lang="zh-CN" altLang="en-US" sz="1600" dirty="0">
-              <a:latin typeface="微软雅黑" panose="020B0503020204020204" charset="-122"/>
-              <a:ea typeface="微软雅黑" panose="020B0503020204020204" charset="-122"/>
-              <a:sym typeface="+mn-ea"/>
-            </a:endParaRPr>
-          </a:p>
-          <a:p>
-            <a:pPr marL="0" indent="0" algn="l"/>
-            <a:r>
-              <a:rPr lang="zh-CN" altLang="en-US" sz="1600" dirty="0">
-                <a:latin typeface="微软雅黑" panose="020B0503020204020204" charset="-122"/>
-                <a:ea typeface="微软雅黑" panose="020B0503020204020204" charset="-122"/>
-                <a:sym typeface="+mn-ea"/>
-              </a:rPr>
-              <a:t>而</a:t>
-            </a:r>
-            <a:r>
-              <a:rPr lang="en-US" altLang="zh-CN" sz="1600" dirty="0">
-                <a:latin typeface="微软雅黑" panose="020B0503020204020204" charset="-122"/>
-                <a:ea typeface="微软雅黑" panose="020B0503020204020204" charset="-122"/>
-                <a:sym typeface="+mn-ea"/>
-              </a:rPr>
-              <a:t>全量微调</a:t>
-            </a:r>
-            <a:r>
-              <a:rPr lang="zh-CN" altLang="en-US" sz="1600" dirty="0">
-                <a:latin typeface="微软雅黑" panose="020B0503020204020204" charset="-122"/>
-                <a:ea typeface="微软雅黑" panose="020B0503020204020204" charset="-122"/>
-                <a:sym typeface="+mn-ea"/>
-              </a:rPr>
-              <a:t>需要参数量为</a:t>
-            </a:r>
-            <a:r>
-              <a:rPr lang="en-US" altLang="zh-CN" sz="1600" b="1" dirty="0">
-                <a:latin typeface="微软雅黑" panose="020B0503020204020204" charset="-122"/>
-                <a:ea typeface="微软雅黑" panose="020B0503020204020204" charset="-122"/>
-                <a:sym typeface="+mn-ea"/>
-              </a:rPr>
-              <a:t>16P</a:t>
-            </a:r>
-            <a:endParaRPr lang="en-US" altLang="zh-CN" sz="1600" b="1" dirty="0">
-              <a:latin typeface="微软雅黑" panose="020B0503020204020204" charset="-122"/>
-              <a:ea typeface="微软雅黑" panose="020B0503020204020204" charset="-122"/>
-              <a:sym typeface="+mn-ea"/>
-            </a:endParaRPr>
-          </a:p>
-        </p:txBody>
-      </p:sp>
       <p:pic>
         <p:nvPicPr>
           <p:cNvPr id="4" name="图片 3"/>
@@ -6937,8 +5586,8 @@
         </p:blipFill>
         <p:spPr>
           <a:xfrm>
-            <a:off x="1090295" y="2762885"/>
-            <a:ext cx="6172200" cy="3987800"/>
+            <a:off x="6096000" y="4029075"/>
+            <a:ext cx="5321935" cy="1846580"/>
           </a:xfrm>
           <a:prstGeom prst="rect">
             <a:avLst/>
@@ -6953,661 +5602,7 @@
 </p:sld>
 </file>
 
-<file path=ppt/slides/slide15.xml><?xml version="1.0" encoding="utf-8"?>
-<p:sld xmlns:a="http://schemas.openxmlformats.org/drawingml/2006/main" xmlns:r="http://schemas.openxmlformats.org/officeDocument/2006/relationships" xmlns:p="http://schemas.openxmlformats.org/presentationml/2006/main">
-  <p:cSld>
-    <p:spTree>
-      <p:nvGrpSpPr>
-        <p:cNvPr id="1" name=""/>
-        <p:cNvGrpSpPr/>
-        <p:nvPr/>
-      </p:nvGrpSpPr>
-      <p:grpSpPr>
-        <a:xfrm>
-          <a:off x="0" y="0"/>
-          <a:ext cx="0" cy="0"/>
-          <a:chOff x="0" y="0"/>
-          <a:chExt cx="0" cy="0"/>
-        </a:xfrm>
-      </p:grpSpPr>
-      <p:pic>
-        <p:nvPicPr>
-          <p:cNvPr id="4" name="图片 3" descr="1"/>
-          <p:cNvPicPr>
-            <a:picLocks noChangeAspect="1"/>
-          </p:cNvPicPr>
-          <p:nvPr/>
-        </p:nvPicPr>
-        <p:blipFill>
-          <a:blip r:embed="rId1"/>
-          <a:stretch>
-            <a:fillRect/>
-          </a:stretch>
-        </p:blipFill>
-        <p:spPr>
-          <a:xfrm>
-            <a:off x="4745355" y="-588645"/>
-            <a:ext cx="12060555" cy="8474075"/>
-          </a:xfrm>
-          <a:prstGeom prst="rect">
-            <a:avLst/>
-          </a:prstGeom>
-        </p:spPr>
-      </p:pic>
-      <p:sp>
-        <p:nvSpPr>
-          <p:cNvPr id="5" name="文本框 4"/>
-          <p:cNvSpPr txBox="1"/>
-          <p:nvPr/>
-        </p:nvSpPr>
-        <p:spPr>
-          <a:xfrm>
-            <a:off x="1038225" y="1470025"/>
-            <a:ext cx="2301875" cy="1861185"/>
-          </a:xfrm>
-          <a:prstGeom prst="rect">
-            <a:avLst/>
-          </a:prstGeom>
-          <a:noFill/>
-        </p:spPr>
-        <p:txBody>
-          <a:bodyPr wrap="square" rtlCol="0">
-            <a:spAutoFit/>
-          </a:bodyPr>
-          <a:lstStyle/>
-          <a:p>
-            <a:pPr marL="0" marR="0" lvl="0" indent="0" algn="l" defTabSz="914400" rtl="0" eaLnBrk="1" fontAlgn="auto" latinLnBrk="0" hangingPunct="1">
-              <a:lnSpc>
-                <a:spcPct val="100000"/>
-              </a:lnSpc>
-              <a:spcBef>
-                <a:spcPts val="0"/>
-              </a:spcBef>
-              <a:spcAft>
-                <a:spcPts val="0"/>
-              </a:spcAft>
-              <a:buClrTx/>
-              <a:buSzTx/>
-              <a:buFontTx/>
-              <a:buNone/>
-              <a:defRPr/>
-            </a:pPr>
-            <a:r>
-              <a:rPr kumimoji="0" lang="en-US" altLang="zh-CN" sz="11500" b="0" i="0" u="none" strike="noStrike" kern="1200" cap="none" spc="0" normalizeH="0" baseline="0" noProof="0" dirty="0">
-                <a:ln>
-                  <a:solidFill>
-                    <a:srgbClr val="383987"/>
-                  </a:solidFill>
-                </a:ln>
-                <a:noFill/>
-                <a:effectLst/>
-                <a:uLnTx/>
-                <a:uFillTx/>
-                <a:latin typeface="Agency FB" panose="020B0503020202020204" pitchFamily="34" charset="0"/>
-                <a:ea typeface="宋体" panose="02010600030101010101" pitchFamily="2" charset="-122"/>
-                <a:cs typeface="+mn-cs"/>
-              </a:rPr>
-              <a:t>03</a:t>
-            </a:r>
-            <a:endParaRPr kumimoji="0" lang="en-US" altLang="zh-CN" sz="11500" b="0" i="0" u="none" strike="noStrike" kern="1200" cap="none" spc="0" normalizeH="0" baseline="0" noProof="0" dirty="0">
-              <a:ln>
-                <a:solidFill>
-                  <a:srgbClr val="383987"/>
-                </a:solidFill>
-              </a:ln>
-              <a:noFill/>
-              <a:effectLst/>
-              <a:uLnTx/>
-              <a:uFillTx/>
-              <a:latin typeface="Agency FB" panose="020B0503020202020204" pitchFamily="34" charset="0"/>
-              <a:ea typeface="宋体" panose="02010600030101010101" pitchFamily="2" charset="-122"/>
-              <a:cs typeface="+mn-cs"/>
-            </a:endParaRPr>
-          </a:p>
-        </p:txBody>
-      </p:sp>
-      <p:sp>
-        <p:nvSpPr>
-          <p:cNvPr id="6" name="文本框 5"/>
-          <p:cNvSpPr txBox="1"/>
-          <p:nvPr/>
-        </p:nvSpPr>
-        <p:spPr>
-          <a:xfrm>
-            <a:off x="1265555" y="3049270"/>
-            <a:ext cx="11768455" cy="777240"/>
-          </a:xfrm>
-          <a:prstGeom prst="rect">
-            <a:avLst/>
-          </a:prstGeom>
-          <a:noFill/>
-        </p:spPr>
-        <p:txBody>
-          <a:bodyPr wrap="square" rtlCol="0">
-            <a:noAutofit/>
-          </a:bodyPr>
-          <a:lstStyle/>
-          <a:p>
-            <a:pPr marL="0" marR="0" lvl="0" indent="0" algn="ctr" defTabSz="914400" rtl="0" eaLnBrk="1" fontAlgn="auto" latinLnBrk="0" hangingPunct="1">
-              <a:lnSpc>
-                <a:spcPct val="100000"/>
-              </a:lnSpc>
-              <a:spcBef>
-                <a:spcPts val="0"/>
-              </a:spcBef>
-              <a:spcAft>
-                <a:spcPts val="0"/>
-              </a:spcAft>
-              <a:buClrTx/>
-              <a:buSzTx/>
-              <a:buFontTx/>
-              <a:buNone/>
-              <a:defRPr/>
-            </a:pPr>
-            <a:r>
-              <a:rPr lang="zh-CN" sz="3600" dirty="0">
-                <a:solidFill>
-                  <a:srgbClr val="383987"/>
-                </a:solidFill>
-                <a:latin typeface="微软雅黑" panose="020B0503020204020204" charset="-122"/>
-                <a:ea typeface="微软雅黑" panose="020B0503020204020204" charset="-122"/>
-                <a:sym typeface="+mn-ea"/>
-              </a:rPr>
-              <a:t>计划</a:t>
-            </a:r>
-            <a:endParaRPr lang="zh-CN" sz="3600" dirty="0">
-              <a:solidFill>
-                <a:srgbClr val="383987"/>
-              </a:solidFill>
-              <a:latin typeface="微软雅黑" panose="020B0503020204020204" charset="-122"/>
-              <a:ea typeface="微软雅黑" panose="020B0503020204020204" charset="-122"/>
-              <a:sym typeface="+mn-ea"/>
-            </a:endParaRPr>
-          </a:p>
-        </p:txBody>
-      </p:sp>
-    </p:spTree>
-  </p:cSld>
-  <p:clrMapOvr>
-    <a:masterClrMapping/>
-  </p:clrMapOvr>
-</p:sld>
-</file>
-
-<file path=ppt/slides/slide16.xml><?xml version="1.0" encoding="utf-8"?>
-<p:sld xmlns:a="http://schemas.openxmlformats.org/drawingml/2006/main" xmlns:r="http://schemas.openxmlformats.org/officeDocument/2006/relationships" xmlns:p="http://schemas.openxmlformats.org/presentationml/2006/main">
-  <p:cSld>
-    <p:spTree>
-      <p:nvGrpSpPr>
-        <p:cNvPr id="1" name=""/>
-        <p:cNvGrpSpPr/>
-        <p:nvPr/>
-      </p:nvGrpSpPr>
-      <p:grpSpPr>
-        <a:xfrm>
-          <a:off x="0" y="0"/>
-          <a:ext cx="0" cy="0"/>
-          <a:chOff x="0" y="0"/>
-          <a:chExt cx="0" cy="0"/>
-        </a:xfrm>
-      </p:grpSpPr>
-      <p:sp>
-        <p:nvSpPr>
-          <p:cNvPr id="13" name="文本框 12"/>
-          <p:cNvSpPr txBox="1"/>
-          <p:nvPr/>
-        </p:nvSpPr>
-        <p:spPr>
-          <a:xfrm>
-            <a:off x="106466" y="601786"/>
-            <a:ext cx="1287780" cy="398780"/>
-          </a:xfrm>
-          <a:prstGeom prst="rect">
-            <a:avLst/>
-          </a:prstGeom>
-          <a:noFill/>
-        </p:spPr>
-        <p:txBody>
-          <a:bodyPr wrap="none" rtlCol="0">
-            <a:spAutoFit/>
-          </a:bodyPr>
-          <a:lstStyle/>
-          <a:p>
-            <a:pPr marL="342900" indent="-342900">
-              <a:buFont typeface="Wingdings" panose="05000000000000000000" charset="0"/>
-              <a:buChar char="n"/>
-            </a:pPr>
-            <a:r>
-              <a:rPr lang="zh-CN" altLang="en-US" sz="2000" b="1" dirty="0">
-                <a:latin typeface="微软雅黑" panose="020B0503020204020204" charset="-122"/>
-                <a:ea typeface="微软雅黑" panose="020B0503020204020204" charset="-122"/>
-              </a:rPr>
-              <a:t>下一周</a:t>
-            </a:r>
-            <a:endParaRPr lang="zh-CN" altLang="en-US" sz="2000" b="1" dirty="0">
-              <a:latin typeface="微软雅黑" panose="020B0503020204020204" charset="-122"/>
-              <a:ea typeface="微软雅黑" panose="020B0503020204020204" charset="-122"/>
-            </a:endParaRPr>
-          </a:p>
-        </p:txBody>
-      </p:sp>
-      <p:sp>
-        <p:nvSpPr>
-          <p:cNvPr id="6" name="矩形 5"/>
-          <p:cNvSpPr/>
-          <p:nvPr>
-            <p:custDataLst>
-              <p:tags r:id="rId1"/>
-            </p:custDataLst>
-          </p:nvPr>
-        </p:nvSpPr>
-        <p:spPr>
-          <a:xfrm>
-            <a:off x="-6350" y="0"/>
-            <a:ext cx="12198350" cy="540000"/>
-          </a:xfrm>
-          <a:prstGeom prst="rect">
-            <a:avLst/>
-          </a:prstGeom>
-          <a:solidFill>
-            <a:srgbClr val="A099CB"/>
-          </a:solidFill>
-          <a:ln>
-            <a:noFill/>
-          </a:ln>
-        </p:spPr>
-        <p:style>
-          <a:lnRef idx="2">
-            <a:schemeClr val="accent1">
-              <a:shade val="50000"/>
-            </a:schemeClr>
-          </a:lnRef>
-          <a:fillRef idx="1">
-            <a:schemeClr val="accent1"/>
-          </a:fillRef>
-          <a:effectRef idx="0">
-            <a:schemeClr val="accent1"/>
-          </a:effectRef>
-          <a:fontRef idx="minor">
-            <a:schemeClr val="lt1"/>
-          </a:fontRef>
-        </p:style>
-        <p:txBody>
-          <a:bodyPr rtlCol="0" anchor="ctr"/>
-          <a:p>
-            <a:pPr marL="0" marR="0" lvl="0" indent="0" algn="ctr" defTabSz="914400" rtl="0" eaLnBrk="1" fontAlgn="auto" latinLnBrk="0" hangingPunct="1">
-              <a:lnSpc>
-                <a:spcPct val="100000"/>
-              </a:lnSpc>
-              <a:spcBef>
-                <a:spcPts val="0"/>
-              </a:spcBef>
-              <a:spcAft>
-                <a:spcPts val="0"/>
-              </a:spcAft>
-              <a:buClrTx/>
-              <a:buSzTx/>
-              <a:buFontTx/>
-              <a:buNone/>
-              <a:defRPr/>
-            </a:pPr>
-            <a:r>
-              <a:rPr lang="en-US" altLang="zh-CN" dirty="0">
-                <a:effectLst/>
-                <a:latin typeface="微软雅黑" panose="020B0503020204020204" charset="-122"/>
-                <a:ea typeface="微软雅黑" panose="020B0503020204020204" charset="-122"/>
-                <a:sym typeface="+mn-ea"/>
-              </a:rPr>
-              <a:t>4.</a:t>
-            </a:r>
-            <a:r>
-              <a:rPr lang="zh-CN" altLang="en-US" dirty="0">
-                <a:effectLst/>
-                <a:latin typeface="微软雅黑" panose="020B0503020204020204" charset="-122"/>
-                <a:ea typeface="微软雅黑" panose="020B0503020204020204" charset="-122"/>
-                <a:sym typeface="+mn-ea"/>
-              </a:rPr>
-              <a:t>计划</a:t>
-            </a:r>
-            <a:endParaRPr lang="zh-CN" altLang="en-US" dirty="0">
-              <a:effectLst/>
-              <a:latin typeface="微软雅黑" panose="020B0503020204020204" charset="-122"/>
-              <a:ea typeface="微软雅黑" panose="020B0503020204020204" charset="-122"/>
-              <a:sym typeface="+mn-ea"/>
-            </a:endParaRPr>
-          </a:p>
-        </p:txBody>
-      </p:sp>
-      <p:sp>
-        <p:nvSpPr>
-          <p:cNvPr id="3" name="文本框 2"/>
-          <p:cNvSpPr txBox="1"/>
-          <p:nvPr>
-            <p:custDataLst>
-              <p:tags r:id="rId2"/>
-            </p:custDataLst>
-          </p:nvPr>
-        </p:nvSpPr>
-        <p:spPr>
-          <a:xfrm>
-            <a:off x="455295" y="1657350"/>
-            <a:ext cx="4956810" cy="506730"/>
-          </a:xfrm>
-          <a:prstGeom prst="rect">
-            <a:avLst/>
-          </a:prstGeom>
-          <a:noFill/>
-        </p:spPr>
-        <p:txBody>
-          <a:bodyPr wrap="square" rtlCol="0">
-            <a:spAutoFit/>
-          </a:bodyPr>
-          <a:p>
-            <a:pPr marL="285750" indent="-285750">
-              <a:lnSpc>
-                <a:spcPct val="150000"/>
-              </a:lnSpc>
-              <a:buFont typeface="Wingdings" panose="05000000000000000000" charset="0"/>
-              <a:buChar char="p"/>
-            </a:pPr>
-            <a:r>
-              <a:rPr lang="zh-CN" altLang="en-US" b="1" dirty="0">
-                <a:latin typeface="微软雅黑" panose="020B0503020204020204" charset="-122"/>
-                <a:ea typeface="微软雅黑" panose="020B0503020204020204" charset="-122"/>
-              </a:rPr>
-              <a:t>继续读大模型</a:t>
-            </a:r>
-            <a:r>
-              <a:rPr lang="en-US" altLang="zh-CN" b="1" dirty="0">
-                <a:latin typeface="微软雅黑" panose="020B0503020204020204" charset="-122"/>
-                <a:ea typeface="微软雅黑" panose="020B0503020204020204" charset="-122"/>
-              </a:rPr>
-              <a:t>guide</a:t>
-            </a:r>
-            <a:r>
-              <a:rPr lang="zh-CN" altLang="en-US" b="1" dirty="0">
-                <a:latin typeface="微软雅黑" panose="020B0503020204020204" charset="-122"/>
-                <a:ea typeface="微软雅黑" panose="020B0503020204020204" charset="-122"/>
-              </a:rPr>
-              <a:t>的论文推荐：</a:t>
-            </a:r>
-            <a:endParaRPr lang="en-US" altLang="zh-CN" b="1" dirty="0">
-              <a:latin typeface="微软雅黑" panose="020B0503020204020204" charset="-122"/>
-              <a:ea typeface="微软雅黑" panose="020B0503020204020204" charset="-122"/>
-            </a:endParaRPr>
-          </a:p>
-        </p:txBody>
-      </p:sp>
-      <p:sp>
-        <p:nvSpPr>
-          <p:cNvPr id="7" name="文本框 6"/>
-          <p:cNvSpPr txBox="1"/>
-          <p:nvPr/>
-        </p:nvSpPr>
-        <p:spPr>
-          <a:xfrm>
-            <a:off x="911860" y="2178050"/>
-            <a:ext cx="7237095" cy="2553335"/>
-          </a:xfrm>
-          <a:prstGeom prst="rect">
-            <a:avLst/>
-          </a:prstGeom>
-        </p:spPr>
-        <p:txBody>
-          <a:bodyPr wrap="square">
-            <a:spAutoFit/>
-          </a:bodyPr>
-          <a:p>
-            <a:pPr marL="0" indent="0" algn="just"/>
-            <a:r>
-              <a:rPr lang="zh-CN" altLang="en-US" sz="1600" b="0" i="0">
-                <a:solidFill>
-                  <a:srgbClr val="000000"/>
-                </a:solidFill>
-                <a:latin typeface="微软雅黑" panose="020B0503020204020204" charset="-122"/>
-                <a:ea typeface="微软雅黑" panose="020B0503020204020204" charset="-122"/>
-              </a:rPr>
-              <a:t>继续补充大模型和微调的基础论文，少看视频，多看论文和博客。不懂的多查，感觉看视频十分低效</a:t>
-            </a:r>
-            <a:endParaRPr lang="zh-CN" altLang="en-US" sz="1600" b="0" i="0">
-              <a:solidFill>
-                <a:srgbClr val="000000"/>
-              </a:solidFill>
-              <a:latin typeface="微软雅黑" panose="020B0503020204020204" charset="-122"/>
-              <a:ea typeface="微软雅黑" panose="020B0503020204020204" charset="-122"/>
-            </a:endParaRPr>
-          </a:p>
-          <a:p>
-            <a:pPr marL="0" indent="0" algn="just"/>
-            <a:endParaRPr lang="zh-CN" altLang="en-US" sz="1600" b="0" i="0">
-              <a:solidFill>
-                <a:srgbClr val="000000"/>
-              </a:solidFill>
-              <a:latin typeface="微软雅黑" panose="020B0503020204020204" charset="-122"/>
-              <a:ea typeface="微软雅黑" panose="020B0503020204020204" charset="-122"/>
-            </a:endParaRPr>
-          </a:p>
-          <a:p>
-            <a:pPr marL="0" indent="0" algn="just"/>
-            <a:r>
-              <a:rPr lang="zh-CN" altLang="en-US" sz="1600" b="1" i="0">
-                <a:solidFill>
-                  <a:srgbClr val="000000"/>
-                </a:solidFill>
-                <a:latin typeface="微软雅黑" panose="020B0503020204020204" charset="-122"/>
-                <a:ea typeface="微软雅黑" panose="020B0503020204020204" charset="-122"/>
-              </a:rPr>
-              <a:t>现阶段的疑惑是</a:t>
-            </a:r>
-            <a:r>
-              <a:rPr lang="zh-CN" altLang="en-US" sz="1600" b="0" i="0">
-                <a:solidFill>
-                  <a:srgbClr val="000000"/>
-                </a:solidFill>
-                <a:latin typeface="微软雅黑" panose="020B0503020204020204" charset="-122"/>
-                <a:ea typeface="微软雅黑" panose="020B0503020204020204" charset="-122"/>
-              </a:rPr>
-              <a:t>：</a:t>
-            </a:r>
-            <a:endParaRPr lang="zh-CN" altLang="en-US" sz="1600" b="0" i="0">
-              <a:solidFill>
-                <a:srgbClr val="000000"/>
-              </a:solidFill>
-              <a:latin typeface="微软雅黑" panose="020B0503020204020204" charset="-122"/>
-              <a:ea typeface="微软雅黑" panose="020B0503020204020204" charset="-122"/>
-            </a:endParaRPr>
-          </a:p>
-          <a:p>
-            <a:pPr marL="0" indent="0" algn="just"/>
-            <a:r>
-              <a:rPr lang="zh-CN" altLang="en-US" sz="1600" b="0" i="0">
-                <a:solidFill>
-                  <a:srgbClr val="000000"/>
-                </a:solidFill>
-                <a:latin typeface="微软雅黑" panose="020B0503020204020204" charset="-122"/>
-                <a:ea typeface="微软雅黑" panose="020B0503020204020204" charset="-122"/>
-              </a:rPr>
-              <a:t>微调的</a:t>
-            </a:r>
-            <a:r>
-              <a:rPr lang="en-US" altLang="zh-CN" sz="1600" b="0" i="0">
-                <a:solidFill>
-                  <a:srgbClr val="000000"/>
-                </a:solidFill>
-                <a:latin typeface="微软雅黑" panose="020B0503020204020204" charset="-122"/>
-                <a:ea typeface="微软雅黑" panose="020B0503020204020204" charset="-122"/>
-              </a:rPr>
-              <a:t>work</a:t>
-            </a:r>
-            <a:r>
-              <a:rPr lang="zh-CN" altLang="en-US" sz="1600" b="0" i="0">
-                <a:solidFill>
-                  <a:srgbClr val="000000"/>
-                </a:solidFill>
-                <a:latin typeface="微软雅黑" panose="020B0503020204020204" charset="-122"/>
-                <a:ea typeface="微软雅黑" panose="020B0503020204020204" charset="-122"/>
-              </a:rPr>
-              <a:t>我想要去复现，是否先要和之前</a:t>
-            </a:r>
-            <a:r>
-              <a:rPr lang="en-US" altLang="zh-CN" sz="1600" b="0" i="0">
-                <a:solidFill>
-                  <a:srgbClr val="000000"/>
-                </a:solidFill>
-                <a:latin typeface="微软雅黑" panose="020B0503020204020204" charset="-122"/>
-                <a:ea typeface="微软雅黑" panose="020B0503020204020204" charset="-122"/>
-              </a:rPr>
-              <a:t>detection</a:t>
-            </a:r>
-            <a:r>
-              <a:rPr lang="zh-CN" altLang="en-US" sz="1600" b="0" i="0">
-                <a:solidFill>
-                  <a:srgbClr val="000000"/>
-                </a:solidFill>
-                <a:latin typeface="微软雅黑" panose="020B0503020204020204" charset="-122"/>
-                <a:ea typeface="微软雅黑" panose="020B0503020204020204" charset="-122"/>
-              </a:rPr>
-              <a:t>的项目一样是要将他的</a:t>
-            </a:r>
-            <a:r>
-              <a:rPr lang="en-US" altLang="zh-CN" sz="1600" b="0" i="0">
-                <a:solidFill>
-                  <a:srgbClr val="000000"/>
-                </a:solidFill>
-                <a:latin typeface="微软雅黑" panose="020B0503020204020204" charset="-122"/>
-                <a:ea typeface="微软雅黑" panose="020B0503020204020204" charset="-122"/>
-              </a:rPr>
-              <a:t>work</a:t>
-            </a:r>
-            <a:r>
-              <a:rPr lang="zh-CN" altLang="en-US" sz="1600" b="0" i="0">
-                <a:solidFill>
-                  <a:srgbClr val="000000"/>
-                </a:solidFill>
-                <a:latin typeface="微软雅黑" panose="020B0503020204020204" charset="-122"/>
-                <a:ea typeface="微软雅黑" panose="020B0503020204020204" charset="-122"/>
-              </a:rPr>
-              <a:t>跑通，比较多微调项目会提供一些对应的基础模型来执行，少则</a:t>
-            </a:r>
-            <a:r>
-              <a:rPr lang="en-US" altLang="zh-CN" sz="1600" b="0" i="0">
-                <a:solidFill>
-                  <a:srgbClr val="000000"/>
-                </a:solidFill>
-                <a:latin typeface="微软雅黑" panose="020B0503020204020204" charset="-122"/>
-                <a:ea typeface="微软雅黑" panose="020B0503020204020204" charset="-122"/>
-              </a:rPr>
-              <a:t>30B</a:t>
-            </a:r>
-            <a:r>
-              <a:rPr lang="zh-CN" altLang="en-US" sz="1600" b="0" i="0">
-                <a:solidFill>
-                  <a:srgbClr val="000000"/>
-                </a:solidFill>
-                <a:latin typeface="微软雅黑" panose="020B0503020204020204" charset="-122"/>
-                <a:ea typeface="微软雅黑" panose="020B0503020204020204" charset="-122"/>
-              </a:rPr>
-              <a:t>的参数量，不是部署到服务器中去操作。那应该是如何实践，复现对应的论文？</a:t>
-            </a:r>
-            <a:r>
-              <a:rPr lang="en-US" altLang="zh-CN" sz="1600" b="0" i="0">
-                <a:solidFill>
-                  <a:srgbClr val="000000"/>
-                </a:solidFill>
-                <a:latin typeface="微软雅黑" panose="020B0503020204020204" charset="-122"/>
-                <a:ea typeface="微软雅黑" panose="020B0503020204020204" charset="-122"/>
-              </a:rPr>
-              <a:t>(</a:t>
-            </a:r>
-            <a:r>
-              <a:rPr lang="zh-CN" altLang="en-US" sz="1600" b="0" i="0">
-                <a:solidFill>
-                  <a:srgbClr val="000000"/>
-                </a:solidFill>
-                <a:latin typeface="微软雅黑" panose="020B0503020204020204" charset="-122"/>
-                <a:ea typeface="微软雅黑" panose="020B0503020204020204" charset="-122"/>
-              </a:rPr>
-              <a:t>目前在和</a:t>
-            </a:r>
-            <a:r>
-              <a:rPr lang="en-US" altLang="zh-CN" sz="1600" b="0" i="0">
-                <a:solidFill>
-                  <a:srgbClr val="000000"/>
-                </a:solidFill>
-                <a:latin typeface="微软雅黑" panose="020B0503020204020204" charset="-122"/>
-                <a:ea typeface="微软雅黑" panose="020B0503020204020204" charset="-122"/>
-              </a:rPr>
-              <a:t>zls</a:t>
-            </a:r>
-            <a:r>
-              <a:rPr lang="zh-CN" altLang="en-US" sz="1600" b="0" i="0">
-                <a:solidFill>
-                  <a:srgbClr val="000000"/>
-                </a:solidFill>
-                <a:latin typeface="微软雅黑" panose="020B0503020204020204" charset="-122"/>
-                <a:ea typeface="微软雅黑" panose="020B0503020204020204" charset="-122"/>
-              </a:rPr>
-              <a:t>学长讨论这个问题，不过我的这个和</a:t>
-            </a:r>
-            <a:r>
-              <a:rPr lang="en-US" altLang="zh-CN" sz="1600" b="0" i="0">
-                <a:solidFill>
-                  <a:srgbClr val="000000"/>
-                </a:solidFill>
-                <a:latin typeface="微软雅黑" panose="020B0503020204020204" charset="-122"/>
-                <a:ea typeface="微软雅黑" panose="020B0503020204020204" charset="-122"/>
-              </a:rPr>
-              <a:t>zls</a:t>
-            </a:r>
-            <a:r>
-              <a:rPr lang="zh-CN" altLang="en-US" sz="1600" b="0" i="0">
-                <a:solidFill>
-                  <a:srgbClr val="000000"/>
-                </a:solidFill>
-                <a:latin typeface="微软雅黑" panose="020B0503020204020204" charset="-122"/>
-                <a:ea typeface="微软雅黑" panose="020B0503020204020204" charset="-122"/>
-              </a:rPr>
-              <a:t>学长的有点区别，学长的工作模型不算很大</a:t>
-            </a:r>
-            <a:r>
-              <a:rPr lang="en-US" altLang="zh-CN" sz="1600" b="0" i="0">
-                <a:solidFill>
-                  <a:srgbClr val="000000"/>
-                </a:solidFill>
-                <a:latin typeface="微软雅黑" panose="020B0503020204020204" charset="-122"/>
-                <a:ea typeface="微软雅黑" panose="020B0503020204020204" charset="-122"/>
-              </a:rPr>
-              <a:t>...)</a:t>
-            </a:r>
-            <a:endParaRPr lang="zh-CN" altLang="en-US" sz="1600" b="0" i="0">
-              <a:solidFill>
-                <a:srgbClr val="000000"/>
-              </a:solidFill>
-              <a:latin typeface="微软雅黑" panose="020B0503020204020204" charset="-122"/>
-              <a:ea typeface="微软雅黑" panose="020B0503020204020204" charset="-122"/>
-            </a:endParaRPr>
-          </a:p>
-          <a:p>
-            <a:pPr marL="0" indent="0" algn="just"/>
-            <a:endParaRPr lang="zh-CN" altLang="en-US" sz="1600" b="0" i="0">
-              <a:solidFill>
-                <a:srgbClr val="000000"/>
-              </a:solidFill>
-              <a:latin typeface="微软雅黑" panose="020B0503020204020204" charset="-122"/>
-              <a:ea typeface="微软雅黑" panose="020B0503020204020204" charset="-122"/>
-            </a:endParaRPr>
-          </a:p>
-        </p:txBody>
-      </p:sp>
-    </p:spTree>
-  </p:cSld>
-  <p:clrMapOvr>
-    <a:masterClrMapping/>
-  </p:clrMapOvr>
-</p:sld>
-</file>
-
-<file path=ppt/slides/slide17.xml><?xml version="1.0" encoding="utf-8"?>
+<file path=ppt/slides/slide14.xml><?xml version="1.0" encoding="utf-8"?>
 <p:sld xmlns:a="http://schemas.openxmlformats.org/drawingml/2006/main" xmlns:r="http://schemas.openxmlformats.org/officeDocument/2006/relationships" xmlns:p="http://schemas.openxmlformats.org/presentationml/2006/main">
   <p:cSld>
     <p:spTree>
@@ -8060,7 +6055,7 @@
           </p:nvSpPr>
           <p:spPr>
             <a:xfrm>
-              <a:off x="2742599" y="491486"/>
+              <a:off x="2742599" y="1620516"/>
               <a:ext cx="795655" cy="583565"/>
             </a:xfrm>
             <a:prstGeom prst="rect">
@@ -8106,7 +6101,7 @@
                   <a:cs typeface="+mn-cs"/>
                   <a:sym typeface="+mn-ea"/>
                 </a:rPr>
-                <a:t>02</a:t>
+                <a:t>03</a:t>
               </a:r>
               <a:endParaRPr kumimoji="0" lang="en-US" altLang="zh-CN" sz="3200" b="0" i="0" u="none" strike="noStrike" kern="1200" cap="none" spc="0" normalizeH="0" baseline="0" noProof="0" dirty="0">
                 <a:ln w="3175">
@@ -8208,7 +6203,7 @@
         </p:nvSpPr>
         <p:spPr>
           <a:xfrm>
-            <a:off x="3031490" y="1297940"/>
+            <a:off x="3031490" y="2459990"/>
             <a:ext cx="795655" cy="583565"/>
           </a:xfrm>
           <a:prstGeom prst="rect">
@@ -8253,7 +6248,7 @@
                 <a:cs typeface="+mn-cs"/>
                 <a:sym typeface="+mn-ea"/>
               </a:rPr>
-              <a:t>01</a:t>
+              <a:t>02</a:t>
             </a:r>
             <a:endParaRPr kumimoji="0" lang="en-US" altLang="zh-CN" sz="3200" b="0" i="0" u="none" strike="noStrike" kern="1200" cap="none" spc="0" normalizeH="0" baseline="0" noProof="0" dirty="0">
               <a:ln w="3175">
@@ -8285,7 +6280,7 @@
         </p:nvSpPr>
         <p:spPr>
           <a:xfrm>
-            <a:off x="3827179" y="3707760"/>
+            <a:off x="3827179" y="4758685"/>
             <a:ext cx="7462520" cy="648970"/>
           </a:xfrm>
           <a:prstGeom prst="rect">
@@ -8346,7 +6341,7 @@
         </p:nvSpPr>
         <p:spPr>
           <a:xfrm>
-            <a:off x="3500120" y="1405255"/>
+            <a:off x="3519170" y="2456180"/>
             <a:ext cx="8304530" cy="648970"/>
           </a:xfrm>
           <a:prstGeom prst="rect">
@@ -8374,7 +6369,7 @@
               <a:defRPr/>
             </a:pPr>
             <a:r>
-              <a:rPr lang="zh-CN" altLang="en-US" sz="2400" dirty="0">
+              <a:rPr lang="en-US" altLang="zh-CN" sz="2400" dirty="0">
                 <a:solidFill>
                   <a:srgbClr val="383987"/>
                 </a:solidFill>
@@ -8382,9 +6377,9 @@
                 <a:ea typeface="微软雅黑" panose="020B0503020204020204" charset="-122"/>
                 <a:sym typeface="+mn-ea"/>
               </a:rPr>
-              <a:t>基础大模型论文</a:t>
-            </a:r>
-            <a:endParaRPr lang="zh-CN" altLang="en-US" sz="2400" dirty="0">
+              <a:t>LLM-Pruner: On the Structural Pruning of Large Language Models</a:t>
+            </a:r>
+            <a:endParaRPr lang="en-US" altLang="zh-CN" sz="2400" dirty="0">
               <a:solidFill>
                 <a:srgbClr val="383987"/>
               </a:solidFill>
@@ -8407,7 +6402,7 @@
         </p:nvSpPr>
         <p:spPr>
           <a:xfrm>
-            <a:off x="3031524" y="3707742"/>
+            <a:off x="3031524" y="4758667"/>
             <a:ext cx="795655" cy="583565"/>
           </a:xfrm>
           <a:prstGeom prst="rect">
@@ -8452,7 +6447,7 @@
                 <a:cs typeface="+mn-cs"/>
                 <a:sym typeface="+mn-ea"/>
               </a:rPr>
-              <a:t>03</a:t>
+              <a:t>04</a:t>
             </a:r>
             <a:endParaRPr kumimoji="0" lang="en-US" altLang="zh-CN" sz="3200" b="0" i="0" u="none" strike="noStrike" kern="1200" cap="none" spc="0" normalizeH="0" baseline="0" noProof="0" dirty="0">
               <a:ln w="3175">
@@ -8484,7 +6479,7 @@
         </p:nvSpPr>
         <p:spPr>
           <a:xfrm>
-            <a:off x="3827179" y="2526025"/>
+            <a:off x="3827179" y="3576950"/>
             <a:ext cx="7462520" cy="648970"/>
           </a:xfrm>
           <a:prstGeom prst="rect">
@@ -8528,6 +6523,144 @@
               </a:solidFill>
               <a:latin typeface="微软雅黑" panose="020B0503020204020204" charset="-122"/>
               <a:ea typeface="微软雅黑" panose="020B0503020204020204" charset="-122"/>
+              <a:sym typeface="+mn-ea"/>
+            </a:endParaRPr>
+          </a:p>
+        </p:txBody>
+      </p:sp>
+      <p:sp>
+        <p:nvSpPr>
+          <p:cNvPr id="7" name="文本框 6"/>
+          <p:cNvSpPr txBox="1"/>
+          <p:nvPr>
+            <p:custDataLst>
+              <p:tags r:id="rId10"/>
+            </p:custDataLst>
+          </p:nvPr>
+        </p:nvSpPr>
+        <p:spPr>
+          <a:xfrm>
+            <a:off x="3646170" y="1589405"/>
+            <a:ext cx="8304530" cy="648970"/>
+          </a:xfrm>
+          <a:prstGeom prst="rect">
+            <a:avLst/>
+          </a:prstGeom>
+          <a:noFill/>
+        </p:spPr>
+        <p:txBody>
+          <a:bodyPr anchor="ctr"/>
+          <a:p>
+            <a:pPr marL="0" marR="0" lvl="0" indent="0" algn="ctr" defTabSz="914400" rtl="0" eaLnBrk="1" fontAlgn="auto" latinLnBrk="0" hangingPunct="1">
+              <a:lnSpc>
+                <a:spcPct val="100000"/>
+              </a:lnSpc>
+              <a:spcBef>
+                <a:spcPts val="0"/>
+              </a:spcBef>
+              <a:spcAft>
+                <a:spcPts val="0"/>
+              </a:spcAft>
+              <a:buClrTx/>
+              <a:buSzTx/>
+              <a:buFontTx/>
+              <a:buNone/>
+              <a:defRPr/>
+            </a:pPr>
+            <a:r>
+              <a:rPr lang="zh-CN" altLang="en-US" sz="2400" dirty="0">
+                <a:solidFill>
+                  <a:srgbClr val="383987"/>
+                </a:solidFill>
+                <a:latin typeface="微软雅黑" panose="020B0503020204020204" charset="-122"/>
+                <a:ea typeface="微软雅黑" panose="020B0503020204020204" charset="-122"/>
+                <a:sym typeface="+mn-ea"/>
+              </a:rPr>
+              <a:t>基础论文</a:t>
+            </a:r>
+            <a:endParaRPr lang="zh-CN" altLang="en-US" sz="2400" dirty="0">
+              <a:solidFill>
+                <a:srgbClr val="383987"/>
+              </a:solidFill>
+              <a:latin typeface="微软雅黑" panose="020B0503020204020204" charset="-122"/>
+              <a:ea typeface="微软雅黑" panose="020B0503020204020204" charset="-122"/>
+              <a:sym typeface="+mn-ea"/>
+            </a:endParaRPr>
+          </a:p>
+        </p:txBody>
+      </p:sp>
+      <p:sp>
+        <p:nvSpPr>
+          <p:cNvPr id="9" name="文本框 8"/>
+          <p:cNvSpPr txBox="1"/>
+          <p:nvPr>
+            <p:custDataLst>
+              <p:tags r:id="rId11"/>
+            </p:custDataLst>
+          </p:nvPr>
+        </p:nvSpPr>
+        <p:spPr>
+          <a:xfrm>
+            <a:off x="3031490" y="1634490"/>
+            <a:ext cx="795655" cy="583565"/>
+          </a:xfrm>
+          <a:prstGeom prst="rect">
+            <a:avLst/>
+          </a:prstGeom>
+          <a:noFill/>
+        </p:spPr>
+        <p:txBody>
+          <a:bodyPr wrap="square" rtlCol="0">
+            <a:spAutoFit/>
+          </a:bodyPr>
+          <a:p>
+            <a:pPr marL="0" marR="0" lvl="0" indent="0" algn="ctr" defTabSz="914400" rtl="0" eaLnBrk="1" fontAlgn="auto" latinLnBrk="0" hangingPunct="1">
+              <a:lnSpc>
+                <a:spcPct val="100000"/>
+              </a:lnSpc>
+              <a:spcBef>
+                <a:spcPts val="0"/>
+              </a:spcBef>
+              <a:spcAft>
+                <a:spcPts val="0"/>
+              </a:spcAft>
+              <a:buClrTx/>
+              <a:buSzTx/>
+              <a:buFontTx/>
+              <a:buNone/>
+              <a:defRPr/>
+            </a:pPr>
+            <a:r>
+              <a:rPr kumimoji="0" lang="en-US" altLang="zh-CN" sz="3200" b="0" i="0" u="none" strike="noStrike" kern="1200" cap="none" spc="0" normalizeH="0" baseline="0" noProof="0" dirty="0">
+                <a:ln w="3175">
+                  <a:solidFill>
+                    <a:srgbClr val="383987"/>
+                  </a:solidFill>
+                </a:ln>
+                <a:noFill/>
+                <a:effectLst/>
+                <a:uLnTx/>
+                <a:uFillTx/>
+                <a:latin typeface="Agency FB" panose="020B0503020202020204" pitchFamily="34" charset="0"/>
+                <a:ea typeface="微软雅黑" panose="020B0503020204020204" charset="-122"/>
+                <a:cs typeface="+mn-cs"/>
+                <a:sym typeface="+mn-ea"/>
+              </a:rPr>
+              <a:t>01</a:t>
+            </a:r>
+            <a:endParaRPr kumimoji="0" lang="en-US" altLang="zh-CN" sz="3200" b="0" i="0" u="none" strike="noStrike" kern="1200" cap="none" spc="0" normalizeH="0" baseline="0" noProof="0" dirty="0">
+              <a:ln w="3175">
+                <a:solidFill>
+                  <a:srgbClr val="383987"/>
+                </a:solidFill>
+              </a:ln>
+              <a:noFill/>
+              <a:effectLst/>
+              <a:uLnTx/>
+              <a:uFillTx/>
+              <a:latin typeface="Agency FB" panose="020B0503020202020204" pitchFamily="34" charset="0"/>
+              <a:ea typeface="微软雅黑" panose="020B0503020204020204" charset="-122"/>
+              <a:cs typeface="+mn-cs"/>
               <a:sym typeface="+mn-ea"/>
             </a:endParaRPr>
           </a:p>
@@ -8701,7 +6834,7 @@
                 <a:ea typeface="微软雅黑" panose="020B0503020204020204" charset="-122"/>
                 <a:sym typeface="+mn-ea"/>
               </a:rPr>
-              <a:t>基础大模型论文</a:t>
+              <a:t>基础论文</a:t>
             </a:r>
             <a:endParaRPr lang="en-US" altLang="zh-CN" sz="3600" dirty="0">
               <a:solidFill>
@@ -8953,7 +7086,7 @@
         <p:spPr>
           <a:xfrm>
             <a:off x="286385" y="1457325"/>
-            <a:ext cx="11251565" cy="603885"/>
+            <a:ext cx="11251565" cy="1423670"/>
           </a:xfrm>
           <a:prstGeom prst="rect">
             <a:avLst/>
@@ -9190,7 +7323,7 @@
                 <a:latin typeface="微软雅黑" panose="020B0503020204020204" charset="-122"/>
                 <a:ea typeface="微软雅黑" panose="020B0503020204020204" charset="-122"/>
               </a:rPr>
-              <a:t>内容</a:t>
+              <a:t>概述</a:t>
             </a:r>
             <a:endParaRPr lang="zh-CN" altLang="en-US" sz="2000" b="1" dirty="0"/>
           </a:p>
@@ -9320,14 +7453,18 @@
       </p:sp>
       <p:sp>
         <p:nvSpPr>
-          <p:cNvPr id="10" name="文本框 9"/>
+          <p:cNvPr id="5" name="文本框 4"/>
           <p:cNvSpPr txBox="1"/>
-          <p:nvPr/>
+          <p:nvPr>
+            <p:custDataLst>
+              <p:tags r:id="rId2"/>
+            </p:custDataLst>
+          </p:nvPr>
         </p:nvSpPr>
         <p:spPr>
           <a:xfrm>
-            <a:off x="286385" y="1478915"/>
-            <a:ext cx="11251565" cy="603885"/>
+            <a:off x="455295" y="972185"/>
+            <a:ext cx="11736705" cy="922020"/>
           </a:xfrm>
           <a:prstGeom prst="rect">
             <a:avLst/>
@@ -9336,109 +7473,7 @@
         </p:spPr>
         <p:txBody>
           <a:bodyPr wrap="square" rtlCol="0">
-            <a:noAutofit/>
-          </a:bodyPr>
-          <a:p>
-            <a:pPr marL="0" lvl="0" indent="457200">
-              <a:buNone/>
-            </a:pPr>
-            <a:r>
-              <a:rPr lang="zh-CN" altLang="en-US" sz="1600" dirty="0">
-                <a:solidFill>
-                  <a:schemeClr val="tx1"/>
-                </a:solidFill>
-                <a:latin typeface="微软雅黑" panose="020B0503020204020204" charset="-122"/>
-                <a:ea typeface="微软雅黑" panose="020B0503020204020204" charset="-122"/>
-              </a:rPr>
-              <a:t>第一次提出指令微调（</a:t>
-            </a:r>
-            <a:r>
-              <a:rPr lang="en-US" altLang="zh-CN" sz="1600" dirty="0">
-                <a:solidFill>
-                  <a:schemeClr val="tx1"/>
-                </a:solidFill>
-                <a:latin typeface="微软雅黑" panose="020B0503020204020204" charset="-122"/>
-                <a:ea typeface="微软雅黑" panose="020B0503020204020204" charset="-122"/>
-              </a:rPr>
-              <a:t>instruction tuning</a:t>
-            </a:r>
-            <a:r>
-              <a:rPr lang="zh-CN" altLang="en-US" sz="1600" dirty="0">
-                <a:solidFill>
-                  <a:schemeClr val="tx1"/>
-                </a:solidFill>
-                <a:latin typeface="微软雅黑" panose="020B0503020204020204" charset="-122"/>
-                <a:ea typeface="微软雅黑" panose="020B0503020204020204" charset="-122"/>
-              </a:rPr>
-              <a:t>）：收集构建指令化的示例，然后通过有监督的方法对大模型参数进行微调，能够提高大模型在很多任务上的零样本，少样本表现能力。</a:t>
-            </a:r>
-            <a:endParaRPr lang="zh-CN" altLang="en-US" sz="1600" dirty="0">
-              <a:solidFill>
-                <a:schemeClr val="tx1"/>
-              </a:solidFill>
-              <a:latin typeface="微软雅黑" panose="020B0503020204020204" charset="-122"/>
-              <a:ea typeface="微软雅黑" panose="020B0503020204020204" charset="-122"/>
-            </a:endParaRPr>
-          </a:p>
-          <a:p>
-            <a:pPr marL="0" lvl="0" indent="457200">
-              <a:buNone/>
-            </a:pPr>
-            <a:r>
-              <a:rPr lang="zh-CN" altLang="en-US" sz="1600" dirty="0">
-                <a:solidFill>
-                  <a:schemeClr val="tx1"/>
-                </a:solidFill>
-                <a:latin typeface="微软雅黑" panose="020B0503020204020204" charset="-122"/>
-                <a:ea typeface="微软雅黑" panose="020B0503020204020204" charset="-122"/>
-              </a:rPr>
-              <a:t>通过增加人类撰写的任务描述增强模型表达能力</a:t>
-            </a:r>
-            <a:endParaRPr lang="en-US" altLang="zh-CN" sz="1600" dirty="0">
-              <a:solidFill>
-                <a:schemeClr val="tx1"/>
-              </a:solidFill>
-              <a:latin typeface="微软雅黑" panose="020B0503020204020204" charset="-122"/>
-              <a:ea typeface="微软雅黑" panose="020B0503020204020204" charset="-122"/>
-            </a:endParaRPr>
-          </a:p>
-          <a:p>
-            <a:pPr marL="0" lvl="0" indent="0">
-              <a:buNone/>
-            </a:pPr>
-            <a:endParaRPr lang="en-US" altLang="zh-CN" sz="1600" dirty="0">
-              <a:solidFill>
-                <a:schemeClr val="tx1"/>
-              </a:solidFill>
-              <a:latin typeface="微软雅黑" panose="020B0503020204020204" charset="-122"/>
-              <a:ea typeface="微软雅黑" panose="020B0503020204020204" charset="-122"/>
-            </a:endParaRPr>
-          </a:p>
-        </p:txBody>
-      </p:sp>
-      <p:sp>
-        <p:nvSpPr>
-          <p:cNvPr id="5" name="文本框 4"/>
-          <p:cNvSpPr txBox="1"/>
-          <p:nvPr>
-            <p:custDataLst>
-              <p:tags r:id="rId2"/>
-            </p:custDataLst>
-          </p:nvPr>
-        </p:nvSpPr>
-        <p:spPr>
-          <a:xfrm>
-            <a:off x="455295" y="972185"/>
-            <a:ext cx="10515600" cy="506095"/>
-          </a:xfrm>
-          <a:prstGeom prst="rect">
-            <a:avLst/>
-          </a:prstGeom>
-          <a:noFill/>
-        </p:spPr>
-        <p:txBody>
-          <a:bodyPr wrap="square" rtlCol="0">
-            <a:noAutofit/>
+            <a:spAutoFit/>
           </a:bodyPr>
           <a:p>
             <a:pPr marL="285750" indent="-285750">
@@ -9449,51 +7484,115 @@
               <a:buChar char="p"/>
             </a:pPr>
             <a:r>
-              <a:rPr lang="zh-CN" altLang="en-US" b="1" dirty="0">
-                <a:latin typeface="微软雅黑" panose="020B0503020204020204" charset="-122"/>
-                <a:ea typeface="微软雅黑" panose="020B0503020204020204" charset="-122"/>
-                <a:sym typeface="+mn-ea"/>
-              </a:rPr>
-              <a:t>Jason Wei et al. “Finetuned Language Models are Zero-Shot Learners”. In: ICLR. 2022</a:t>
-            </a:r>
-            <a:r>
-              <a:rPr lang="zh-CN" altLang="en-US" b="1" dirty="0">
-                <a:latin typeface="微软雅黑" panose="020B0503020204020204" charset="-122"/>
-                <a:ea typeface="微软雅黑" panose="020B0503020204020204" charset="-122"/>
-              </a:rPr>
-              <a:t>：</a:t>
-            </a:r>
-            <a:endParaRPr lang="zh-CN" altLang="en-US" b="1" dirty="0">
+              <a:rPr lang="en-US" altLang="zh-CN" b="1" dirty="0">
+                <a:latin typeface="微软雅黑" panose="020B0503020204020204" charset="-122"/>
+                <a:ea typeface="微软雅黑" panose="020B0503020204020204" charset="-122"/>
+              </a:rPr>
+              <a:t>Frankle J, Carbin M. The lottery ticket hypothesis: Finding sparse, trainable neural networks[J]. arXiv preprint arXiv:1803.03635, 2018.</a:t>
+            </a:r>
+            <a:endParaRPr lang="en-US" altLang="zh-CN" b="1" dirty="0">
               <a:latin typeface="微软雅黑" panose="020B0503020204020204" charset="-122"/>
               <a:ea typeface="微软雅黑" panose="020B0503020204020204" charset="-122"/>
             </a:endParaRPr>
           </a:p>
         </p:txBody>
       </p:sp>
-      <p:pic>
-        <p:nvPicPr>
-          <p:cNvPr id="6" name="图片 5"/>
-          <p:cNvPicPr>
-            <a:picLocks noChangeAspect="1"/>
-          </p:cNvPicPr>
+      <p:sp>
+        <p:nvSpPr>
+          <p:cNvPr id="10" name="文本框 9"/>
+          <p:cNvSpPr txBox="1"/>
           <p:nvPr/>
-        </p:nvPicPr>
-        <p:blipFill>
-          <a:blip r:embed="rId3"/>
-          <a:stretch>
-            <a:fillRect/>
-          </a:stretch>
-        </p:blipFill>
+        </p:nvSpPr>
         <p:spPr>
           <a:xfrm>
-            <a:off x="637540" y="2411095"/>
-            <a:ext cx="5700395" cy="4133850"/>
+            <a:off x="286385" y="1894205"/>
+            <a:ext cx="11251565" cy="1423670"/>
           </a:xfrm>
           <a:prstGeom prst="rect">
             <a:avLst/>
           </a:prstGeom>
+          <a:noFill/>
         </p:spPr>
-      </p:pic>
+        <p:txBody>
+          <a:bodyPr wrap="square" rtlCol="0">
+            <a:noAutofit/>
+          </a:bodyPr>
+          <a:p>
+            <a:pPr marL="0" lvl="0" indent="457200">
+              <a:buNone/>
+            </a:pPr>
+            <a:r>
+              <a:rPr lang="zh-CN" altLang="en-US" sz="1600" dirty="0">
+                <a:solidFill>
+                  <a:schemeClr val="tx1"/>
+                </a:solidFill>
+                <a:latin typeface="微软雅黑" panose="020B0503020204020204" charset="-122"/>
+                <a:ea typeface="微软雅黑" panose="020B0503020204020204" charset="-122"/>
+              </a:rPr>
+              <a:t>彩票假设，密集、随机初始化的前馈网络包含子网络（「中奖彩票」），当独立训练时，这些子网络能够在相似的迭代次数内达到与原始网络相当的测试准确率。也就是在一片神经网络中会有一个</a:t>
+            </a:r>
+            <a:r>
+              <a:rPr lang="en-US" altLang="zh-CN" sz="1600" dirty="0">
+                <a:solidFill>
+                  <a:schemeClr val="tx1"/>
+                </a:solidFill>
+                <a:latin typeface="微软雅黑" panose="020B0503020204020204" charset="-122"/>
+                <a:ea typeface="微软雅黑" panose="020B0503020204020204" charset="-122"/>
+              </a:rPr>
+              <a:t>“</a:t>
+            </a:r>
+            <a:r>
+              <a:rPr lang="zh-CN" altLang="en-US" sz="1600" dirty="0">
+                <a:solidFill>
+                  <a:schemeClr val="tx1"/>
+                </a:solidFill>
+                <a:latin typeface="微软雅黑" panose="020B0503020204020204" charset="-122"/>
+                <a:ea typeface="微软雅黑" panose="020B0503020204020204" charset="-122"/>
+              </a:rPr>
+              <a:t>重要的子网络</a:t>
+            </a:r>
+            <a:r>
+              <a:rPr lang="en-US" altLang="zh-CN" sz="1600" dirty="0">
+                <a:solidFill>
+                  <a:schemeClr val="tx1"/>
+                </a:solidFill>
+                <a:latin typeface="微软雅黑" panose="020B0503020204020204" charset="-122"/>
+                <a:ea typeface="微软雅黑" panose="020B0503020204020204" charset="-122"/>
+              </a:rPr>
+              <a:t>”</a:t>
+            </a:r>
+            <a:endParaRPr lang="en-US" altLang="zh-CN" sz="1600" dirty="0">
+              <a:solidFill>
+                <a:schemeClr val="tx1"/>
+              </a:solidFill>
+              <a:latin typeface="微软雅黑" panose="020B0503020204020204" charset="-122"/>
+              <a:ea typeface="微软雅黑" panose="020B0503020204020204" charset="-122"/>
+            </a:endParaRPr>
+          </a:p>
+          <a:p>
+            <a:pPr marL="0" lvl="0" indent="457200">
+              <a:buNone/>
+            </a:pPr>
+            <a:r>
+              <a:rPr lang="zh-CN" altLang="en-US" sz="1600" dirty="0">
+                <a:solidFill>
+                  <a:schemeClr val="tx1"/>
+                </a:solidFill>
+                <a:latin typeface="微软雅黑" panose="020B0503020204020204" charset="-122"/>
+                <a:ea typeface="微软雅黑" panose="020B0503020204020204" charset="-122"/>
+              </a:rPr>
+              <a:t>这个就是剪枝的理论基础，证明了剪枝操作的有效性，可行性。更多的是数学证明内容。</a:t>
+            </a:r>
+            <a:endParaRPr lang="en-US" altLang="zh-CN" sz="1600" dirty="0">
+              <a:solidFill>
+                <a:schemeClr val="tx1"/>
+              </a:solidFill>
+              <a:latin typeface="微软雅黑" panose="020B0503020204020204" charset="-122"/>
+              <a:ea typeface="微软雅黑" panose="020B0503020204020204" charset="-122"/>
+            </a:endParaRPr>
+          </a:p>
+        </p:txBody>
+      </p:sp>
     </p:spTree>
   </p:cSld>
   <p:clrMapOvr>
@@ -9550,7 +7649,7 @@
                 <a:latin typeface="微软雅黑" panose="020B0503020204020204" charset="-122"/>
                 <a:ea typeface="微软雅黑" panose="020B0503020204020204" charset="-122"/>
               </a:rPr>
-              <a:t>内容</a:t>
+              <a:t>概述</a:t>
             </a:r>
             <a:endParaRPr lang="zh-CN" altLang="en-US" sz="2000" b="1" dirty="0"/>
           </a:p>
@@ -9680,14 +7779,18 @@
       </p:sp>
       <p:sp>
         <p:nvSpPr>
-          <p:cNvPr id="10" name="文本框 9"/>
+          <p:cNvPr id="5" name="文本框 4"/>
           <p:cNvSpPr txBox="1"/>
-          <p:nvPr/>
+          <p:nvPr>
+            <p:custDataLst>
+              <p:tags r:id="rId2"/>
+            </p:custDataLst>
+          </p:nvPr>
         </p:nvSpPr>
         <p:spPr>
           <a:xfrm>
-            <a:off x="286385" y="2092325"/>
-            <a:ext cx="11251565" cy="603885"/>
+            <a:off x="455295" y="972185"/>
+            <a:ext cx="11736705" cy="1337945"/>
           </a:xfrm>
           <a:prstGeom prst="rect">
             <a:avLst/>
@@ -9696,87 +7799,7 @@
         </p:spPr>
         <p:txBody>
           <a:bodyPr wrap="square" rtlCol="0">
-            <a:noAutofit/>
-          </a:bodyPr>
-          <a:p>
-            <a:pPr marL="0" lvl="0" indent="457200">
-              <a:buNone/>
-            </a:pPr>
-            <a:r>
-              <a:rPr lang="zh-CN" altLang="en-US" sz="1600" dirty="0">
-                <a:solidFill>
-                  <a:schemeClr val="tx1"/>
-                </a:solidFill>
-                <a:latin typeface="微软雅黑" panose="020B0503020204020204" charset="-122"/>
-                <a:ea typeface="微软雅黑" panose="020B0503020204020204" charset="-122"/>
-              </a:rPr>
-              <a:t>实现</a:t>
-            </a:r>
-            <a:r>
-              <a:rPr lang="en-US" altLang="zh-CN" sz="1600" dirty="0">
-                <a:solidFill>
-                  <a:schemeClr val="tx1"/>
-                </a:solidFill>
-                <a:latin typeface="微软雅黑" panose="020B0503020204020204" charset="-122"/>
-                <a:ea typeface="微软雅黑" panose="020B0503020204020204" charset="-122"/>
-              </a:rPr>
-              <a:t>”self-instruct”</a:t>
-            </a:r>
-            <a:r>
-              <a:rPr lang="zh-CN" altLang="en-US" sz="1600" dirty="0">
-                <a:solidFill>
-                  <a:schemeClr val="tx1"/>
-                </a:solidFill>
-                <a:latin typeface="微软雅黑" panose="020B0503020204020204" charset="-122"/>
-                <a:ea typeface="微软雅黑" panose="020B0503020204020204" charset="-122"/>
-              </a:rPr>
-              <a:t>通过少量人为撰写任务作为任务池，在其中选择让模型仿照生成新的任务描述和对应输入输出，然后进行过滤、后处理之后就合成了更多任务池</a:t>
-            </a:r>
-            <a:endParaRPr lang="en-US" altLang="zh-CN" sz="1600" dirty="0">
-              <a:solidFill>
-                <a:schemeClr val="tx1"/>
-              </a:solidFill>
-              <a:latin typeface="微软雅黑" panose="020B0503020204020204" charset="-122"/>
-              <a:ea typeface="微软雅黑" panose="020B0503020204020204" charset="-122"/>
-            </a:endParaRPr>
-          </a:p>
-          <a:p>
-            <a:pPr marL="0" lvl="0" indent="0">
-              <a:buNone/>
-            </a:pPr>
-            <a:endParaRPr lang="en-US" altLang="zh-CN" sz="1600" dirty="0">
-              <a:solidFill>
-                <a:schemeClr val="tx1"/>
-              </a:solidFill>
-              <a:latin typeface="微软雅黑" panose="020B0503020204020204" charset="-122"/>
-              <a:ea typeface="微软雅黑" panose="020B0503020204020204" charset="-122"/>
-            </a:endParaRPr>
-          </a:p>
-        </p:txBody>
-      </p:sp>
-      <p:sp>
-        <p:nvSpPr>
-          <p:cNvPr id="5" name="文本框 4"/>
-          <p:cNvSpPr txBox="1"/>
-          <p:nvPr>
-            <p:custDataLst>
-              <p:tags r:id="rId2"/>
-            </p:custDataLst>
-          </p:nvPr>
-        </p:nvSpPr>
-        <p:spPr>
-          <a:xfrm>
-            <a:off x="455295" y="1062990"/>
-            <a:ext cx="10515600" cy="506095"/>
-          </a:xfrm>
-          <a:prstGeom prst="rect">
-            <a:avLst/>
-          </a:prstGeom>
-          <a:noFill/>
-        </p:spPr>
-        <p:txBody>
-          <a:bodyPr wrap="square" rtlCol="0">
-            <a:noAutofit/>
+            <a:spAutoFit/>
           </a:bodyPr>
           <a:p>
             <a:pPr marL="285750" indent="-285750">
@@ -9787,61 +7810,63 @@
               <a:buChar char="p"/>
             </a:pPr>
             <a:r>
-              <a:rPr lang="zh-CN" altLang="en-US" b="1" dirty="0">
-                <a:latin typeface="微软雅黑" panose="020B0503020204020204" charset="-122"/>
-                <a:ea typeface="微软雅黑" panose="020B0503020204020204" charset="-122"/>
-                <a:sym typeface="+mn-ea"/>
-              </a:rPr>
-              <a:t>Yizhong Wang et al. “Self-Instruct: Aligning Language Model with Self Generated In</a:t>
-            </a:r>
-            <a:r>
               <a:rPr lang="en-US" altLang="zh-CN" b="1" dirty="0">
                 <a:latin typeface="微软雅黑" panose="020B0503020204020204" charset="-122"/>
                 <a:ea typeface="微软雅黑" panose="020B0503020204020204" charset="-122"/>
-                <a:sym typeface="+mn-ea"/>
-              </a:rPr>
-              <a:t> </a:t>
-            </a:r>
-            <a:r>
-              <a:rPr lang="zh-CN" altLang="en-US" b="1" dirty="0">
-                <a:latin typeface="微软雅黑" panose="020B0503020204020204" charset="-122"/>
-                <a:ea typeface="微软雅黑" panose="020B0503020204020204" charset="-122"/>
-                <a:sym typeface="+mn-ea"/>
-              </a:rPr>
-              <a:t>structions”. In: arXiv preprint arXiv:2212.10560 (2022).</a:t>
-            </a:r>
-            <a:endParaRPr lang="zh-CN" altLang="en-US" b="1" dirty="0">
+              </a:rPr>
+              <a:t>Ramanujan V, Wortsman M, Kembhavi A, et al. What's hidden in a randomly weighted neural network?[C]//Proceedings of the IEEE/CVF conference on computer vision and pattern recognition. 2020: 11893-11902.</a:t>
+            </a:r>
+            <a:endParaRPr lang="en-US" altLang="zh-CN" b="1" dirty="0">
               <a:latin typeface="微软雅黑" panose="020B0503020204020204" charset="-122"/>
               <a:ea typeface="微软雅黑" panose="020B0503020204020204" charset="-122"/>
-              <a:sym typeface="+mn-ea"/>
-            </a:endParaRPr>
-          </a:p>
-        </p:txBody>
-      </p:sp>
-      <p:pic>
-        <p:nvPicPr>
-          <p:cNvPr id="8" name="图片 7"/>
-          <p:cNvPicPr>
-            <a:picLocks noChangeAspect="1"/>
-          </p:cNvPicPr>
+            </a:endParaRPr>
+          </a:p>
+        </p:txBody>
+      </p:sp>
+      <p:sp>
+        <p:nvSpPr>
+          <p:cNvPr id="10" name="文本框 9"/>
+          <p:cNvSpPr txBox="1"/>
           <p:nvPr/>
-        </p:nvPicPr>
-        <p:blipFill>
-          <a:blip r:embed="rId3"/>
-          <a:stretch>
-            <a:fillRect/>
-          </a:stretch>
-        </p:blipFill>
+        </p:nvSpPr>
         <p:spPr>
           <a:xfrm>
-            <a:off x="823595" y="2856230"/>
-            <a:ext cx="8459470" cy="3805555"/>
+            <a:off x="286385" y="2426970"/>
+            <a:ext cx="11251565" cy="1423670"/>
           </a:xfrm>
           <a:prstGeom prst="rect">
             <a:avLst/>
           </a:prstGeom>
+          <a:noFill/>
         </p:spPr>
-      </p:pic>
+        <p:txBody>
+          <a:bodyPr wrap="square" rtlCol="0">
+            <a:noAutofit/>
+          </a:bodyPr>
+          <a:p>
+            <a:pPr marL="0" lvl="0" indent="457200">
+              <a:buNone/>
+            </a:pPr>
+            <a:r>
+              <a:rPr lang="zh-CN" altLang="en-US" sz="1600" dirty="0">
+                <a:solidFill>
+                  <a:schemeClr val="tx1"/>
+                </a:solidFill>
+                <a:latin typeface="微软雅黑" panose="020B0503020204020204" charset="-122"/>
+                <a:ea typeface="微软雅黑" panose="020B0503020204020204" charset="-122"/>
+              </a:rPr>
+              <a:t>加强版的彩票假设，</a:t>
+            </a:r>
+            <a:endParaRPr lang="en-US" altLang="zh-CN" sz="1600" dirty="0">
+              <a:solidFill>
+                <a:schemeClr val="tx1"/>
+              </a:solidFill>
+              <a:latin typeface="微软雅黑" panose="020B0503020204020204" charset="-122"/>
+              <a:ea typeface="微软雅黑" panose="020B0503020204020204" charset="-122"/>
+            </a:endParaRPr>
+          </a:p>
+        </p:txBody>
+      </p:sp>
     </p:spTree>
   </p:cSld>
   <p:clrMapOvr>
@@ -9867,6 +7892,187 @@
           <a:chExt cx="0" cy="0"/>
         </a:xfrm>
       </p:grpSpPr>
+      <p:pic>
+        <p:nvPicPr>
+          <p:cNvPr id="4" name="图片 3" descr="1"/>
+          <p:cNvPicPr>
+            <a:picLocks noChangeAspect="1"/>
+          </p:cNvPicPr>
+          <p:nvPr/>
+        </p:nvPicPr>
+        <p:blipFill>
+          <a:blip r:embed="rId1"/>
+          <a:stretch>
+            <a:fillRect/>
+          </a:stretch>
+        </p:blipFill>
+        <p:spPr>
+          <a:xfrm>
+            <a:off x="4745355" y="-588645"/>
+            <a:ext cx="12060555" cy="8474075"/>
+          </a:xfrm>
+          <a:prstGeom prst="rect">
+            <a:avLst/>
+          </a:prstGeom>
+        </p:spPr>
+      </p:pic>
+      <p:sp>
+        <p:nvSpPr>
+          <p:cNvPr id="5" name="文本框 4"/>
+          <p:cNvSpPr txBox="1"/>
+          <p:nvPr/>
+        </p:nvSpPr>
+        <p:spPr>
+          <a:xfrm>
+            <a:off x="1038225" y="1470025"/>
+            <a:ext cx="2301875" cy="1861185"/>
+          </a:xfrm>
+          <a:prstGeom prst="rect">
+            <a:avLst/>
+          </a:prstGeom>
+          <a:noFill/>
+        </p:spPr>
+        <p:txBody>
+          <a:bodyPr wrap="square" rtlCol="0">
+            <a:spAutoFit/>
+          </a:bodyPr>
+          <a:lstStyle/>
+          <a:p>
+            <a:pPr marL="0" marR="0" lvl="0" indent="0" algn="l" defTabSz="914400" rtl="0" eaLnBrk="1" fontAlgn="auto" latinLnBrk="0" hangingPunct="1">
+              <a:lnSpc>
+                <a:spcPct val="100000"/>
+              </a:lnSpc>
+              <a:spcBef>
+                <a:spcPts val="0"/>
+              </a:spcBef>
+              <a:spcAft>
+                <a:spcPts val="0"/>
+              </a:spcAft>
+              <a:buClrTx/>
+              <a:buSzTx/>
+              <a:buFontTx/>
+              <a:buNone/>
+              <a:defRPr/>
+            </a:pPr>
+            <a:r>
+              <a:rPr kumimoji="0" lang="en-US" altLang="zh-CN" sz="11500" b="0" i="0" u="none" strike="noStrike" kern="1200" cap="none" spc="0" normalizeH="0" baseline="0" noProof="0" dirty="0">
+                <a:ln>
+                  <a:solidFill>
+                    <a:srgbClr val="383987"/>
+                  </a:solidFill>
+                </a:ln>
+                <a:noFill/>
+                <a:effectLst/>
+                <a:uLnTx/>
+                <a:uFillTx/>
+                <a:latin typeface="Agency FB" panose="020B0503020202020204" pitchFamily="34" charset="0"/>
+                <a:ea typeface="宋体" panose="02010600030101010101" pitchFamily="2" charset="-122"/>
+                <a:cs typeface="+mn-cs"/>
+              </a:rPr>
+              <a:t>02</a:t>
+            </a:r>
+            <a:endParaRPr kumimoji="0" lang="en-US" altLang="zh-CN" sz="11500" b="0" i="0" u="none" strike="noStrike" kern="1200" cap="none" spc="0" normalizeH="0" baseline="0" noProof="0" dirty="0">
+              <a:ln>
+                <a:solidFill>
+                  <a:srgbClr val="383987"/>
+                </a:solidFill>
+              </a:ln>
+              <a:noFill/>
+              <a:effectLst/>
+              <a:uLnTx/>
+              <a:uFillTx/>
+              <a:latin typeface="Agency FB" panose="020B0503020202020204" pitchFamily="34" charset="0"/>
+              <a:ea typeface="宋体" panose="02010600030101010101" pitchFamily="2" charset="-122"/>
+              <a:cs typeface="+mn-cs"/>
+            </a:endParaRPr>
+          </a:p>
+        </p:txBody>
+      </p:sp>
+      <p:sp>
+        <p:nvSpPr>
+          <p:cNvPr id="6" name="文本框 5"/>
+          <p:cNvSpPr txBox="1"/>
+          <p:nvPr/>
+        </p:nvSpPr>
+        <p:spPr>
+          <a:xfrm>
+            <a:off x="1265555" y="3049270"/>
+            <a:ext cx="11768455" cy="777240"/>
+          </a:xfrm>
+          <a:prstGeom prst="rect">
+            <a:avLst/>
+          </a:prstGeom>
+          <a:noFill/>
+        </p:spPr>
+        <p:txBody>
+          <a:bodyPr wrap="square" rtlCol="0">
+            <a:noAutofit/>
+          </a:bodyPr>
+          <a:lstStyle/>
+          <a:p>
+            <a:pPr marL="0" marR="0" lvl="0" indent="0" algn="ctr" defTabSz="914400" rtl="0" eaLnBrk="1" fontAlgn="auto" latinLnBrk="0" hangingPunct="1">
+              <a:lnSpc>
+                <a:spcPct val="100000"/>
+              </a:lnSpc>
+              <a:spcBef>
+                <a:spcPts val="0"/>
+              </a:spcBef>
+              <a:spcAft>
+                <a:spcPts val="0"/>
+              </a:spcAft>
+              <a:buClrTx/>
+              <a:buSzTx/>
+              <a:buFontTx/>
+              <a:buNone/>
+              <a:defRPr/>
+            </a:pPr>
+            <a:r>
+              <a:rPr lang="en-US" altLang="zh-CN" sz="3600" dirty="0">
+                <a:solidFill>
+                  <a:srgbClr val="383987"/>
+                </a:solidFill>
+                <a:latin typeface="微软雅黑" panose="020B0503020204020204" charset="-122"/>
+                <a:ea typeface="微软雅黑" panose="020B0503020204020204" charset="-122"/>
+                <a:sym typeface="+mn-ea"/>
+              </a:rPr>
+              <a:t>LLM-Pruner: On the Structural Pruning of Large Language Models</a:t>
+            </a:r>
+            <a:endParaRPr lang="en-US" altLang="zh-CN" sz="3600" dirty="0">
+              <a:solidFill>
+                <a:srgbClr val="383987"/>
+              </a:solidFill>
+              <a:latin typeface="微软雅黑" panose="020B0503020204020204" charset="-122"/>
+              <a:ea typeface="微软雅黑" panose="020B0503020204020204" charset="-122"/>
+              <a:sym typeface="+mn-ea"/>
+            </a:endParaRPr>
+          </a:p>
+        </p:txBody>
+      </p:sp>
+    </p:spTree>
+  </p:cSld>
+  <p:clrMapOvr>
+    <a:masterClrMapping/>
+  </p:clrMapOvr>
+</p:sld>
+</file>
+
+<file path=ppt/slides/slide8.xml><?xml version="1.0" encoding="utf-8"?>
+<p:sld xmlns:a="http://schemas.openxmlformats.org/drawingml/2006/main" xmlns:r="http://schemas.openxmlformats.org/officeDocument/2006/relationships" xmlns:p="http://schemas.openxmlformats.org/presentationml/2006/main">
+  <p:cSld>
+    <p:spTree>
+      <p:nvGrpSpPr>
+        <p:cNvPr id="1" name=""/>
+        <p:cNvGrpSpPr/>
+        <p:nvPr/>
+      </p:nvGrpSpPr>
+      <p:grpSpPr>
+        <a:xfrm>
+          <a:off x="0" y="0"/>
+          <a:ext cx="0" cy="0"/>
+          <a:chOff x="0" y="0"/>
+          <a:chExt cx="0" cy="0"/>
+        </a:xfrm>
+      </p:grpSpPr>
       <p:sp>
         <p:nvSpPr>
           <p:cNvPr id="13" name="文本框 12"/>
@@ -9898,7 +8104,7 @@
                 <a:latin typeface="微软雅黑" panose="020B0503020204020204" charset="-122"/>
                 <a:ea typeface="微软雅黑" panose="020B0503020204020204" charset="-122"/>
               </a:rPr>
-              <a:t>内容</a:t>
+              <a:t>概述</a:t>
             </a:r>
             <a:endParaRPr lang="zh-CN" altLang="en-US" sz="2000" b="1" dirty="0"/>
           </a:p>
@@ -9985,30 +8191,13 @@
         <p:txBody>
           <a:bodyPr rtlCol="0" anchor="ctr"/>
           <a:p>
-            <a:pPr marL="0" marR="0" lvl="0" indent="0" algn="ctr" defTabSz="914400" rtl="0" eaLnBrk="1" fontAlgn="auto" latinLnBrk="0" hangingPunct="1">
+            <a:pPr indent="0" algn="ctr">
               <a:lnSpc>
-                <a:spcPct val="100000"/>
+                <a:spcPct val="150000"/>
               </a:lnSpc>
-              <a:spcBef>
-                <a:spcPts val="0"/>
-              </a:spcBef>
-              <a:spcAft>
-                <a:spcPts val="0"/>
-              </a:spcAft>
-              <a:buClrTx/>
-              <a:buSzTx/>
-              <a:buFontTx/>
-              <a:buNone/>
-              <a:defRPr/>
+              <a:buFont typeface="Wingdings" panose="05000000000000000000" charset="0"/>
+              <a:buNone/>
             </a:pPr>
-            <a:r>
-              <a:rPr lang="en-US" altLang="zh-CN" sz="1800" dirty="0">
-                <a:effectLst/>
-                <a:latin typeface="微软雅黑" panose="020B0503020204020204" charset="-122"/>
-                <a:ea typeface="微软雅黑" panose="020B0503020204020204" charset="-122"/>
-              </a:rPr>
-              <a:t>1.</a:t>
-            </a:r>
             <a:r>
               <a:rPr lang="en-US" altLang="zh-CN" dirty="0">
                 <a:effectLst/>
@@ -10016,7 +8205,16 @@
                 <a:ea typeface="微软雅黑" panose="020B0503020204020204" charset="-122"/>
                 <a:sym typeface="+mn-ea"/>
               </a:rPr>
-              <a:t>基础大模型论文</a:t>
+              <a:t>2.</a:t>
+            </a:r>
+            <a:r>
+              <a:rPr lang="en-US" altLang="zh-CN" dirty="0">
+                <a:effectLst/>
+                <a:latin typeface="微软雅黑" panose="020B0503020204020204" charset="-122"/>
+                <a:ea typeface="微软雅黑" panose="020B0503020204020204" charset="-122"/>
+                <a:sym typeface="+mn-ea"/>
+              </a:rPr>
+              <a:t>LLM-Pruner: On the Structural Pruning of Large Language Models</a:t>
             </a:r>
             <a:endParaRPr lang="en-US" altLang="zh-CN" dirty="0">
               <a:effectLst/>
@@ -10028,14 +8226,18 @@
       </p:sp>
       <p:sp>
         <p:nvSpPr>
-          <p:cNvPr id="10" name="文本框 9"/>
+          <p:cNvPr id="5" name="文本框 4"/>
           <p:cNvSpPr txBox="1"/>
-          <p:nvPr/>
+          <p:nvPr>
+            <p:custDataLst>
+              <p:tags r:id="rId2"/>
+            </p:custDataLst>
+          </p:nvPr>
         </p:nvSpPr>
         <p:spPr>
           <a:xfrm>
-            <a:off x="455295" y="1880870"/>
-            <a:ext cx="11251565" cy="603885"/>
+            <a:off x="455295" y="972185"/>
+            <a:ext cx="1725930" cy="506730"/>
           </a:xfrm>
           <a:prstGeom prst="rect">
             <a:avLst/>
@@ -10044,112 +8246,52 @@
         </p:spPr>
         <p:txBody>
           <a:bodyPr wrap="square" rtlCol="0">
+            <a:spAutoFit/>
+          </a:bodyPr>
+          <a:p>
+            <a:pPr marL="285750" indent="-285750">
+              <a:lnSpc>
+                <a:spcPct val="150000"/>
+              </a:lnSpc>
+              <a:buFont typeface="Wingdings" panose="05000000000000000000" charset="0"/>
+              <a:buChar char="p"/>
+            </a:pPr>
+            <a:r>
+              <a:rPr lang="zh-CN" altLang="en-US" b="1" dirty="0">
+                <a:latin typeface="微软雅黑" panose="020B0503020204020204" charset="-122"/>
+                <a:ea typeface="微软雅黑" panose="020B0503020204020204" charset="-122"/>
+              </a:rPr>
+              <a:t>任务：</a:t>
+            </a:r>
+            <a:endParaRPr lang="en-US" altLang="zh-CN" b="1" dirty="0">
+              <a:latin typeface="微软雅黑" panose="020B0503020204020204" charset="-122"/>
+              <a:ea typeface="微软雅黑" panose="020B0503020204020204" charset="-122"/>
+            </a:endParaRPr>
+          </a:p>
+        </p:txBody>
+      </p:sp>
+      <p:sp>
+        <p:nvSpPr>
+          <p:cNvPr id="8" name="文本框 7"/>
+          <p:cNvSpPr txBox="1"/>
+          <p:nvPr/>
+        </p:nvSpPr>
+        <p:spPr>
+          <a:xfrm>
+            <a:off x="286385" y="2472055"/>
+            <a:ext cx="9719945" cy="1276350"/>
+          </a:xfrm>
+          <a:prstGeom prst="rect">
+            <a:avLst/>
+          </a:prstGeom>
+          <a:noFill/>
+        </p:spPr>
+        <p:txBody>
+          <a:bodyPr wrap="square" rtlCol="0">
             <a:noAutofit/>
           </a:bodyPr>
           <a:p>
-            <a:pPr marL="0" lvl="0" indent="457200">
-              <a:buNone/>
-            </a:pPr>
-            <a:r>
-              <a:rPr lang="zh-CN" altLang="en-US" sz="1600" dirty="0">
-                <a:solidFill>
-                  <a:schemeClr val="tx1"/>
-                </a:solidFill>
-                <a:latin typeface="微软雅黑" panose="020B0503020204020204" charset="-122"/>
-                <a:ea typeface="微软雅黑" panose="020B0503020204020204" charset="-122"/>
-              </a:rPr>
-              <a:t>实现</a:t>
-            </a:r>
-            <a:r>
-              <a:rPr lang="zh-CN" altLang="en-US" sz="1600" b="1" dirty="0">
-                <a:solidFill>
-                  <a:schemeClr val="tx1"/>
-                </a:solidFill>
-                <a:latin typeface="微软雅黑" panose="020B0503020204020204" charset="-122"/>
-                <a:ea typeface="微软雅黑" panose="020B0503020204020204" charset="-122"/>
-              </a:rPr>
-              <a:t>参数高效微调</a:t>
-            </a:r>
-            <a:r>
-              <a:rPr lang="zh-CN" altLang="en-US" sz="1600" dirty="0">
-                <a:solidFill>
-                  <a:schemeClr val="tx1"/>
-                </a:solidFill>
-                <a:latin typeface="微软雅黑" panose="020B0503020204020204" charset="-122"/>
-                <a:ea typeface="微软雅黑" panose="020B0503020204020204" charset="-122"/>
-              </a:rPr>
-              <a:t>，</a:t>
-            </a:r>
-            <a:r>
-              <a:rPr lang="en-US" altLang="zh-CN" sz="1600" b="1" dirty="0">
-                <a:solidFill>
-                  <a:schemeClr val="tx1"/>
-                </a:solidFill>
-                <a:latin typeface="微软雅黑" panose="020B0503020204020204" charset="-122"/>
-                <a:ea typeface="微软雅黑" panose="020B0503020204020204" charset="-122"/>
-              </a:rPr>
-              <a:t>LoRA</a:t>
-            </a:r>
-            <a:r>
-              <a:rPr lang="zh-CN" altLang="en-US" sz="1600" dirty="0">
-                <a:solidFill>
-                  <a:schemeClr val="tx1"/>
-                </a:solidFill>
-                <a:latin typeface="微软雅黑" panose="020B0503020204020204" charset="-122"/>
-                <a:ea typeface="微软雅黑" panose="020B0503020204020204" charset="-122"/>
-              </a:rPr>
-              <a:t>针对了</a:t>
-            </a:r>
-            <a:r>
-              <a:rPr lang="en-US" altLang="zh-CN" sz="1600" dirty="0">
-                <a:solidFill>
-                  <a:schemeClr val="tx1"/>
-                </a:solidFill>
-                <a:latin typeface="微软雅黑" panose="020B0503020204020204" charset="-122"/>
-                <a:ea typeface="微软雅黑" panose="020B0503020204020204" charset="-122"/>
-              </a:rPr>
-              <a:t>LLM</a:t>
-            </a:r>
-            <a:r>
-              <a:rPr lang="zh-CN" altLang="en-US" sz="1600" dirty="0">
-                <a:solidFill>
-                  <a:schemeClr val="tx1"/>
-                </a:solidFill>
-                <a:latin typeface="微软雅黑" panose="020B0503020204020204" charset="-122"/>
-                <a:ea typeface="微软雅黑" panose="020B0503020204020204" charset="-122"/>
-              </a:rPr>
-              <a:t>模型中大量线性变化层出现参数冗余的情况，把过参数化</a:t>
-            </a:r>
-            <a:r>
-              <a:rPr lang="en-US" altLang="zh-CN" sz="1600" dirty="0">
-                <a:solidFill>
-                  <a:schemeClr val="tx1"/>
-                </a:solidFill>
-                <a:latin typeface="微软雅黑" panose="020B0503020204020204" charset="-122"/>
-                <a:ea typeface="微软雅黑" panose="020B0503020204020204" charset="-122"/>
-              </a:rPr>
-              <a:t>(over-parametrized)</a:t>
-            </a:r>
-            <a:r>
-              <a:rPr lang="zh-CN" altLang="en-US" sz="1600" dirty="0">
-                <a:solidFill>
-                  <a:schemeClr val="tx1"/>
-                </a:solidFill>
-                <a:latin typeface="微软雅黑" panose="020B0503020204020204" charset="-122"/>
-                <a:ea typeface="微软雅黑" panose="020B0503020204020204" charset="-122"/>
-              </a:rPr>
-              <a:t>的内在的低秩问题解决。冻结了预训练的模型权重，并将可训练的秩分解矩阵注入到Transformer架构的每一层，从而大大减少了下游任务的可训练参数的数量。</a:t>
-            </a:r>
-            <a:endParaRPr lang="zh-CN" altLang="en-US" sz="1600" dirty="0">
-              <a:solidFill>
-                <a:schemeClr val="tx1"/>
-              </a:solidFill>
-              <a:latin typeface="微软雅黑" panose="020B0503020204020204" charset="-122"/>
-              <a:ea typeface="微软雅黑" panose="020B0503020204020204" charset="-122"/>
-            </a:endParaRPr>
-          </a:p>
-          <a:p>
-            <a:pPr marL="0" lvl="0" indent="457200">
+            <a:pPr marL="0" lvl="0" indent="0">
               <a:buNone/>
             </a:pPr>
             <a:endParaRPr lang="en-US" altLang="zh-CN" sz="1600" dirty="0">
@@ -10172,22 +8314,46 @@
               <a:ea typeface="微软雅黑" panose="020B0503020204020204" charset="-122"/>
             </a:endParaRPr>
           </a:p>
-        </p:txBody>
-      </p:sp>
-      <p:sp>
-        <p:nvSpPr>
-          <p:cNvPr id="5" name="文本框 4"/>
+          <a:p>
+            <a:pPr marL="0" lvl="0" indent="0">
+              <a:buNone/>
+            </a:pPr>
+            <a:endParaRPr lang="en-US" altLang="zh-CN" sz="1600" dirty="0">
+              <a:solidFill>
+                <a:schemeClr val="tx1"/>
+              </a:solidFill>
+              <a:latin typeface="微软雅黑" panose="020B0503020204020204" charset="-122"/>
+              <a:ea typeface="微软雅黑" panose="020B0503020204020204" charset="-122"/>
+            </a:endParaRPr>
+          </a:p>
+          <a:p>
+            <a:pPr marL="0" lvl="0" indent="0">
+              <a:buNone/>
+            </a:pPr>
+            <a:endParaRPr lang="en-US" altLang="zh-CN" sz="1600" dirty="0">
+              <a:solidFill>
+                <a:schemeClr val="tx1"/>
+              </a:solidFill>
+              <a:latin typeface="微软雅黑" panose="020B0503020204020204" charset="-122"/>
+              <a:ea typeface="微软雅黑" panose="020B0503020204020204" charset="-122"/>
+            </a:endParaRPr>
+          </a:p>
+        </p:txBody>
+      </p:sp>
+      <p:sp>
+        <p:nvSpPr>
+          <p:cNvPr id="11" name="文本框 10"/>
           <p:cNvSpPr txBox="1"/>
           <p:nvPr>
             <p:custDataLst>
-              <p:tags r:id="rId2"/>
+              <p:tags r:id="rId3"/>
             </p:custDataLst>
           </p:nvPr>
         </p:nvSpPr>
         <p:spPr>
           <a:xfrm>
-            <a:off x="455295" y="1062990"/>
-            <a:ext cx="10515600" cy="506095"/>
+            <a:off x="455295" y="2056765"/>
+            <a:ext cx="1725930" cy="506730"/>
           </a:xfrm>
           <a:prstGeom prst="rect">
             <a:avLst/>
@@ -10196,7 +8362,7 @@
         </p:spPr>
         <p:txBody>
           <a:bodyPr wrap="square" rtlCol="0">
-            <a:noAutofit/>
+            <a:spAutoFit/>
           </a:bodyPr>
           <a:p>
             <a:pPr marL="285750" indent="-285750">
@@ -10210,58 +8376,628 @@
               <a:rPr lang="zh-CN" altLang="en-US" b="1" dirty="0">
                 <a:latin typeface="微软雅黑" panose="020B0503020204020204" charset="-122"/>
                 <a:ea typeface="微软雅黑" panose="020B0503020204020204" charset="-122"/>
-                <a:sym typeface="+mn-ea"/>
-              </a:rPr>
-              <a:t>Edward J. Hu et al. “LoRA: Low-Rank Adaptation of Large Language Models”. In: ICLR.</a:t>
-            </a:r>
-            <a:endParaRPr lang="zh-CN" altLang="en-US" b="1" dirty="0">
+              </a:rPr>
+              <a:t>动机：</a:t>
+            </a:r>
+            <a:endParaRPr lang="en-US" altLang="zh-CN" b="1" dirty="0">
               <a:latin typeface="微软雅黑" panose="020B0503020204020204" charset="-122"/>
               <a:ea typeface="微软雅黑" panose="020B0503020204020204" charset="-122"/>
-              <a:sym typeface="+mn-ea"/>
-            </a:endParaRPr>
-          </a:p>
-          <a:p>
-            <a:pPr indent="457200">
+            </a:endParaRPr>
+          </a:p>
+        </p:txBody>
+      </p:sp>
+      <p:sp>
+        <p:nvSpPr>
+          <p:cNvPr id="4" name="文本框 3"/>
+          <p:cNvSpPr txBox="1"/>
+          <p:nvPr>
+            <p:custDataLst>
+              <p:tags r:id="rId4"/>
+            </p:custDataLst>
+          </p:nvPr>
+        </p:nvSpPr>
+        <p:spPr>
+          <a:xfrm>
+            <a:off x="455295" y="3140075"/>
+            <a:ext cx="1725930" cy="506730"/>
+          </a:xfrm>
+          <a:prstGeom prst="rect">
+            <a:avLst/>
+          </a:prstGeom>
+          <a:noFill/>
+        </p:spPr>
+        <p:txBody>
+          <a:bodyPr wrap="square" rtlCol="0">
+            <a:spAutoFit/>
+          </a:bodyPr>
+          <a:p>
+            <a:pPr marL="285750" indent="-285750">
               <a:lnSpc>
                 <a:spcPct val="150000"/>
               </a:lnSpc>
               <a:buFont typeface="Wingdings" panose="05000000000000000000" charset="0"/>
-              <a:buNone/>
+              <a:buChar char="p"/>
             </a:pPr>
             <a:r>
               <a:rPr lang="zh-CN" altLang="en-US" b="1" dirty="0">
                 <a:latin typeface="微软雅黑" panose="020B0503020204020204" charset="-122"/>
                 <a:ea typeface="微软雅黑" panose="020B0503020204020204" charset="-122"/>
-                <a:sym typeface="+mn-ea"/>
-              </a:rPr>
-              <a:t>2022.</a:t>
-            </a:r>
-            <a:endParaRPr lang="zh-CN" altLang="en-US" b="1" dirty="0">
+              </a:rPr>
+              <a:t>整体</a:t>
+            </a:r>
+            <a:r>
+              <a:rPr lang="zh-CN" altLang="en-US" b="1" dirty="0">
+                <a:latin typeface="微软雅黑" panose="020B0503020204020204" charset="-122"/>
+                <a:ea typeface="微软雅黑" panose="020B0503020204020204" charset="-122"/>
+              </a:rPr>
+              <a:t>思路：</a:t>
+            </a:r>
+            <a:endParaRPr lang="en-US" altLang="zh-CN" b="1" dirty="0">
               <a:latin typeface="微软雅黑" panose="020B0503020204020204" charset="-122"/>
               <a:ea typeface="微软雅黑" panose="020B0503020204020204" charset="-122"/>
-              <a:sym typeface="+mn-ea"/>
+            </a:endParaRPr>
+          </a:p>
+        </p:txBody>
+      </p:sp>
+      <p:sp>
+        <p:nvSpPr>
+          <p:cNvPr id="6" name="文本框 5"/>
+          <p:cNvSpPr txBox="1"/>
+          <p:nvPr>
+            <p:custDataLst>
+              <p:tags r:id="rId5"/>
+            </p:custDataLst>
+          </p:nvPr>
+        </p:nvSpPr>
+        <p:spPr>
+          <a:xfrm>
+            <a:off x="455295" y="5052695"/>
+            <a:ext cx="1725930" cy="506730"/>
+          </a:xfrm>
+          <a:prstGeom prst="rect">
+            <a:avLst/>
+          </a:prstGeom>
+          <a:noFill/>
+        </p:spPr>
+        <p:txBody>
+          <a:bodyPr wrap="square" rtlCol="0">
+            <a:spAutoFit/>
+          </a:bodyPr>
+          <a:p>
+            <a:pPr marL="285750" indent="-285750">
+              <a:lnSpc>
+                <a:spcPct val="150000"/>
+              </a:lnSpc>
+              <a:buFont typeface="Wingdings" panose="05000000000000000000" charset="0"/>
+              <a:buChar char="p"/>
+            </a:pPr>
+            <a:r>
+              <a:rPr lang="zh-CN" altLang="en-US" b="1" dirty="0">
+                <a:latin typeface="微软雅黑" panose="020B0503020204020204" charset="-122"/>
+                <a:ea typeface="微软雅黑" panose="020B0503020204020204" charset="-122"/>
+              </a:rPr>
+              <a:t>贡献：</a:t>
+            </a:r>
+            <a:endParaRPr lang="en-US" altLang="zh-CN" b="1" dirty="0">
+              <a:latin typeface="微软雅黑" panose="020B0503020204020204" charset="-122"/>
+              <a:ea typeface="微软雅黑" panose="020B0503020204020204" charset="-122"/>
+            </a:endParaRPr>
+          </a:p>
+        </p:txBody>
+      </p:sp>
+      <p:sp>
+        <p:nvSpPr>
+          <p:cNvPr id="14" name="文本框 13"/>
+          <p:cNvSpPr txBox="1"/>
+          <p:nvPr/>
+        </p:nvSpPr>
+        <p:spPr>
+          <a:xfrm>
+            <a:off x="106680" y="6453505"/>
+            <a:ext cx="12229465" cy="275590"/>
+          </a:xfrm>
+          <a:prstGeom prst="rect">
+            <a:avLst/>
+          </a:prstGeom>
+        </p:spPr>
+        <p:txBody>
+          <a:bodyPr wrap="square">
+            <a:spAutoFit/>
+          </a:bodyPr>
+          <a:p>
+            <a:pPr marL="0" indent="0" algn="l"/>
+            <a:r>
+              <a:rPr lang="en-US" altLang="zh-CN" sz="1200" b="0" i="0">
+                <a:solidFill>
+                  <a:srgbClr val="333333"/>
+                </a:solidFill>
+                <a:latin typeface="Arial" panose="020B0604020202020204"/>
+                <a:ea typeface="Arial" panose="020B0604020202020204"/>
+              </a:rPr>
+              <a:t>Ma X, Fang G, Wang X. Llm-pruner: On the structural pruning of large language models[J]. Advances in neural information processing systems, 2023, 36: 21702-21720..</a:t>
+            </a:r>
+            <a:endParaRPr lang="en-US" altLang="zh-CN" sz="1200" b="0" i="0">
+              <a:solidFill>
+                <a:srgbClr val="333333"/>
+              </a:solidFill>
+              <a:latin typeface="Arial" panose="020B0604020202020204"/>
+              <a:ea typeface="Arial" panose="020B0604020202020204"/>
+            </a:endParaRPr>
+          </a:p>
+        </p:txBody>
+      </p:sp>
+      <p:sp>
+        <p:nvSpPr>
+          <p:cNvPr id="15" name="文本框 14"/>
+          <p:cNvSpPr txBox="1"/>
+          <p:nvPr/>
+        </p:nvSpPr>
+        <p:spPr>
+          <a:xfrm>
+            <a:off x="286385" y="1457325"/>
+            <a:ext cx="8058150" cy="603885"/>
+          </a:xfrm>
+          <a:prstGeom prst="rect">
+            <a:avLst/>
+          </a:prstGeom>
+          <a:noFill/>
+        </p:spPr>
+        <p:txBody>
+          <a:bodyPr wrap="square" rtlCol="0">
+            <a:noAutofit/>
+          </a:bodyPr>
+          <a:p>
+            <a:pPr indent="457200"/>
+            <a:r>
+              <a:rPr lang="zh-CN" altLang="en-US" sz="1600" dirty="0">
+                <a:latin typeface="微软雅黑" panose="020B0503020204020204" charset="-122"/>
+                <a:ea typeface="微软雅黑" panose="020B0503020204020204" charset="-122"/>
+                <a:sym typeface="+mn-ea"/>
+              </a:rPr>
+              <a:t>结构化剪枝，快速自动化的减少模型参数量，降低成本</a:t>
+            </a:r>
+            <a:endParaRPr lang="zh-CN" altLang="zh-CN" sz="1600" dirty="0">
+              <a:solidFill>
+                <a:schemeClr val="tx1"/>
+              </a:solidFill>
+              <a:latin typeface="微软雅黑" panose="020B0503020204020204" charset="-122"/>
+              <a:ea typeface="微软雅黑" panose="020B0503020204020204" charset="-122"/>
+            </a:endParaRPr>
+          </a:p>
+          <a:p>
+            <a:pPr indent="457200"/>
+            <a:endParaRPr lang="zh-CN" altLang="zh-CN" sz="1600" dirty="0">
+              <a:solidFill>
+                <a:schemeClr val="tx1"/>
+              </a:solidFill>
+              <a:latin typeface="微软雅黑" panose="020B0503020204020204" charset="-122"/>
+              <a:ea typeface="微软雅黑" panose="020B0503020204020204" charset="-122"/>
+            </a:endParaRPr>
+          </a:p>
+          <a:p>
+            <a:pPr indent="457200"/>
+            <a:endParaRPr lang="zh-CN" altLang="zh-CN" sz="1600" dirty="0">
+              <a:solidFill>
+                <a:schemeClr val="tx1"/>
+              </a:solidFill>
+              <a:latin typeface="微软雅黑" panose="020B0503020204020204" charset="-122"/>
+              <a:ea typeface="微软雅黑" panose="020B0503020204020204" charset="-122"/>
+            </a:endParaRPr>
+          </a:p>
+          <a:p>
+            <a:pPr indent="457200"/>
+            <a:endParaRPr lang="zh-CN" altLang="zh-CN" sz="1600" dirty="0">
+              <a:solidFill>
+                <a:schemeClr val="tx1"/>
+              </a:solidFill>
+              <a:latin typeface="微软雅黑" panose="020B0503020204020204" charset="-122"/>
+              <a:ea typeface="微软雅黑" panose="020B0503020204020204" charset="-122"/>
+            </a:endParaRPr>
+          </a:p>
+          <a:p>
+            <a:pPr indent="457200"/>
+            <a:r>
+              <a:rPr lang="en-US" altLang="zh-CN" sz="1600" dirty="0">
+                <a:solidFill>
+                  <a:schemeClr val="tx1"/>
+                </a:solidFill>
+                <a:latin typeface="微软雅黑" panose="020B0503020204020204" charset="-122"/>
+                <a:ea typeface="微软雅黑" panose="020B0503020204020204" charset="-122"/>
+              </a:rPr>
+              <a:t>1.  </a:t>
+            </a:r>
+            <a:r>
+              <a:rPr lang="zh-CN" altLang="en-US" sz="1600" dirty="0">
+                <a:solidFill>
+                  <a:schemeClr val="tx1"/>
+                </a:solidFill>
+                <a:latin typeface="微软雅黑" panose="020B0503020204020204" charset="-122"/>
+                <a:ea typeface="微软雅黑" panose="020B0503020204020204" charset="-122"/>
+              </a:rPr>
+              <a:t>即使是</a:t>
+            </a:r>
+            <a:r>
+              <a:rPr lang="en-US" altLang="zh-CN" sz="1600" dirty="0">
+                <a:solidFill>
+                  <a:schemeClr val="tx1"/>
+                </a:solidFill>
+                <a:latin typeface="微软雅黑" panose="020B0503020204020204" charset="-122"/>
+                <a:ea typeface="微软雅黑" panose="020B0503020204020204" charset="-122"/>
+              </a:rPr>
+              <a:t>LLaMA</a:t>
+            </a:r>
+            <a:r>
+              <a:rPr lang="zh-CN" altLang="en-US" sz="1600" dirty="0">
+                <a:solidFill>
+                  <a:schemeClr val="tx1"/>
+                </a:solidFill>
+                <a:latin typeface="微软雅黑" panose="020B0503020204020204" charset="-122"/>
+                <a:ea typeface="微软雅黑" panose="020B0503020204020204" charset="-122"/>
+              </a:rPr>
+              <a:t>（</a:t>
+            </a:r>
+            <a:r>
+              <a:rPr lang="en-US" altLang="zh-CN" sz="1600" dirty="0">
+                <a:solidFill>
+                  <a:schemeClr val="tx1"/>
+                </a:solidFill>
+                <a:latin typeface="微软雅黑" panose="020B0503020204020204" charset="-122"/>
+                <a:ea typeface="微软雅黑" panose="020B0503020204020204" charset="-122"/>
+              </a:rPr>
+              <a:t>5.2B</a:t>
+            </a:r>
+            <a:r>
+              <a:rPr lang="zh-CN" altLang="en-US" sz="1600" dirty="0">
+                <a:solidFill>
+                  <a:schemeClr val="tx1"/>
+                </a:solidFill>
+                <a:latin typeface="微软雅黑" panose="020B0503020204020204" charset="-122"/>
+                <a:ea typeface="微软雅黑" panose="020B0503020204020204" charset="-122"/>
+              </a:rPr>
+              <a:t>）的模型执行推理和微调的成本都无法让普通用户接受</a:t>
+            </a:r>
+            <a:r>
+              <a:rPr lang="en-US" altLang="zh-CN" sz="1600" dirty="0">
+                <a:solidFill>
+                  <a:schemeClr val="tx1"/>
+                </a:solidFill>
+                <a:latin typeface="微软雅黑" panose="020B0503020204020204" charset="-122"/>
+                <a:ea typeface="微软雅黑" panose="020B0503020204020204" charset="-122"/>
+              </a:rPr>
+              <a:t>  </a:t>
+            </a:r>
+            <a:endParaRPr lang="en-US" altLang="zh-CN" sz="1600" dirty="0">
+              <a:solidFill>
+                <a:schemeClr val="tx1"/>
+              </a:solidFill>
+              <a:latin typeface="微软雅黑" panose="020B0503020204020204" charset="-122"/>
+              <a:ea typeface="微软雅黑" panose="020B0503020204020204" charset="-122"/>
+            </a:endParaRPr>
+          </a:p>
+          <a:p>
+            <a:pPr indent="457200"/>
+            <a:r>
+              <a:rPr lang="en-US" altLang="zh-CN" sz="1600" dirty="0">
+                <a:solidFill>
+                  <a:schemeClr val="tx1"/>
+                </a:solidFill>
+                <a:latin typeface="微软雅黑" panose="020B0503020204020204" charset="-122"/>
+                <a:ea typeface="微软雅黑" panose="020B0503020204020204" charset="-122"/>
+              </a:rPr>
+              <a:t>2.  </a:t>
+            </a:r>
+            <a:r>
+              <a:rPr lang="zh-CN" altLang="en-US" sz="1600" dirty="0">
+                <a:solidFill>
+                  <a:schemeClr val="tx1"/>
+                </a:solidFill>
+                <a:latin typeface="微软雅黑" panose="020B0503020204020204" charset="-122"/>
+                <a:ea typeface="微软雅黑" panose="020B0503020204020204" charset="-122"/>
+              </a:rPr>
+              <a:t>非结构化得到推理比较要求专门的硬件或者软件支持加速</a:t>
+            </a:r>
+            <a:endParaRPr lang="zh-CN" altLang="en-US" sz="1600" dirty="0">
+              <a:solidFill>
+                <a:schemeClr val="tx1"/>
+              </a:solidFill>
+              <a:latin typeface="微软雅黑" panose="020B0503020204020204" charset="-122"/>
+              <a:ea typeface="微软雅黑" panose="020B0503020204020204" charset="-122"/>
+            </a:endParaRPr>
+          </a:p>
+          <a:p>
+            <a:pPr indent="457200"/>
+            <a:endParaRPr lang="zh-CN" altLang="en-US" sz="1600" dirty="0">
+              <a:solidFill>
+                <a:schemeClr val="tx1"/>
+              </a:solidFill>
+              <a:latin typeface="微软雅黑" panose="020B0503020204020204" charset="-122"/>
+              <a:ea typeface="微软雅黑" panose="020B0503020204020204" charset="-122"/>
+            </a:endParaRPr>
+          </a:p>
+          <a:p>
+            <a:pPr indent="457200"/>
+            <a:endParaRPr lang="zh-CN" altLang="en-US" sz="1600" dirty="0">
+              <a:solidFill>
+                <a:schemeClr val="tx1"/>
+              </a:solidFill>
+              <a:latin typeface="微软雅黑" panose="020B0503020204020204" charset="-122"/>
+              <a:ea typeface="微软雅黑" panose="020B0503020204020204" charset="-122"/>
+            </a:endParaRPr>
+          </a:p>
+          <a:p>
+            <a:pPr indent="457200"/>
+            <a:endParaRPr lang="zh-CN" altLang="en-US" sz="1600" dirty="0">
+              <a:solidFill>
+                <a:schemeClr val="tx1"/>
+              </a:solidFill>
+              <a:latin typeface="微软雅黑" panose="020B0503020204020204" charset="-122"/>
+              <a:ea typeface="微软雅黑" panose="020B0503020204020204" charset="-122"/>
+            </a:endParaRPr>
+          </a:p>
+          <a:p>
+            <a:pPr indent="457200"/>
+            <a:r>
+              <a:rPr lang="en-US" altLang="zh-CN" sz="1600" dirty="0">
+                <a:solidFill>
+                  <a:schemeClr val="tx1"/>
+                </a:solidFill>
+                <a:latin typeface="微软雅黑" panose="020B0503020204020204" charset="-122"/>
+                <a:ea typeface="微软雅黑" panose="020B0503020204020204" charset="-122"/>
+              </a:rPr>
+              <a:t>1.  </a:t>
+            </a:r>
+            <a:r>
+              <a:rPr lang="zh-CN" altLang="en-US" sz="1600" dirty="0">
+                <a:solidFill>
+                  <a:schemeClr val="tx1"/>
+                </a:solidFill>
+                <a:latin typeface="微软雅黑" panose="020B0503020204020204" charset="-122"/>
+                <a:ea typeface="微软雅黑" panose="020B0503020204020204" charset="-122"/>
+              </a:rPr>
+              <a:t>根据依赖性分组</a:t>
+            </a:r>
+            <a:endParaRPr lang="zh-CN" altLang="en-US" sz="1600" dirty="0">
+              <a:solidFill>
+                <a:schemeClr val="tx1"/>
+              </a:solidFill>
+              <a:latin typeface="微软雅黑" panose="020B0503020204020204" charset="-122"/>
+              <a:ea typeface="微软雅黑" panose="020B0503020204020204" charset="-122"/>
+            </a:endParaRPr>
+          </a:p>
+          <a:p>
+            <a:pPr indent="457200"/>
+            <a:r>
+              <a:rPr lang="en-US" altLang="zh-CN" sz="1600" dirty="0">
+                <a:solidFill>
+                  <a:schemeClr val="tx1"/>
+                </a:solidFill>
+                <a:latin typeface="微软雅黑" panose="020B0503020204020204" charset="-122"/>
+                <a:ea typeface="微软雅黑" panose="020B0503020204020204" charset="-122"/>
+              </a:rPr>
+              <a:t>2.  </a:t>
+            </a:r>
+            <a:r>
+              <a:rPr lang="zh-CN" altLang="en-US" sz="1600" dirty="0">
+                <a:solidFill>
+                  <a:schemeClr val="tx1"/>
+                </a:solidFill>
+                <a:latin typeface="微软雅黑" panose="020B0503020204020204" charset="-122"/>
+                <a:ea typeface="微软雅黑" panose="020B0503020204020204" charset="-122"/>
+              </a:rPr>
+              <a:t>根据损失评估重要性剪枝</a:t>
+            </a:r>
+            <a:endParaRPr lang="zh-CN" altLang="en-US" sz="1600" dirty="0">
+              <a:solidFill>
+                <a:schemeClr val="tx1"/>
+              </a:solidFill>
+              <a:latin typeface="微软雅黑" panose="020B0503020204020204" charset="-122"/>
+              <a:ea typeface="微软雅黑" panose="020B0503020204020204" charset="-122"/>
+            </a:endParaRPr>
+          </a:p>
+          <a:p>
+            <a:pPr indent="457200"/>
+            <a:r>
+              <a:rPr lang="en-US" altLang="zh-CN" sz="1600" dirty="0">
+                <a:solidFill>
+                  <a:schemeClr val="tx1"/>
+                </a:solidFill>
+                <a:latin typeface="微软雅黑" panose="020B0503020204020204" charset="-122"/>
+                <a:ea typeface="微软雅黑" panose="020B0503020204020204" charset="-122"/>
+              </a:rPr>
+              <a:t>3.  </a:t>
+            </a:r>
+            <a:r>
+              <a:rPr lang="zh-CN" altLang="en-US" sz="1600" dirty="0">
+                <a:solidFill>
+                  <a:schemeClr val="tx1"/>
+                </a:solidFill>
+                <a:latin typeface="微软雅黑" panose="020B0503020204020204" charset="-122"/>
+                <a:ea typeface="微软雅黑" panose="020B0503020204020204" charset="-122"/>
+              </a:rPr>
+              <a:t>最后再执行一些微调保证模型能力</a:t>
+            </a:r>
+            <a:endParaRPr lang="zh-CN" altLang="en-US" sz="1600" dirty="0">
+              <a:solidFill>
+                <a:schemeClr val="tx1"/>
+              </a:solidFill>
+              <a:latin typeface="微软雅黑" panose="020B0503020204020204" charset="-122"/>
+              <a:ea typeface="微软雅黑" panose="020B0503020204020204" charset="-122"/>
+            </a:endParaRPr>
+          </a:p>
+          <a:p>
+            <a:pPr indent="457200"/>
+            <a:endParaRPr lang="en-US" altLang="zh-CN" sz="1600" dirty="0">
+              <a:solidFill>
+                <a:schemeClr val="tx1"/>
+              </a:solidFill>
+              <a:latin typeface="微软雅黑" panose="020B0503020204020204" charset="-122"/>
+              <a:ea typeface="微软雅黑" panose="020B0503020204020204" charset="-122"/>
+            </a:endParaRPr>
+          </a:p>
+          <a:p>
+            <a:pPr marL="0" lvl="0" indent="0">
+              <a:buNone/>
+            </a:pPr>
+            <a:endParaRPr lang="en-US" altLang="zh-CN" sz="1600" dirty="0">
+              <a:solidFill>
+                <a:schemeClr val="tx1"/>
+              </a:solidFill>
+              <a:latin typeface="微软雅黑" panose="020B0503020204020204" charset="-122"/>
+              <a:ea typeface="微软雅黑" panose="020B0503020204020204" charset="-122"/>
+            </a:endParaRPr>
+          </a:p>
+          <a:p>
+            <a:pPr marL="0" lvl="0" indent="0">
+              <a:buNone/>
+            </a:pPr>
+            <a:endParaRPr lang="en-US" altLang="zh-CN" sz="1600" dirty="0">
+              <a:solidFill>
+                <a:schemeClr val="tx1"/>
+              </a:solidFill>
+              <a:latin typeface="微软雅黑" panose="020B0503020204020204" charset="-122"/>
+              <a:ea typeface="微软雅黑" panose="020B0503020204020204" charset="-122"/>
+            </a:endParaRPr>
+          </a:p>
+          <a:p>
+            <a:pPr marL="0" lvl="0" indent="0">
+              <a:buNone/>
+            </a:pPr>
+            <a:endParaRPr lang="en-US" altLang="zh-CN" sz="1600" dirty="0">
+              <a:solidFill>
+                <a:schemeClr val="tx1"/>
+              </a:solidFill>
+              <a:latin typeface="微软雅黑" panose="020B0503020204020204" charset="-122"/>
+              <a:ea typeface="微软雅黑" panose="020B0503020204020204" charset="-122"/>
+            </a:endParaRPr>
+          </a:p>
+          <a:p>
+            <a:pPr marL="0" lvl="0" indent="457200">
+              <a:buNone/>
+            </a:pPr>
+            <a:endParaRPr lang="en-US" altLang="zh-CN" sz="1600" dirty="0">
+              <a:solidFill>
+                <a:schemeClr val="tx1"/>
+              </a:solidFill>
+              <a:latin typeface="微软雅黑" panose="020B0503020204020204" charset="-122"/>
+              <a:ea typeface="微软雅黑" panose="020B0503020204020204" charset="-122"/>
+            </a:endParaRPr>
+          </a:p>
+          <a:p>
+            <a:pPr marL="0" lvl="0" indent="457200">
+              <a:buNone/>
+            </a:pPr>
+            <a:r>
+              <a:rPr lang="en-US" altLang="zh-CN" sz="1600" dirty="0">
+                <a:solidFill>
+                  <a:schemeClr val="tx1"/>
+                </a:solidFill>
+                <a:latin typeface="微软雅黑" panose="020B0503020204020204" charset="-122"/>
+                <a:ea typeface="微软雅黑" panose="020B0503020204020204" charset="-122"/>
+              </a:rPr>
+              <a:t>1.  </a:t>
+            </a:r>
+            <a:r>
+              <a:rPr lang="zh-CN" altLang="en-US" sz="1600" dirty="0">
+                <a:solidFill>
+                  <a:schemeClr val="tx1"/>
+                </a:solidFill>
+                <a:latin typeface="微软雅黑" panose="020B0503020204020204" charset="-122"/>
+                <a:ea typeface="微软雅黑" panose="020B0503020204020204" charset="-122"/>
+              </a:rPr>
+              <a:t>降低参数量，加速推理和微调</a:t>
+            </a:r>
+            <a:endParaRPr lang="zh-CN" altLang="en-US" sz="1600" dirty="0">
+              <a:solidFill>
+                <a:schemeClr val="tx1"/>
+              </a:solidFill>
+              <a:latin typeface="微软雅黑" panose="020B0503020204020204" charset="-122"/>
+              <a:ea typeface="微软雅黑" panose="020B0503020204020204" charset="-122"/>
+            </a:endParaRPr>
+          </a:p>
+          <a:p>
+            <a:pPr marL="0" lvl="0" indent="457200">
+              <a:buNone/>
+            </a:pPr>
+            <a:r>
+              <a:rPr lang="en-US" altLang="zh-CN" sz="1600" dirty="0">
+                <a:solidFill>
+                  <a:schemeClr val="tx1"/>
+                </a:solidFill>
+                <a:latin typeface="微软雅黑" panose="020B0503020204020204" charset="-122"/>
+                <a:ea typeface="微软雅黑" panose="020B0503020204020204" charset="-122"/>
+              </a:rPr>
+              <a:t>2.  </a:t>
+            </a:r>
+            <a:r>
+              <a:rPr lang="zh-CN" altLang="en-US" sz="1600" dirty="0">
+                <a:solidFill>
+                  <a:schemeClr val="tx1"/>
+                </a:solidFill>
+                <a:latin typeface="微软雅黑" panose="020B0503020204020204" charset="-122"/>
+                <a:ea typeface="微软雅黑" panose="020B0503020204020204" charset="-122"/>
+              </a:rPr>
+              <a:t>降低训练需要的显存大小</a:t>
+            </a:r>
+            <a:endParaRPr lang="zh-CN" altLang="en-US" sz="1600" dirty="0">
+              <a:solidFill>
+                <a:schemeClr val="tx1"/>
+              </a:solidFill>
+              <a:latin typeface="微软雅黑" panose="020B0503020204020204" charset="-122"/>
+              <a:ea typeface="微软雅黑" panose="020B0503020204020204" charset="-122"/>
+            </a:endParaRPr>
+          </a:p>
+          <a:p>
+            <a:pPr marL="0" lvl="0" indent="457200">
+              <a:buNone/>
+            </a:pPr>
+            <a:r>
+              <a:rPr lang="en-US" altLang="zh-CN" sz="1600" dirty="0">
+                <a:solidFill>
+                  <a:schemeClr val="tx1"/>
+                </a:solidFill>
+                <a:latin typeface="微软雅黑" panose="020B0503020204020204" charset="-122"/>
+                <a:ea typeface="微软雅黑" panose="020B0503020204020204" charset="-122"/>
+              </a:rPr>
+              <a:t>3.  </a:t>
+            </a:r>
+            <a:r>
+              <a:rPr lang="zh-CN" altLang="en-US" sz="1600" dirty="0">
+                <a:solidFill>
+                  <a:schemeClr val="tx1"/>
+                </a:solidFill>
+                <a:latin typeface="微软雅黑" panose="020B0503020204020204" charset="-122"/>
+                <a:ea typeface="微软雅黑" panose="020B0503020204020204" charset="-122"/>
+              </a:rPr>
+              <a:t>执行自动的结构化剪枝，快速方便</a:t>
+            </a:r>
+            <a:endParaRPr lang="zh-CN" altLang="en-US" sz="1600" dirty="0">
+              <a:solidFill>
+                <a:schemeClr val="tx1"/>
+              </a:solidFill>
+              <a:latin typeface="微软雅黑" panose="020B0503020204020204" charset="-122"/>
+              <a:ea typeface="微软雅黑" panose="020B0503020204020204" charset="-122"/>
             </a:endParaRPr>
           </a:p>
         </p:txBody>
       </p:sp>
       <p:pic>
         <p:nvPicPr>
-          <p:cNvPr id="2" name="图片 1"/>
+          <p:cNvPr id="9" name="图片 8"/>
           <p:cNvPicPr>
             <a:picLocks noChangeAspect="1"/>
           </p:cNvPicPr>
           <p:nvPr/>
         </p:nvPicPr>
         <p:blipFill>
-          <a:blip r:embed="rId3"/>
+          <a:blip r:embed="rId6"/>
           <a:stretch>
             <a:fillRect/>
           </a:stretch>
         </p:blipFill>
         <p:spPr>
           <a:xfrm>
-            <a:off x="352425" y="2796540"/>
-            <a:ext cx="3829050" cy="3835400"/>
+            <a:off x="5867400" y="3046095"/>
+            <a:ext cx="6236335" cy="2422525"/>
           </a:xfrm>
           <a:prstGeom prst="rect">
             <a:avLst/>
@@ -10276,7 +9012,7 @@
 </p:sld>
 </file>
 
-<file path=ppt/slides/slide8.xml><?xml version="1.0" encoding="utf-8"?>
+<file path=ppt/slides/slide9.xml><?xml version="1.0" encoding="utf-8"?>
 <p:sld xmlns:a="http://schemas.openxmlformats.org/drawingml/2006/main" xmlns:r="http://schemas.openxmlformats.org/officeDocument/2006/relationships" xmlns:p="http://schemas.openxmlformats.org/presentationml/2006/main">
   <p:cSld>
     <p:spTree>
@@ -10324,7 +9060,7 @@
                 <a:latin typeface="微软雅黑" panose="020B0503020204020204" charset="-122"/>
                 <a:ea typeface="微软雅黑" panose="020B0503020204020204" charset="-122"/>
               </a:rPr>
-              <a:t>内容</a:t>
+              <a:t>流程</a:t>
             </a:r>
             <a:endParaRPr lang="zh-CN" altLang="en-US" sz="2000" b="1" dirty="0"/>
           </a:p>
@@ -10433,7 +9169,7 @@
                 <a:latin typeface="微软雅黑" panose="020B0503020204020204" charset="-122"/>
                 <a:ea typeface="微软雅黑" panose="020B0503020204020204" charset="-122"/>
               </a:rPr>
-              <a:t>1.</a:t>
+              <a:t>2.</a:t>
             </a:r>
             <a:r>
               <a:rPr lang="en-US" altLang="zh-CN" dirty="0">
@@ -10442,7 +9178,7 @@
                 <a:ea typeface="微软雅黑" panose="020B0503020204020204" charset="-122"/>
                 <a:sym typeface="+mn-ea"/>
               </a:rPr>
-              <a:t>基础大模型论文</a:t>
+              <a:t>LLM-Pruner: On the Structural Pruning of Large Language Models</a:t>
             </a:r>
             <a:endParaRPr lang="en-US" altLang="zh-CN" dirty="0">
               <a:effectLst/>
@@ -10460,8 +9196,8 @@
         </p:nvSpPr>
         <p:spPr>
           <a:xfrm>
-            <a:off x="286385" y="1631315"/>
-            <a:ext cx="11251565" cy="603885"/>
+            <a:off x="286385" y="2056765"/>
+            <a:ext cx="11251565" cy="3255645"/>
           </a:xfrm>
           <a:prstGeom prst="rect">
             <a:avLst/>
@@ -10477,6 +9213,16 @@
               <a:buNone/>
             </a:pPr>
             <a:r>
+              <a:rPr lang="en-US" altLang="zh-CN" sz="1600" dirty="0">
+                <a:solidFill>
+                  <a:schemeClr val="tx1"/>
+                </a:solidFill>
+                <a:latin typeface="微软雅黑" panose="020B0503020204020204" charset="-122"/>
+                <a:ea typeface="微软雅黑" panose="020B0503020204020204" charset="-122"/>
+              </a:rPr>
+              <a:t>Pruner</a:t>
+            </a:r>
+            <a:r>
               <a:rPr lang="zh-CN" altLang="en-US" sz="1600" dirty="0">
                 <a:solidFill>
                   <a:schemeClr val="tx1"/>
@@ -10484,79 +9230,9 @@
                 <a:latin typeface="微软雅黑" panose="020B0503020204020204" charset="-122"/>
                 <a:ea typeface="微软雅黑" panose="020B0503020204020204" charset="-122"/>
               </a:rPr>
-              <a:t>作适配器微调（</a:t>
-            </a:r>
-            <a:r>
-              <a:rPr lang="en-US" altLang="zh-CN" sz="1600" dirty="0">
-                <a:solidFill>
-                  <a:schemeClr val="tx1"/>
-                </a:solidFill>
-                <a:latin typeface="微软雅黑" panose="020B0503020204020204" charset="-122"/>
-                <a:ea typeface="微软雅黑" panose="020B0503020204020204" charset="-122"/>
-              </a:rPr>
-              <a:t>Adapter Tuning</a:t>
-            </a:r>
-            <a:r>
-              <a:rPr lang="zh-CN" altLang="en-US" sz="1600" dirty="0">
-                <a:solidFill>
-                  <a:schemeClr val="tx1"/>
-                </a:solidFill>
-                <a:latin typeface="微软雅黑" panose="020B0503020204020204" charset="-122"/>
-                <a:ea typeface="微软雅黑" panose="020B0503020204020204" charset="-122"/>
-              </a:rPr>
-              <a:t>）</a:t>
-            </a:r>
-            <a:r>
-              <a:rPr lang="en-US" altLang="zh-CN" sz="1600" dirty="0">
-                <a:solidFill>
-                  <a:schemeClr val="tx1"/>
-                </a:solidFill>
-                <a:latin typeface="微软雅黑" panose="020B0503020204020204" charset="-122"/>
-                <a:ea typeface="微软雅黑" panose="020B0503020204020204" charset="-122"/>
-              </a:rPr>
-              <a:t>, </a:t>
-            </a:r>
-            <a:r>
-              <a:rPr lang="zh-CN" altLang="en-US" sz="1600" dirty="0">
-                <a:solidFill>
-                  <a:schemeClr val="tx1"/>
-                </a:solidFill>
-                <a:latin typeface="微软雅黑" panose="020B0503020204020204" charset="-122"/>
-                <a:ea typeface="微软雅黑" panose="020B0503020204020204" charset="-122"/>
-              </a:rPr>
-              <a:t>用</a:t>
-            </a:r>
-            <a:r>
-              <a:rPr lang="zh-CN" altLang="en-US" sz="1600" b="1" dirty="0">
-                <a:solidFill>
-                  <a:schemeClr val="tx1"/>
-                </a:solidFill>
-                <a:latin typeface="微软雅黑" panose="020B0503020204020204" charset="-122"/>
-                <a:ea typeface="微软雅黑" panose="020B0503020204020204" charset="-122"/>
-              </a:rPr>
-              <a:t>瓶颈网络架构，</a:t>
-            </a:r>
-            <a:r>
-              <a:rPr lang="en-US" altLang="zh-CN" sz="1600" dirty="0">
-                <a:solidFill>
-                  <a:schemeClr val="tx1"/>
-                </a:solidFill>
-                <a:latin typeface="微软雅黑" panose="020B0503020204020204" charset="-122"/>
-                <a:ea typeface="微软雅黑" panose="020B0503020204020204" charset="-122"/>
-              </a:rPr>
-              <a:t>首先将原始的特征向量压缩到较低维度，然后使用激活函数进行非线性变换，最后再将其恢复到原始维度</a:t>
-            </a:r>
-            <a:r>
-              <a:rPr lang="zh-CN" altLang="en-US" sz="1600" dirty="0">
-                <a:solidFill>
-                  <a:schemeClr val="tx1"/>
-                </a:solidFill>
-                <a:latin typeface="微软雅黑" panose="020B0503020204020204" charset="-122"/>
-                <a:ea typeface="微软雅黑" panose="020B0503020204020204" charset="-122"/>
-              </a:rPr>
-              <a:t>。</a:t>
-            </a:r>
-            <a:endParaRPr lang="en-US" altLang="zh-CN" sz="1600" dirty="0">
+              <a:t>结构化剪枝，该框架特点为任务无关的压缩、数据需求量少、快速和全自动操作。</a:t>
+            </a:r>
+            <a:endParaRPr lang="zh-CN" altLang="en-US" sz="1600" dirty="0">
               <a:solidFill>
                 <a:schemeClr val="tx1"/>
               </a:solidFill>
@@ -10565,10 +9241,20 @@
             </a:endParaRPr>
           </a:p>
           <a:p>
-            <a:pPr marL="0" lvl="0" indent="0">
+            <a:pPr marL="0" lvl="0" indent="457200">
               <a:buNone/>
             </a:pPr>
-            <a:endParaRPr lang="en-US" altLang="zh-CN" sz="1600" b="1" dirty="0">
+            <a:r>
+              <a:rPr lang="zh-CN" altLang="en-US" sz="1600" dirty="0">
+                <a:solidFill>
+                  <a:schemeClr val="tx1"/>
+                </a:solidFill>
+                <a:latin typeface="微软雅黑" panose="020B0503020204020204" charset="-122"/>
+                <a:ea typeface="微软雅黑" panose="020B0503020204020204" charset="-122"/>
+              </a:rPr>
+              <a:t>目前自动的结构化剪枝支持以下大模型结构：</a:t>
+            </a:r>
+            <a:endParaRPr lang="zh-CN" altLang="en-US" sz="1600" dirty="0">
               <a:solidFill>
                 <a:schemeClr val="tx1"/>
               </a:solidFill>
@@ -10576,6 +9262,18 @@
               <a:ea typeface="微软雅黑" panose="020B0503020204020204" charset="-122"/>
             </a:endParaRPr>
           </a:p>
+          <a:p>
+            <a:pPr marL="0" lvl="0" indent="457200">
+              <a:buNone/>
+            </a:pPr>
+            <a:endParaRPr lang="zh-CN" altLang="en-US" sz="1600" dirty="0">
+              <a:solidFill>
+                <a:schemeClr val="tx1"/>
+              </a:solidFill>
+              <a:latin typeface="微软雅黑" panose="020B0503020204020204" charset="-122"/>
+              <a:ea typeface="微软雅黑" panose="020B0503020204020204" charset="-122"/>
+            </a:endParaRPr>
+          </a:p>
         </p:txBody>
       </p:sp>
       <p:sp>
@@ -10590,7 +9288,7 @@
         </p:nvSpPr>
         <p:spPr>
           <a:xfrm>
-            <a:off x="455295" y="1062990"/>
+            <a:off x="455295" y="972185"/>
             <a:ext cx="10515600" cy="506095"/>
           </a:xfrm>
           <a:prstGeom prst="rect">
@@ -10614,576 +9312,16 @@
               <a:rPr lang="zh-CN" altLang="en-US" b="1" dirty="0">
                 <a:latin typeface="微软雅黑" panose="020B0503020204020204" charset="-122"/>
                 <a:ea typeface="微软雅黑" panose="020B0503020204020204" charset="-122"/>
-                <a:sym typeface="+mn-ea"/>
-              </a:rPr>
-              <a:t>Neil Houlsby et al. “Parameter-Efficient Transfer Learning for NLP”. In: ICML. 2019.</a:t>
+              </a:rPr>
+              <a:t>分组</a:t>
             </a:r>
             <a:endParaRPr lang="zh-CN" altLang="en-US" b="1" dirty="0">
               <a:latin typeface="微软雅黑" panose="020B0503020204020204" charset="-122"/>
               <a:ea typeface="微软雅黑" panose="020B0503020204020204" charset="-122"/>
-              <a:sym typeface="+mn-ea"/>
-            </a:endParaRPr>
-          </a:p>
-        </p:txBody>
-      </p:sp>
-      <p:pic>
-        <p:nvPicPr>
-          <p:cNvPr id="2" name="图片 1"/>
-          <p:cNvPicPr>
-            <a:picLocks noChangeAspect="1"/>
-          </p:cNvPicPr>
-          <p:nvPr/>
-        </p:nvPicPr>
-        <p:blipFill>
-          <a:blip r:embed="rId3"/>
-          <a:stretch>
-            <a:fillRect/>
-          </a:stretch>
-        </p:blipFill>
-        <p:spPr>
-          <a:xfrm>
-            <a:off x="5915025" y="2767965"/>
-            <a:ext cx="5622925" cy="3982085"/>
-          </a:xfrm>
-          <a:prstGeom prst="rect">
-            <a:avLst/>
-          </a:prstGeom>
-        </p:spPr>
-      </p:pic>
-    </p:spTree>
-  </p:cSld>
-  <p:clrMapOvr>
-    <a:masterClrMapping/>
-  </p:clrMapOvr>
-</p:sld>
-</file>
-
-<file path=ppt/slides/slide9.xml><?xml version="1.0" encoding="utf-8"?>
-<p:sld xmlns:a="http://schemas.openxmlformats.org/drawingml/2006/main" xmlns:r="http://schemas.openxmlformats.org/officeDocument/2006/relationships" xmlns:p="http://schemas.openxmlformats.org/presentationml/2006/main">
-  <p:cSld>
-    <p:spTree>
-      <p:nvGrpSpPr>
-        <p:cNvPr id="1" name=""/>
-        <p:cNvGrpSpPr/>
-        <p:nvPr/>
-      </p:nvGrpSpPr>
-      <p:grpSpPr>
-        <a:xfrm>
-          <a:off x="0" y="0"/>
-          <a:ext cx="0" cy="0"/>
-          <a:chOff x="0" y="0"/>
-          <a:chExt cx="0" cy="0"/>
-        </a:xfrm>
-      </p:grpSpPr>
-      <p:pic>
-        <p:nvPicPr>
-          <p:cNvPr id="4" name="图片 3"/>
-          <p:cNvPicPr>
-            <a:picLocks noChangeAspect="1"/>
-          </p:cNvPicPr>
-          <p:nvPr/>
-        </p:nvPicPr>
-        <p:blipFill>
-          <a:blip r:embed="rId1"/>
-          <a:stretch>
-            <a:fillRect/>
-          </a:stretch>
-        </p:blipFill>
-        <p:spPr>
-          <a:xfrm>
-            <a:off x="7628890" y="1511300"/>
-            <a:ext cx="4478655" cy="5203825"/>
-          </a:xfrm>
-          <a:prstGeom prst="rect">
-            <a:avLst/>
-          </a:prstGeom>
-        </p:spPr>
-      </p:pic>
-      <p:sp>
-        <p:nvSpPr>
-          <p:cNvPr id="13" name="文本框 12"/>
-          <p:cNvSpPr txBox="1"/>
-          <p:nvPr/>
-        </p:nvSpPr>
-        <p:spPr>
-          <a:xfrm>
-            <a:off x="106466" y="601786"/>
-            <a:ext cx="1033780" cy="398780"/>
-          </a:xfrm>
-          <a:prstGeom prst="rect">
-            <a:avLst/>
-          </a:prstGeom>
-          <a:noFill/>
-        </p:spPr>
-        <p:txBody>
-          <a:bodyPr wrap="none" rtlCol="0">
-            <a:spAutoFit/>
-          </a:bodyPr>
-          <a:lstStyle/>
-          <a:p>
-            <a:pPr marL="342900" indent="-342900">
-              <a:buFont typeface="Wingdings" panose="05000000000000000000" charset="0"/>
-              <a:buChar char="n"/>
-            </a:pPr>
-            <a:r>
-              <a:rPr lang="zh-CN" altLang="en-US" sz="2000" b="1" dirty="0">
-                <a:latin typeface="微软雅黑" panose="020B0503020204020204" charset="-122"/>
-                <a:ea typeface="微软雅黑" panose="020B0503020204020204" charset="-122"/>
-              </a:rPr>
-              <a:t>内容</a:t>
-            </a:r>
-            <a:endParaRPr lang="zh-CN" altLang="en-US" sz="2000" b="1" dirty="0"/>
-          </a:p>
-        </p:txBody>
-      </p:sp>
-      <p:sp>
-        <p:nvSpPr>
-          <p:cNvPr id="7" name="文本框 6"/>
-          <p:cNvSpPr txBox="1"/>
-          <p:nvPr/>
-        </p:nvSpPr>
-        <p:spPr>
-          <a:xfrm>
-            <a:off x="724535" y="1323340"/>
-            <a:ext cx="2247900" cy="410845"/>
-          </a:xfrm>
-          <a:prstGeom prst="rect">
-            <a:avLst/>
-          </a:prstGeom>
-          <a:noFill/>
-        </p:spPr>
-        <p:txBody>
-          <a:bodyPr wrap="square">
-            <a:noAutofit/>
-          </a:bodyPr>
-          <a:lstStyle/>
-          <a:p>
-            <a:pPr algn="l" fontAlgn="auto">
-              <a:lnSpc>
-                <a:spcPts val="2200"/>
-              </a:lnSpc>
-              <a:buClrTx/>
-              <a:buSzTx/>
-              <a:buNone/>
-            </a:pPr>
-            <a:endParaRPr lang="zh-CN" altLang="en-US" sz="1600" dirty="0">
-              <a:latin typeface="微软雅黑" panose="020B0503020204020204" charset="-122"/>
-              <a:ea typeface="微软雅黑" panose="020B0503020204020204" charset="-122"/>
-            </a:endParaRPr>
-          </a:p>
-        </p:txBody>
-      </p:sp>
-      <p:sp>
-        <p:nvSpPr>
-          <p:cNvPr id="3" name="矩形 2"/>
-          <p:cNvSpPr/>
-          <p:nvPr>
-            <p:custDataLst>
-              <p:tags r:id="rId2"/>
-            </p:custDataLst>
-          </p:nvPr>
-        </p:nvSpPr>
-        <p:spPr>
-          <a:xfrm>
-            <a:off x="-6350" y="0"/>
-            <a:ext cx="12198350" cy="540000"/>
-          </a:xfrm>
-          <a:prstGeom prst="rect">
-            <a:avLst/>
-          </a:prstGeom>
-          <a:solidFill>
-            <a:srgbClr val="A099CB"/>
-          </a:solidFill>
-          <a:ln>
-            <a:noFill/>
-          </a:ln>
-        </p:spPr>
-        <p:style>
-          <a:lnRef idx="2">
-            <a:schemeClr val="accent1">
-              <a:shade val="50000"/>
-            </a:schemeClr>
-          </a:lnRef>
-          <a:fillRef idx="1">
-            <a:schemeClr val="accent1"/>
-          </a:fillRef>
-          <a:effectRef idx="0">
-            <a:schemeClr val="accent1"/>
-          </a:effectRef>
-          <a:fontRef idx="minor">
-            <a:schemeClr val="lt1"/>
-          </a:fontRef>
-        </p:style>
-        <p:txBody>
-          <a:bodyPr rtlCol="0" anchor="ctr"/>
-          <a:p>
-            <a:pPr marL="0" marR="0" lvl="0" indent="0" algn="ctr" defTabSz="914400" rtl="0" eaLnBrk="1" fontAlgn="auto" latinLnBrk="0" hangingPunct="1">
-              <a:lnSpc>
-                <a:spcPct val="100000"/>
-              </a:lnSpc>
-              <a:spcBef>
-                <a:spcPts val="0"/>
-              </a:spcBef>
-              <a:spcAft>
-                <a:spcPts val="0"/>
-              </a:spcAft>
-              <a:buClrTx/>
-              <a:buSzTx/>
-              <a:buFontTx/>
-              <a:buNone/>
-              <a:defRPr/>
-            </a:pPr>
-            <a:r>
-              <a:rPr lang="en-US" altLang="zh-CN" sz="1800" dirty="0">
-                <a:effectLst/>
-                <a:latin typeface="微软雅黑" panose="020B0503020204020204" charset="-122"/>
-                <a:ea typeface="微软雅黑" panose="020B0503020204020204" charset="-122"/>
-              </a:rPr>
-              <a:t>1.</a:t>
-            </a:r>
-            <a:r>
-              <a:rPr lang="en-US" altLang="zh-CN" dirty="0">
-                <a:effectLst/>
-                <a:latin typeface="微软雅黑" panose="020B0503020204020204" charset="-122"/>
-                <a:ea typeface="微软雅黑" panose="020B0503020204020204" charset="-122"/>
-                <a:sym typeface="+mn-ea"/>
-              </a:rPr>
-              <a:t>基础大模型论文</a:t>
-            </a:r>
-            <a:endParaRPr lang="en-US" altLang="zh-CN" dirty="0">
-              <a:effectLst/>
-              <a:latin typeface="微软雅黑" panose="020B0503020204020204" charset="-122"/>
-              <a:ea typeface="微软雅黑" panose="020B0503020204020204" charset="-122"/>
-            </a:endParaRPr>
-          </a:p>
-        </p:txBody>
-      </p:sp>
-      <p:sp>
-        <p:nvSpPr>
-          <p:cNvPr id="10" name="文本框 9"/>
-          <p:cNvSpPr txBox="1"/>
-          <p:nvPr/>
-        </p:nvSpPr>
-        <p:spPr>
-          <a:xfrm>
-            <a:off x="286385" y="2092325"/>
-            <a:ext cx="7701280" cy="603885"/>
-          </a:xfrm>
-          <a:prstGeom prst="rect">
-            <a:avLst/>
-          </a:prstGeom>
-          <a:noFill/>
-        </p:spPr>
-        <p:txBody>
-          <a:bodyPr wrap="square" rtlCol="0">
-            <a:noAutofit/>
-          </a:bodyPr>
-          <a:p>
-            <a:pPr marL="0" lvl="0" indent="457200">
-              <a:buNone/>
-            </a:pPr>
-            <a:r>
-              <a:rPr lang="zh-CN" altLang="en-US" sz="1600" dirty="0">
-                <a:solidFill>
-                  <a:schemeClr val="tx1"/>
-                </a:solidFill>
-                <a:latin typeface="微软雅黑" panose="020B0503020204020204" charset="-122"/>
-                <a:ea typeface="微软雅黑" panose="020B0503020204020204" charset="-122"/>
-              </a:rPr>
-              <a:t>作前缀调优（</a:t>
-            </a:r>
-            <a:r>
-              <a:rPr lang="en-US" altLang="zh-CN" sz="1600" dirty="0">
-                <a:solidFill>
-                  <a:schemeClr val="tx1"/>
-                </a:solidFill>
-                <a:latin typeface="微软雅黑" panose="020B0503020204020204" charset="-122"/>
-                <a:ea typeface="微软雅黑" panose="020B0503020204020204" charset="-122"/>
-              </a:rPr>
-              <a:t>Prefix-Tuning</a:t>
-            </a:r>
-            <a:r>
-              <a:rPr lang="zh-CN" altLang="en-US" sz="1600" dirty="0">
-                <a:solidFill>
-                  <a:schemeClr val="tx1"/>
-                </a:solidFill>
-                <a:latin typeface="微软雅黑" panose="020B0503020204020204" charset="-122"/>
-                <a:ea typeface="微软雅黑" panose="020B0503020204020204" charset="-122"/>
-              </a:rPr>
-              <a:t>）</a:t>
-            </a:r>
-            <a:r>
-              <a:rPr lang="en-US" altLang="zh-CN" sz="1600" dirty="0">
-                <a:solidFill>
-                  <a:schemeClr val="tx1"/>
-                </a:solidFill>
-                <a:latin typeface="微软雅黑" panose="020B0503020204020204" charset="-122"/>
-                <a:ea typeface="微软雅黑" panose="020B0503020204020204" charset="-122"/>
-              </a:rPr>
-              <a:t>,保持语言模型参数不变，但优化了一个小的连续任务特定向量（称为前缀）。在语言模型的每个多头注意力层中都添加了一组前缀参数。这些前缀参数组成了一个可训练的连续矩阵,它们会根据特定任务进行学习</a:t>
-            </a:r>
-            <a:r>
-              <a:rPr lang="zh-CN" altLang="en-US" sz="1600" dirty="0">
-                <a:solidFill>
-                  <a:schemeClr val="tx1"/>
-                </a:solidFill>
-                <a:latin typeface="微软雅黑" panose="020B0503020204020204" charset="-122"/>
-                <a:ea typeface="微软雅黑" panose="020B0503020204020204" charset="-122"/>
-              </a:rPr>
-              <a:t>。</a:t>
-            </a:r>
-            <a:endParaRPr lang="zh-CN" altLang="en-US" sz="1600" dirty="0">
-              <a:solidFill>
-                <a:schemeClr val="tx1"/>
-              </a:solidFill>
-              <a:latin typeface="微软雅黑" panose="020B0503020204020204" charset="-122"/>
-              <a:ea typeface="微软雅黑" panose="020B0503020204020204" charset="-122"/>
-            </a:endParaRPr>
-          </a:p>
-          <a:p>
-            <a:pPr marL="0" lvl="0" indent="457200">
-              <a:buNone/>
-            </a:pPr>
-            <a:endParaRPr lang="zh-CN" altLang="en-US" sz="1600" dirty="0">
-              <a:solidFill>
-                <a:schemeClr val="tx1"/>
-              </a:solidFill>
-              <a:latin typeface="微软雅黑" panose="020B0503020204020204" charset="-122"/>
-              <a:ea typeface="微软雅黑" panose="020B0503020204020204" charset="-122"/>
-            </a:endParaRPr>
-          </a:p>
-          <a:p>
-            <a:pPr marL="0" lvl="0" indent="457200">
-              <a:buNone/>
-            </a:pPr>
-            <a:r>
-              <a:rPr lang="zh-CN" altLang="en-US" sz="1600" dirty="0">
-                <a:solidFill>
-                  <a:schemeClr val="tx1"/>
-                </a:solidFill>
-                <a:latin typeface="微软雅黑" panose="020B0503020204020204" charset="-122"/>
-                <a:ea typeface="微软雅黑" panose="020B0503020204020204" charset="-122"/>
-              </a:rPr>
-              <a:t>从</a:t>
-            </a:r>
-            <a:r>
-              <a:rPr lang="en-US" altLang="zh-CN" sz="1600" dirty="0">
-                <a:solidFill>
-                  <a:schemeClr val="tx1"/>
-                </a:solidFill>
-                <a:latin typeface="微软雅黑" panose="020B0503020204020204" charset="-122"/>
-                <a:ea typeface="微软雅黑" panose="020B0503020204020204" charset="-122"/>
-              </a:rPr>
-              <a:t>K</a:t>
-            </a:r>
-            <a:r>
-              <a:rPr lang="zh-CN" altLang="en-US" sz="1600" dirty="0">
-                <a:solidFill>
-                  <a:schemeClr val="tx1"/>
-                </a:solidFill>
-                <a:latin typeface="微软雅黑" panose="020B0503020204020204" charset="-122"/>
-                <a:ea typeface="微软雅黑" panose="020B0503020204020204" charset="-122"/>
-              </a:rPr>
-              <a:t>和</a:t>
-            </a:r>
-            <a:r>
-              <a:rPr lang="en-US" altLang="zh-CN" sz="1600" dirty="0">
-                <a:solidFill>
-                  <a:schemeClr val="tx1"/>
-                </a:solidFill>
-                <a:latin typeface="微软雅黑" panose="020B0503020204020204" charset="-122"/>
-                <a:ea typeface="微软雅黑" panose="020B0503020204020204" charset="-122"/>
-              </a:rPr>
-              <a:t>V</a:t>
-            </a:r>
-            <a:r>
-              <a:rPr lang="zh-CN" altLang="en-US" sz="1600" dirty="0">
-                <a:solidFill>
-                  <a:schemeClr val="tx1"/>
-                </a:solidFill>
-                <a:latin typeface="微软雅黑" panose="020B0503020204020204" charset="-122"/>
-                <a:ea typeface="微软雅黑" panose="020B0503020204020204" charset="-122"/>
-              </a:rPr>
-              <a:t>里面加入</a:t>
-            </a:r>
-            <a:r>
-              <a:rPr lang="en-US" altLang="zh-CN" sz="1600" dirty="0">
-                <a:solidFill>
-                  <a:schemeClr val="tx1"/>
-                </a:solidFill>
-                <a:latin typeface="微软雅黑" panose="020B0503020204020204" charset="-122"/>
-                <a:ea typeface="微软雅黑" panose="020B0503020204020204" charset="-122"/>
-              </a:rPr>
-              <a:t>P</a:t>
-            </a:r>
-            <a:r>
-              <a:rPr lang="en-US" altLang="zh-CN" sz="1600" baseline="30000" dirty="0">
-                <a:solidFill>
-                  <a:schemeClr val="tx1"/>
-                </a:solidFill>
-                <a:latin typeface="微软雅黑" panose="020B0503020204020204" charset="-122"/>
-                <a:ea typeface="微软雅黑" panose="020B0503020204020204" charset="-122"/>
-              </a:rPr>
-              <a:t>k</a:t>
-            </a:r>
-            <a:r>
-              <a:rPr lang="zh-CN" altLang="en-US" sz="1600" dirty="0">
-                <a:solidFill>
-                  <a:schemeClr val="tx1"/>
-                </a:solidFill>
-                <a:latin typeface="微软雅黑" panose="020B0503020204020204" charset="-122"/>
-                <a:ea typeface="微软雅黑" panose="020B0503020204020204" charset="-122"/>
-              </a:rPr>
-              <a:t>和</a:t>
-            </a:r>
-            <a:r>
-              <a:rPr lang="en-US" altLang="zh-CN" sz="1600" dirty="0">
-                <a:solidFill>
-                  <a:schemeClr val="tx1"/>
-                </a:solidFill>
-                <a:latin typeface="微软雅黑" panose="020B0503020204020204" charset="-122"/>
-                <a:ea typeface="微软雅黑" panose="020B0503020204020204" charset="-122"/>
-              </a:rPr>
-              <a:t>P</a:t>
-            </a:r>
-            <a:r>
-              <a:rPr lang="en-US" altLang="zh-CN" sz="1600" baseline="30000" dirty="0">
-                <a:solidFill>
-                  <a:schemeClr val="tx1"/>
-                </a:solidFill>
-                <a:latin typeface="微软雅黑" panose="020B0503020204020204" charset="-122"/>
-                <a:ea typeface="微软雅黑" panose="020B0503020204020204" charset="-122"/>
-              </a:rPr>
-              <a:t>v</a:t>
-            </a:r>
-            <a:r>
-              <a:rPr lang="zh-CN" altLang="en-US" sz="1600" dirty="0">
-                <a:solidFill>
-                  <a:schemeClr val="tx1"/>
-                </a:solidFill>
-                <a:latin typeface="微软雅黑" panose="020B0503020204020204" charset="-122"/>
-                <a:ea typeface="微软雅黑" panose="020B0503020204020204" charset="-122"/>
-              </a:rPr>
-              <a:t>增强对特定任务的锁定性</a:t>
-            </a:r>
-            <a:endParaRPr lang="en-US" altLang="zh-CN" sz="1600" dirty="0">
-              <a:solidFill>
-                <a:schemeClr val="tx1"/>
-              </a:solidFill>
-              <a:latin typeface="微软雅黑" panose="020B0503020204020204" charset="-122"/>
-              <a:ea typeface="微软雅黑" panose="020B0503020204020204" charset="-122"/>
-            </a:endParaRPr>
-          </a:p>
-          <a:p>
-            <a:pPr marL="0" lvl="0" indent="0">
-              <a:buNone/>
-            </a:pPr>
-            <a:endParaRPr lang="en-US" altLang="zh-CN" sz="1600" b="1" dirty="0">
-              <a:solidFill>
-                <a:schemeClr val="tx1"/>
-              </a:solidFill>
-              <a:latin typeface="微软雅黑" panose="020B0503020204020204" charset="-122"/>
-              <a:ea typeface="微软雅黑" panose="020B0503020204020204" charset="-122"/>
-            </a:endParaRPr>
-          </a:p>
-        </p:txBody>
-      </p:sp>
-      <p:sp>
-        <p:nvSpPr>
-          <p:cNvPr id="5" name="文本框 4"/>
-          <p:cNvSpPr txBox="1"/>
-          <p:nvPr>
-            <p:custDataLst>
-              <p:tags r:id="rId3"/>
-            </p:custDataLst>
-          </p:nvPr>
-        </p:nvSpPr>
-        <p:spPr>
-          <a:xfrm>
-            <a:off x="455295" y="1062990"/>
-            <a:ext cx="10515600" cy="506095"/>
-          </a:xfrm>
-          <a:prstGeom prst="rect">
-            <a:avLst/>
-          </a:prstGeom>
-          <a:noFill/>
-        </p:spPr>
-        <p:txBody>
-          <a:bodyPr wrap="square" rtlCol="0">
-            <a:noAutofit/>
-          </a:bodyPr>
-          <a:p>
-            <a:pPr marL="285750" indent="-285750">
-              <a:lnSpc>
-                <a:spcPct val="150000"/>
-              </a:lnSpc>
-              <a:buFont typeface="Wingdings" panose="05000000000000000000" charset="0"/>
-              <a:buChar char="p"/>
-            </a:pPr>
-            <a:r>
-              <a:rPr lang="zh-CN" altLang="en-US" b="1" dirty="0">
-                <a:latin typeface="微软雅黑" panose="020B0503020204020204" charset="-122"/>
-                <a:ea typeface="微软雅黑" panose="020B0503020204020204" charset="-122"/>
-                <a:sym typeface="+mn-ea"/>
-              </a:rPr>
-              <a:t>Xiang Lisa Li and Percy Liang. “Prefix-Tuning: Optimizing Continuous Prompts for Gen_x0002_eration”. In: ACL. 2021.</a:t>
-            </a:r>
-            <a:endParaRPr lang="zh-CN" altLang="en-US" b="1" dirty="0">
-              <a:latin typeface="微软雅黑" panose="020B0503020204020204" charset="-122"/>
-              <a:ea typeface="微软雅黑" panose="020B0503020204020204" charset="-122"/>
-              <a:sym typeface="+mn-ea"/>
-            </a:endParaRPr>
-          </a:p>
-        </p:txBody>
-      </p:sp>
-      <p:pic>
-        <p:nvPicPr>
-          <p:cNvPr id="6" name="图片 5"/>
-          <p:cNvPicPr>
-            <a:picLocks noChangeAspect="1"/>
-          </p:cNvPicPr>
-          <p:nvPr/>
-        </p:nvPicPr>
-        <p:blipFill>
-          <a:blip r:embed="rId4"/>
-          <a:stretch>
-            <a:fillRect/>
-          </a:stretch>
-        </p:blipFill>
-        <p:spPr>
-          <a:xfrm>
-            <a:off x="544830" y="3713480"/>
-            <a:ext cx="6445250" cy="2914650"/>
-          </a:xfrm>
-          <a:prstGeom prst="rect">
-            <a:avLst/>
-          </a:prstGeom>
-        </p:spPr>
-      </p:pic>
-      <p:pic>
-        <p:nvPicPr>
-          <p:cNvPr id="8" name="图片 7"/>
-          <p:cNvPicPr>
-            <a:picLocks noChangeAspect="1"/>
-          </p:cNvPicPr>
-          <p:nvPr/>
-        </p:nvPicPr>
-        <p:blipFill>
-          <a:blip r:embed="rId5"/>
-          <a:stretch>
-            <a:fillRect/>
-          </a:stretch>
-        </p:blipFill>
-        <p:spPr>
-          <a:xfrm>
-            <a:off x="3368040" y="3713480"/>
-            <a:ext cx="3622040" cy="376555"/>
-          </a:xfrm>
-          <a:prstGeom prst="rect">
-            <a:avLst/>
-          </a:prstGeom>
-        </p:spPr>
-      </p:pic>
+            </a:endParaRPr>
+          </a:p>
+        </p:txBody>
+      </p:sp>
     </p:spTree>
   </p:cSld>
   <p:clrMapOvr>
@@ -11201,6 +9339,7 @@
 <file path=ppt/tags/tag10.xml><?xml version="1.0" encoding="utf-8"?>
 <p:tagLst xmlns:p="http://schemas.openxmlformats.org/presentationml/2006/main">
   <p:tag name="KSO_WM_BEAUTIFY_FLAG" val=""/>
+  <p:tag name="KSO_WM_DIAGRAM_VIRTUALLY_FRAME" val="{&quot;height&quot;:130.17354330708662,&quot;left&quot;:238.70267716535432,&quot;top&quot;:116.24960629921259,&quot;width&quot;:665.8}"/>
 </p:tagLst>
 </file>
 
@@ -11308,57 +9447,15 @@
 
 <file path=ppt/tags/tag27.xml><?xml version="1.0" encoding="utf-8"?>
 <p:tagLst xmlns:p="http://schemas.openxmlformats.org/presentationml/2006/main">
-  <p:tag name="KSO_WM_BEAUTIFY_FLAG" val=""/>
-</p:tagLst>
-</file>
-
-<file path=ppt/tags/tag28.xml><?xml version="1.0" encoding="utf-8"?>
-<p:tagLst xmlns:p="http://schemas.openxmlformats.org/presentationml/2006/main">
-  <p:tag name="KSO_WM_BEAUTIFY_FLAG" val=""/>
-</p:tagLst>
-</file>
-
-<file path=ppt/tags/tag29.xml><?xml version="1.0" encoding="utf-8"?>
-<p:tagLst xmlns:p="http://schemas.openxmlformats.org/presentationml/2006/main">
-  <p:tag name="KSO_WM_BEAUTIFY_FLAG" val=""/>
+  <p:tag name="KSO_WPP_MARK_KEY" val="c7925d13-95db-4618-ac98-c22196edd7f9"/>
+  <p:tag name="COMMONDATA" val="eyJoZGlkIjoiZTg3MzIzMDhlODgyZTlkYzQ0OWY3ZDI2YzlhMjBjMGIifQ=="/>
+  <p:tag name="commondata" val="eyJoZGlkIjoiNjRkZDE1MjIxMjM2NmMxYzY5Y2M3N2FjNDEyZThkY2QifQ=="/>
 </p:tagLst>
 </file>
 
 <file path=ppt/tags/tag3.xml><?xml version="1.0" encoding="utf-8"?>
 <p:tagLst xmlns:p="http://schemas.openxmlformats.org/presentationml/2006/main">
   <p:tag name="KSO_WM_DIAGRAM_VIRTUALLY_FRAME" val="{&quot;height&quot;:130.17354330708662,&quot;left&quot;:238.70267716535432,&quot;top&quot;:116.24960629921259,&quot;width&quot;:665.8}"/>
-</p:tagLst>
-</file>
-
-<file path=ppt/tags/tag30.xml><?xml version="1.0" encoding="utf-8"?>
-<p:tagLst xmlns:p="http://schemas.openxmlformats.org/presentationml/2006/main">
-  <p:tag name="KSO_WM_BEAUTIFY_FLAG" val=""/>
-</p:tagLst>
-</file>
-
-<file path=ppt/tags/tag31.xml><?xml version="1.0" encoding="utf-8"?>
-<p:tagLst xmlns:p="http://schemas.openxmlformats.org/presentationml/2006/main">
-  <p:tag name="KSO_WM_BEAUTIFY_FLAG" val=""/>
-</p:tagLst>
-</file>
-
-<file path=ppt/tags/tag32.xml><?xml version="1.0" encoding="utf-8"?>
-<p:tagLst xmlns:p="http://schemas.openxmlformats.org/presentationml/2006/main">
-  <p:tag name="KSO_WM_BEAUTIFY_FLAG" val=""/>
-</p:tagLst>
-</file>
-
-<file path=ppt/tags/tag33.xml><?xml version="1.0" encoding="utf-8"?>
-<p:tagLst xmlns:p="http://schemas.openxmlformats.org/presentationml/2006/main">
-  <p:tag name="KSO_WM_BEAUTIFY_FLAG" val=""/>
-</p:tagLst>
-</file>
-
-<file path=ppt/tags/tag34.xml><?xml version="1.0" encoding="utf-8"?>
-<p:tagLst xmlns:p="http://schemas.openxmlformats.org/presentationml/2006/main">
-  <p:tag name="KSO_WPP_MARK_KEY" val="c7925d13-95db-4618-ac98-c22196edd7f9"/>
-  <p:tag name="COMMONDATA" val="eyJoZGlkIjoiZTg3MzIzMDhlODgyZTlkYzQ0OWY3ZDI2YzlhMjBjMGIifQ=="/>
-  <p:tag name="commondata" val="eyJoZGlkIjoiNjRkZDE1MjIxMjM2NmMxYzY5Y2M3N2FjNDEyZThkY2QifQ=="/>
 </p:tagLst>
 </file>
 
@@ -11399,6 +9496,7 @@
 <file path=ppt/tags/tag9.xml><?xml version="1.0" encoding="utf-8"?>
 <p:tagLst xmlns:p="http://schemas.openxmlformats.org/presentationml/2006/main">
   <p:tag name="KSO_WM_BEAUTIFY_FLAG" val=""/>
+  <p:tag name="KSO_WM_DIAGRAM_VIRTUALLY_FRAME" val="{&quot;height&quot;:130.17354330708662,&quot;left&quot;:238.70267716535432,&quot;top&quot;:116.24960629921259,&quot;width&quot;:665.8}"/>
 </p:tagLst>
 </file>
 

--- a/0.组会记录/2024-11-14/report-2024-11-14.pptx
+++ b/0.组会记录/2024-11-14/report-2024-11-14.pptx
@@ -14,19 +14,20 @@
     <p:sldId id="1286" r:id="rId6"/>
     <p:sldId id="1495" r:id="rId8"/>
     <p:sldId id="1496" r:id="rId9"/>
-    <p:sldId id="1493" r:id="rId10"/>
-    <p:sldId id="1494" r:id="rId11"/>
-    <p:sldId id="1478" r:id="rId12"/>
-    <p:sldId id="1369" r:id="rId13"/>
-    <p:sldId id="1430" r:id="rId14"/>
-    <p:sldId id="1432" r:id="rId15"/>
-    <p:sldId id="1491" r:id="rId16"/>
-    <p:sldId id="1356" r:id="rId17"/>
+    <p:sldId id="1497" r:id="rId10"/>
+    <p:sldId id="1493" r:id="rId11"/>
+    <p:sldId id="1494" r:id="rId12"/>
+    <p:sldId id="1478" r:id="rId13"/>
+    <p:sldId id="1369" r:id="rId14"/>
+    <p:sldId id="1430" r:id="rId15"/>
+    <p:sldId id="1432" r:id="rId16"/>
+    <p:sldId id="1491" r:id="rId17"/>
+    <p:sldId id="1356" r:id="rId18"/>
   </p:sldIdLst>
   <p:sldSz cx="12192000" cy="6858000"/>
   <p:notesSz cx="6858000" cy="9144000"/>
   <p:custDataLst>
-    <p:tags r:id="rId22"/>
+    <p:tags r:id="rId23"/>
   </p:custDataLst>
   <p:defaultTextStyle>
     <a:defPPr>
@@ -948,6 +949,84 @@
 </file>
 
 <file path=ppt/notesSlides/notesSlide7.xml><?xml version="1.0" encoding="utf-8"?>
+<p:notes xmlns:a="http://schemas.openxmlformats.org/drawingml/2006/main" xmlns:r="http://schemas.openxmlformats.org/officeDocument/2006/relationships" xmlns:p="http://schemas.openxmlformats.org/presentationml/2006/main">
+  <p:cSld>
+    <p:spTree>
+      <p:nvGrpSpPr>
+        <p:cNvPr id="1" name=""/>
+        <p:cNvGrpSpPr/>
+        <p:nvPr/>
+      </p:nvGrpSpPr>
+      <p:grpSpPr>
+        <a:xfrm>
+          <a:off x="0" y="0"/>
+          <a:ext cx="0" cy="0"/>
+          <a:chOff x="0" y="0"/>
+          <a:chExt cx="0" cy="0"/>
+        </a:xfrm>
+      </p:grpSpPr>
+      <p:sp>
+        <p:nvSpPr>
+          <p:cNvPr id="2" name="幻灯片图像占位符 1"/>
+          <p:cNvSpPr>
+            <a:spLocks noGrp="1" noRot="1" noChangeAspect="1"/>
+          </p:cNvSpPr>
+          <p:nvPr>
+            <p:ph type="sldImg"/>
+          </p:nvPr>
+        </p:nvSpPr>
+        <p:spPr/>
+      </p:sp>
+      <p:sp>
+        <p:nvSpPr>
+          <p:cNvPr id="3" name="备注占位符 2"/>
+          <p:cNvSpPr>
+            <a:spLocks noGrp="1"/>
+          </p:cNvSpPr>
+          <p:nvPr>
+            <p:ph type="body" idx="1"/>
+          </p:nvPr>
+        </p:nvSpPr>
+        <p:spPr/>
+        <p:txBody>
+          <a:bodyPr/>
+          <a:lstStyle/>
+          <a:p>
+            <a:endParaRPr lang="zh-CN" altLang="en-US" dirty="0"/>
+          </a:p>
+        </p:txBody>
+      </p:sp>
+      <p:sp>
+        <p:nvSpPr>
+          <p:cNvPr id="4" name="灯片编号占位符 3"/>
+          <p:cNvSpPr>
+            <a:spLocks noGrp="1"/>
+          </p:cNvSpPr>
+          <p:nvPr>
+            <p:ph type="sldNum" sz="quarter" idx="5"/>
+          </p:nvPr>
+        </p:nvSpPr>
+        <p:spPr/>
+        <p:txBody>
+          <a:bodyPr/>
+          <a:lstStyle/>
+          <a:p>
+            <a:fld id="{311DA921-5814-416C-A214-0F50BD081254}" type="slidenum">
+              <a:rPr lang="zh-CN" altLang="en-US" smtClean="0"/>
+            </a:fld>
+            <a:endParaRPr lang="zh-CN" altLang="en-US"/>
+          </a:p>
+        </p:txBody>
+      </p:sp>
+    </p:spTree>
+  </p:cSld>
+  <p:clrMapOvr>
+    <a:masterClrMapping/>
+  </p:clrMapOvr>
+</p:notes>
+</file>
+
+<file path=ppt/notesSlides/notesSlide8.xml><?xml version="1.0" encoding="utf-8"?>
 <p:notes xmlns:a="http://schemas.openxmlformats.org/drawingml/2006/main" xmlns:r="http://schemas.openxmlformats.org/officeDocument/2006/relationships" xmlns:p="http://schemas.openxmlformats.org/presentationml/2006/main">
   <p:cSld>
     <p:spTree>
@@ -4173,40 +4252,16 @@
           <a:chExt cx="0" cy="0"/>
         </a:xfrm>
       </p:grpSpPr>
-      <p:pic>
-        <p:nvPicPr>
-          <p:cNvPr id="4" name="图片 3" descr="1"/>
-          <p:cNvPicPr>
-            <a:picLocks noChangeAspect="1"/>
-          </p:cNvPicPr>
-          <p:nvPr/>
-        </p:nvPicPr>
-        <p:blipFill>
-          <a:blip r:embed="rId1"/>
-          <a:stretch>
-            <a:fillRect/>
-          </a:stretch>
-        </p:blipFill>
-        <p:spPr>
-          <a:xfrm>
-            <a:off x="4745355" y="-588645"/>
-            <a:ext cx="12060555" cy="8474075"/>
-          </a:xfrm>
-          <a:prstGeom prst="rect">
-            <a:avLst/>
-          </a:prstGeom>
-        </p:spPr>
-      </p:pic>
-      <p:sp>
-        <p:nvSpPr>
-          <p:cNvPr id="5" name="文本框 4"/>
+      <p:sp>
+        <p:nvSpPr>
+          <p:cNvPr id="13" name="文本框 12"/>
           <p:cNvSpPr txBox="1"/>
           <p:nvPr/>
         </p:nvSpPr>
         <p:spPr>
           <a:xfrm>
-            <a:off x="1038225" y="1470025"/>
-            <a:ext cx="2301875" cy="1861185"/>
+            <a:off x="106466" y="601786"/>
+            <a:ext cx="1033780" cy="398780"/>
           </a:xfrm>
           <a:prstGeom prst="rect">
             <a:avLst/>
@@ -4214,71 +4269,36 @@
           <a:noFill/>
         </p:spPr>
         <p:txBody>
-          <a:bodyPr wrap="square" rtlCol="0">
+          <a:bodyPr wrap="none" rtlCol="0">
             <a:spAutoFit/>
           </a:bodyPr>
           <a:lstStyle/>
           <a:p>
-            <a:pPr marL="0" marR="0" lvl="0" indent="0" algn="l" defTabSz="914400" rtl="0" eaLnBrk="1" fontAlgn="auto" latinLnBrk="0" hangingPunct="1">
-              <a:lnSpc>
-                <a:spcPct val="100000"/>
-              </a:lnSpc>
-              <a:spcBef>
-                <a:spcPts val="0"/>
-              </a:spcBef>
-              <a:spcAft>
-                <a:spcPts val="0"/>
-              </a:spcAft>
-              <a:buClrTx/>
-              <a:buSzTx/>
-              <a:buFontTx/>
-              <a:buNone/>
-              <a:defRPr/>
+            <a:pPr marL="342900" indent="-342900">
+              <a:buFont typeface="Wingdings" panose="05000000000000000000" charset="0"/>
+              <a:buChar char="n"/>
             </a:pPr>
             <a:r>
-              <a:rPr kumimoji="0" lang="en-US" altLang="zh-CN" sz="11500" b="0" i="0" u="none" strike="noStrike" kern="1200" cap="none" spc="0" normalizeH="0" baseline="0" noProof="0" dirty="0">
-                <a:ln>
-                  <a:solidFill>
-                    <a:srgbClr val="383987"/>
-                  </a:solidFill>
-                </a:ln>
-                <a:noFill/>
-                <a:effectLst/>
-                <a:uLnTx/>
-                <a:uFillTx/>
-                <a:latin typeface="Agency FB" panose="020B0503020202020204" pitchFamily="34" charset="0"/>
-                <a:ea typeface="宋体" panose="02010600030101010101" pitchFamily="2" charset="-122"/>
-                <a:cs typeface="+mn-cs"/>
-              </a:rPr>
-              <a:t>03</a:t>
-            </a:r>
-            <a:endParaRPr kumimoji="0" lang="en-US" altLang="zh-CN" sz="11500" b="0" i="0" u="none" strike="noStrike" kern="1200" cap="none" spc="0" normalizeH="0" baseline="0" noProof="0" dirty="0">
-              <a:ln>
-                <a:solidFill>
-                  <a:srgbClr val="383987"/>
-                </a:solidFill>
-              </a:ln>
-              <a:noFill/>
-              <a:effectLst/>
-              <a:uLnTx/>
-              <a:uFillTx/>
-              <a:latin typeface="Agency FB" panose="020B0503020202020204" pitchFamily="34" charset="0"/>
-              <a:ea typeface="宋体" panose="02010600030101010101" pitchFamily="2" charset="-122"/>
-              <a:cs typeface="+mn-cs"/>
-            </a:endParaRPr>
-          </a:p>
-        </p:txBody>
-      </p:sp>
-      <p:sp>
-        <p:nvSpPr>
-          <p:cNvPr id="6" name="文本框 5"/>
+              <a:rPr lang="zh-CN" altLang="en-US" sz="2000" b="1" dirty="0">
+                <a:latin typeface="微软雅黑" panose="020B0503020204020204" charset="-122"/>
+                <a:ea typeface="微软雅黑" panose="020B0503020204020204" charset="-122"/>
+              </a:rPr>
+              <a:t>流程</a:t>
+            </a:r>
+            <a:endParaRPr lang="zh-CN" altLang="en-US" sz="2000" b="1" dirty="0"/>
+          </a:p>
+        </p:txBody>
+      </p:sp>
+      <p:sp>
+        <p:nvSpPr>
+          <p:cNvPr id="7" name="文本框 6"/>
           <p:cNvSpPr txBox="1"/>
           <p:nvPr/>
         </p:nvSpPr>
         <p:spPr>
           <a:xfrm>
-            <a:off x="1265555" y="3049270"/>
-            <a:ext cx="11768455" cy="777240"/>
+            <a:off x="724535" y="1323340"/>
+            <a:ext cx="2247900" cy="410845"/>
           </a:xfrm>
           <a:prstGeom prst="rect">
             <a:avLst/>
@@ -4286,10 +4306,69 @@
           <a:noFill/>
         </p:spPr>
         <p:txBody>
-          <a:bodyPr wrap="square" rtlCol="0">
+          <a:bodyPr wrap="square">
             <a:noAutofit/>
           </a:bodyPr>
           <a:lstStyle/>
+          <a:p>
+            <a:pPr algn="l" fontAlgn="auto">
+              <a:lnSpc>
+                <a:spcPts val="2200"/>
+              </a:lnSpc>
+              <a:buClrTx/>
+              <a:buSzTx/>
+              <a:buNone/>
+            </a:pPr>
+            <a:endParaRPr lang="zh-CN" altLang="en-US" sz="1600" dirty="0">
+              <a:latin typeface="微软雅黑" panose="020B0503020204020204" charset="-122"/>
+              <a:ea typeface="微软雅黑" panose="020B0503020204020204" charset="-122"/>
+            </a:endParaRPr>
+          </a:p>
+        </p:txBody>
+      </p:sp>
+      <p:sp>
+        <p:nvSpPr>
+          <p:cNvPr id="3" name="矩形 2"/>
+          <p:cNvSpPr/>
+          <p:nvPr>
+            <p:custDataLst>
+              <p:tags r:id="rId1"/>
+            </p:custDataLst>
+          </p:nvPr>
+        </p:nvSpPr>
+        <p:spPr>
+          <a:xfrm>
+            <a:off x="-6350" y="0"/>
+            <a:ext cx="12198350" cy="540000"/>
+          </a:xfrm>
+          <a:prstGeom prst="rect">
+            <a:avLst/>
+          </a:prstGeom>
+          <a:solidFill>
+            <a:srgbClr val="A099CB"/>
+          </a:solidFill>
+          <a:ln>
+            <a:noFill/>
+          </a:ln>
+        </p:spPr>
+        <p:style>
+          <a:lnRef idx="2">
+            <a:schemeClr val="accent1">
+              <a:shade val="50000"/>
+            </a:schemeClr>
+          </a:lnRef>
+          <a:fillRef idx="1">
+            <a:schemeClr val="accent1"/>
+          </a:fillRef>
+          <a:effectRef idx="0">
+            <a:schemeClr val="accent1"/>
+          </a:effectRef>
+          <a:fontRef idx="minor">
+            <a:schemeClr val="lt1"/>
+          </a:fontRef>
+        </p:style>
+        <p:txBody>
+          <a:bodyPr rtlCol="0" anchor="ctr"/>
           <a:p>
             <a:pPr marL="0" marR="0" lvl="0" indent="0" algn="ctr" defTabSz="914400" rtl="0" eaLnBrk="1" fontAlgn="auto" latinLnBrk="0" hangingPunct="1">
               <a:lnSpc>
@@ -4308,23 +4387,160 @@
               <a:defRPr/>
             </a:pPr>
             <a:r>
-              <a:rPr lang="en-US" altLang="zh-CN" sz="3600" dirty="0">
-                <a:solidFill>
-                  <a:srgbClr val="383987"/>
-                </a:solidFill>
+              <a:rPr lang="en-US" altLang="zh-CN" sz="1800" dirty="0">
+                <a:effectLst/>
+                <a:latin typeface="微软雅黑" panose="020B0503020204020204" charset="-122"/>
+                <a:ea typeface="微软雅黑" panose="020B0503020204020204" charset="-122"/>
+              </a:rPr>
+              <a:t>2.</a:t>
+            </a:r>
+            <a:r>
+              <a:rPr lang="en-US" altLang="zh-CN" dirty="0">
+                <a:effectLst/>
                 <a:latin typeface="微软雅黑" panose="020B0503020204020204" charset="-122"/>
                 <a:ea typeface="微软雅黑" panose="020B0503020204020204" charset="-122"/>
                 <a:sym typeface="+mn-ea"/>
               </a:rPr>
-              <a:t>Computational Bottlenecks of Training Small-scale Large Language Models</a:t>
-            </a:r>
-            <a:endParaRPr lang="en-US" altLang="zh-CN" sz="3600" dirty="0">
+              <a:t>LLM-Pruner: On the Structural Pruning of Large Language Models</a:t>
+            </a:r>
+            <a:endParaRPr lang="en-US" altLang="zh-CN" dirty="0">
+              <a:effectLst/>
+              <a:latin typeface="微软雅黑" panose="020B0503020204020204" charset="-122"/>
+              <a:ea typeface="微软雅黑" panose="020B0503020204020204" charset="-122"/>
+            </a:endParaRPr>
+          </a:p>
+        </p:txBody>
+      </p:sp>
+      <p:sp>
+        <p:nvSpPr>
+          <p:cNvPr id="10" name="文本框 9"/>
+          <p:cNvSpPr txBox="1"/>
+          <p:nvPr/>
+        </p:nvSpPr>
+        <p:spPr>
+          <a:xfrm>
+            <a:off x="286385" y="2056765"/>
+            <a:ext cx="11251565" cy="3255645"/>
+          </a:xfrm>
+          <a:prstGeom prst="rect">
+            <a:avLst/>
+          </a:prstGeom>
+          <a:noFill/>
+        </p:spPr>
+        <p:txBody>
+          <a:bodyPr wrap="square" rtlCol="0">
+            <a:noAutofit/>
+          </a:bodyPr>
+          <a:p>
+            <a:pPr marL="0" lvl="0" indent="457200">
+              <a:buNone/>
+            </a:pPr>
+            <a:r>
+              <a:rPr lang="en-US" altLang="zh-CN" sz="1600" dirty="0">
+                <a:solidFill>
+                  <a:schemeClr val="tx1"/>
+                </a:solidFill>
+                <a:latin typeface="微软雅黑" panose="020B0503020204020204" charset="-122"/>
+                <a:ea typeface="微软雅黑" panose="020B0503020204020204" charset="-122"/>
+              </a:rPr>
+              <a:t>Pruner</a:t>
+            </a:r>
+            <a:r>
+              <a:rPr lang="zh-CN" altLang="en-US" sz="1600" dirty="0">
+                <a:solidFill>
+                  <a:schemeClr val="tx1"/>
+                </a:solidFill>
+                <a:latin typeface="微软雅黑" panose="020B0503020204020204" charset="-122"/>
+                <a:ea typeface="微软雅黑" panose="020B0503020204020204" charset="-122"/>
+              </a:rPr>
+              <a:t>结构化剪枝，该框架特点为任务无关的压缩、数据需求量少、快速和全自动操作。</a:t>
+            </a:r>
+            <a:endParaRPr lang="zh-CN" altLang="en-US" sz="1600" dirty="0">
               <a:solidFill>
-                <a:srgbClr val="383987"/>
+                <a:schemeClr val="tx1"/>
               </a:solidFill>
               <a:latin typeface="微软雅黑" panose="020B0503020204020204" charset="-122"/>
               <a:ea typeface="微软雅黑" panose="020B0503020204020204" charset="-122"/>
-              <a:sym typeface="+mn-ea"/>
+            </a:endParaRPr>
+          </a:p>
+          <a:p>
+            <a:pPr marL="0" lvl="0" indent="457200">
+              <a:buNone/>
+            </a:pPr>
+            <a:r>
+              <a:rPr lang="zh-CN" altLang="en-US" sz="1600" dirty="0">
+                <a:solidFill>
+                  <a:schemeClr val="tx1"/>
+                </a:solidFill>
+                <a:latin typeface="微软雅黑" panose="020B0503020204020204" charset="-122"/>
+                <a:ea typeface="微软雅黑" panose="020B0503020204020204" charset="-122"/>
+              </a:rPr>
+              <a:t>目前自动的结构化剪枝支持以下大模型结构：</a:t>
+            </a:r>
+            <a:endParaRPr lang="zh-CN" altLang="en-US" sz="1600" dirty="0">
+              <a:solidFill>
+                <a:schemeClr val="tx1"/>
+              </a:solidFill>
+              <a:latin typeface="微软雅黑" panose="020B0503020204020204" charset="-122"/>
+              <a:ea typeface="微软雅黑" panose="020B0503020204020204" charset="-122"/>
+            </a:endParaRPr>
+          </a:p>
+          <a:p>
+            <a:pPr marL="0" lvl="0" indent="457200">
+              <a:buNone/>
+            </a:pPr>
+            <a:endParaRPr lang="zh-CN" altLang="en-US" sz="1600" dirty="0">
+              <a:solidFill>
+                <a:schemeClr val="tx1"/>
+              </a:solidFill>
+              <a:latin typeface="微软雅黑" panose="020B0503020204020204" charset="-122"/>
+              <a:ea typeface="微软雅黑" panose="020B0503020204020204" charset="-122"/>
+            </a:endParaRPr>
+          </a:p>
+        </p:txBody>
+      </p:sp>
+      <p:sp>
+        <p:nvSpPr>
+          <p:cNvPr id="5" name="文本框 4"/>
+          <p:cNvSpPr txBox="1"/>
+          <p:nvPr>
+            <p:custDataLst>
+              <p:tags r:id="rId2"/>
+            </p:custDataLst>
+          </p:nvPr>
+        </p:nvSpPr>
+        <p:spPr>
+          <a:xfrm>
+            <a:off x="455295" y="972185"/>
+            <a:ext cx="10515600" cy="506095"/>
+          </a:xfrm>
+          <a:prstGeom prst="rect">
+            <a:avLst/>
+          </a:prstGeom>
+          <a:noFill/>
+        </p:spPr>
+        <p:txBody>
+          <a:bodyPr wrap="square" rtlCol="0">
+            <a:noAutofit/>
+          </a:bodyPr>
+          <a:p>
+            <a:pPr marL="285750" indent="-285750">
+              <a:lnSpc>
+                <a:spcPct val="150000"/>
+              </a:lnSpc>
+              <a:buFont typeface="Wingdings" panose="05000000000000000000" charset="0"/>
+              <a:buChar char="p"/>
+            </a:pPr>
+            <a:r>
+              <a:rPr lang="zh-CN" altLang="en-US" b="1" dirty="0">
+                <a:latin typeface="微软雅黑" panose="020B0503020204020204" charset="-122"/>
+                <a:ea typeface="微软雅黑" panose="020B0503020204020204" charset="-122"/>
+              </a:rPr>
+              <a:t>分组</a:t>
+            </a:r>
+            <a:endParaRPr lang="zh-CN" altLang="en-US" b="1" dirty="0">
+              <a:latin typeface="微软雅黑" panose="020B0503020204020204" charset="-122"/>
+              <a:ea typeface="微软雅黑" panose="020B0503020204020204" charset="-122"/>
             </a:endParaRPr>
           </a:p>
         </p:txBody>
@@ -4431,7 +4647,7 @@
                 <a:ea typeface="宋体" panose="02010600030101010101" pitchFamily="2" charset="-122"/>
                 <a:cs typeface="+mn-cs"/>
               </a:rPr>
-              <a:t>04</a:t>
+              <a:t>03</a:t>
             </a:r>
             <a:endParaRPr kumimoji="0" lang="en-US" altLang="zh-CN" sz="11500" b="0" i="0" u="none" strike="noStrike" kern="1200" cap="none" spc="0" normalizeH="0" baseline="0" noProof="0" dirty="0">
               <a:ln>
@@ -4489,7 +4705,7 @@
               <a:defRPr/>
             </a:pPr>
             <a:r>
-              <a:rPr lang="zh-CN" sz="3600" dirty="0">
+              <a:rPr lang="en-US" altLang="zh-CN" sz="3600" dirty="0">
                 <a:solidFill>
                   <a:srgbClr val="383987"/>
                 </a:solidFill>
@@ -4497,9 +4713,9 @@
                 <a:ea typeface="微软雅黑" panose="020B0503020204020204" charset="-122"/>
                 <a:sym typeface="+mn-ea"/>
               </a:rPr>
-              <a:t>计划</a:t>
-            </a:r>
-            <a:endParaRPr lang="zh-CN" sz="3600" dirty="0">
+              <a:t>Computational Bottlenecks of Training Small-scale Large Language Models</a:t>
+            </a:r>
+            <a:endParaRPr lang="en-US" altLang="zh-CN" sz="3600" dirty="0">
               <a:solidFill>
                 <a:srgbClr val="383987"/>
               </a:solidFill>
@@ -4535,16 +4751,40 @@
           <a:chExt cx="0" cy="0"/>
         </a:xfrm>
       </p:grpSpPr>
-      <p:sp>
-        <p:nvSpPr>
-          <p:cNvPr id="13" name="文本框 12"/>
+      <p:pic>
+        <p:nvPicPr>
+          <p:cNvPr id="4" name="图片 3" descr="1"/>
+          <p:cNvPicPr>
+            <a:picLocks noChangeAspect="1"/>
+          </p:cNvPicPr>
+          <p:nvPr/>
+        </p:nvPicPr>
+        <p:blipFill>
+          <a:blip r:embed="rId1"/>
+          <a:stretch>
+            <a:fillRect/>
+          </a:stretch>
+        </p:blipFill>
+        <p:spPr>
+          <a:xfrm>
+            <a:off x="4745355" y="-588645"/>
+            <a:ext cx="12060555" cy="8474075"/>
+          </a:xfrm>
+          <a:prstGeom prst="rect">
+            <a:avLst/>
+          </a:prstGeom>
+        </p:spPr>
+      </p:pic>
+      <p:sp>
+        <p:nvSpPr>
+          <p:cNvPr id="5" name="文本框 4"/>
           <p:cNvSpPr txBox="1"/>
           <p:nvPr/>
         </p:nvSpPr>
         <p:spPr>
           <a:xfrm>
-            <a:off x="106466" y="601786"/>
-            <a:ext cx="1287780" cy="398780"/>
+            <a:off x="1038225" y="1470025"/>
+            <a:ext cx="2301875" cy="1861185"/>
           </a:xfrm>
           <a:prstGeom prst="rect">
             <a:avLst/>
@@ -4552,72 +4792,82 @@
           <a:noFill/>
         </p:spPr>
         <p:txBody>
-          <a:bodyPr wrap="none" rtlCol="0">
+          <a:bodyPr wrap="square" rtlCol="0">
             <a:spAutoFit/>
           </a:bodyPr>
           <a:lstStyle/>
           <a:p>
-            <a:pPr marL="342900" indent="-342900">
-              <a:buFont typeface="Wingdings" panose="05000000000000000000" charset="0"/>
-              <a:buChar char="n"/>
+            <a:pPr marL="0" marR="0" lvl="0" indent="0" algn="l" defTabSz="914400" rtl="0" eaLnBrk="1" fontAlgn="auto" latinLnBrk="0" hangingPunct="1">
+              <a:lnSpc>
+                <a:spcPct val="100000"/>
+              </a:lnSpc>
+              <a:spcBef>
+                <a:spcPts val="0"/>
+              </a:spcBef>
+              <a:spcAft>
+                <a:spcPts val="0"/>
+              </a:spcAft>
+              <a:buClrTx/>
+              <a:buSzTx/>
+              <a:buFontTx/>
+              <a:buNone/>
+              <a:defRPr/>
             </a:pPr>
             <a:r>
-              <a:rPr lang="zh-CN" altLang="en-US" sz="2000" b="1" dirty="0">
-                <a:latin typeface="微软雅黑" panose="020B0503020204020204" charset="-122"/>
-                <a:ea typeface="微软雅黑" panose="020B0503020204020204" charset="-122"/>
-              </a:rPr>
-              <a:t>下一周</a:t>
-            </a:r>
-            <a:endParaRPr lang="zh-CN" altLang="en-US" sz="2000" b="1" dirty="0">
-              <a:latin typeface="微软雅黑" panose="020B0503020204020204" charset="-122"/>
-              <a:ea typeface="微软雅黑" panose="020B0503020204020204" charset="-122"/>
-            </a:endParaRPr>
-          </a:p>
-        </p:txBody>
-      </p:sp>
-      <p:sp>
-        <p:nvSpPr>
-          <p:cNvPr id="6" name="矩形 5"/>
-          <p:cNvSpPr/>
-          <p:nvPr>
-            <p:custDataLst>
-              <p:tags r:id="rId1"/>
-            </p:custDataLst>
-          </p:nvPr>
-        </p:nvSpPr>
-        <p:spPr>
-          <a:xfrm>
-            <a:off x="-6350" y="0"/>
-            <a:ext cx="12198350" cy="540000"/>
+              <a:rPr kumimoji="0" lang="en-US" altLang="zh-CN" sz="11500" b="0" i="0" u="none" strike="noStrike" kern="1200" cap="none" spc="0" normalizeH="0" baseline="0" noProof="0" dirty="0">
+                <a:ln>
+                  <a:solidFill>
+                    <a:srgbClr val="383987"/>
+                  </a:solidFill>
+                </a:ln>
+                <a:noFill/>
+                <a:effectLst/>
+                <a:uLnTx/>
+                <a:uFillTx/>
+                <a:latin typeface="Agency FB" panose="020B0503020202020204" pitchFamily="34" charset="0"/>
+                <a:ea typeface="宋体" panose="02010600030101010101" pitchFamily="2" charset="-122"/>
+                <a:cs typeface="+mn-cs"/>
+              </a:rPr>
+              <a:t>04</a:t>
+            </a:r>
+            <a:endParaRPr kumimoji="0" lang="en-US" altLang="zh-CN" sz="11500" b="0" i="0" u="none" strike="noStrike" kern="1200" cap="none" spc="0" normalizeH="0" baseline="0" noProof="0" dirty="0">
+              <a:ln>
+                <a:solidFill>
+                  <a:srgbClr val="383987"/>
+                </a:solidFill>
+              </a:ln>
+              <a:noFill/>
+              <a:effectLst/>
+              <a:uLnTx/>
+              <a:uFillTx/>
+              <a:latin typeface="Agency FB" panose="020B0503020202020204" pitchFamily="34" charset="0"/>
+              <a:ea typeface="宋体" panose="02010600030101010101" pitchFamily="2" charset="-122"/>
+              <a:cs typeface="+mn-cs"/>
+            </a:endParaRPr>
+          </a:p>
+        </p:txBody>
+      </p:sp>
+      <p:sp>
+        <p:nvSpPr>
+          <p:cNvPr id="6" name="文本框 5"/>
+          <p:cNvSpPr txBox="1"/>
+          <p:nvPr/>
+        </p:nvSpPr>
+        <p:spPr>
+          <a:xfrm>
+            <a:off x="1265555" y="3049270"/>
+            <a:ext cx="11768455" cy="777240"/>
           </a:xfrm>
           <a:prstGeom prst="rect">
             <a:avLst/>
           </a:prstGeom>
-          <a:solidFill>
-            <a:srgbClr val="A099CB"/>
-          </a:solidFill>
-          <a:ln>
-            <a:noFill/>
-          </a:ln>
-        </p:spPr>
-        <p:style>
-          <a:lnRef idx="2">
-            <a:schemeClr val="accent1">
-              <a:shade val="50000"/>
-            </a:schemeClr>
-          </a:lnRef>
-          <a:fillRef idx="1">
-            <a:schemeClr val="accent1"/>
-          </a:fillRef>
-          <a:effectRef idx="0">
-            <a:schemeClr val="accent1"/>
-          </a:effectRef>
-          <a:fontRef idx="minor">
-            <a:schemeClr val="lt1"/>
-          </a:fontRef>
-        </p:style>
-        <p:txBody>
-          <a:bodyPr rtlCol="0" anchor="ctr"/>
+          <a:noFill/>
+        </p:spPr>
+        <p:txBody>
+          <a:bodyPr wrap="square" rtlCol="0">
+            <a:noAutofit/>
+          </a:bodyPr>
+          <a:lstStyle/>
           <a:p>
             <a:pPr marL="0" marR="0" lvl="0" indent="0" algn="ctr" defTabSz="914400" rtl="0" eaLnBrk="1" fontAlgn="auto" latinLnBrk="0" hangingPunct="1">
               <a:lnSpc>
@@ -4636,539 +4886,23 @@
               <a:defRPr/>
             </a:pPr>
             <a:r>
-              <a:rPr lang="en-US" altLang="zh-CN" dirty="0">
-                <a:effectLst/>
+              <a:rPr lang="zh-CN" sz="3600" dirty="0">
+                <a:solidFill>
+                  <a:srgbClr val="383987"/>
+                </a:solidFill>
                 <a:latin typeface="微软雅黑" panose="020B0503020204020204" charset="-122"/>
                 <a:ea typeface="微软雅黑" panose="020B0503020204020204" charset="-122"/>
                 <a:sym typeface="+mn-ea"/>
               </a:rPr>
-              <a:t>4.</a:t>
-            </a:r>
-            <a:r>
-              <a:rPr lang="zh-CN" altLang="en-US" dirty="0">
-                <a:effectLst/>
-                <a:latin typeface="微软雅黑" panose="020B0503020204020204" charset="-122"/>
-                <a:ea typeface="微软雅黑" panose="020B0503020204020204" charset="-122"/>
-                <a:sym typeface="+mn-ea"/>
-              </a:rPr>
               <a:t>计划</a:t>
             </a:r>
-            <a:endParaRPr lang="zh-CN" altLang="en-US" dirty="0">
-              <a:effectLst/>
+            <a:endParaRPr lang="zh-CN" sz="3600" dirty="0">
+              <a:solidFill>
+                <a:srgbClr val="383987"/>
+              </a:solidFill>
               <a:latin typeface="微软雅黑" panose="020B0503020204020204" charset="-122"/>
               <a:ea typeface="微软雅黑" panose="020B0503020204020204" charset="-122"/>
               <a:sym typeface="+mn-ea"/>
-            </a:endParaRPr>
-          </a:p>
-        </p:txBody>
-      </p:sp>
-      <p:sp>
-        <p:nvSpPr>
-          <p:cNvPr id="3" name="文本框 2"/>
-          <p:cNvSpPr txBox="1"/>
-          <p:nvPr>
-            <p:custDataLst>
-              <p:tags r:id="rId2"/>
-            </p:custDataLst>
-          </p:nvPr>
-        </p:nvSpPr>
-        <p:spPr>
-          <a:xfrm>
-            <a:off x="455295" y="1657350"/>
-            <a:ext cx="4956810" cy="506730"/>
-          </a:xfrm>
-          <a:prstGeom prst="rect">
-            <a:avLst/>
-          </a:prstGeom>
-          <a:noFill/>
-        </p:spPr>
-        <p:txBody>
-          <a:bodyPr wrap="square" rtlCol="0">
-            <a:spAutoFit/>
-          </a:bodyPr>
-          <a:p>
-            <a:pPr marL="285750" indent="-285750">
-              <a:lnSpc>
-                <a:spcPct val="150000"/>
-              </a:lnSpc>
-              <a:buFont typeface="Wingdings" panose="05000000000000000000" charset="0"/>
-              <a:buChar char="p"/>
-            </a:pPr>
-            <a:r>
-              <a:rPr lang="zh-CN" altLang="en-US" b="1" dirty="0">
-                <a:latin typeface="微软雅黑" panose="020B0503020204020204" charset="-122"/>
-                <a:ea typeface="微软雅黑" panose="020B0503020204020204" charset="-122"/>
-              </a:rPr>
-              <a:t>继续读大模型</a:t>
-            </a:r>
-            <a:r>
-              <a:rPr lang="en-US" altLang="zh-CN" b="1" dirty="0">
-                <a:latin typeface="微软雅黑" panose="020B0503020204020204" charset="-122"/>
-                <a:ea typeface="微软雅黑" panose="020B0503020204020204" charset="-122"/>
-              </a:rPr>
-              <a:t>guide</a:t>
-            </a:r>
-            <a:r>
-              <a:rPr lang="zh-CN" altLang="en-US" b="1" dirty="0">
-                <a:latin typeface="微软雅黑" panose="020B0503020204020204" charset="-122"/>
-                <a:ea typeface="微软雅黑" panose="020B0503020204020204" charset="-122"/>
-              </a:rPr>
-              <a:t>的论文推荐：</a:t>
-            </a:r>
-            <a:endParaRPr lang="en-US" altLang="zh-CN" b="1" dirty="0">
-              <a:latin typeface="微软雅黑" panose="020B0503020204020204" charset="-122"/>
-              <a:ea typeface="微软雅黑" panose="020B0503020204020204" charset="-122"/>
-            </a:endParaRPr>
-          </a:p>
-        </p:txBody>
-      </p:sp>
-      <p:sp>
-        <p:nvSpPr>
-          <p:cNvPr id="7" name="文本框 6"/>
-          <p:cNvSpPr txBox="1"/>
-          <p:nvPr/>
-        </p:nvSpPr>
-        <p:spPr>
-          <a:xfrm>
-            <a:off x="911860" y="2178050"/>
-            <a:ext cx="8903970" cy="4523105"/>
-          </a:xfrm>
-          <a:prstGeom prst="rect">
-            <a:avLst/>
-          </a:prstGeom>
-        </p:spPr>
-        <p:txBody>
-          <a:bodyPr wrap="square">
-            <a:spAutoFit/>
-          </a:bodyPr>
-          <a:p>
-            <a:pPr marL="0" indent="0" algn="just"/>
-            <a:r>
-              <a:rPr lang="zh-CN" altLang="en-US" sz="1600" b="0" i="0">
-                <a:solidFill>
-                  <a:srgbClr val="000000"/>
-                </a:solidFill>
-                <a:latin typeface="微软雅黑" panose="020B0503020204020204" charset="-122"/>
-                <a:ea typeface="微软雅黑" panose="020B0503020204020204" charset="-122"/>
-              </a:rPr>
-              <a:t>继续补充大模型和微调的基础论文，少看视频，多看论文和博客。不懂的多查，感觉看视频十分低效</a:t>
-            </a:r>
-            <a:endParaRPr lang="zh-CN" altLang="en-US" sz="1600" b="0" i="0">
-              <a:solidFill>
-                <a:srgbClr val="000000"/>
-              </a:solidFill>
-              <a:latin typeface="微软雅黑" panose="020B0503020204020204" charset="-122"/>
-              <a:ea typeface="微软雅黑" panose="020B0503020204020204" charset="-122"/>
-            </a:endParaRPr>
-          </a:p>
-          <a:p>
-            <a:pPr marL="0" indent="0" algn="just"/>
-            <a:endParaRPr lang="zh-CN" altLang="en-US" sz="1600" b="0" i="0">
-              <a:solidFill>
-                <a:srgbClr val="000000"/>
-              </a:solidFill>
-              <a:latin typeface="微软雅黑" panose="020B0503020204020204" charset="-122"/>
-              <a:ea typeface="微软雅黑" panose="020B0503020204020204" charset="-122"/>
-            </a:endParaRPr>
-          </a:p>
-          <a:p>
-            <a:pPr marL="0" indent="0" algn="just"/>
-            <a:r>
-              <a:rPr lang="zh-CN" altLang="en-US" sz="1600" b="1" i="0">
-                <a:solidFill>
-                  <a:srgbClr val="000000"/>
-                </a:solidFill>
-                <a:latin typeface="微软雅黑" panose="020B0503020204020204" charset="-122"/>
-                <a:ea typeface="微软雅黑" panose="020B0503020204020204" charset="-122"/>
-              </a:rPr>
-              <a:t>现阶段的疑惑是</a:t>
-            </a:r>
-            <a:r>
-              <a:rPr lang="zh-CN" altLang="en-US" sz="1600" b="0" i="0">
-                <a:solidFill>
-                  <a:srgbClr val="000000"/>
-                </a:solidFill>
-                <a:latin typeface="微软雅黑" panose="020B0503020204020204" charset="-122"/>
-                <a:ea typeface="微软雅黑" panose="020B0503020204020204" charset="-122"/>
-              </a:rPr>
-              <a:t>：</a:t>
-            </a:r>
-            <a:endParaRPr lang="zh-CN" altLang="en-US" sz="1600" b="0" i="0">
-              <a:solidFill>
-                <a:srgbClr val="000000"/>
-              </a:solidFill>
-              <a:latin typeface="微软雅黑" panose="020B0503020204020204" charset="-122"/>
-              <a:ea typeface="微软雅黑" panose="020B0503020204020204" charset="-122"/>
-            </a:endParaRPr>
-          </a:p>
-          <a:p>
-            <a:pPr marL="0" indent="0" algn="just"/>
-            <a:r>
-              <a:rPr lang="zh-CN" altLang="en-US" sz="1600" b="0" i="0">
-                <a:solidFill>
-                  <a:srgbClr val="000000"/>
-                </a:solidFill>
-                <a:latin typeface="微软雅黑" panose="020B0503020204020204" charset="-122"/>
-                <a:ea typeface="微软雅黑" panose="020B0503020204020204" charset="-122"/>
-              </a:rPr>
-              <a:t>在和学长们的讨论后，对基础的补齐思路大致如下：</a:t>
-            </a:r>
-            <a:endParaRPr lang="zh-CN" altLang="en-US" sz="1600" b="0" i="0">
-              <a:solidFill>
-                <a:srgbClr val="000000"/>
-              </a:solidFill>
-              <a:latin typeface="微软雅黑" panose="020B0503020204020204" charset="-122"/>
-              <a:ea typeface="微软雅黑" panose="020B0503020204020204" charset="-122"/>
-            </a:endParaRPr>
-          </a:p>
-          <a:p>
-            <a:pPr marL="0" indent="0" algn="just"/>
-            <a:endParaRPr lang="zh-CN" altLang="en-US" sz="1600" b="0" i="0">
-              <a:solidFill>
-                <a:srgbClr val="000000"/>
-              </a:solidFill>
-              <a:latin typeface="微软雅黑" panose="020B0503020204020204" charset="-122"/>
-              <a:ea typeface="微软雅黑" panose="020B0503020204020204" charset="-122"/>
-            </a:endParaRPr>
-          </a:p>
-          <a:p>
-            <a:pPr marL="0" indent="0" algn="just"/>
-            <a:r>
-              <a:rPr lang="zh-CN" altLang="en-US" sz="1600" b="0" i="0">
-                <a:solidFill>
-                  <a:srgbClr val="000000"/>
-                </a:solidFill>
-                <a:latin typeface="微软雅黑" panose="020B0503020204020204" charset="-122"/>
-                <a:ea typeface="微软雅黑" panose="020B0503020204020204" charset="-122"/>
-              </a:rPr>
-              <a:t>理论知识：</a:t>
-            </a:r>
-            <a:endParaRPr lang="zh-CN" altLang="en-US" sz="1600" b="0" i="0">
-              <a:solidFill>
-                <a:srgbClr val="000000"/>
-              </a:solidFill>
-              <a:latin typeface="微软雅黑" panose="020B0503020204020204" charset="-122"/>
-              <a:ea typeface="微软雅黑" panose="020B0503020204020204" charset="-122"/>
-            </a:endParaRPr>
-          </a:p>
-          <a:p>
-            <a:pPr marL="0" indent="457200" algn="just"/>
-            <a:r>
-              <a:rPr lang="en-US" altLang="zh-CN" sz="1600" b="0" i="0">
-                <a:solidFill>
-                  <a:srgbClr val="000000"/>
-                </a:solidFill>
-                <a:latin typeface="微软雅黑" panose="020B0503020204020204" charset="-122"/>
-                <a:ea typeface="微软雅黑" panose="020B0503020204020204" charset="-122"/>
-              </a:rPr>
-              <a:t>1.</a:t>
-            </a:r>
-            <a:r>
-              <a:rPr lang="zh-CN" altLang="en-US" sz="1600" b="0" i="0">
-                <a:solidFill>
-                  <a:srgbClr val="000000"/>
-                </a:solidFill>
-                <a:latin typeface="微软雅黑" panose="020B0503020204020204" charset="-122"/>
-                <a:ea typeface="微软雅黑" panose="020B0503020204020204" charset="-122"/>
-              </a:rPr>
-              <a:t>前置的</a:t>
-            </a:r>
-            <a:r>
-              <a:rPr lang="en-US" altLang="zh-CN" sz="1600" b="0" i="0">
-                <a:solidFill>
-                  <a:srgbClr val="000000"/>
-                </a:solidFill>
-                <a:latin typeface="微软雅黑" panose="020B0503020204020204" charset="-122"/>
-                <a:ea typeface="微软雅黑" panose="020B0503020204020204" charset="-122"/>
-              </a:rPr>
-              <a:t>NLP</a:t>
-            </a:r>
-            <a:r>
-              <a:rPr lang="zh-CN" altLang="en-US" sz="1600" b="0" i="0">
-                <a:solidFill>
-                  <a:srgbClr val="000000"/>
-                </a:solidFill>
-                <a:latin typeface="微软雅黑" panose="020B0503020204020204" charset="-122"/>
-                <a:ea typeface="微软雅黑" panose="020B0503020204020204" charset="-122"/>
-              </a:rPr>
-              <a:t>，</a:t>
-            </a:r>
-            <a:r>
-              <a:rPr lang="en-US" altLang="zh-CN" sz="1600" b="0" i="0">
-                <a:solidFill>
-                  <a:srgbClr val="000000"/>
-                </a:solidFill>
-                <a:latin typeface="微软雅黑" panose="020B0503020204020204" charset="-122"/>
-                <a:ea typeface="微软雅黑" panose="020B0503020204020204" charset="-122"/>
-              </a:rPr>
-              <a:t>DL</a:t>
-            </a:r>
-            <a:endParaRPr lang="en-US" altLang="zh-CN" sz="1600" b="0" i="0">
-              <a:solidFill>
-                <a:srgbClr val="000000"/>
-              </a:solidFill>
-              <a:latin typeface="微软雅黑" panose="020B0503020204020204" charset="-122"/>
-              <a:ea typeface="微软雅黑" panose="020B0503020204020204" charset="-122"/>
-            </a:endParaRPr>
-          </a:p>
-          <a:p>
-            <a:pPr marL="0" indent="457200" algn="just"/>
-            <a:r>
-              <a:rPr lang="en-US" altLang="zh-CN" sz="1600" b="0" i="0">
-                <a:solidFill>
-                  <a:srgbClr val="000000"/>
-                </a:solidFill>
-                <a:latin typeface="微软雅黑" panose="020B0503020204020204" charset="-122"/>
-                <a:ea typeface="微软雅黑" panose="020B0503020204020204" charset="-122"/>
-              </a:rPr>
-              <a:t>2.LLM</a:t>
-            </a:r>
-            <a:endParaRPr lang="en-US" altLang="zh-CN" sz="1600" b="0" i="0">
-              <a:solidFill>
-                <a:srgbClr val="000000"/>
-              </a:solidFill>
-              <a:latin typeface="微软雅黑" panose="020B0503020204020204" charset="-122"/>
-              <a:ea typeface="微软雅黑" panose="020B0503020204020204" charset="-122"/>
-            </a:endParaRPr>
-          </a:p>
-          <a:p>
-            <a:pPr marL="0" indent="457200" algn="just"/>
-            <a:r>
-              <a:rPr lang="en-US" altLang="zh-CN" sz="1600" b="0" i="0">
-                <a:solidFill>
-                  <a:srgbClr val="000000"/>
-                </a:solidFill>
-                <a:latin typeface="微软雅黑" panose="020B0503020204020204" charset="-122"/>
-                <a:ea typeface="微软雅黑" panose="020B0503020204020204" charset="-122"/>
-              </a:rPr>
-              <a:t>3.</a:t>
-            </a:r>
-            <a:r>
-              <a:rPr lang="zh-CN" altLang="en-US" sz="1600" b="0" i="0">
-                <a:solidFill>
-                  <a:srgbClr val="000000"/>
-                </a:solidFill>
-                <a:latin typeface="微软雅黑" panose="020B0503020204020204" charset="-122"/>
-                <a:ea typeface="微软雅黑" panose="020B0503020204020204" charset="-122"/>
-              </a:rPr>
-              <a:t>模型微调，剪枝，模型量化（目前我正在主要学习的）</a:t>
-            </a:r>
-            <a:endParaRPr lang="en-US" altLang="zh-CN" sz="1600" b="0" i="0">
-              <a:solidFill>
-                <a:srgbClr val="000000"/>
-              </a:solidFill>
-              <a:latin typeface="微软雅黑" panose="020B0503020204020204" charset="-122"/>
-              <a:ea typeface="微软雅黑" panose="020B0503020204020204" charset="-122"/>
-            </a:endParaRPr>
-          </a:p>
-          <a:p>
-            <a:pPr marL="0" indent="457200" algn="just"/>
-            <a:r>
-              <a:rPr lang="en-US" altLang="zh-CN" sz="1600" b="0" i="0">
-                <a:solidFill>
-                  <a:srgbClr val="000000"/>
-                </a:solidFill>
-                <a:latin typeface="微软雅黑" panose="020B0503020204020204" charset="-122"/>
-                <a:ea typeface="微软雅黑" panose="020B0503020204020204" charset="-122"/>
-              </a:rPr>
-              <a:t>4.SLM</a:t>
-            </a:r>
-            <a:r>
-              <a:rPr lang="zh-CN" altLang="en-US" sz="1600" b="0" i="0">
-                <a:solidFill>
-                  <a:srgbClr val="000000"/>
-                </a:solidFill>
-                <a:latin typeface="微软雅黑" panose="020B0503020204020204" charset="-122"/>
-                <a:ea typeface="微软雅黑" panose="020B0503020204020204" charset="-122"/>
-              </a:rPr>
-              <a:t>，</a:t>
-            </a:r>
-            <a:r>
-              <a:rPr lang="en-US" altLang="zh-CN" sz="1600" b="0" i="0">
-                <a:solidFill>
-                  <a:srgbClr val="000000"/>
-                </a:solidFill>
-                <a:latin typeface="微软雅黑" panose="020B0503020204020204" charset="-122"/>
-                <a:ea typeface="微软雅黑" panose="020B0503020204020204" charset="-122"/>
-              </a:rPr>
-              <a:t>VLM</a:t>
-            </a:r>
-            <a:endParaRPr lang="en-US" altLang="zh-CN" sz="1600" b="0" i="0">
-              <a:solidFill>
-                <a:srgbClr val="000000"/>
-              </a:solidFill>
-              <a:latin typeface="微软雅黑" panose="020B0503020204020204" charset="-122"/>
-              <a:ea typeface="微软雅黑" panose="020B0503020204020204" charset="-122"/>
-            </a:endParaRPr>
-          </a:p>
-          <a:p>
-            <a:pPr marL="0" indent="457200" algn="just"/>
-            <a:endParaRPr lang="zh-CN" altLang="en-US" sz="1600" b="0" i="0">
-              <a:solidFill>
-                <a:srgbClr val="000000"/>
-              </a:solidFill>
-              <a:latin typeface="微软雅黑" panose="020B0503020204020204" charset="-122"/>
-              <a:ea typeface="微软雅黑" panose="020B0503020204020204" charset="-122"/>
-            </a:endParaRPr>
-          </a:p>
-          <a:p>
-            <a:pPr marL="0" lvl="0" indent="0" algn="just">
-              <a:buNone/>
-            </a:pPr>
-            <a:r>
-              <a:rPr lang="zh-CN" altLang="en-US" sz="1600" b="0" i="0">
-                <a:solidFill>
-                  <a:srgbClr val="000000"/>
-                </a:solidFill>
-                <a:latin typeface="微软雅黑" panose="020B0503020204020204" charset="-122"/>
-                <a:ea typeface="微软雅黑" panose="020B0503020204020204" charset="-122"/>
-              </a:rPr>
-              <a:t>动手实践：</a:t>
-            </a:r>
-            <a:endParaRPr lang="zh-CN" altLang="en-US" sz="1600" b="0" i="0">
-              <a:solidFill>
-                <a:srgbClr val="000000"/>
-              </a:solidFill>
-              <a:latin typeface="微软雅黑" panose="020B0503020204020204" charset="-122"/>
-              <a:ea typeface="微软雅黑" panose="020B0503020204020204" charset="-122"/>
-            </a:endParaRPr>
-          </a:p>
-          <a:p>
-            <a:pPr marL="0" lvl="0" indent="457200" algn="just">
-              <a:buNone/>
-            </a:pPr>
-            <a:r>
-              <a:rPr lang="en-US" altLang="zh-CN" sz="1600" b="0" i="0">
-                <a:solidFill>
-                  <a:srgbClr val="000000"/>
-                </a:solidFill>
-                <a:latin typeface="微软雅黑" panose="020B0503020204020204" charset="-122"/>
-                <a:ea typeface="微软雅黑" panose="020B0503020204020204" charset="-122"/>
-              </a:rPr>
-              <a:t>1.</a:t>
-            </a:r>
-            <a:r>
-              <a:rPr lang="zh-CN" altLang="en-US" sz="1600" b="0" i="0">
-                <a:solidFill>
-                  <a:srgbClr val="000000"/>
-                </a:solidFill>
-                <a:latin typeface="微软雅黑" panose="020B0503020204020204" charset="-122"/>
-                <a:ea typeface="微软雅黑" panose="020B0503020204020204" charset="-122"/>
-              </a:rPr>
-              <a:t>前置知识的实践（已经跟着一些比如李沐老师的动手深度学习等敲过一些）</a:t>
-            </a:r>
-            <a:endParaRPr lang="zh-CN" altLang="en-US" sz="1600" b="0" i="0">
-              <a:solidFill>
-                <a:srgbClr val="000000"/>
-              </a:solidFill>
-              <a:latin typeface="微软雅黑" panose="020B0503020204020204" charset="-122"/>
-              <a:ea typeface="微软雅黑" panose="020B0503020204020204" charset="-122"/>
-            </a:endParaRPr>
-          </a:p>
-          <a:p>
-            <a:pPr marL="0" lvl="0" indent="457200" algn="just">
-              <a:buNone/>
-            </a:pPr>
-            <a:r>
-              <a:rPr lang="en-US" altLang="zh-CN" sz="1600" b="0" i="0">
-                <a:solidFill>
-                  <a:srgbClr val="000000"/>
-                </a:solidFill>
-                <a:latin typeface="微软雅黑" panose="020B0503020204020204" charset="-122"/>
-                <a:ea typeface="微软雅黑" panose="020B0503020204020204" charset="-122"/>
-              </a:rPr>
-              <a:t>2.</a:t>
-            </a:r>
-            <a:r>
-              <a:rPr lang="zh-CN" altLang="en-US" sz="1600" b="0" i="0">
-                <a:solidFill>
-                  <a:srgbClr val="000000"/>
-                </a:solidFill>
-                <a:latin typeface="微软雅黑" panose="020B0503020204020204" charset="-122"/>
-                <a:ea typeface="微软雅黑" panose="020B0503020204020204" charset="-122"/>
-              </a:rPr>
-              <a:t>自己实践一次模型的微调对齐（目前正在尝试的）</a:t>
-            </a:r>
-            <a:endParaRPr lang="zh-CN" altLang="en-US" sz="1600" b="0" i="0">
-              <a:solidFill>
-                <a:srgbClr val="000000"/>
-              </a:solidFill>
-              <a:latin typeface="微软雅黑" panose="020B0503020204020204" charset="-122"/>
-              <a:ea typeface="微软雅黑" panose="020B0503020204020204" charset="-122"/>
-            </a:endParaRPr>
-          </a:p>
-          <a:p>
-            <a:pPr marL="0" lvl="0" indent="457200" algn="just">
-              <a:buNone/>
-            </a:pPr>
-            <a:r>
-              <a:rPr lang="en-US" altLang="zh-CN" sz="1600" b="0" i="0">
-                <a:solidFill>
-                  <a:srgbClr val="000000"/>
-                </a:solidFill>
-                <a:latin typeface="微软雅黑" panose="020B0503020204020204" charset="-122"/>
-                <a:ea typeface="微软雅黑" panose="020B0503020204020204" charset="-122"/>
-              </a:rPr>
-              <a:t>3.</a:t>
-            </a:r>
-            <a:r>
-              <a:rPr lang="zh-CN" altLang="en-US" sz="1600" b="0" i="0">
-                <a:solidFill>
-                  <a:srgbClr val="000000"/>
-                </a:solidFill>
-                <a:latin typeface="微软雅黑" panose="020B0503020204020204" charset="-122"/>
-                <a:ea typeface="微软雅黑" panose="020B0503020204020204" charset="-122"/>
-              </a:rPr>
-              <a:t>尝试自己把一个原有模型迁移到其他任务</a:t>
-            </a:r>
-            <a:endParaRPr lang="zh-CN" altLang="en-US" sz="1600" b="0" i="0">
-              <a:solidFill>
-                <a:srgbClr val="000000"/>
-              </a:solidFill>
-              <a:latin typeface="微软雅黑" panose="020B0503020204020204" charset="-122"/>
-              <a:ea typeface="微软雅黑" panose="020B0503020204020204" charset="-122"/>
-            </a:endParaRPr>
-          </a:p>
-          <a:p>
-            <a:pPr marL="0" lvl="0" indent="457200" algn="just">
-              <a:buNone/>
-            </a:pPr>
-            <a:r>
-              <a:rPr lang="en-US" altLang="zh-CN" sz="1600" b="0" i="0">
-                <a:solidFill>
-                  <a:srgbClr val="000000"/>
-                </a:solidFill>
-                <a:latin typeface="微软雅黑" panose="020B0503020204020204" charset="-122"/>
-                <a:ea typeface="微软雅黑" panose="020B0503020204020204" charset="-122"/>
-              </a:rPr>
-              <a:t>4.</a:t>
-            </a:r>
-            <a:r>
-              <a:rPr lang="zh-CN" altLang="en-US" sz="1600" b="0" i="0">
-                <a:solidFill>
-                  <a:srgbClr val="000000"/>
-                </a:solidFill>
-                <a:latin typeface="微软雅黑" panose="020B0503020204020204" charset="-122"/>
-                <a:ea typeface="微软雅黑" panose="020B0503020204020204" charset="-122"/>
-              </a:rPr>
-              <a:t>实践一次模型量化</a:t>
-            </a:r>
-            <a:endParaRPr lang="zh-CN" altLang="en-US" sz="1600" b="0" i="0">
-              <a:solidFill>
-                <a:srgbClr val="000000"/>
-              </a:solidFill>
-              <a:latin typeface="微软雅黑" panose="020B0503020204020204" charset="-122"/>
-              <a:ea typeface="微软雅黑" panose="020B0503020204020204" charset="-122"/>
-            </a:endParaRPr>
-          </a:p>
-          <a:p>
-            <a:pPr marL="0" indent="0" algn="just"/>
-            <a:endParaRPr lang="zh-CN" altLang="en-US" sz="1600" b="0" i="0">
-              <a:solidFill>
-                <a:srgbClr val="000000"/>
-              </a:solidFill>
-              <a:latin typeface="微软雅黑" panose="020B0503020204020204" charset="-122"/>
-              <a:ea typeface="微软雅黑" panose="020B0503020204020204" charset="-122"/>
             </a:endParaRPr>
           </a:p>
         </p:txBody>
@@ -5327,6 +5061,669 @@
       </p:sp>
       <p:sp>
         <p:nvSpPr>
+          <p:cNvPr id="3" name="文本框 2"/>
+          <p:cNvSpPr txBox="1"/>
+          <p:nvPr>
+            <p:custDataLst>
+              <p:tags r:id="rId2"/>
+            </p:custDataLst>
+          </p:nvPr>
+        </p:nvSpPr>
+        <p:spPr>
+          <a:xfrm>
+            <a:off x="455295" y="1657350"/>
+            <a:ext cx="4956810" cy="506730"/>
+          </a:xfrm>
+          <a:prstGeom prst="rect">
+            <a:avLst/>
+          </a:prstGeom>
+          <a:noFill/>
+        </p:spPr>
+        <p:txBody>
+          <a:bodyPr wrap="square" rtlCol="0">
+            <a:spAutoFit/>
+          </a:bodyPr>
+          <a:p>
+            <a:pPr marL="285750" indent="-285750">
+              <a:lnSpc>
+                <a:spcPct val="150000"/>
+              </a:lnSpc>
+              <a:buFont typeface="Wingdings" panose="05000000000000000000" charset="0"/>
+              <a:buChar char="p"/>
+            </a:pPr>
+            <a:r>
+              <a:rPr lang="zh-CN" altLang="en-US" b="1" dirty="0">
+                <a:latin typeface="微软雅黑" panose="020B0503020204020204" charset="-122"/>
+                <a:ea typeface="微软雅黑" panose="020B0503020204020204" charset="-122"/>
+              </a:rPr>
+              <a:t>继续读大模型</a:t>
+            </a:r>
+            <a:r>
+              <a:rPr lang="en-US" altLang="zh-CN" b="1" dirty="0">
+                <a:latin typeface="微软雅黑" panose="020B0503020204020204" charset="-122"/>
+                <a:ea typeface="微软雅黑" panose="020B0503020204020204" charset="-122"/>
+              </a:rPr>
+              <a:t>guide</a:t>
+            </a:r>
+            <a:r>
+              <a:rPr lang="zh-CN" altLang="en-US" b="1" dirty="0">
+                <a:latin typeface="微软雅黑" panose="020B0503020204020204" charset="-122"/>
+                <a:ea typeface="微软雅黑" panose="020B0503020204020204" charset="-122"/>
+              </a:rPr>
+              <a:t>的论文推荐：</a:t>
+            </a:r>
+            <a:endParaRPr lang="en-US" altLang="zh-CN" b="1" dirty="0">
+              <a:latin typeface="微软雅黑" panose="020B0503020204020204" charset="-122"/>
+              <a:ea typeface="微软雅黑" panose="020B0503020204020204" charset="-122"/>
+            </a:endParaRPr>
+          </a:p>
+        </p:txBody>
+      </p:sp>
+      <p:sp>
+        <p:nvSpPr>
+          <p:cNvPr id="7" name="文本框 6"/>
+          <p:cNvSpPr txBox="1"/>
+          <p:nvPr/>
+        </p:nvSpPr>
+        <p:spPr>
+          <a:xfrm>
+            <a:off x="911860" y="2178050"/>
+            <a:ext cx="8903970" cy="4523105"/>
+          </a:xfrm>
+          <a:prstGeom prst="rect">
+            <a:avLst/>
+          </a:prstGeom>
+        </p:spPr>
+        <p:txBody>
+          <a:bodyPr wrap="square">
+            <a:spAutoFit/>
+          </a:bodyPr>
+          <a:p>
+            <a:pPr marL="0" indent="0" algn="just"/>
+            <a:r>
+              <a:rPr lang="zh-CN" altLang="en-US" sz="1600" b="0" i="0">
+                <a:solidFill>
+                  <a:srgbClr val="000000"/>
+                </a:solidFill>
+                <a:latin typeface="微软雅黑" panose="020B0503020204020204" charset="-122"/>
+                <a:ea typeface="微软雅黑" panose="020B0503020204020204" charset="-122"/>
+              </a:rPr>
+              <a:t>继续补充大模型和微调的基础论文，少看视频，多看论文和博客。不懂的多查，感觉看视频十分低效</a:t>
+            </a:r>
+            <a:endParaRPr lang="zh-CN" altLang="en-US" sz="1600" b="0" i="0">
+              <a:solidFill>
+                <a:srgbClr val="000000"/>
+              </a:solidFill>
+              <a:latin typeface="微软雅黑" panose="020B0503020204020204" charset="-122"/>
+              <a:ea typeface="微软雅黑" panose="020B0503020204020204" charset="-122"/>
+            </a:endParaRPr>
+          </a:p>
+          <a:p>
+            <a:pPr marL="0" indent="0" algn="just"/>
+            <a:endParaRPr lang="zh-CN" altLang="en-US" sz="1600" b="0" i="0">
+              <a:solidFill>
+                <a:srgbClr val="000000"/>
+              </a:solidFill>
+              <a:latin typeface="微软雅黑" panose="020B0503020204020204" charset="-122"/>
+              <a:ea typeface="微软雅黑" panose="020B0503020204020204" charset="-122"/>
+            </a:endParaRPr>
+          </a:p>
+          <a:p>
+            <a:pPr marL="0" indent="0" algn="just"/>
+            <a:r>
+              <a:rPr lang="zh-CN" altLang="en-US" sz="1600" b="1" i="0">
+                <a:solidFill>
+                  <a:srgbClr val="000000"/>
+                </a:solidFill>
+                <a:latin typeface="微软雅黑" panose="020B0503020204020204" charset="-122"/>
+                <a:ea typeface="微软雅黑" panose="020B0503020204020204" charset="-122"/>
+              </a:rPr>
+              <a:t>现阶段的疑惑是</a:t>
+            </a:r>
+            <a:r>
+              <a:rPr lang="zh-CN" altLang="en-US" sz="1600" b="0" i="0">
+                <a:solidFill>
+                  <a:srgbClr val="000000"/>
+                </a:solidFill>
+                <a:latin typeface="微软雅黑" panose="020B0503020204020204" charset="-122"/>
+                <a:ea typeface="微软雅黑" panose="020B0503020204020204" charset="-122"/>
+              </a:rPr>
+              <a:t>：</a:t>
+            </a:r>
+            <a:endParaRPr lang="zh-CN" altLang="en-US" sz="1600" b="0" i="0">
+              <a:solidFill>
+                <a:srgbClr val="000000"/>
+              </a:solidFill>
+              <a:latin typeface="微软雅黑" panose="020B0503020204020204" charset="-122"/>
+              <a:ea typeface="微软雅黑" panose="020B0503020204020204" charset="-122"/>
+            </a:endParaRPr>
+          </a:p>
+          <a:p>
+            <a:pPr marL="0" indent="0" algn="just"/>
+            <a:r>
+              <a:rPr lang="zh-CN" altLang="en-US" sz="1600" b="0" i="0">
+                <a:solidFill>
+                  <a:srgbClr val="000000"/>
+                </a:solidFill>
+                <a:latin typeface="微软雅黑" panose="020B0503020204020204" charset="-122"/>
+                <a:ea typeface="微软雅黑" panose="020B0503020204020204" charset="-122"/>
+              </a:rPr>
+              <a:t>在和学长们的讨论后，对基础的补齐思路大致如下：</a:t>
+            </a:r>
+            <a:endParaRPr lang="zh-CN" altLang="en-US" sz="1600" b="0" i="0">
+              <a:solidFill>
+                <a:srgbClr val="000000"/>
+              </a:solidFill>
+              <a:latin typeface="微软雅黑" panose="020B0503020204020204" charset="-122"/>
+              <a:ea typeface="微软雅黑" panose="020B0503020204020204" charset="-122"/>
+            </a:endParaRPr>
+          </a:p>
+          <a:p>
+            <a:pPr marL="0" indent="0" algn="just"/>
+            <a:endParaRPr lang="zh-CN" altLang="en-US" sz="1600" b="0" i="0">
+              <a:solidFill>
+                <a:srgbClr val="000000"/>
+              </a:solidFill>
+              <a:latin typeface="微软雅黑" panose="020B0503020204020204" charset="-122"/>
+              <a:ea typeface="微软雅黑" panose="020B0503020204020204" charset="-122"/>
+            </a:endParaRPr>
+          </a:p>
+          <a:p>
+            <a:pPr marL="0" indent="0" algn="just"/>
+            <a:r>
+              <a:rPr lang="zh-CN" altLang="en-US" sz="1600" b="0" i="0">
+                <a:solidFill>
+                  <a:srgbClr val="000000"/>
+                </a:solidFill>
+                <a:latin typeface="微软雅黑" panose="020B0503020204020204" charset="-122"/>
+                <a:ea typeface="微软雅黑" panose="020B0503020204020204" charset="-122"/>
+              </a:rPr>
+              <a:t>理论知识：</a:t>
+            </a:r>
+            <a:endParaRPr lang="zh-CN" altLang="en-US" sz="1600" b="0" i="0">
+              <a:solidFill>
+                <a:srgbClr val="000000"/>
+              </a:solidFill>
+              <a:latin typeface="微软雅黑" panose="020B0503020204020204" charset="-122"/>
+              <a:ea typeface="微软雅黑" panose="020B0503020204020204" charset="-122"/>
+            </a:endParaRPr>
+          </a:p>
+          <a:p>
+            <a:pPr marL="0" indent="457200" algn="just"/>
+            <a:r>
+              <a:rPr lang="en-US" altLang="zh-CN" sz="1600" b="0" i="0">
+                <a:solidFill>
+                  <a:srgbClr val="000000"/>
+                </a:solidFill>
+                <a:latin typeface="微软雅黑" panose="020B0503020204020204" charset="-122"/>
+                <a:ea typeface="微软雅黑" panose="020B0503020204020204" charset="-122"/>
+              </a:rPr>
+              <a:t>1.</a:t>
+            </a:r>
+            <a:r>
+              <a:rPr lang="zh-CN" altLang="en-US" sz="1600" b="0" i="0">
+                <a:solidFill>
+                  <a:srgbClr val="000000"/>
+                </a:solidFill>
+                <a:latin typeface="微软雅黑" panose="020B0503020204020204" charset="-122"/>
+                <a:ea typeface="微软雅黑" panose="020B0503020204020204" charset="-122"/>
+              </a:rPr>
+              <a:t>前置的</a:t>
+            </a:r>
+            <a:r>
+              <a:rPr lang="en-US" altLang="zh-CN" sz="1600" b="0" i="0">
+                <a:solidFill>
+                  <a:srgbClr val="000000"/>
+                </a:solidFill>
+                <a:latin typeface="微软雅黑" panose="020B0503020204020204" charset="-122"/>
+                <a:ea typeface="微软雅黑" panose="020B0503020204020204" charset="-122"/>
+              </a:rPr>
+              <a:t>NLP</a:t>
+            </a:r>
+            <a:r>
+              <a:rPr lang="zh-CN" altLang="en-US" sz="1600" b="0" i="0">
+                <a:solidFill>
+                  <a:srgbClr val="000000"/>
+                </a:solidFill>
+                <a:latin typeface="微软雅黑" panose="020B0503020204020204" charset="-122"/>
+                <a:ea typeface="微软雅黑" panose="020B0503020204020204" charset="-122"/>
+              </a:rPr>
+              <a:t>，</a:t>
+            </a:r>
+            <a:r>
+              <a:rPr lang="en-US" altLang="zh-CN" sz="1600" b="0" i="0">
+                <a:solidFill>
+                  <a:srgbClr val="000000"/>
+                </a:solidFill>
+                <a:latin typeface="微软雅黑" panose="020B0503020204020204" charset="-122"/>
+                <a:ea typeface="微软雅黑" panose="020B0503020204020204" charset="-122"/>
+              </a:rPr>
+              <a:t>DL</a:t>
+            </a:r>
+            <a:endParaRPr lang="en-US" altLang="zh-CN" sz="1600" b="0" i="0">
+              <a:solidFill>
+                <a:srgbClr val="000000"/>
+              </a:solidFill>
+              <a:latin typeface="微软雅黑" panose="020B0503020204020204" charset="-122"/>
+              <a:ea typeface="微软雅黑" panose="020B0503020204020204" charset="-122"/>
+            </a:endParaRPr>
+          </a:p>
+          <a:p>
+            <a:pPr marL="0" indent="457200" algn="just"/>
+            <a:r>
+              <a:rPr lang="en-US" altLang="zh-CN" sz="1600" b="0" i="0">
+                <a:solidFill>
+                  <a:srgbClr val="000000"/>
+                </a:solidFill>
+                <a:latin typeface="微软雅黑" panose="020B0503020204020204" charset="-122"/>
+                <a:ea typeface="微软雅黑" panose="020B0503020204020204" charset="-122"/>
+              </a:rPr>
+              <a:t>2.LLM</a:t>
+            </a:r>
+            <a:endParaRPr lang="en-US" altLang="zh-CN" sz="1600" b="0" i="0">
+              <a:solidFill>
+                <a:srgbClr val="000000"/>
+              </a:solidFill>
+              <a:latin typeface="微软雅黑" panose="020B0503020204020204" charset="-122"/>
+              <a:ea typeface="微软雅黑" panose="020B0503020204020204" charset="-122"/>
+            </a:endParaRPr>
+          </a:p>
+          <a:p>
+            <a:pPr marL="0" indent="457200" algn="just"/>
+            <a:r>
+              <a:rPr lang="en-US" altLang="zh-CN" sz="1600" b="0" i="0">
+                <a:solidFill>
+                  <a:srgbClr val="000000"/>
+                </a:solidFill>
+                <a:latin typeface="微软雅黑" panose="020B0503020204020204" charset="-122"/>
+                <a:ea typeface="微软雅黑" panose="020B0503020204020204" charset="-122"/>
+              </a:rPr>
+              <a:t>3.</a:t>
+            </a:r>
+            <a:r>
+              <a:rPr lang="zh-CN" altLang="en-US" sz="1600" b="0" i="0">
+                <a:solidFill>
+                  <a:srgbClr val="000000"/>
+                </a:solidFill>
+                <a:latin typeface="微软雅黑" panose="020B0503020204020204" charset="-122"/>
+                <a:ea typeface="微软雅黑" panose="020B0503020204020204" charset="-122"/>
+              </a:rPr>
+              <a:t>模型微调，剪枝，模型量化（目前我正在主要学习的）</a:t>
+            </a:r>
+            <a:endParaRPr lang="en-US" altLang="zh-CN" sz="1600" b="0" i="0">
+              <a:solidFill>
+                <a:srgbClr val="000000"/>
+              </a:solidFill>
+              <a:latin typeface="微软雅黑" panose="020B0503020204020204" charset="-122"/>
+              <a:ea typeface="微软雅黑" panose="020B0503020204020204" charset="-122"/>
+            </a:endParaRPr>
+          </a:p>
+          <a:p>
+            <a:pPr marL="0" indent="457200" algn="just"/>
+            <a:r>
+              <a:rPr lang="en-US" altLang="zh-CN" sz="1600" b="0" i="0">
+                <a:solidFill>
+                  <a:srgbClr val="000000"/>
+                </a:solidFill>
+                <a:latin typeface="微软雅黑" panose="020B0503020204020204" charset="-122"/>
+                <a:ea typeface="微软雅黑" panose="020B0503020204020204" charset="-122"/>
+              </a:rPr>
+              <a:t>4.SLM</a:t>
+            </a:r>
+            <a:r>
+              <a:rPr lang="zh-CN" altLang="en-US" sz="1600" b="0" i="0">
+                <a:solidFill>
+                  <a:srgbClr val="000000"/>
+                </a:solidFill>
+                <a:latin typeface="微软雅黑" panose="020B0503020204020204" charset="-122"/>
+                <a:ea typeface="微软雅黑" panose="020B0503020204020204" charset="-122"/>
+              </a:rPr>
+              <a:t>，</a:t>
+            </a:r>
+            <a:r>
+              <a:rPr lang="en-US" altLang="zh-CN" sz="1600" b="0" i="0">
+                <a:solidFill>
+                  <a:srgbClr val="000000"/>
+                </a:solidFill>
+                <a:latin typeface="微软雅黑" panose="020B0503020204020204" charset="-122"/>
+                <a:ea typeface="微软雅黑" panose="020B0503020204020204" charset="-122"/>
+              </a:rPr>
+              <a:t>VLM</a:t>
+            </a:r>
+            <a:endParaRPr lang="en-US" altLang="zh-CN" sz="1600" b="0" i="0">
+              <a:solidFill>
+                <a:srgbClr val="000000"/>
+              </a:solidFill>
+              <a:latin typeface="微软雅黑" panose="020B0503020204020204" charset="-122"/>
+              <a:ea typeface="微软雅黑" panose="020B0503020204020204" charset="-122"/>
+            </a:endParaRPr>
+          </a:p>
+          <a:p>
+            <a:pPr marL="0" indent="457200" algn="just"/>
+            <a:endParaRPr lang="zh-CN" altLang="en-US" sz="1600" b="0" i="0">
+              <a:solidFill>
+                <a:srgbClr val="000000"/>
+              </a:solidFill>
+              <a:latin typeface="微软雅黑" panose="020B0503020204020204" charset="-122"/>
+              <a:ea typeface="微软雅黑" panose="020B0503020204020204" charset="-122"/>
+            </a:endParaRPr>
+          </a:p>
+          <a:p>
+            <a:pPr marL="0" lvl="0" indent="0" algn="just">
+              <a:buNone/>
+            </a:pPr>
+            <a:r>
+              <a:rPr lang="zh-CN" altLang="en-US" sz="1600" b="0" i="0">
+                <a:solidFill>
+                  <a:srgbClr val="000000"/>
+                </a:solidFill>
+                <a:latin typeface="微软雅黑" panose="020B0503020204020204" charset="-122"/>
+                <a:ea typeface="微软雅黑" panose="020B0503020204020204" charset="-122"/>
+              </a:rPr>
+              <a:t>动手实践：</a:t>
+            </a:r>
+            <a:endParaRPr lang="zh-CN" altLang="en-US" sz="1600" b="0" i="0">
+              <a:solidFill>
+                <a:srgbClr val="000000"/>
+              </a:solidFill>
+              <a:latin typeface="微软雅黑" panose="020B0503020204020204" charset="-122"/>
+              <a:ea typeface="微软雅黑" panose="020B0503020204020204" charset="-122"/>
+            </a:endParaRPr>
+          </a:p>
+          <a:p>
+            <a:pPr marL="0" lvl="0" indent="457200" algn="just">
+              <a:buNone/>
+            </a:pPr>
+            <a:r>
+              <a:rPr lang="en-US" altLang="zh-CN" sz="1600" b="0" i="0">
+                <a:solidFill>
+                  <a:srgbClr val="000000"/>
+                </a:solidFill>
+                <a:latin typeface="微软雅黑" panose="020B0503020204020204" charset="-122"/>
+                <a:ea typeface="微软雅黑" panose="020B0503020204020204" charset="-122"/>
+              </a:rPr>
+              <a:t>1.</a:t>
+            </a:r>
+            <a:r>
+              <a:rPr lang="zh-CN" altLang="en-US" sz="1600" b="0" i="0">
+                <a:solidFill>
+                  <a:srgbClr val="000000"/>
+                </a:solidFill>
+                <a:latin typeface="微软雅黑" panose="020B0503020204020204" charset="-122"/>
+                <a:ea typeface="微软雅黑" panose="020B0503020204020204" charset="-122"/>
+              </a:rPr>
+              <a:t>前置知识的实践（已经跟着一些比如李沐老师的动手深度学习等敲过一些）</a:t>
+            </a:r>
+            <a:endParaRPr lang="zh-CN" altLang="en-US" sz="1600" b="0" i="0">
+              <a:solidFill>
+                <a:srgbClr val="000000"/>
+              </a:solidFill>
+              <a:latin typeface="微软雅黑" panose="020B0503020204020204" charset="-122"/>
+              <a:ea typeface="微软雅黑" panose="020B0503020204020204" charset="-122"/>
+            </a:endParaRPr>
+          </a:p>
+          <a:p>
+            <a:pPr marL="0" lvl="0" indent="457200" algn="just">
+              <a:buNone/>
+            </a:pPr>
+            <a:r>
+              <a:rPr lang="en-US" altLang="zh-CN" sz="1600" b="0" i="0">
+                <a:solidFill>
+                  <a:srgbClr val="000000"/>
+                </a:solidFill>
+                <a:latin typeface="微软雅黑" panose="020B0503020204020204" charset="-122"/>
+                <a:ea typeface="微软雅黑" panose="020B0503020204020204" charset="-122"/>
+              </a:rPr>
+              <a:t>2.</a:t>
+            </a:r>
+            <a:r>
+              <a:rPr lang="zh-CN" altLang="en-US" sz="1600" b="0" i="0">
+                <a:solidFill>
+                  <a:srgbClr val="000000"/>
+                </a:solidFill>
+                <a:latin typeface="微软雅黑" panose="020B0503020204020204" charset="-122"/>
+                <a:ea typeface="微软雅黑" panose="020B0503020204020204" charset="-122"/>
+              </a:rPr>
+              <a:t>自己实践一次模型的微调对齐（目前正在尝试的）</a:t>
+            </a:r>
+            <a:endParaRPr lang="zh-CN" altLang="en-US" sz="1600" b="0" i="0">
+              <a:solidFill>
+                <a:srgbClr val="000000"/>
+              </a:solidFill>
+              <a:latin typeface="微软雅黑" panose="020B0503020204020204" charset="-122"/>
+              <a:ea typeface="微软雅黑" panose="020B0503020204020204" charset="-122"/>
+            </a:endParaRPr>
+          </a:p>
+          <a:p>
+            <a:pPr marL="0" lvl="0" indent="457200" algn="just">
+              <a:buNone/>
+            </a:pPr>
+            <a:r>
+              <a:rPr lang="en-US" altLang="zh-CN" sz="1600" b="0" i="0">
+                <a:solidFill>
+                  <a:srgbClr val="000000"/>
+                </a:solidFill>
+                <a:latin typeface="微软雅黑" panose="020B0503020204020204" charset="-122"/>
+                <a:ea typeface="微软雅黑" panose="020B0503020204020204" charset="-122"/>
+              </a:rPr>
+              <a:t>3.</a:t>
+            </a:r>
+            <a:r>
+              <a:rPr lang="zh-CN" altLang="en-US" sz="1600" b="0" i="0">
+                <a:solidFill>
+                  <a:srgbClr val="000000"/>
+                </a:solidFill>
+                <a:latin typeface="微软雅黑" panose="020B0503020204020204" charset="-122"/>
+                <a:ea typeface="微软雅黑" panose="020B0503020204020204" charset="-122"/>
+              </a:rPr>
+              <a:t>尝试自己把一个原有模型迁移到其他任务</a:t>
+            </a:r>
+            <a:endParaRPr lang="zh-CN" altLang="en-US" sz="1600" b="0" i="0">
+              <a:solidFill>
+                <a:srgbClr val="000000"/>
+              </a:solidFill>
+              <a:latin typeface="微软雅黑" panose="020B0503020204020204" charset="-122"/>
+              <a:ea typeface="微软雅黑" panose="020B0503020204020204" charset="-122"/>
+            </a:endParaRPr>
+          </a:p>
+          <a:p>
+            <a:pPr marL="0" lvl="0" indent="457200" algn="just">
+              <a:buNone/>
+            </a:pPr>
+            <a:r>
+              <a:rPr lang="en-US" altLang="zh-CN" sz="1600" b="0" i="0">
+                <a:solidFill>
+                  <a:srgbClr val="000000"/>
+                </a:solidFill>
+                <a:latin typeface="微软雅黑" panose="020B0503020204020204" charset="-122"/>
+                <a:ea typeface="微软雅黑" panose="020B0503020204020204" charset="-122"/>
+              </a:rPr>
+              <a:t>4.</a:t>
+            </a:r>
+            <a:r>
+              <a:rPr lang="zh-CN" altLang="en-US" sz="1600" b="0" i="0">
+                <a:solidFill>
+                  <a:srgbClr val="000000"/>
+                </a:solidFill>
+                <a:latin typeface="微软雅黑" panose="020B0503020204020204" charset="-122"/>
+                <a:ea typeface="微软雅黑" panose="020B0503020204020204" charset="-122"/>
+              </a:rPr>
+              <a:t>实践一次模型量化</a:t>
+            </a:r>
+            <a:endParaRPr lang="zh-CN" altLang="en-US" sz="1600" b="0" i="0">
+              <a:solidFill>
+                <a:srgbClr val="000000"/>
+              </a:solidFill>
+              <a:latin typeface="微软雅黑" panose="020B0503020204020204" charset="-122"/>
+              <a:ea typeface="微软雅黑" panose="020B0503020204020204" charset="-122"/>
+            </a:endParaRPr>
+          </a:p>
+          <a:p>
+            <a:pPr marL="0" indent="0" algn="just"/>
+            <a:endParaRPr lang="zh-CN" altLang="en-US" sz="1600" b="0" i="0">
+              <a:solidFill>
+                <a:srgbClr val="000000"/>
+              </a:solidFill>
+              <a:latin typeface="微软雅黑" panose="020B0503020204020204" charset="-122"/>
+              <a:ea typeface="微软雅黑" panose="020B0503020204020204" charset="-122"/>
+            </a:endParaRPr>
+          </a:p>
+        </p:txBody>
+      </p:sp>
+    </p:spTree>
+  </p:cSld>
+  <p:clrMapOvr>
+    <a:masterClrMapping/>
+  </p:clrMapOvr>
+</p:sld>
+</file>
+
+<file path=ppt/slides/slide14.xml><?xml version="1.0" encoding="utf-8"?>
+<p:sld xmlns:a="http://schemas.openxmlformats.org/drawingml/2006/main" xmlns:r="http://schemas.openxmlformats.org/officeDocument/2006/relationships" xmlns:p="http://schemas.openxmlformats.org/presentationml/2006/main">
+  <p:cSld>
+    <p:spTree>
+      <p:nvGrpSpPr>
+        <p:cNvPr id="1" name=""/>
+        <p:cNvGrpSpPr/>
+        <p:nvPr/>
+      </p:nvGrpSpPr>
+      <p:grpSpPr>
+        <a:xfrm>
+          <a:off x="0" y="0"/>
+          <a:ext cx="0" cy="0"/>
+          <a:chOff x="0" y="0"/>
+          <a:chExt cx="0" cy="0"/>
+        </a:xfrm>
+      </p:grpSpPr>
+      <p:sp>
+        <p:nvSpPr>
+          <p:cNvPr id="13" name="文本框 12"/>
+          <p:cNvSpPr txBox="1"/>
+          <p:nvPr/>
+        </p:nvSpPr>
+        <p:spPr>
+          <a:xfrm>
+            <a:off x="106466" y="601786"/>
+            <a:ext cx="1287780" cy="398780"/>
+          </a:xfrm>
+          <a:prstGeom prst="rect">
+            <a:avLst/>
+          </a:prstGeom>
+          <a:noFill/>
+        </p:spPr>
+        <p:txBody>
+          <a:bodyPr wrap="none" rtlCol="0">
+            <a:spAutoFit/>
+          </a:bodyPr>
+          <a:lstStyle/>
+          <a:p>
+            <a:pPr marL="342900" indent="-342900">
+              <a:buFont typeface="Wingdings" panose="05000000000000000000" charset="0"/>
+              <a:buChar char="n"/>
+            </a:pPr>
+            <a:r>
+              <a:rPr lang="zh-CN" altLang="en-US" sz="2000" b="1" dirty="0">
+                <a:latin typeface="微软雅黑" panose="020B0503020204020204" charset="-122"/>
+                <a:ea typeface="微软雅黑" panose="020B0503020204020204" charset="-122"/>
+              </a:rPr>
+              <a:t>下一周</a:t>
+            </a:r>
+            <a:endParaRPr lang="zh-CN" altLang="en-US" sz="2000" b="1" dirty="0">
+              <a:latin typeface="微软雅黑" panose="020B0503020204020204" charset="-122"/>
+              <a:ea typeface="微软雅黑" panose="020B0503020204020204" charset="-122"/>
+            </a:endParaRPr>
+          </a:p>
+        </p:txBody>
+      </p:sp>
+      <p:sp>
+        <p:nvSpPr>
+          <p:cNvPr id="6" name="矩形 5"/>
+          <p:cNvSpPr/>
+          <p:nvPr>
+            <p:custDataLst>
+              <p:tags r:id="rId1"/>
+            </p:custDataLst>
+          </p:nvPr>
+        </p:nvSpPr>
+        <p:spPr>
+          <a:xfrm>
+            <a:off x="-6350" y="0"/>
+            <a:ext cx="12198350" cy="540000"/>
+          </a:xfrm>
+          <a:prstGeom prst="rect">
+            <a:avLst/>
+          </a:prstGeom>
+          <a:solidFill>
+            <a:srgbClr val="A099CB"/>
+          </a:solidFill>
+          <a:ln>
+            <a:noFill/>
+          </a:ln>
+        </p:spPr>
+        <p:style>
+          <a:lnRef idx="2">
+            <a:schemeClr val="accent1">
+              <a:shade val="50000"/>
+            </a:schemeClr>
+          </a:lnRef>
+          <a:fillRef idx="1">
+            <a:schemeClr val="accent1"/>
+          </a:fillRef>
+          <a:effectRef idx="0">
+            <a:schemeClr val="accent1"/>
+          </a:effectRef>
+          <a:fontRef idx="minor">
+            <a:schemeClr val="lt1"/>
+          </a:fontRef>
+        </p:style>
+        <p:txBody>
+          <a:bodyPr rtlCol="0" anchor="ctr"/>
+          <a:p>
+            <a:pPr marL="0" marR="0" lvl="0" indent="0" algn="ctr" defTabSz="914400" rtl="0" eaLnBrk="1" fontAlgn="auto" latinLnBrk="0" hangingPunct="1">
+              <a:lnSpc>
+                <a:spcPct val="100000"/>
+              </a:lnSpc>
+              <a:spcBef>
+                <a:spcPts val="0"/>
+              </a:spcBef>
+              <a:spcAft>
+                <a:spcPts val="0"/>
+              </a:spcAft>
+              <a:buClrTx/>
+              <a:buSzTx/>
+              <a:buFontTx/>
+              <a:buNone/>
+              <a:defRPr/>
+            </a:pPr>
+            <a:r>
+              <a:rPr lang="en-US" altLang="zh-CN" dirty="0">
+                <a:effectLst/>
+                <a:latin typeface="微软雅黑" panose="020B0503020204020204" charset="-122"/>
+                <a:ea typeface="微软雅黑" panose="020B0503020204020204" charset="-122"/>
+                <a:sym typeface="+mn-ea"/>
+              </a:rPr>
+              <a:t>4.</a:t>
+            </a:r>
+            <a:r>
+              <a:rPr lang="zh-CN" altLang="en-US" dirty="0">
+                <a:effectLst/>
+                <a:latin typeface="微软雅黑" panose="020B0503020204020204" charset="-122"/>
+                <a:ea typeface="微软雅黑" panose="020B0503020204020204" charset="-122"/>
+                <a:sym typeface="+mn-ea"/>
+              </a:rPr>
+              <a:t>计划</a:t>
+            </a:r>
+            <a:endParaRPr lang="zh-CN" altLang="en-US" dirty="0">
+              <a:effectLst/>
+              <a:latin typeface="微软雅黑" panose="020B0503020204020204" charset="-122"/>
+              <a:ea typeface="微软雅黑" panose="020B0503020204020204" charset="-122"/>
+              <a:sym typeface="+mn-ea"/>
+            </a:endParaRPr>
+          </a:p>
+        </p:txBody>
+      </p:sp>
+      <p:sp>
+        <p:nvSpPr>
           <p:cNvPr id="7" name="文本框 6"/>
           <p:cNvSpPr txBox="1"/>
           <p:nvPr/>
@@ -5602,7 +5999,7 @@
 </p:sld>
 </file>
 
-<file path=ppt/slides/slide14.xml><?xml version="1.0" encoding="utf-8"?>
+<file path=ppt/slides/slide15.xml><?xml version="1.0" encoding="utf-8"?>
 <p:sld xmlns:a="http://schemas.openxmlformats.org/drawingml/2006/main" xmlns:r="http://schemas.openxmlformats.org/officeDocument/2006/relationships" xmlns:p="http://schemas.openxmlformats.org/presentationml/2006/main">
   <p:cSld>
     <p:spTree>
@@ -7855,9 +8252,49 @@
                 <a:latin typeface="微软雅黑" panose="020B0503020204020204" charset="-122"/>
                 <a:ea typeface="微软雅黑" panose="020B0503020204020204" charset="-122"/>
               </a:rPr>
-              <a:t>加强版的彩票假设，</a:t>
-            </a:r>
-            <a:endParaRPr lang="en-US" altLang="zh-CN" sz="1600" dirty="0">
+              <a:t>加强版的彩票假设，表示出了计算神经网络中</a:t>
+            </a:r>
+            <a:r>
+              <a:rPr lang="en-US" altLang="zh-CN" sz="1600" dirty="0">
+                <a:solidFill>
+                  <a:schemeClr val="tx1"/>
+                </a:solidFill>
+                <a:latin typeface="微软雅黑" panose="020B0503020204020204" charset="-122"/>
+                <a:ea typeface="微软雅黑" panose="020B0503020204020204" charset="-122"/>
+              </a:rPr>
+              <a:t>“</a:t>
+            </a:r>
+            <a:r>
+              <a:rPr lang="zh-CN" altLang="en-US" sz="1600" dirty="0">
+                <a:solidFill>
+                  <a:schemeClr val="tx1"/>
+                </a:solidFill>
+                <a:latin typeface="微软雅黑" panose="020B0503020204020204" charset="-122"/>
+                <a:ea typeface="微软雅黑" panose="020B0503020204020204" charset="-122"/>
+              </a:rPr>
+              <a:t>最重要的子网络</a:t>
+            </a:r>
+            <a:r>
+              <a:rPr lang="en-US" altLang="zh-CN" sz="1600" dirty="0">
+                <a:solidFill>
+                  <a:schemeClr val="tx1"/>
+                </a:solidFill>
+                <a:latin typeface="微软雅黑" panose="020B0503020204020204" charset="-122"/>
+                <a:ea typeface="微软雅黑" panose="020B0503020204020204" charset="-122"/>
+              </a:rPr>
+              <a:t>”</a:t>
+            </a:r>
+            <a:r>
+              <a:rPr lang="zh-CN" altLang="en-US" sz="1600" dirty="0">
+                <a:solidFill>
+                  <a:schemeClr val="tx1"/>
+                </a:solidFill>
+                <a:latin typeface="微软雅黑" panose="020B0503020204020204" charset="-122"/>
+                <a:ea typeface="微软雅黑" panose="020B0503020204020204" charset="-122"/>
+              </a:rPr>
+              <a:t>的权重计算方法</a:t>
+            </a:r>
+            <a:endParaRPr lang="zh-CN" altLang="en-US" sz="1600" dirty="0">
               <a:solidFill>
                 <a:schemeClr val="tx1"/>
               </a:solidFill>
@@ -7867,6 +8304,28 @@
           </a:p>
         </p:txBody>
       </p:sp>
+      <p:pic>
+        <p:nvPicPr>
+          <p:cNvPr id="2" name="图片 1"/>
+          <p:cNvPicPr/>
+          <p:nvPr/>
+        </p:nvPicPr>
+        <p:blipFill>
+          <a:blip r:embed="rId3"/>
+          <a:stretch>
+            <a:fillRect/>
+          </a:stretch>
+        </p:blipFill>
+        <p:spPr>
+          <a:xfrm>
+            <a:off x="286068" y="3952558"/>
+            <a:ext cx="11591925" cy="2905125"/>
+          </a:xfrm>
+          <a:prstGeom prst="rect">
+            <a:avLst/>
+          </a:prstGeom>
+        </p:spPr>
+      </p:pic>
     </p:spTree>
   </p:cSld>
   <p:clrMapOvr>
@@ -7876,6 +8335,482 @@
 </file>
 
 <file path=ppt/slides/slide7.xml><?xml version="1.0" encoding="utf-8"?>
+<p:sld xmlns:a="http://schemas.openxmlformats.org/drawingml/2006/main" xmlns:r="http://schemas.openxmlformats.org/officeDocument/2006/relationships" xmlns:p="http://schemas.openxmlformats.org/presentationml/2006/main">
+  <p:cSld>
+    <p:spTree>
+      <p:nvGrpSpPr>
+        <p:cNvPr id="1" name=""/>
+        <p:cNvGrpSpPr/>
+        <p:nvPr/>
+      </p:nvGrpSpPr>
+      <p:grpSpPr>
+        <a:xfrm>
+          <a:off x="0" y="0"/>
+          <a:ext cx="0" cy="0"/>
+          <a:chOff x="0" y="0"/>
+          <a:chExt cx="0" cy="0"/>
+        </a:xfrm>
+      </p:grpSpPr>
+      <p:sp>
+        <p:nvSpPr>
+          <p:cNvPr id="13" name="文本框 12"/>
+          <p:cNvSpPr txBox="1"/>
+          <p:nvPr/>
+        </p:nvSpPr>
+        <p:spPr>
+          <a:xfrm>
+            <a:off x="106466" y="601786"/>
+            <a:ext cx="1033780" cy="398780"/>
+          </a:xfrm>
+          <a:prstGeom prst="rect">
+            <a:avLst/>
+          </a:prstGeom>
+          <a:noFill/>
+        </p:spPr>
+        <p:txBody>
+          <a:bodyPr wrap="none" rtlCol="0">
+            <a:spAutoFit/>
+          </a:bodyPr>
+          <a:lstStyle/>
+          <a:p>
+            <a:pPr marL="342900" indent="-342900">
+              <a:buFont typeface="Wingdings" panose="05000000000000000000" charset="0"/>
+              <a:buChar char="n"/>
+            </a:pPr>
+            <a:r>
+              <a:rPr lang="zh-CN" altLang="en-US" sz="2000" b="1" dirty="0">
+                <a:latin typeface="微软雅黑" panose="020B0503020204020204" charset="-122"/>
+                <a:ea typeface="微软雅黑" panose="020B0503020204020204" charset="-122"/>
+              </a:rPr>
+              <a:t>概述</a:t>
+            </a:r>
+            <a:endParaRPr lang="zh-CN" altLang="en-US" sz="2000" b="1" dirty="0"/>
+          </a:p>
+        </p:txBody>
+      </p:sp>
+      <p:sp>
+        <p:nvSpPr>
+          <p:cNvPr id="7" name="文本框 6"/>
+          <p:cNvSpPr txBox="1"/>
+          <p:nvPr/>
+        </p:nvSpPr>
+        <p:spPr>
+          <a:xfrm>
+            <a:off x="724535" y="1323340"/>
+            <a:ext cx="2247900" cy="410845"/>
+          </a:xfrm>
+          <a:prstGeom prst="rect">
+            <a:avLst/>
+          </a:prstGeom>
+          <a:noFill/>
+        </p:spPr>
+        <p:txBody>
+          <a:bodyPr wrap="square">
+            <a:noAutofit/>
+          </a:bodyPr>
+          <a:lstStyle/>
+          <a:p>
+            <a:pPr algn="l" fontAlgn="auto">
+              <a:lnSpc>
+                <a:spcPts val="2200"/>
+              </a:lnSpc>
+              <a:buClrTx/>
+              <a:buSzTx/>
+              <a:buNone/>
+            </a:pPr>
+            <a:endParaRPr lang="zh-CN" altLang="en-US" sz="1600" dirty="0">
+              <a:latin typeface="微软雅黑" panose="020B0503020204020204" charset="-122"/>
+              <a:ea typeface="微软雅黑" panose="020B0503020204020204" charset="-122"/>
+            </a:endParaRPr>
+          </a:p>
+        </p:txBody>
+      </p:sp>
+      <p:sp>
+        <p:nvSpPr>
+          <p:cNvPr id="3" name="矩形 2"/>
+          <p:cNvSpPr/>
+          <p:nvPr>
+            <p:custDataLst>
+              <p:tags r:id="rId1"/>
+            </p:custDataLst>
+          </p:nvPr>
+        </p:nvSpPr>
+        <p:spPr>
+          <a:xfrm>
+            <a:off x="-6350" y="0"/>
+            <a:ext cx="12198350" cy="540000"/>
+          </a:xfrm>
+          <a:prstGeom prst="rect">
+            <a:avLst/>
+          </a:prstGeom>
+          <a:solidFill>
+            <a:srgbClr val="A099CB"/>
+          </a:solidFill>
+          <a:ln>
+            <a:noFill/>
+          </a:ln>
+        </p:spPr>
+        <p:style>
+          <a:lnRef idx="2">
+            <a:schemeClr val="accent1">
+              <a:shade val="50000"/>
+            </a:schemeClr>
+          </a:lnRef>
+          <a:fillRef idx="1">
+            <a:schemeClr val="accent1"/>
+          </a:fillRef>
+          <a:effectRef idx="0">
+            <a:schemeClr val="accent1"/>
+          </a:effectRef>
+          <a:fontRef idx="minor">
+            <a:schemeClr val="lt1"/>
+          </a:fontRef>
+        </p:style>
+        <p:txBody>
+          <a:bodyPr rtlCol="0" anchor="ctr"/>
+          <a:p>
+            <a:pPr marL="0" marR="0" lvl="0" indent="0" algn="ctr" defTabSz="914400" rtl="0" eaLnBrk="1" fontAlgn="auto" latinLnBrk="0" hangingPunct="1">
+              <a:lnSpc>
+                <a:spcPct val="100000"/>
+              </a:lnSpc>
+              <a:spcBef>
+                <a:spcPts val="0"/>
+              </a:spcBef>
+              <a:spcAft>
+                <a:spcPts val="0"/>
+              </a:spcAft>
+              <a:buClrTx/>
+              <a:buSzTx/>
+              <a:buFontTx/>
+              <a:buNone/>
+              <a:defRPr/>
+            </a:pPr>
+            <a:r>
+              <a:rPr lang="en-US" altLang="zh-CN" sz="1800" dirty="0">
+                <a:effectLst/>
+                <a:latin typeface="微软雅黑" panose="020B0503020204020204" charset="-122"/>
+                <a:ea typeface="微软雅黑" panose="020B0503020204020204" charset="-122"/>
+              </a:rPr>
+              <a:t>1.</a:t>
+            </a:r>
+            <a:r>
+              <a:rPr lang="en-US" altLang="zh-CN" dirty="0">
+                <a:effectLst/>
+                <a:latin typeface="微软雅黑" panose="020B0503020204020204" charset="-122"/>
+                <a:ea typeface="微软雅黑" panose="020B0503020204020204" charset="-122"/>
+                <a:sym typeface="+mn-ea"/>
+              </a:rPr>
+              <a:t>基础大模型论文</a:t>
+            </a:r>
+            <a:endParaRPr lang="en-US" altLang="zh-CN" dirty="0">
+              <a:effectLst/>
+              <a:latin typeface="微软雅黑" panose="020B0503020204020204" charset="-122"/>
+              <a:ea typeface="微软雅黑" panose="020B0503020204020204" charset="-122"/>
+            </a:endParaRPr>
+          </a:p>
+        </p:txBody>
+      </p:sp>
+      <p:sp>
+        <p:nvSpPr>
+          <p:cNvPr id="5" name="文本框 4"/>
+          <p:cNvSpPr txBox="1"/>
+          <p:nvPr>
+            <p:custDataLst>
+              <p:tags r:id="rId2"/>
+            </p:custDataLst>
+          </p:nvPr>
+        </p:nvSpPr>
+        <p:spPr>
+          <a:xfrm>
+            <a:off x="455295" y="972185"/>
+            <a:ext cx="11736705" cy="922020"/>
+          </a:xfrm>
+          <a:prstGeom prst="rect">
+            <a:avLst/>
+          </a:prstGeom>
+          <a:noFill/>
+        </p:spPr>
+        <p:txBody>
+          <a:bodyPr wrap="square" rtlCol="0">
+            <a:spAutoFit/>
+          </a:bodyPr>
+          <a:p>
+            <a:pPr marL="285750" indent="-285750">
+              <a:lnSpc>
+                <a:spcPct val="150000"/>
+              </a:lnSpc>
+              <a:buFont typeface="Wingdings" panose="05000000000000000000" charset="0"/>
+              <a:buChar char="p"/>
+            </a:pPr>
+            <a:r>
+              <a:rPr lang="en-US" altLang="zh-CN" b="1" dirty="0">
+                <a:latin typeface="微软雅黑" panose="020B0503020204020204" charset="-122"/>
+                <a:ea typeface="微软雅黑" panose="020B0503020204020204" charset="-122"/>
+              </a:rPr>
+              <a:t>Malach E, Yehudai G, Shalev-Schwartz S, et al. Proving the lottery ticket hypothesis: Pruning is all you need[C]//International Conference on Machine Learning. PMLR, 2020: 6682-6691.</a:t>
+            </a:r>
+            <a:endParaRPr lang="en-US" altLang="zh-CN" b="1" dirty="0">
+              <a:latin typeface="微软雅黑" panose="020B0503020204020204" charset="-122"/>
+              <a:ea typeface="微软雅黑" panose="020B0503020204020204" charset="-122"/>
+            </a:endParaRPr>
+          </a:p>
+        </p:txBody>
+      </p:sp>
+      <p:sp>
+        <p:nvSpPr>
+          <p:cNvPr id="10" name="文本框 9"/>
+          <p:cNvSpPr txBox="1"/>
+          <p:nvPr/>
+        </p:nvSpPr>
+        <p:spPr>
+          <a:xfrm>
+            <a:off x="353060" y="1894205"/>
+            <a:ext cx="11251565" cy="1423670"/>
+          </a:xfrm>
+          <a:prstGeom prst="rect">
+            <a:avLst/>
+          </a:prstGeom>
+          <a:noFill/>
+        </p:spPr>
+        <p:txBody>
+          <a:bodyPr wrap="square" rtlCol="0">
+            <a:noAutofit/>
+          </a:bodyPr>
+          <a:p>
+            <a:pPr marL="0" lvl="0" indent="457200">
+              <a:buNone/>
+            </a:pPr>
+            <a:r>
+              <a:rPr lang="zh-CN" altLang="en-US" sz="1600" dirty="0">
+                <a:solidFill>
+                  <a:schemeClr val="tx1"/>
+                </a:solidFill>
+                <a:latin typeface="微软雅黑" panose="020B0503020204020204" charset="-122"/>
+                <a:ea typeface="微软雅黑" panose="020B0503020204020204" charset="-122"/>
+              </a:rPr>
+              <a:t>证明了结构化剪枝的效果，提出了两种剪枝的方法：权重剪枝</a:t>
+            </a:r>
+            <a:r>
+              <a:rPr lang="en-US" altLang="zh-CN" sz="1600" dirty="0">
+                <a:solidFill>
+                  <a:schemeClr val="tx1"/>
+                </a:solidFill>
+                <a:latin typeface="微软雅黑" panose="020B0503020204020204" charset="-122"/>
+                <a:ea typeface="微软雅黑" panose="020B0503020204020204" charset="-122"/>
+              </a:rPr>
+              <a:t>--</a:t>
+            </a:r>
+            <a:r>
+              <a:rPr lang="zh-CN" altLang="en-US" sz="1600" dirty="0">
+                <a:solidFill>
+                  <a:schemeClr val="tx1"/>
+                </a:solidFill>
+                <a:latin typeface="微软雅黑" panose="020B0503020204020204" charset="-122"/>
+                <a:ea typeface="微软雅黑" panose="020B0503020204020204" charset="-122"/>
+              </a:rPr>
+              <a:t>根据重要性剪出</a:t>
+            </a:r>
+            <a:r>
+              <a:rPr lang="en-US" altLang="zh-CN" sz="1600" dirty="0">
+                <a:solidFill>
+                  <a:schemeClr val="tx1"/>
+                </a:solidFill>
+                <a:latin typeface="微软雅黑" panose="020B0503020204020204" charset="-122"/>
+                <a:ea typeface="微软雅黑" panose="020B0503020204020204" charset="-122"/>
+              </a:rPr>
+              <a:t>“</a:t>
+            </a:r>
+            <a:r>
+              <a:rPr lang="zh-CN" altLang="en-US" sz="1600" dirty="0">
+                <a:solidFill>
+                  <a:schemeClr val="tx1"/>
+                </a:solidFill>
+                <a:latin typeface="微软雅黑" panose="020B0503020204020204" charset="-122"/>
+                <a:ea typeface="微软雅黑" panose="020B0503020204020204" charset="-122"/>
+              </a:rPr>
+              <a:t>最重要的子网络</a:t>
+            </a:r>
+            <a:r>
+              <a:rPr lang="en-US" altLang="zh-CN" sz="1600" dirty="0">
+                <a:solidFill>
+                  <a:schemeClr val="tx1"/>
+                </a:solidFill>
+                <a:latin typeface="微软雅黑" panose="020B0503020204020204" charset="-122"/>
+                <a:ea typeface="微软雅黑" panose="020B0503020204020204" charset="-122"/>
+              </a:rPr>
+              <a:t>”</a:t>
+            </a:r>
+            <a:r>
+              <a:rPr lang="zh-CN" altLang="en-US" sz="1600" dirty="0">
+                <a:solidFill>
+                  <a:schemeClr val="tx1"/>
+                </a:solidFill>
+                <a:latin typeface="微软雅黑" panose="020B0503020204020204" charset="-122"/>
+                <a:ea typeface="微软雅黑" panose="020B0503020204020204" charset="-122"/>
+              </a:rPr>
+              <a:t>。这样会出现一个问题就是神经网络会不完全，如下图</a:t>
+            </a:r>
+            <a:r>
+              <a:rPr lang="en-US" altLang="zh-CN" sz="1600" dirty="0">
+                <a:solidFill>
+                  <a:schemeClr val="tx1"/>
+                </a:solidFill>
+                <a:latin typeface="微软雅黑" panose="020B0503020204020204" charset="-122"/>
+                <a:ea typeface="微软雅黑" panose="020B0503020204020204" charset="-122"/>
+              </a:rPr>
+              <a:t>b</a:t>
+            </a:r>
+            <a:r>
+              <a:rPr lang="zh-CN" altLang="en-US" sz="1600" dirty="0">
+                <a:solidFill>
+                  <a:schemeClr val="tx1"/>
+                </a:solidFill>
+                <a:latin typeface="微软雅黑" panose="020B0503020204020204" charset="-122"/>
+                <a:ea typeface="微软雅黑" panose="020B0503020204020204" charset="-122"/>
+              </a:rPr>
+              <a:t>。第二层某个神经元会和下一层没有链接。第二种方法：子网络剪枝</a:t>
+            </a:r>
+            <a:r>
+              <a:rPr lang="en-US" altLang="zh-CN" sz="1600" dirty="0">
+                <a:solidFill>
+                  <a:schemeClr val="tx1"/>
+                </a:solidFill>
+                <a:latin typeface="微软雅黑" panose="020B0503020204020204" charset="-122"/>
+                <a:ea typeface="微软雅黑" panose="020B0503020204020204" charset="-122"/>
+              </a:rPr>
+              <a:t>--</a:t>
+            </a:r>
+            <a:r>
+              <a:rPr lang="zh-CN" altLang="en-US" sz="1600" dirty="0">
+                <a:solidFill>
+                  <a:schemeClr val="tx1"/>
+                </a:solidFill>
+                <a:latin typeface="微软雅黑" panose="020B0503020204020204" charset="-122"/>
+                <a:ea typeface="微软雅黑" panose="020B0503020204020204" charset="-122"/>
+              </a:rPr>
+              <a:t>这样就剪出一个完整的相对重要的网络</a:t>
+            </a:r>
+            <a:endParaRPr lang="zh-CN" altLang="en-US" sz="1600" dirty="0">
+              <a:solidFill>
+                <a:schemeClr val="tx1"/>
+              </a:solidFill>
+              <a:latin typeface="微软雅黑" panose="020B0503020204020204" charset="-122"/>
+              <a:ea typeface="微软雅黑" panose="020B0503020204020204" charset="-122"/>
+            </a:endParaRPr>
+          </a:p>
+        </p:txBody>
+      </p:sp>
+      <p:pic>
+        <p:nvPicPr>
+          <p:cNvPr id="4" name="图片 3"/>
+          <p:cNvPicPr>
+            <a:picLocks noChangeAspect="1"/>
+          </p:cNvPicPr>
+          <p:nvPr/>
+        </p:nvPicPr>
+        <p:blipFill>
+          <a:blip r:embed="rId3"/>
+          <a:stretch>
+            <a:fillRect/>
+          </a:stretch>
+        </p:blipFill>
+        <p:spPr>
+          <a:xfrm>
+            <a:off x="2370455" y="3453130"/>
+            <a:ext cx="7310755" cy="2983865"/>
+          </a:xfrm>
+          <a:prstGeom prst="rect">
+            <a:avLst/>
+          </a:prstGeom>
+        </p:spPr>
+      </p:pic>
+      <p:sp>
+        <p:nvSpPr>
+          <p:cNvPr id="6" name="图文框 5"/>
+          <p:cNvSpPr/>
+          <p:nvPr/>
+        </p:nvSpPr>
+        <p:spPr>
+          <a:xfrm>
+            <a:off x="5384165" y="4041775"/>
+            <a:ext cx="396875" cy="504825"/>
+          </a:xfrm>
+          <a:prstGeom prst="frame">
+            <a:avLst/>
+          </a:prstGeom>
+        </p:spPr>
+        <p:style>
+          <a:lnRef idx="2">
+            <a:schemeClr val="accent1">
+              <a:lumMod val="75000"/>
+            </a:schemeClr>
+          </a:lnRef>
+          <a:fillRef idx="1">
+            <a:schemeClr val="accent1"/>
+          </a:fillRef>
+          <a:effectRef idx="0">
+            <a:srgbClr val="FFFFFF"/>
+          </a:effectRef>
+          <a:fontRef idx="minor">
+            <a:schemeClr val="lt1"/>
+          </a:fontRef>
+        </p:style>
+        <p:txBody>
+          <a:bodyPr rtlCol="0" anchor="ctr"/>
+          <a:p>
+            <a:pPr algn="ctr"/>
+            <a:endParaRPr lang="zh-CN" altLang="en-US">
+              <a:solidFill>
+                <a:schemeClr val="tx1"/>
+              </a:solidFill>
+            </a:endParaRPr>
+          </a:p>
+        </p:txBody>
+      </p:sp>
+      <p:cxnSp>
+        <p:nvCxnSpPr>
+          <p:cNvPr id="8" name="直接箭头连接符 7"/>
+          <p:cNvCxnSpPr>
+            <a:endCxn id="6" idx="0"/>
+          </p:cNvCxnSpPr>
+          <p:nvPr/>
+        </p:nvCxnSpPr>
+        <p:spPr>
+          <a:xfrm flipH="1">
+            <a:off x="5582920" y="2429510"/>
+            <a:ext cx="544195" cy="1612265"/>
+          </a:xfrm>
+          <a:prstGeom prst="straightConnector1">
+            <a:avLst/>
+          </a:prstGeom>
+          <a:ln>
+            <a:tailEnd type="arrow"/>
+          </a:ln>
+        </p:spPr>
+        <p:style>
+          <a:lnRef idx="2">
+            <a:schemeClr val="accent1"/>
+          </a:lnRef>
+          <a:fillRef idx="0">
+            <a:srgbClr val="FFFFFF"/>
+          </a:fillRef>
+          <a:effectRef idx="0">
+            <a:srgbClr val="FFFFFF"/>
+          </a:effectRef>
+          <a:fontRef idx="minor">
+            <a:schemeClr val="tx1"/>
+          </a:fontRef>
+        </p:style>
+      </p:cxnSp>
+    </p:spTree>
+  </p:cSld>
+  <p:clrMapOvr>
+    <a:masterClrMapping/>
+  </p:clrMapOvr>
+</p:sld>
+</file>
+
+<file path=ppt/slides/slide8.xml><?xml version="1.0" encoding="utf-8"?>
 <p:sld xmlns:a="http://schemas.openxmlformats.org/drawingml/2006/main" xmlns:r="http://schemas.openxmlformats.org/officeDocument/2006/relationships" xmlns:p="http://schemas.openxmlformats.org/presentationml/2006/main">
   <p:cSld>
     <p:spTree>
@@ -8056,962 +8991,6 @@
 </p:sld>
 </file>
 
-<file path=ppt/slides/slide8.xml><?xml version="1.0" encoding="utf-8"?>
-<p:sld xmlns:a="http://schemas.openxmlformats.org/drawingml/2006/main" xmlns:r="http://schemas.openxmlformats.org/officeDocument/2006/relationships" xmlns:p="http://schemas.openxmlformats.org/presentationml/2006/main">
-  <p:cSld>
-    <p:spTree>
-      <p:nvGrpSpPr>
-        <p:cNvPr id="1" name=""/>
-        <p:cNvGrpSpPr/>
-        <p:nvPr/>
-      </p:nvGrpSpPr>
-      <p:grpSpPr>
-        <a:xfrm>
-          <a:off x="0" y="0"/>
-          <a:ext cx="0" cy="0"/>
-          <a:chOff x="0" y="0"/>
-          <a:chExt cx="0" cy="0"/>
-        </a:xfrm>
-      </p:grpSpPr>
-      <p:sp>
-        <p:nvSpPr>
-          <p:cNvPr id="13" name="文本框 12"/>
-          <p:cNvSpPr txBox="1"/>
-          <p:nvPr/>
-        </p:nvSpPr>
-        <p:spPr>
-          <a:xfrm>
-            <a:off x="106466" y="601786"/>
-            <a:ext cx="1033780" cy="398780"/>
-          </a:xfrm>
-          <a:prstGeom prst="rect">
-            <a:avLst/>
-          </a:prstGeom>
-          <a:noFill/>
-        </p:spPr>
-        <p:txBody>
-          <a:bodyPr wrap="none" rtlCol="0">
-            <a:spAutoFit/>
-          </a:bodyPr>
-          <a:lstStyle/>
-          <a:p>
-            <a:pPr marL="342900" indent="-342900">
-              <a:buFont typeface="Wingdings" panose="05000000000000000000" charset="0"/>
-              <a:buChar char="n"/>
-            </a:pPr>
-            <a:r>
-              <a:rPr lang="zh-CN" altLang="en-US" sz="2000" b="1" dirty="0">
-                <a:latin typeface="微软雅黑" panose="020B0503020204020204" charset="-122"/>
-                <a:ea typeface="微软雅黑" panose="020B0503020204020204" charset="-122"/>
-              </a:rPr>
-              <a:t>概述</a:t>
-            </a:r>
-            <a:endParaRPr lang="zh-CN" altLang="en-US" sz="2000" b="1" dirty="0"/>
-          </a:p>
-        </p:txBody>
-      </p:sp>
-      <p:sp>
-        <p:nvSpPr>
-          <p:cNvPr id="7" name="文本框 6"/>
-          <p:cNvSpPr txBox="1"/>
-          <p:nvPr/>
-        </p:nvSpPr>
-        <p:spPr>
-          <a:xfrm>
-            <a:off x="724535" y="1323340"/>
-            <a:ext cx="2247900" cy="410845"/>
-          </a:xfrm>
-          <a:prstGeom prst="rect">
-            <a:avLst/>
-          </a:prstGeom>
-          <a:noFill/>
-        </p:spPr>
-        <p:txBody>
-          <a:bodyPr wrap="square">
-            <a:noAutofit/>
-          </a:bodyPr>
-          <a:lstStyle/>
-          <a:p>
-            <a:pPr algn="l" fontAlgn="auto">
-              <a:lnSpc>
-                <a:spcPts val="2200"/>
-              </a:lnSpc>
-              <a:buClrTx/>
-              <a:buSzTx/>
-              <a:buNone/>
-            </a:pPr>
-            <a:endParaRPr lang="zh-CN" altLang="en-US" sz="1600" dirty="0">
-              <a:latin typeface="微软雅黑" panose="020B0503020204020204" charset="-122"/>
-              <a:ea typeface="微软雅黑" panose="020B0503020204020204" charset="-122"/>
-            </a:endParaRPr>
-          </a:p>
-        </p:txBody>
-      </p:sp>
-      <p:sp>
-        <p:nvSpPr>
-          <p:cNvPr id="3" name="矩形 2"/>
-          <p:cNvSpPr/>
-          <p:nvPr>
-            <p:custDataLst>
-              <p:tags r:id="rId1"/>
-            </p:custDataLst>
-          </p:nvPr>
-        </p:nvSpPr>
-        <p:spPr>
-          <a:xfrm>
-            <a:off x="-6350" y="0"/>
-            <a:ext cx="12198350" cy="540000"/>
-          </a:xfrm>
-          <a:prstGeom prst="rect">
-            <a:avLst/>
-          </a:prstGeom>
-          <a:solidFill>
-            <a:srgbClr val="A099CB"/>
-          </a:solidFill>
-          <a:ln>
-            <a:noFill/>
-          </a:ln>
-        </p:spPr>
-        <p:style>
-          <a:lnRef idx="2">
-            <a:schemeClr val="accent1">
-              <a:shade val="50000"/>
-            </a:schemeClr>
-          </a:lnRef>
-          <a:fillRef idx="1">
-            <a:schemeClr val="accent1"/>
-          </a:fillRef>
-          <a:effectRef idx="0">
-            <a:schemeClr val="accent1"/>
-          </a:effectRef>
-          <a:fontRef idx="minor">
-            <a:schemeClr val="lt1"/>
-          </a:fontRef>
-        </p:style>
-        <p:txBody>
-          <a:bodyPr rtlCol="0" anchor="ctr"/>
-          <a:p>
-            <a:pPr indent="0" algn="ctr">
-              <a:lnSpc>
-                <a:spcPct val="150000"/>
-              </a:lnSpc>
-              <a:buFont typeface="Wingdings" panose="05000000000000000000" charset="0"/>
-              <a:buNone/>
-            </a:pPr>
-            <a:r>
-              <a:rPr lang="en-US" altLang="zh-CN" dirty="0">
-                <a:effectLst/>
-                <a:latin typeface="微软雅黑" panose="020B0503020204020204" charset="-122"/>
-                <a:ea typeface="微软雅黑" panose="020B0503020204020204" charset="-122"/>
-                <a:sym typeface="+mn-ea"/>
-              </a:rPr>
-              <a:t>2.</a:t>
-            </a:r>
-            <a:r>
-              <a:rPr lang="en-US" altLang="zh-CN" dirty="0">
-                <a:effectLst/>
-                <a:latin typeface="微软雅黑" panose="020B0503020204020204" charset="-122"/>
-                <a:ea typeface="微软雅黑" panose="020B0503020204020204" charset="-122"/>
-                <a:sym typeface="+mn-ea"/>
-              </a:rPr>
-              <a:t>LLM-Pruner: On the Structural Pruning of Large Language Models</a:t>
-            </a:r>
-            <a:endParaRPr lang="en-US" altLang="zh-CN" dirty="0">
-              <a:effectLst/>
-              <a:latin typeface="微软雅黑" panose="020B0503020204020204" charset="-122"/>
-              <a:ea typeface="微软雅黑" panose="020B0503020204020204" charset="-122"/>
-            </a:endParaRPr>
-          </a:p>
-        </p:txBody>
-      </p:sp>
-      <p:sp>
-        <p:nvSpPr>
-          <p:cNvPr id="5" name="文本框 4"/>
-          <p:cNvSpPr txBox="1"/>
-          <p:nvPr>
-            <p:custDataLst>
-              <p:tags r:id="rId2"/>
-            </p:custDataLst>
-          </p:nvPr>
-        </p:nvSpPr>
-        <p:spPr>
-          <a:xfrm>
-            <a:off x="455295" y="972185"/>
-            <a:ext cx="1725930" cy="506730"/>
-          </a:xfrm>
-          <a:prstGeom prst="rect">
-            <a:avLst/>
-          </a:prstGeom>
-          <a:noFill/>
-        </p:spPr>
-        <p:txBody>
-          <a:bodyPr wrap="square" rtlCol="0">
-            <a:spAutoFit/>
-          </a:bodyPr>
-          <a:p>
-            <a:pPr marL="285750" indent="-285750">
-              <a:lnSpc>
-                <a:spcPct val="150000"/>
-              </a:lnSpc>
-              <a:buFont typeface="Wingdings" panose="05000000000000000000" charset="0"/>
-              <a:buChar char="p"/>
-            </a:pPr>
-            <a:r>
-              <a:rPr lang="zh-CN" altLang="en-US" b="1" dirty="0">
-                <a:latin typeface="微软雅黑" panose="020B0503020204020204" charset="-122"/>
-                <a:ea typeface="微软雅黑" panose="020B0503020204020204" charset="-122"/>
-              </a:rPr>
-              <a:t>任务：</a:t>
-            </a:r>
-            <a:endParaRPr lang="en-US" altLang="zh-CN" b="1" dirty="0">
-              <a:latin typeface="微软雅黑" panose="020B0503020204020204" charset="-122"/>
-              <a:ea typeface="微软雅黑" panose="020B0503020204020204" charset="-122"/>
-            </a:endParaRPr>
-          </a:p>
-        </p:txBody>
-      </p:sp>
-      <p:sp>
-        <p:nvSpPr>
-          <p:cNvPr id="8" name="文本框 7"/>
-          <p:cNvSpPr txBox="1"/>
-          <p:nvPr/>
-        </p:nvSpPr>
-        <p:spPr>
-          <a:xfrm>
-            <a:off x="286385" y="2472055"/>
-            <a:ext cx="9719945" cy="1276350"/>
-          </a:xfrm>
-          <a:prstGeom prst="rect">
-            <a:avLst/>
-          </a:prstGeom>
-          <a:noFill/>
-        </p:spPr>
-        <p:txBody>
-          <a:bodyPr wrap="square" rtlCol="0">
-            <a:noAutofit/>
-          </a:bodyPr>
-          <a:p>
-            <a:pPr marL="0" lvl="0" indent="0">
-              <a:buNone/>
-            </a:pPr>
-            <a:endParaRPr lang="en-US" altLang="zh-CN" sz="1600" dirty="0">
-              <a:solidFill>
-                <a:schemeClr val="tx1"/>
-              </a:solidFill>
-              <a:latin typeface="微软雅黑" panose="020B0503020204020204" charset="-122"/>
-              <a:ea typeface="微软雅黑" panose="020B0503020204020204" charset="-122"/>
-            </a:endParaRPr>
-          </a:p>
-          <a:p>
-            <a:pPr marL="0" lvl="0" indent="0">
-              <a:buNone/>
-            </a:pPr>
-            <a:endParaRPr lang="en-US" altLang="zh-CN" sz="1600" dirty="0">
-              <a:solidFill>
-                <a:schemeClr val="tx1"/>
-              </a:solidFill>
-              <a:latin typeface="微软雅黑" panose="020B0503020204020204" charset="-122"/>
-              <a:ea typeface="微软雅黑" panose="020B0503020204020204" charset="-122"/>
-            </a:endParaRPr>
-          </a:p>
-          <a:p>
-            <a:pPr marL="0" lvl="0" indent="0">
-              <a:buNone/>
-            </a:pPr>
-            <a:endParaRPr lang="en-US" altLang="zh-CN" sz="1600" dirty="0">
-              <a:solidFill>
-                <a:schemeClr val="tx1"/>
-              </a:solidFill>
-              <a:latin typeface="微软雅黑" panose="020B0503020204020204" charset="-122"/>
-              <a:ea typeface="微软雅黑" panose="020B0503020204020204" charset="-122"/>
-            </a:endParaRPr>
-          </a:p>
-          <a:p>
-            <a:pPr marL="0" lvl="0" indent="0">
-              <a:buNone/>
-            </a:pPr>
-            <a:endParaRPr lang="en-US" altLang="zh-CN" sz="1600" dirty="0">
-              <a:solidFill>
-                <a:schemeClr val="tx1"/>
-              </a:solidFill>
-              <a:latin typeface="微软雅黑" panose="020B0503020204020204" charset="-122"/>
-              <a:ea typeface="微软雅黑" panose="020B0503020204020204" charset="-122"/>
-            </a:endParaRPr>
-          </a:p>
-        </p:txBody>
-      </p:sp>
-      <p:sp>
-        <p:nvSpPr>
-          <p:cNvPr id="11" name="文本框 10"/>
-          <p:cNvSpPr txBox="1"/>
-          <p:nvPr>
-            <p:custDataLst>
-              <p:tags r:id="rId3"/>
-            </p:custDataLst>
-          </p:nvPr>
-        </p:nvSpPr>
-        <p:spPr>
-          <a:xfrm>
-            <a:off x="455295" y="2056765"/>
-            <a:ext cx="1725930" cy="506730"/>
-          </a:xfrm>
-          <a:prstGeom prst="rect">
-            <a:avLst/>
-          </a:prstGeom>
-          <a:noFill/>
-        </p:spPr>
-        <p:txBody>
-          <a:bodyPr wrap="square" rtlCol="0">
-            <a:spAutoFit/>
-          </a:bodyPr>
-          <a:p>
-            <a:pPr marL="285750" indent="-285750">
-              <a:lnSpc>
-                <a:spcPct val="150000"/>
-              </a:lnSpc>
-              <a:buFont typeface="Wingdings" panose="05000000000000000000" charset="0"/>
-              <a:buChar char="p"/>
-            </a:pPr>
-            <a:r>
-              <a:rPr lang="zh-CN" altLang="en-US" b="1" dirty="0">
-                <a:latin typeface="微软雅黑" panose="020B0503020204020204" charset="-122"/>
-                <a:ea typeface="微软雅黑" panose="020B0503020204020204" charset="-122"/>
-              </a:rPr>
-              <a:t>动机：</a:t>
-            </a:r>
-            <a:endParaRPr lang="en-US" altLang="zh-CN" b="1" dirty="0">
-              <a:latin typeface="微软雅黑" panose="020B0503020204020204" charset="-122"/>
-              <a:ea typeface="微软雅黑" panose="020B0503020204020204" charset="-122"/>
-            </a:endParaRPr>
-          </a:p>
-        </p:txBody>
-      </p:sp>
-      <p:sp>
-        <p:nvSpPr>
-          <p:cNvPr id="4" name="文本框 3"/>
-          <p:cNvSpPr txBox="1"/>
-          <p:nvPr>
-            <p:custDataLst>
-              <p:tags r:id="rId4"/>
-            </p:custDataLst>
-          </p:nvPr>
-        </p:nvSpPr>
-        <p:spPr>
-          <a:xfrm>
-            <a:off x="455295" y="3140075"/>
-            <a:ext cx="1725930" cy="506730"/>
-          </a:xfrm>
-          <a:prstGeom prst="rect">
-            <a:avLst/>
-          </a:prstGeom>
-          <a:noFill/>
-        </p:spPr>
-        <p:txBody>
-          <a:bodyPr wrap="square" rtlCol="0">
-            <a:spAutoFit/>
-          </a:bodyPr>
-          <a:p>
-            <a:pPr marL="285750" indent="-285750">
-              <a:lnSpc>
-                <a:spcPct val="150000"/>
-              </a:lnSpc>
-              <a:buFont typeface="Wingdings" panose="05000000000000000000" charset="0"/>
-              <a:buChar char="p"/>
-            </a:pPr>
-            <a:r>
-              <a:rPr lang="zh-CN" altLang="en-US" b="1" dirty="0">
-                <a:latin typeface="微软雅黑" panose="020B0503020204020204" charset="-122"/>
-                <a:ea typeface="微软雅黑" panose="020B0503020204020204" charset="-122"/>
-              </a:rPr>
-              <a:t>整体</a:t>
-            </a:r>
-            <a:r>
-              <a:rPr lang="zh-CN" altLang="en-US" b="1" dirty="0">
-                <a:latin typeface="微软雅黑" panose="020B0503020204020204" charset="-122"/>
-                <a:ea typeface="微软雅黑" panose="020B0503020204020204" charset="-122"/>
-              </a:rPr>
-              <a:t>思路：</a:t>
-            </a:r>
-            <a:endParaRPr lang="en-US" altLang="zh-CN" b="1" dirty="0">
-              <a:latin typeface="微软雅黑" panose="020B0503020204020204" charset="-122"/>
-              <a:ea typeface="微软雅黑" panose="020B0503020204020204" charset="-122"/>
-            </a:endParaRPr>
-          </a:p>
-        </p:txBody>
-      </p:sp>
-      <p:sp>
-        <p:nvSpPr>
-          <p:cNvPr id="6" name="文本框 5"/>
-          <p:cNvSpPr txBox="1"/>
-          <p:nvPr>
-            <p:custDataLst>
-              <p:tags r:id="rId5"/>
-            </p:custDataLst>
-          </p:nvPr>
-        </p:nvSpPr>
-        <p:spPr>
-          <a:xfrm>
-            <a:off x="455295" y="5052695"/>
-            <a:ext cx="1725930" cy="506730"/>
-          </a:xfrm>
-          <a:prstGeom prst="rect">
-            <a:avLst/>
-          </a:prstGeom>
-          <a:noFill/>
-        </p:spPr>
-        <p:txBody>
-          <a:bodyPr wrap="square" rtlCol="0">
-            <a:spAutoFit/>
-          </a:bodyPr>
-          <a:p>
-            <a:pPr marL="285750" indent="-285750">
-              <a:lnSpc>
-                <a:spcPct val="150000"/>
-              </a:lnSpc>
-              <a:buFont typeface="Wingdings" panose="05000000000000000000" charset="0"/>
-              <a:buChar char="p"/>
-            </a:pPr>
-            <a:r>
-              <a:rPr lang="zh-CN" altLang="en-US" b="1" dirty="0">
-                <a:latin typeface="微软雅黑" panose="020B0503020204020204" charset="-122"/>
-                <a:ea typeface="微软雅黑" panose="020B0503020204020204" charset="-122"/>
-              </a:rPr>
-              <a:t>贡献：</a:t>
-            </a:r>
-            <a:endParaRPr lang="en-US" altLang="zh-CN" b="1" dirty="0">
-              <a:latin typeface="微软雅黑" panose="020B0503020204020204" charset="-122"/>
-              <a:ea typeface="微软雅黑" panose="020B0503020204020204" charset="-122"/>
-            </a:endParaRPr>
-          </a:p>
-        </p:txBody>
-      </p:sp>
-      <p:sp>
-        <p:nvSpPr>
-          <p:cNvPr id="14" name="文本框 13"/>
-          <p:cNvSpPr txBox="1"/>
-          <p:nvPr/>
-        </p:nvSpPr>
-        <p:spPr>
-          <a:xfrm>
-            <a:off x="106680" y="6453505"/>
-            <a:ext cx="12229465" cy="275590"/>
-          </a:xfrm>
-          <a:prstGeom prst="rect">
-            <a:avLst/>
-          </a:prstGeom>
-        </p:spPr>
-        <p:txBody>
-          <a:bodyPr wrap="square">
-            <a:spAutoFit/>
-          </a:bodyPr>
-          <a:p>
-            <a:pPr marL="0" indent="0" algn="l"/>
-            <a:r>
-              <a:rPr lang="en-US" altLang="zh-CN" sz="1200" b="0" i="0">
-                <a:solidFill>
-                  <a:srgbClr val="333333"/>
-                </a:solidFill>
-                <a:latin typeface="Arial" panose="020B0604020202020204"/>
-                <a:ea typeface="Arial" panose="020B0604020202020204"/>
-              </a:rPr>
-              <a:t>Ma X, Fang G, Wang X. Llm-pruner: On the structural pruning of large language models[J]. Advances in neural information processing systems, 2023, 36: 21702-21720..</a:t>
-            </a:r>
-            <a:endParaRPr lang="en-US" altLang="zh-CN" sz="1200" b="0" i="0">
-              <a:solidFill>
-                <a:srgbClr val="333333"/>
-              </a:solidFill>
-              <a:latin typeface="Arial" panose="020B0604020202020204"/>
-              <a:ea typeface="Arial" panose="020B0604020202020204"/>
-            </a:endParaRPr>
-          </a:p>
-        </p:txBody>
-      </p:sp>
-      <p:sp>
-        <p:nvSpPr>
-          <p:cNvPr id="15" name="文本框 14"/>
-          <p:cNvSpPr txBox="1"/>
-          <p:nvPr/>
-        </p:nvSpPr>
-        <p:spPr>
-          <a:xfrm>
-            <a:off x="286385" y="1457325"/>
-            <a:ext cx="8058150" cy="603885"/>
-          </a:xfrm>
-          <a:prstGeom prst="rect">
-            <a:avLst/>
-          </a:prstGeom>
-          <a:noFill/>
-        </p:spPr>
-        <p:txBody>
-          <a:bodyPr wrap="square" rtlCol="0">
-            <a:noAutofit/>
-          </a:bodyPr>
-          <a:p>
-            <a:pPr indent="457200"/>
-            <a:r>
-              <a:rPr lang="zh-CN" altLang="en-US" sz="1600" dirty="0">
-                <a:latin typeface="微软雅黑" panose="020B0503020204020204" charset="-122"/>
-                <a:ea typeface="微软雅黑" panose="020B0503020204020204" charset="-122"/>
-                <a:sym typeface="+mn-ea"/>
-              </a:rPr>
-              <a:t>结构化剪枝，快速自动化的减少模型参数量，降低成本</a:t>
-            </a:r>
-            <a:endParaRPr lang="zh-CN" altLang="zh-CN" sz="1600" dirty="0">
-              <a:solidFill>
-                <a:schemeClr val="tx1"/>
-              </a:solidFill>
-              <a:latin typeface="微软雅黑" panose="020B0503020204020204" charset="-122"/>
-              <a:ea typeface="微软雅黑" panose="020B0503020204020204" charset="-122"/>
-            </a:endParaRPr>
-          </a:p>
-          <a:p>
-            <a:pPr indent="457200"/>
-            <a:endParaRPr lang="zh-CN" altLang="zh-CN" sz="1600" dirty="0">
-              <a:solidFill>
-                <a:schemeClr val="tx1"/>
-              </a:solidFill>
-              <a:latin typeface="微软雅黑" panose="020B0503020204020204" charset="-122"/>
-              <a:ea typeface="微软雅黑" panose="020B0503020204020204" charset="-122"/>
-            </a:endParaRPr>
-          </a:p>
-          <a:p>
-            <a:pPr indent="457200"/>
-            <a:endParaRPr lang="zh-CN" altLang="zh-CN" sz="1600" dirty="0">
-              <a:solidFill>
-                <a:schemeClr val="tx1"/>
-              </a:solidFill>
-              <a:latin typeface="微软雅黑" panose="020B0503020204020204" charset="-122"/>
-              <a:ea typeface="微软雅黑" panose="020B0503020204020204" charset="-122"/>
-            </a:endParaRPr>
-          </a:p>
-          <a:p>
-            <a:pPr indent="457200"/>
-            <a:endParaRPr lang="zh-CN" altLang="zh-CN" sz="1600" dirty="0">
-              <a:solidFill>
-                <a:schemeClr val="tx1"/>
-              </a:solidFill>
-              <a:latin typeface="微软雅黑" panose="020B0503020204020204" charset="-122"/>
-              <a:ea typeface="微软雅黑" panose="020B0503020204020204" charset="-122"/>
-            </a:endParaRPr>
-          </a:p>
-          <a:p>
-            <a:pPr indent="457200"/>
-            <a:r>
-              <a:rPr lang="en-US" altLang="zh-CN" sz="1600" dirty="0">
-                <a:solidFill>
-                  <a:schemeClr val="tx1"/>
-                </a:solidFill>
-                <a:latin typeface="微软雅黑" panose="020B0503020204020204" charset="-122"/>
-                <a:ea typeface="微软雅黑" panose="020B0503020204020204" charset="-122"/>
-              </a:rPr>
-              <a:t>1.  </a:t>
-            </a:r>
-            <a:r>
-              <a:rPr lang="zh-CN" altLang="en-US" sz="1600" dirty="0">
-                <a:solidFill>
-                  <a:schemeClr val="tx1"/>
-                </a:solidFill>
-                <a:latin typeface="微软雅黑" panose="020B0503020204020204" charset="-122"/>
-                <a:ea typeface="微软雅黑" panose="020B0503020204020204" charset="-122"/>
-              </a:rPr>
-              <a:t>即使是</a:t>
-            </a:r>
-            <a:r>
-              <a:rPr lang="en-US" altLang="zh-CN" sz="1600" dirty="0">
-                <a:solidFill>
-                  <a:schemeClr val="tx1"/>
-                </a:solidFill>
-                <a:latin typeface="微软雅黑" panose="020B0503020204020204" charset="-122"/>
-                <a:ea typeface="微软雅黑" panose="020B0503020204020204" charset="-122"/>
-              </a:rPr>
-              <a:t>LLaMA</a:t>
-            </a:r>
-            <a:r>
-              <a:rPr lang="zh-CN" altLang="en-US" sz="1600" dirty="0">
-                <a:solidFill>
-                  <a:schemeClr val="tx1"/>
-                </a:solidFill>
-                <a:latin typeface="微软雅黑" panose="020B0503020204020204" charset="-122"/>
-                <a:ea typeface="微软雅黑" panose="020B0503020204020204" charset="-122"/>
-              </a:rPr>
-              <a:t>（</a:t>
-            </a:r>
-            <a:r>
-              <a:rPr lang="en-US" altLang="zh-CN" sz="1600" dirty="0">
-                <a:solidFill>
-                  <a:schemeClr val="tx1"/>
-                </a:solidFill>
-                <a:latin typeface="微软雅黑" panose="020B0503020204020204" charset="-122"/>
-                <a:ea typeface="微软雅黑" panose="020B0503020204020204" charset="-122"/>
-              </a:rPr>
-              <a:t>5.2B</a:t>
-            </a:r>
-            <a:r>
-              <a:rPr lang="zh-CN" altLang="en-US" sz="1600" dirty="0">
-                <a:solidFill>
-                  <a:schemeClr val="tx1"/>
-                </a:solidFill>
-                <a:latin typeface="微软雅黑" panose="020B0503020204020204" charset="-122"/>
-                <a:ea typeface="微软雅黑" panose="020B0503020204020204" charset="-122"/>
-              </a:rPr>
-              <a:t>）的模型执行推理和微调的成本都无法让普通用户接受</a:t>
-            </a:r>
-            <a:r>
-              <a:rPr lang="en-US" altLang="zh-CN" sz="1600" dirty="0">
-                <a:solidFill>
-                  <a:schemeClr val="tx1"/>
-                </a:solidFill>
-                <a:latin typeface="微软雅黑" panose="020B0503020204020204" charset="-122"/>
-                <a:ea typeface="微软雅黑" panose="020B0503020204020204" charset="-122"/>
-              </a:rPr>
-              <a:t>  </a:t>
-            </a:r>
-            <a:endParaRPr lang="en-US" altLang="zh-CN" sz="1600" dirty="0">
-              <a:solidFill>
-                <a:schemeClr val="tx1"/>
-              </a:solidFill>
-              <a:latin typeface="微软雅黑" panose="020B0503020204020204" charset="-122"/>
-              <a:ea typeface="微软雅黑" panose="020B0503020204020204" charset="-122"/>
-            </a:endParaRPr>
-          </a:p>
-          <a:p>
-            <a:pPr indent="457200"/>
-            <a:r>
-              <a:rPr lang="en-US" altLang="zh-CN" sz="1600" dirty="0">
-                <a:solidFill>
-                  <a:schemeClr val="tx1"/>
-                </a:solidFill>
-                <a:latin typeface="微软雅黑" panose="020B0503020204020204" charset="-122"/>
-                <a:ea typeface="微软雅黑" panose="020B0503020204020204" charset="-122"/>
-              </a:rPr>
-              <a:t>2.  </a:t>
-            </a:r>
-            <a:r>
-              <a:rPr lang="zh-CN" altLang="en-US" sz="1600" dirty="0">
-                <a:solidFill>
-                  <a:schemeClr val="tx1"/>
-                </a:solidFill>
-                <a:latin typeface="微软雅黑" panose="020B0503020204020204" charset="-122"/>
-                <a:ea typeface="微软雅黑" panose="020B0503020204020204" charset="-122"/>
-              </a:rPr>
-              <a:t>非结构化得到推理比较要求专门的硬件或者软件支持加速</a:t>
-            </a:r>
-            <a:endParaRPr lang="zh-CN" altLang="en-US" sz="1600" dirty="0">
-              <a:solidFill>
-                <a:schemeClr val="tx1"/>
-              </a:solidFill>
-              <a:latin typeface="微软雅黑" panose="020B0503020204020204" charset="-122"/>
-              <a:ea typeface="微软雅黑" panose="020B0503020204020204" charset="-122"/>
-            </a:endParaRPr>
-          </a:p>
-          <a:p>
-            <a:pPr indent="457200"/>
-            <a:endParaRPr lang="zh-CN" altLang="en-US" sz="1600" dirty="0">
-              <a:solidFill>
-                <a:schemeClr val="tx1"/>
-              </a:solidFill>
-              <a:latin typeface="微软雅黑" panose="020B0503020204020204" charset="-122"/>
-              <a:ea typeface="微软雅黑" panose="020B0503020204020204" charset="-122"/>
-            </a:endParaRPr>
-          </a:p>
-          <a:p>
-            <a:pPr indent="457200"/>
-            <a:endParaRPr lang="zh-CN" altLang="en-US" sz="1600" dirty="0">
-              <a:solidFill>
-                <a:schemeClr val="tx1"/>
-              </a:solidFill>
-              <a:latin typeface="微软雅黑" panose="020B0503020204020204" charset="-122"/>
-              <a:ea typeface="微软雅黑" panose="020B0503020204020204" charset="-122"/>
-            </a:endParaRPr>
-          </a:p>
-          <a:p>
-            <a:pPr indent="457200"/>
-            <a:endParaRPr lang="zh-CN" altLang="en-US" sz="1600" dirty="0">
-              <a:solidFill>
-                <a:schemeClr val="tx1"/>
-              </a:solidFill>
-              <a:latin typeface="微软雅黑" panose="020B0503020204020204" charset="-122"/>
-              <a:ea typeface="微软雅黑" panose="020B0503020204020204" charset="-122"/>
-            </a:endParaRPr>
-          </a:p>
-          <a:p>
-            <a:pPr indent="457200"/>
-            <a:r>
-              <a:rPr lang="en-US" altLang="zh-CN" sz="1600" dirty="0">
-                <a:solidFill>
-                  <a:schemeClr val="tx1"/>
-                </a:solidFill>
-                <a:latin typeface="微软雅黑" panose="020B0503020204020204" charset="-122"/>
-                <a:ea typeface="微软雅黑" panose="020B0503020204020204" charset="-122"/>
-              </a:rPr>
-              <a:t>1.  </a:t>
-            </a:r>
-            <a:r>
-              <a:rPr lang="zh-CN" altLang="en-US" sz="1600" dirty="0">
-                <a:solidFill>
-                  <a:schemeClr val="tx1"/>
-                </a:solidFill>
-                <a:latin typeface="微软雅黑" panose="020B0503020204020204" charset="-122"/>
-                <a:ea typeface="微软雅黑" panose="020B0503020204020204" charset="-122"/>
-              </a:rPr>
-              <a:t>根据依赖性分组</a:t>
-            </a:r>
-            <a:endParaRPr lang="zh-CN" altLang="en-US" sz="1600" dirty="0">
-              <a:solidFill>
-                <a:schemeClr val="tx1"/>
-              </a:solidFill>
-              <a:latin typeface="微软雅黑" panose="020B0503020204020204" charset="-122"/>
-              <a:ea typeface="微软雅黑" panose="020B0503020204020204" charset="-122"/>
-            </a:endParaRPr>
-          </a:p>
-          <a:p>
-            <a:pPr indent="457200"/>
-            <a:r>
-              <a:rPr lang="en-US" altLang="zh-CN" sz="1600" dirty="0">
-                <a:solidFill>
-                  <a:schemeClr val="tx1"/>
-                </a:solidFill>
-                <a:latin typeface="微软雅黑" panose="020B0503020204020204" charset="-122"/>
-                <a:ea typeface="微软雅黑" panose="020B0503020204020204" charset="-122"/>
-              </a:rPr>
-              <a:t>2.  </a:t>
-            </a:r>
-            <a:r>
-              <a:rPr lang="zh-CN" altLang="en-US" sz="1600" dirty="0">
-                <a:solidFill>
-                  <a:schemeClr val="tx1"/>
-                </a:solidFill>
-                <a:latin typeface="微软雅黑" panose="020B0503020204020204" charset="-122"/>
-                <a:ea typeface="微软雅黑" panose="020B0503020204020204" charset="-122"/>
-              </a:rPr>
-              <a:t>根据损失评估重要性剪枝</a:t>
-            </a:r>
-            <a:endParaRPr lang="zh-CN" altLang="en-US" sz="1600" dirty="0">
-              <a:solidFill>
-                <a:schemeClr val="tx1"/>
-              </a:solidFill>
-              <a:latin typeface="微软雅黑" panose="020B0503020204020204" charset="-122"/>
-              <a:ea typeface="微软雅黑" panose="020B0503020204020204" charset="-122"/>
-            </a:endParaRPr>
-          </a:p>
-          <a:p>
-            <a:pPr indent="457200"/>
-            <a:r>
-              <a:rPr lang="en-US" altLang="zh-CN" sz="1600" dirty="0">
-                <a:solidFill>
-                  <a:schemeClr val="tx1"/>
-                </a:solidFill>
-                <a:latin typeface="微软雅黑" panose="020B0503020204020204" charset="-122"/>
-                <a:ea typeface="微软雅黑" panose="020B0503020204020204" charset="-122"/>
-              </a:rPr>
-              <a:t>3.  </a:t>
-            </a:r>
-            <a:r>
-              <a:rPr lang="zh-CN" altLang="en-US" sz="1600" dirty="0">
-                <a:solidFill>
-                  <a:schemeClr val="tx1"/>
-                </a:solidFill>
-                <a:latin typeface="微软雅黑" panose="020B0503020204020204" charset="-122"/>
-                <a:ea typeface="微软雅黑" panose="020B0503020204020204" charset="-122"/>
-              </a:rPr>
-              <a:t>最后再执行一些微调保证模型能力</a:t>
-            </a:r>
-            <a:endParaRPr lang="zh-CN" altLang="en-US" sz="1600" dirty="0">
-              <a:solidFill>
-                <a:schemeClr val="tx1"/>
-              </a:solidFill>
-              <a:latin typeface="微软雅黑" panose="020B0503020204020204" charset="-122"/>
-              <a:ea typeface="微软雅黑" panose="020B0503020204020204" charset="-122"/>
-            </a:endParaRPr>
-          </a:p>
-          <a:p>
-            <a:pPr indent="457200"/>
-            <a:endParaRPr lang="en-US" altLang="zh-CN" sz="1600" dirty="0">
-              <a:solidFill>
-                <a:schemeClr val="tx1"/>
-              </a:solidFill>
-              <a:latin typeface="微软雅黑" panose="020B0503020204020204" charset="-122"/>
-              <a:ea typeface="微软雅黑" panose="020B0503020204020204" charset="-122"/>
-            </a:endParaRPr>
-          </a:p>
-          <a:p>
-            <a:pPr marL="0" lvl="0" indent="0">
-              <a:buNone/>
-            </a:pPr>
-            <a:endParaRPr lang="en-US" altLang="zh-CN" sz="1600" dirty="0">
-              <a:solidFill>
-                <a:schemeClr val="tx1"/>
-              </a:solidFill>
-              <a:latin typeface="微软雅黑" panose="020B0503020204020204" charset="-122"/>
-              <a:ea typeface="微软雅黑" panose="020B0503020204020204" charset="-122"/>
-            </a:endParaRPr>
-          </a:p>
-          <a:p>
-            <a:pPr marL="0" lvl="0" indent="0">
-              <a:buNone/>
-            </a:pPr>
-            <a:endParaRPr lang="en-US" altLang="zh-CN" sz="1600" dirty="0">
-              <a:solidFill>
-                <a:schemeClr val="tx1"/>
-              </a:solidFill>
-              <a:latin typeface="微软雅黑" panose="020B0503020204020204" charset="-122"/>
-              <a:ea typeface="微软雅黑" panose="020B0503020204020204" charset="-122"/>
-            </a:endParaRPr>
-          </a:p>
-          <a:p>
-            <a:pPr marL="0" lvl="0" indent="0">
-              <a:buNone/>
-            </a:pPr>
-            <a:endParaRPr lang="en-US" altLang="zh-CN" sz="1600" dirty="0">
-              <a:solidFill>
-                <a:schemeClr val="tx1"/>
-              </a:solidFill>
-              <a:latin typeface="微软雅黑" panose="020B0503020204020204" charset="-122"/>
-              <a:ea typeface="微软雅黑" panose="020B0503020204020204" charset="-122"/>
-            </a:endParaRPr>
-          </a:p>
-          <a:p>
-            <a:pPr marL="0" lvl="0" indent="457200">
-              <a:buNone/>
-            </a:pPr>
-            <a:endParaRPr lang="en-US" altLang="zh-CN" sz="1600" dirty="0">
-              <a:solidFill>
-                <a:schemeClr val="tx1"/>
-              </a:solidFill>
-              <a:latin typeface="微软雅黑" panose="020B0503020204020204" charset="-122"/>
-              <a:ea typeface="微软雅黑" panose="020B0503020204020204" charset="-122"/>
-            </a:endParaRPr>
-          </a:p>
-          <a:p>
-            <a:pPr marL="0" lvl="0" indent="457200">
-              <a:buNone/>
-            </a:pPr>
-            <a:r>
-              <a:rPr lang="en-US" altLang="zh-CN" sz="1600" dirty="0">
-                <a:solidFill>
-                  <a:schemeClr val="tx1"/>
-                </a:solidFill>
-                <a:latin typeface="微软雅黑" panose="020B0503020204020204" charset="-122"/>
-                <a:ea typeface="微软雅黑" panose="020B0503020204020204" charset="-122"/>
-              </a:rPr>
-              <a:t>1.  </a:t>
-            </a:r>
-            <a:r>
-              <a:rPr lang="zh-CN" altLang="en-US" sz="1600" dirty="0">
-                <a:solidFill>
-                  <a:schemeClr val="tx1"/>
-                </a:solidFill>
-                <a:latin typeface="微软雅黑" panose="020B0503020204020204" charset="-122"/>
-                <a:ea typeface="微软雅黑" panose="020B0503020204020204" charset="-122"/>
-              </a:rPr>
-              <a:t>降低参数量，加速推理和微调</a:t>
-            </a:r>
-            <a:endParaRPr lang="zh-CN" altLang="en-US" sz="1600" dirty="0">
-              <a:solidFill>
-                <a:schemeClr val="tx1"/>
-              </a:solidFill>
-              <a:latin typeface="微软雅黑" panose="020B0503020204020204" charset="-122"/>
-              <a:ea typeface="微软雅黑" panose="020B0503020204020204" charset="-122"/>
-            </a:endParaRPr>
-          </a:p>
-          <a:p>
-            <a:pPr marL="0" lvl="0" indent="457200">
-              <a:buNone/>
-            </a:pPr>
-            <a:r>
-              <a:rPr lang="en-US" altLang="zh-CN" sz="1600" dirty="0">
-                <a:solidFill>
-                  <a:schemeClr val="tx1"/>
-                </a:solidFill>
-                <a:latin typeface="微软雅黑" panose="020B0503020204020204" charset="-122"/>
-                <a:ea typeface="微软雅黑" panose="020B0503020204020204" charset="-122"/>
-              </a:rPr>
-              <a:t>2.  </a:t>
-            </a:r>
-            <a:r>
-              <a:rPr lang="zh-CN" altLang="en-US" sz="1600" dirty="0">
-                <a:solidFill>
-                  <a:schemeClr val="tx1"/>
-                </a:solidFill>
-                <a:latin typeface="微软雅黑" panose="020B0503020204020204" charset="-122"/>
-                <a:ea typeface="微软雅黑" panose="020B0503020204020204" charset="-122"/>
-              </a:rPr>
-              <a:t>降低训练需要的显存大小</a:t>
-            </a:r>
-            <a:endParaRPr lang="zh-CN" altLang="en-US" sz="1600" dirty="0">
-              <a:solidFill>
-                <a:schemeClr val="tx1"/>
-              </a:solidFill>
-              <a:latin typeface="微软雅黑" panose="020B0503020204020204" charset="-122"/>
-              <a:ea typeface="微软雅黑" panose="020B0503020204020204" charset="-122"/>
-            </a:endParaRPr>
-          </a:p>
-          <a:p>
-            <a:pPr marL="0" lvl="0" indent="457200">
-              <a:buNone/>
-            </a:pPr>
-            <a:r>
-              <a:rPr lang="en-US" altLang="zh-CN" sz="1600" dirty="0">
-                <a:solidFill>
-                  <a:schemeClr val="tx1"/>
-                </a:solidFill>
-                <a:latin typeface="微软雅黑" panose="020B0503020204020204" charset="-122"/>
-                <a:ea typeface="微软雅黑" panose="020B0503020204020204" charset="-122"/>
-              </a:rPr>
-              <a:t>3.  </a:t>
-            </a:r>
-            <a:r>
-              <a:rPr lang="zh-CN" altLang="en-US" sz="1600" dirty="0">
-                <a:solidFill>
-                  <a:schemeClr val="tx1"/>
-                </a:solidFill>
-                <a:latin typeface="微软雅黑" panose="020B0503020204020204" charset="-122"/>
-                <a:ea typeface="微软雅黑" panose="020B0503020204020204" charset="-122"/>
-              </a:rPr>
-              <a:t>执行自动的结构化剪枝，快速方便</a:t>
-            </a:r>
-            <a:endParaRPr lang="zh-CN" altLang="en-US" sz="1600" dirty="0">
-              <a:solidFill>
-                <a:schemeClr val="tx1"/>
-              </a:solidFill>
-              <a:latin typeface="微软雅黑" panose="020B0503020204020204" charset="-122"/>
-              <a:ea typeface="微软雅黑" panose="020B0503020204020204" charset="-122"/>
-            </a:endParaRPr>
-          </a:p>
-        </p:txBody>
-      </p:sp>
-      <p:pic>
-        <p:nvPicPr>
-          <p:cNvPr id="9" name="图片 8"/>
-          <p:cNvPicPr>
-            <a:picLocks noChangeAspect="1"/>
-          </p:cNvPicPr>
-          <p:nvPr/>
-        </p:nvPicPr>
-        <p:blipFill>
-          <a:blip r:embed="rId6"/>
-          <a:stretch>
-            <a:fillRect/>
-          </a:stretch>
-        </p:blipFill>
-        <p:spPr>
-          <a:xfrm>
-            <a:off x="5867400" y="3046095"/>
-            <a:ext cx="6236335" cy="2422525"/>
-          </a:xfrm>
-          <a:prstGeom prst="rect">
-            <a:avLst/>
-          </a:prstGeom>
-        </p:spPr>
-      </p:pic>
-    </p:spTree>
-  </p:cSld>
-  <p:clrMapOvr>
-    <a:masterClrMapping/>
-  </p:clrMapOvr>
-</p:sld>
-</file>
-
 <file path=ppt/slides/slide9.xml><?xml version="1.0" encoding="utf-8"?>
 <p:sld xmlns:a="http://schemas.openxmlformats.org/drawingml/2006/main" xmlns:r="http://schemas.openxmlformats.org/officeDocument/2006/relationships" xmlns:p="http://schemas.openxmlformats.org/presentationml/2006/main">
   <p:cSld>
@@ -9060,7 +9039,7 @@
                 <a:latin typeface="微软雅黑" panose="020B0503020204020204" charset="-122"/>
                 <a:ea typeface="微软雅黑" panose="020B0503020204020204" charset="-122"/>
               </a:rPr>
-              <a:t>流程</a:t>
+              <a:t>概述</a:t>
             </a:r>
             <a:endParaRPr lang="zh-CN" altLang="en-US" sz="2000" b="1" dirty="0"/>
           </a:p>
@@ -9147,27 +9126,19 @@
         <p:txBody>
           <a:bodyPr rtlCol="0" anchor="ctr"/>
           <a:p>
-            <a:pPr marL="0" marR="0" lvl="0" indent="0" algn="ctr" defTabSz="914400" rtl="0" eaLnBrk="1" fontAlgn="auto" latinLnBrk="0" hangingPunct="1">
+            <a:pPr indent="0" algn="ctr">
               <a:lnSpc>
-                <a:spcPct val="100000"/>
+                <a:spcPct val="150000"/>
               </a:lnSpc>
-              <a:spcBef>
-                <a:spcPts val="0"/>
-              </a:spcBef>
-              <a:spcAft>
-                <a:spcPts val="0"/>
-              </a:spcAft>
-              <a:buClrTx/>
-              <a:buSzTx/>
-              <a:buFontTx/>
-              <a:buNone/>
-              <a:defRPr/>
+              <a:buFont typeface="Wingdings" panose="05000000000000000000" charset="0"/>
+              <a:buNone/>
             </a:pPr>
             <a:r>
-              <a:rPr lang="en-US" altLang="zh-CN" sz="1800" dirty="0">
+              <a:rPr lang="en-US" altLang="zh-CN" dirty="0">
                 <a:effectLst/>
                 <a:latin typeface="微软雅黑" panose="020B0503020204020204" charset="-122"/>
                 <a:ea typeface="微软雅黑" panose="020B0503020204020204" charset="-122"/>
+                <a:sym typeface="+mn-ea"/>
               </a:rPr>
               <a:t>2.</a:t>
             </a:r>
@@ -9190,14 +9161,18 @@
       </p:sp>
       <p:sp>
         <p:nvSpPr>
-          <p:cNvPr id="10" name="文本框 9"/>
+          <p:cNvPr id="5" name="文本框 4"/>
           <p:cNvSpPr txBox="1"/>
-          <p:nvPr/>
-        </p:nvSpPr>
-        <p:spPr>
-          <a:xfrm>
-            <a:off x="286385" y="2056765"/>
-            <a:ext cx="11251565" cy="3255645"/>
+          <p:nvPr>
+            <p:custDataLst>
+              <p:tags r:id="rId2"/>
+            </p:custDataLst>
+          </p:nvPr>
+        </p:nvSpPr>
+        <p:spPr>
+          <a:xfrm>
+            <a:off x="455295" y="972185"/>
+            <a:ext cx="1725930" cy="506730"/>
           </a:xfrm>
           <a:prstGeom prst="rect">
             <a:avLst/>
@@ -9206,99 +9181,7 @@
         </p:spPr>
         <p:txBody>
           <a:bodyPr wrap="square" rtlCol="0">
-            <a:noAutofit/>
-          </a:bodyPr>
-          <a:p>
-            <a:pPr marL="0" lvl="0" indent="457200">
-              <a:buNone/>
-            </a:pPr>
-            <a:r>
-              <a:rPr lang="en-US" altLang="zh-CN" sz="1600" dirty="0">
-                <a:solidFill>
-                  <a:schemeClr val="tx1"/>
-                </a:solidFill>
-                <a:latin typeface="微软雅黑" panose="020B0503020204020204" charset="-122"/>
-                <a:ea typeface="微软雅黑" panose="020B0503020204020204" charset="-122"/>
-              </a:rPr>
-              <a:t>Pruner</a:t>
-            </a:r>
-            <a:r>
-              <a:rPr lang="zh-CN" altLang="en-US" sz="1600" dirty="0">
-                <a:solidFill>
-                  <a:schemeClr val="tx1"/>
-                </a:solidFill>
-                <a:latin typeface="微软雅黑" panose="020B0503020204020204" charset="-122"/>
-                <a:ea typeface="微软雅黑" panose="020B0503020204020204" charset="-122"/>
-              </a:rPr>
-              <a:t>结构化剪枝，该框架特点为任务无关的压缩、数据需求量少、快速和全自动操作。</a:t>
-            </a:r>
-            <a:endParaRPr lang="zh-CN" altLang="en-US" sz="1600" dirty="0">
-              <a:solidFill>
-                <a:schemeClr val="tx1"/>
-              </a:solidFill>
-              <a:latin typeface="微软雅黑" panose="020B0503020204020204" charset="-122"/>
-              <a:ea typeface="微软雅黑" panose="020B0503020204020204" charset="-122"/>
-            </a:endParaRPr>
-          </a:p>
-          <a:p>
-            <a:pPr marL="0" lvl="0" indent="457200">
-              <a:buNone/>
-            </a:pPr>
-            <a:r>
-              <a:rPr lang="zh-CN" altLang="en-US" sz="1600" dirty="0">
-                <a:solidFill>
-                  <a:schemeClr val="tx1"/>
-                </a:solidFill>
-                <a:latin typeface="微软雅黑" panose="020B0503020204020204" charset="-122"/>
-                <a:ea typeface="微软雅黑" panose="020B0503020204020204" charset="-122"/>
-              </a:rPr>
-              <a:t>目前自动的结构化剪枝支持以下大模型结构：</a:t>
-            </a:r>
-            <a:endParaRPr lang="zh-CN" altLang="en-US" sz="1600" dirty="0">
-              <a:solidFill>
-                <a:schemeClr val="tx1"/>
-              </a:solidFill>
-              <a:latin typeface="微软雅黑" panose="020B0503020204020204" charset="-122"/>
-              <a:ea typeface="微软雅黑" panose="020B0503020204020204" charset="-122"/>
-            </a:endParaRPr>
-          </a:p>
-          <a:p>
-            <a:pPr marL="0" lvl="0" indent="457200">
-              <a:buNone/>
-            </a:pPr>
-            <a:endParaRPr lang="zh-CN" altLang="en-US" sz="1600" dirty="0">
-              <a:solidFill>
-                <a:schemeClr val="tx1"/>
-              </a:solidFill>
-              <a:latin typeface="微软雅黑" panose="020B0503020204020204" charset="-122"/>
-              <a:ea typeface="微软雅黑" panose="020B0503020204020204" charset="-122"/>
-            </a:endParaRPr>
-          </a:p>
-        </p:txBody>
-      </p:sp>
-      <p:sp>
-        <p:nvSpPr>
-          <p:cNvPr id="5" name="文本框 4"/>
-          <p:cNvSpPr txBox="1"/>
-          <p:nvPr>
-            <p:custDataLst>
-              <p:tags r:id="rId2"/>
-            </p:custDataLst>
-          </p:nvPr>
-        </p:nvSpPr>
-        <p:spPr>
-          <a:xfrm>
-            <a:off x="455295" y="972185"/>
-            <a:ext cx="10515600" cy="506095"/>
-          </a:xfrm>
-          <a:prstGeom prst="rect">
-            <a:avLst/>
-          </a:prstGeom>
-          <a:noFill/>
-        </p:spPr>
-        <p:txBody>
-          <a:bodyPr wrap="square" rtlCol="0">
-            <a:noAutofit/>
+            <a:spAutoFit/>
           </a:bodyPr>
           <a:p>
             <a:pPr marL="285750" indent="-285750">
@@ -9313,15 +9196,749 @@
                 <a:latin typeface="微软雅黑" panose="020B0503020204020204" charset="-122"/>
                 <a:ea typeface="微软雅黑" panose="020B0503020204020204" charset="-122"/>
               </a:rPr>
-              <a:t>分组</a:t>
-            </a:r>
-            <a:endParaRPr lang="zh-CN" altLang="en-US" b="1" dirty="0">
+              <a:t>任务：</a:t>
+            </a:r>
+            <a:endParaRPr lang="en-US" altLang="zh-CN" b="1" dirty="0">
               <a:latin typeface="微软雅黑" panose="020B0503020204020204" charset="-122"/>
               <a:ea typeface="微软雅黑" panose="020B0503020204020204" charset="-122"/>
             </a:endParaRPr>
           </a:p>
         </p:txBody>
       </p:sp>
+      <p:sp>
+        <p:nvSpPr>
+          <p:cNvPr id="8" name="文本框 7"/>
+          <p:cNvSpPr txBox="1"/>
+          <p:nvPr/>
+        </p:nvSpPr>
+        <p:spPr>
+          <a:xfrm>
+            <a:off x="286385" y="2472055"/>
+            <a:ext cx="9719945" cy="1276350"/>
+          </a:xfrm>
+          <a:prstGeom prst="rect">
+            <a:avLst/>
+          </a:prstGeom>
+          <a:noFill/>
+        </p:spPr>
+        <p:txBody>
+          <a:bodyPr wrap="square" rtlCol="0">
+            <a:noAutofit/>
+          </a:bodyPr>
+          <a:p>
+            <a:pPr marL="0" lvl="0" indent="0">
+              <a:buNone/>
+            </a:pPr>
+            <a:endParaRPr lang="en-US" altLang="zh-CN" sz="1600" dirty="0">
+              <a:solidFill>
+                <a:schemeClr val="tx1"/>
+              </a:solidFill>
+              <a:latin typeface="微软雅黑" panose="020B0503020204020204" charset="-122"/>
+              <a:ea typeface="微软雅黑" panose="020B0503020204020204" charset="-122"/>
+            </a:endParaRPr>
+          </a:p>
+          <a:p>
+            <a:pPr marL="0" lvl="0" indent="0">
+              <a:buNone/>
+            </a:pPr>
+            <a:endParaRPr lang="en-US" altLang="zh-CN" sz="1600" dirty="0">
+              <a:solidFill>
+                <a:schemeClr val="tx1"/>
+              </a:solidFill>
+              <a:latin typeface="微软雅黑" panose="020B0503020204020204" charset="-122"/>
+              <a:ea typeface="微软雅黑" panose="020B0503020204020204" charset="-122"/>
+            </a:endParaRPr>
+          </a:p>
+          <a:p>
+            <a:pPr marL="0" lvl="0" indent="0">
+              <a:buNone/>
+            </a:pPr>
+            <a:endParaRPr lang="en-US" altLang="zh-CN" sz="1600" dirty="0">
+              <a:solidFill>
+                <a:schemeClr val="tx1"/>
+              </a:solidFill>
+              <a:latin typeface="微软雅黑" panose="020B0503020204020204" charset="-122"/>
+              <a:ea typeface="微软雅黑" panose="020B0503020204020204" charset="-122"/>
+            </a:endParaRPr>
+          </a:p>
+          <a:p>
+            <a:pPr marL="0" lvl="0" indent="0">
+              <a:buNone/>
+            </a:pPr>
+            <a:endParaRPr lang="en-US" altLang="zh-CN" sz="1600" dirty="0">
+              <a:solidFill>
+                <a:schemeClr val="tx1"/>
+              </a:solidFill>
+              <a:latin typeface="微软雅黑" panose="020B0503020204020204" charset="-122"/>
+              <a:ea typeface="微软雅黑" panose="020B0503020204020204" charset="-122"/>
+            </a:endParaRPr>
+          </a:p>
+        </p:txBody>
+      </p:sp>
+      <p:sp>
+        <p:nvSpPr>
+          <p:cNvPr id="11" name="文本框 10"/>
+          <p:cNvSpPr txBox="1"/>
+          <p:nvPr>
+            <p:custDataLst>
+              <p:tags r:id="rId3"/>
+            </p:custDataLst>
+          </p:nvPr>
+        </p:nvSpPr>
+        <p:spPr>
+          <a:xfrm>
+            <a:off x="455295" y="2056765"/>
+            <a:ext cx="1725930" cy="506730"/>
+          </a:xfrm>
+          <a:prstGeom prst="rect">
+            <a:avLst/>
+          </a:prstGeom>
+          <a:noFill/>
+        </p:spPr>
+        <p:txBody>
+          <a:bodyPr wrap="square" rtlCol="0">
+            <a:spAutoFit/>
+          </a:bodyPr>
+          <a:p>
+            <a:pPr marL="285750" indent="-285750">
+              <a:lnSpc>
+                <a:spcPct val="150000"/>
+              </a:lnSpc>
+              <a:buFont typeface="Wingdings" panose="05000000000000000000" charset="0"/>
+              <a:buChar char="p"/>
+            </a:pPr>
+            <a:r>
+              <a:rPr lang="zh-CN" altLang="en-US" b="1" dirty="0">
+                <a:latin typeface="微软雅黑" panose="020B0503020204020204" charset="-122"/>
+                <a:ea typeface="微软雅黑" panose="020B0503020204020204" charset="-122"/>
+              </a:rPr>
+              <a:t>动机：</a:t>
+            </a:r>
+            <a:endParaRPr lang="en-US" altLang="zh-CN" b="1" dirty="0">
+              <a:latin typeface="微软雅黑" panose="020B0503020204020204" charset="-122"/>
+              <a:ea typeface="微软雅黑" panose="020B0503020204020204" charset="-122"/>
+            </a:endParaRPr>
+          </a:p>
+        </p:txBody>
+      </p:sp>
+      <p:sp>
+        <p:nvSpPr>
+          <p:cNvPr id="4" name="文本框 3"/>
+          <p:cNvSpPr txBox="1"/>
+          <p:nvPr>
+            <p:custDataLst>
+              <p:tags r:id="rId4"/>
+            </p:custDataLst>
+          </p:nvPr>
+        </p:nvSpPr>
+        <p:spPr>
+          <a:xfrm>
+            <a:off x="455295" y="3140075"/>
+            <a:ext cx="1725930" cy="506730"/>
+          </a:xfrm>
+          <a:prstGeom prst="rect">
+            <a:avLst/>
+          </a:prstGeom>
+          <a:noFill/>
+        </p:spPr>
+        <p:txBody>
+          <a:bodyPr wrap="square" rtlCol="0">
+            <a:spAutoFit/>
+          </a:bodyPr>
+          <a:p>
+            <a:pPr marL="285750" indent="-285750">
+              <a:lnSpc>
+                <a:spcPct val="150000"/>
+              </a:lnSpc>
+              <a:buFont typeface="Wingdings" panose="05000000000000000000" charset="0"/>
+              <a:buChar char="p"/>
+            </a:pPr>
+            <a:r>
+              <a:rPr lang="zh-CN" altLang="en-US" b="1" dirty="0">
+                <a:latin typeface="微软雅黑" panose="020B0503020204020204" charset="-122"/>
+                <a:ea typeface="微软雅黑" panose="020B0503020204020204" charset="-122"/>
+              </a:rPr>
+              <a:t>整体</a:t>
+            </a:r>
+            <a:r>
+              <a:rPr lang="zh-CN" altLang="en-US" b="1" dirty="0">
+                <a:latin typeface="微软雅黑" panose="020B0503020204020204" charset="-122"/>
+                <a:ea typeface="微软雅黑" panose="020B0503020204020204" charset="-122"/>
+              </a:rPr>
+              <a:t>思路：</a:t>
+            </a:r>
+            <a:endParaRPr lang="en-US" altLang="zh-CN" b="1" dirty="0">
+              <a:latin typeface="微软雅黑" panose="020B0503020204020204" charset="-122"/>
+              <a:ea typeface="微软雅黑" panose="020B0503020204020204" charset="-122"/>
+            </a:endParaRPr>
+          </a:p>
+        </p:txBody>
+      </p:sp>
+      <p:sp>
+        <p:nvSpPr>
+          <p:cNvPr id="6" name="文本框 5"/>
+          <p:cNvSpPr txBox="1"/>
+          <p:nvPr>
+            <p:custDataLst>
+              <p:tags r:id="rId5"/>
+            </p:custDataLst>
+          </p:nvPr>
+        </p:nvSpPr>
+        <p:spPr>
+          <a:xfrm>
+            <a:off x="455295" y="5052695"/>
+            <a:ext cx="1725930" cy="506730"/>
+          </a:xfrm>
+          <a:prstGeom prst="rect">
+            <a:avLst/>
+          </a:prstGeom>
+          <a:noFill/>
+        </p:spPr>
+        <p:txBody>
+          <a:bodyPr wrap="square" rtlCol="0">
+            <a:spAutoFit/>
+          </a:bodyPr>
+          <a:p>
+            <a:pPr marL="285750" indent="-285750">
+              <a:lnSpc>
+                <a:spcPct val="150000"/>
+              </a:lnSpc>
+              <a:buFont typeface="Wingdings" panose="05000000000000000000" charset="0"/>
+              <a:buChar char="p"/>
+            </a:pPr>
+            <a:r>
+              <a:rPr lang="zh-CN" altLang="en-US" b="1" dirty="0">
+                <a:latin typeface="微软雅黑" panose="020B0503020204020204" charset="-122"/>
+                <a:ea typeface="微软雅黑" panose="020B0503020204020204" charset="-122"/>
+              </a:rPr>
+              <a:t>贡献：</a:t>
+            </a:r>
+            <a:endParaRPr lang="en-US" altLang="zh-CN" b="1" dirty="0">
+              <a:latin typeface="微软雅黑" panose="020B0503020204020204" charset="-122"/>
+              <a:ea typeface="微软雅黑" panose="020B0503020204020204" charset="-122"/>
+            </a:endParaRPr>
+          </a:p>
+        </p:txBody>
+      </p:sp>
+      <p:sp>
+        <p:nvSpPr>
+          <p:cNvPr id="14" name="文本框 13"/>
+          <p:cNvSpPr txBox="1"/>
+          <p:nvPr/>
+        </p:nvSpPr>
+        <p:spPr>
+          <a:xfrm>
+            <a:off x="106680" y="6453505"/>
+            <a:ext cx="12229465" cy="275590"/>
+          </a:xfrm>
+          <a:prstGeom prst="rect">
+            <a:avLst/>
+          </a:prstGeom>
+        </p:spPr>
+        <p:txBody>
+          <a:bodyPr wrap="square">
+            <a:spAutoFit/>
+          </a:bodyPr>
+          <a:p>
+            <a:pPr marL="0" indent="0" algn="l"/>
+            <a:r>
+              <a:rPr lang="en-US" altLang="zh-CN" sz="1200" b="0" i="0">
+                <a:solidFill>
+                  <a:srgbClr val="333333"/>
+                </a:solidFill>
+                <a:latin typeface="Arial" panose="020B0604020202020204"/>
+                <a:ea typeface="Arial" panose="020B0604020202020204"/>
+              </a:rPr>
+              <a:t>Ma X, Fang G, Wang X. Llm-pruner: On the structural pruning of large language models[J]. Advances in neural information processing systems, 2023, 36: 21702-21720..</a:t>
+            </a:r>
+            <a:endParaRPr lang="en-US" altLang="zh-CN" sz="1200" b="0" i="0">
+              <a:solidFill>
+                <a:srgbClr val="333333"/>
+              </a:solidFill>
+              <a:latin typeface="Arial" panose="020B0604020202020204"/>
+              <a:ea typeface="Arial" panose="020B0604020202020204"/>
+            </a:endParaRPr>
+          </a:p>
+        </p:txBody>
+      </p:sp>
+      <p:sp>
+        <p:nvSpPr>
+          <p:cNvPr id="15" name="文本框 14"/>
+          <p:cNvSpPr txBox="1"/>
+          <p:nvPr/>
+        </p:nvSpPr>
+        <p:spPr>
+          <a:xfrm>
+            <a:off x="286385" y="1457325"/>
+            <a:ext cx="8058150" cy="603885"/>
+          </a:xfrm>
+          <a:prstGeom prst="rect">
+            <a:avLst/>
+          </a:prstGeom>
+          <a:noFill/>
+        </p:spPr>
+        <p:txBody>
+          <a:bodyPr wrap="square" rtlCol="0">
+            <a:noAutofit/>
+          </a:bodyPr>
+          <a:p>
+            <a:pPr indent="457200"/>
+            <a:r>
+              <a:rPr lang="zh-CN" altLang="en-US" sz="1600" dirty="0">
+                <a:latin typeface="微软雅黑" panose="020B0503020204020204" charset="-122"/>
+                <a:ea typeface="微软雅黑" panose="020B0503020204020204" charset="-122"/>
+                <a:sym typeface="+mn-ea"/>
+              </a:rPr>
+              <a:t>结构化剪枝，快速自动化的减少模型参数量，降低成本</a:t>
+            </a:r>
+            <a:endParaRPr lang="zh-CN" altLang="zh-CN" sz="1600" dirty="0">
+              <a:solidFill>
+                <a:schemeClr val="tx1"/>
+              </a:solidFill>
+              <a:latin typeface="微软雅黑" panose="020B0503020204020204" charset="-122"/>
+              <a:ea typeface="微软雅黑" panose="020B0503020204020204" charset="-122"/>
+            </a:endParaRPr>
+          </a:p>
+          <a:p>
+            <a:pPr indent="457200"/>
+            <a:endParaRPr lang="zh-CN" altLang="zh-CN" sz="1600" dirty="0">
+              <a:solidFill>
+                <a:schemeClr val="tx1"/>
+              </a:solidFill>
+              <a:latin typeface="微软雅黑" panose="020B0503020204020204" charset="-122"/>
+              <a:ea typeface="微软雅黑" panose="020B0503020204020204" charset="-122"/>
+            </a:endParaRPr>
+          </a:p>
+          <a:p>
+            <a:pPr indent="457200"/>
+            <a:endParaRPr lang="zh-CN" altLang="zh-CN" sz="1600" dirty="0">
+              <a:solidFill>
+                <a:schemeClr val="tx1"/>
+              </a:solidFill>
+              <a:latin typeface="微软雅黑" panose="020B0503020204020204" charset="-122"/>
+              <a:ea typeface="微软雅黑" panose="020B0503020204020204" charset="-122"/>
+            </a:endParaRPr>
+          </a:p>
+          <a:p>
+            <a:pPr indent="457200"/>
+            <a:endParaRPr lang="zh-CN" altLang="zh-CN" sz="1600" dirty="0">
+              <a:solidFill>
+                <a:schemeClr val="tx1"/>
+              </a:solidFill>
+              <a:latin typeface="微软雅黑" panose="020B0503020204020204" charset="-122"/>
+              <a:ea typeface="微软雅黑" panose="020B0503020204020204" charset="-122"/>
+            </a:endParaRPr>
+          </a:p>
+          <a:p>
+            <a:pPr indent="457200"/>
+            <a:r>
+              <a:rPr lang="en-US" altLang="zh-CN" sz="1600" dirty="0">
+                <a:solidFill>
+                  <a:schemeClr val="tx1"/>
+                </a:solidFill>
+                <a:latin typeface="微软雅黑" panose="020B0503020204020204" charset="-122"/>
+                <a:ea typeface="微软雅黑" panose="020B0503020204020204" charset="-122"/>
+              </a:rPr>
+              <a:t>1.  </a:t>
+            </a:r>
+            <a:r>
+              <a:rPr lang="zh-CN" altLang="en-US" sz="1600" dirty="0">
+                <a:solidFill>
+                  <a:schemeClr val="tx1"/>
+                </a:solidFill>
+                <a:latin typeface="微软雅黑" panose="020B0503020204020204" charset="-122"/>
+                <a:ea typeface="微软雅黑" panose="020B0503020204020204" charset="-122"/>
+              </a:rPr>
+              <a:t>即使是</a:t>
+            </a:r>
+            <a:r>
+              <a:rPr lang="en-US" altLang="zh-CN" sz="1600" dirty="0">
+                <a:solidFill>
+                  <a:schemeClr val="tx1"/>
+                </a:solidFill>
+                <a:latin typeface="微软雅黑" panose="020B0503020204020204" charset="-122"/>
+                <a:ea typeface="微软雅黑" panose="020B0503020204020204" charset="-122"/>
+              </a:rPr>
+              <a:t>LLaMA</a:t>
+            </a:r>
+            <a:r>
+              <a:rPr lang="zh-CN" altLang="en-US" sz="1600" dirty="0">
+                <a:solidFill>
+                  <a:schemeClr val="tx1"/>
+                </a:solidFill>
+                <a:latin typeface="微软雅黑" panose="020B0503020204020204" charset="-122"/>
+                <a:ea typeface="微软雅黑" panose="020B0503020204020204" charset="-122"/>
+              </a:rPr>
+              <a:t>（</a:t>
+            </a:r>
+            <a:r>
+              <a:rPr lang="en-US" altLang="zh-CN" sz="1600" dirty="0">
+                <a:solidFill>
+                  <a:schemeClr val="tx1"/>
+                </a:solidFill>
+                <a:latin typeface="微软雅黑" panose="020B0503020204020204" charset="-122"/>
+                <a:ea typeface="微软雅黑" panose="020B0503020204020204" charset="-122"/>
+              </a:rPr>
+              <a:t>5.2B</a:t>
+            </a:r>
+            <a:r>
+              <a:rPr lang="zh-CN" altLang="en-US" sz="1600" dirty="0">
+                <a:solidFill>
+                  <a:schemeClr val="tx1"/>
+                </a:solidFill>
+                <a:latin typeface="微软雅黑" panose="020B0503020204020204" charset="-122"/>
+                <a:ea typeface="微软雅黑" panose="020B0503020204020204" charset="-122"/>
+              </a:rPr>
+              <a:t>）的模型执行推理和微调的成本都无法让普通用户接受</a:t>
+            </a:r>
+            <a:r>
+              <a:rPr lang="en-US" altLang="zh-CN" sz="1600" dirty="0">
+                <a:solidFill>
+                  <a:schemeClr val="tx1"/>
+                </a:solidFill>
+                <a:latin typeface="微软雅黑" panose="020B0503020204020204" charset="-122"/>
+                <a:ea typeface="微软雅黑" panose="020B0503020204020204" charset="-122"/>
+              </a:rPr>
+              <a:t>  </a:t>
+            </a:r>
+            <a:endParaRPr lang="en-US" altLang="zh-CN" sz="1600" dirty="0">
+              <a:solidFill>
+                <a:schemeClr val="tx1"/>
+              </a:solidFill>
+              <a:latin typeface="微软雅黑" panose="020B0503020204020204" charset="-122"/>
+              <a:ea typeface="微软雅黑" panose="020B0503020204020204" charset="-122"/>
+            </a:endParaRPr>
+          </a:p>
+          <a:p>
+            <a:pPr indent="457200"/>
+            <a:r>
+              <a:rPr lang="en-US" altLang="zh-CN" sz="1600" dirty="0">
+                <a:solidFill>
+                  <a:schemeClr val="tx1"/>
+                </a:solidFill>
+                <a:latin typeface="微软雅黑" panose="020B0503020204020204" charset="-122"/>
+                <a:ea typeface="微软雅黑" panose="020B0503020204020204" charset="-122"/>
+              </a:rPr>
+              <a:t>2.  </a:t>
+            </a:r>
+            <a:r>
+              <a:rPr lang="zh-CN" altLang="en-US" sz="1600" dirty="0">
+                <a:solidFill>
+                  <a:schemeClr val="tx1"/>
+                </a:solidFill>
+                <a:latin typeface="微软雅黑" panose="020B0503020204020204" charset="-122"/>
+                <a:ea typeface="微软雅黑" panose="020B0503020204020204" charset="-122"/>
+              </a:rPr>
+              <a:t>非结构化得到推理比较要求专门的硬件或者软件支持加速</a:t>
+            </a:r>
+            <a:endParaRPr lang="zh-CN" altLang="en-US" sz="1600" dirty="0">
+              <a:solidFill>
+                <a:schemeClr val="tx1"/>
+              </a:solidFill>
+              <a:latin typeface="微软雅黑" panose="020B0503020204020204" charset="-122"/>
+              <a:ea typeface="微软雅黑" panose="020B0503020204020204" charset="-122"/>
+            </a:endParaRPr>
+          </a:p>
+          <a:p>
+            <a:pPr indent="457200"/>
+            <a:endParaRPr lang="zh-CN" altLang="en-US" sz="1600" dirty="0">
+              <a:solidFill>
+                <a:schemeClr val="tx1"/>
+              </a:solidFill>
+              <a:latin typeface="微软雅黑" panose="020B0503020204020204" charset="-122"/>
+              <a:ea typeface="微软雅黑" panose="020B0503020204020204" charset="-122"/>
+            </a:endParaRPr>
+          </a:p>
+          <a:p>
+            <a:pPr indent="457200"/>
+            <a:endParaRPr lang="zh-CN" altLang="en-US" sz="1600" dirty="0">
+              <a:solidFill>
+                <a:schemeClr val="tx1"/>
+              </a:solidFill>
+              <a:latin typeface="微软雅黑" panose="020B0503020204020204" charset="-122"/>
+              <a:ea typeface="微软雅黑" panose="020B0503020204020204" charset="-122"/>
+            </a:endParaRPr>
+          </a:p>
+          <a:p>
+            <a:pPr indent="457200"/>
+            <a:endParaRPr lang="zh-CN" altLang="en-US" sz="1600" dirty="0">
+              <a:solidFill>
+                <a:schemeClr val="tx1"/>
+              </a:solidFill>
+              <a:latin typeface="微软雅黑" panose="020B0503020204020204" charset="-122"/>
+              <a:ea typeface="微软雅黑" panose="020B0503020204020204" charset="-122"/>
+            </a:endParaRPr>
+          </a:p>
+          <a:p>
+            <a:pPr indent="457200"/>
+            <a:r>
+              <a:rPr lang="en-US" altLang="zh-CN" sz="1600" dirty="0">
+                <a:solidFill>
+                  <a:schemeClr val="tx1"/>
+                </a:solidFill>
+                <a:latin typeface="微软雅黑" panose="020B0503020204020204" charset="-122"/>
+                <a:ea typeface="微软雅黑" panose="020B0503020204020204" charset="-122"/>
+              </a:rPr>
+              <a:t>1.  </a:t>
+            </a:r>
+            <a:r>
+              <a:rPr lang="zh-CN" altLang="en-US" sz="1600" dirty="0">
+                <a:solidFill>
+                  <a:schemeClr val="tx1"/>
+                </a:solidFill>
+                <a:latin typeface="微软雅黑" panose="020B0503020204020204" charset="-122"/>
+                <a:ea typeface="微软雅黑" panose="020B0503020204020204" charset="-122"/>
+              </a:rPr>
+              <a:t>根据依赖性分组</a:t>
+            </a:r>
+            <a:endParaRPr lang="zh-CN" altLang="en-US" sz="1600" dirty="0">
+              <a:solidFill>
+                <a:schemeClr val="tx1"/>
+              </a:solidFill>
+              <a:latin typeface="微软雅黑" panose="020B0503020204020204" charset="-122"/>
+              <a:ea typeface="微软雅黑" panose="020B0503020204020204" charset="-122"/>
+            </a:endParaRPr>
+          </a:p>
+          <a:p>
+            <a:pPr indent="457200"/>
+            <a:r>
+              <a:rPr lang="en-US" altLang="zh-CN" sz="1600" dirty="0">
+                <a:solidFill>
+                  <a:schemeClr val="tx1"/>
+                </a:solidFill>
+                <a:latin typeface="微软雅黑" panose="020B0503020204020204" charset="-122"/>
+                <a:ea typeface="微软雅黑" panose="020B0503020204020204" charset="-122"/>
+              </a:rPr>
+              <a:t>2.  </a:t>
+            </a:r>
+            <a:r>
+              <a:rPr lang="zh-CN" altLang="en-US" sz="1600" dirty="0">
+                <a:solidFill>
+                  <a:schemeClr val="tx1"/>
+                </a:solidFill>
+                <a:latin typeface="微软雅黑" panose="020B0503020204020204" charset="-122"/>
+                <a:ea typeface="微软雅黑" panose="020B0503020204020204" charset="-122"/>
+              </a:rPr>
+              <a:t>根据损失评估重要性剪枝</a:t>
+            </a:r>
+            <a:endParaRPr lang="zh-CN" altLang="en-US" sz="1600" dirty="0">
+              <a:solidFill>
+                <a:schemeClr val="tx1"/>
+              </a:solidFill>
+              <a:latin typeface="微软雅黑" panose="020B0503020204020204" charset="-122"/>
+              <a:ea typeface="微软雅黑" panose="020B0503020204020204" charset="-122"/>
+            </a:endParaRPr>
+          </a:p>
+          <a:p>
+            <a:pPr indent="457200"/>
+            <a:r>
+              <a:rPr lang="en-US" altLang="zh-CN" sz="1600" dirty="0">
+                <a:solidFill>
+                  <a:schemeClr val="tx1"/>
+                </a:solidFill>
+                <a:latin typeface="微软雅黑" panose="020B0503020204020204" charset="-122"/>
+                <a:ea typeface="微软雅黑" panose="020B0503020204020204" charset="-122"/>
+              </a:rPr>
+              <a:t>3.  </a:t>
+            </a:r>
+            <a:r>
+              <a:rPr lang="zh-CN" altLang="en-US" sz="1600" dirty="0">
+                <a:solidFill>
+                  <a:schemeClr val="tx1"/>
+                </a:solidFill>
+                <a:latin typeface="微软雅黑" panose="020B0503020204020204" charset="-122"/>
+                <a:ea typeface="微软雅黑" panose="020B0503020204020204" charset="-122"/>
+              </a:rPr>
+              <a:t>最后再执行一些微调保证模型能力</a:t>
+            </a:r>
+            <a:endParaRPr lang="zh-CN" altLang="en-US" sz="1600" dirty="0">
+              <a:solidFill>
+                <a:schemeClr val="tx1"/>
+              </a:solidFill>
+              <a:latin typeface="微软雅黑" panose="020B0503020204020204" charset="-122"/>
+              <a:ea typeface="微软雅黑" panose="020B0503020204020204" charset="-122"/>
+            </a:endParaRPr>
+          </a:p>
+          <a:p>
+            <a:pPr indent="457200"/>
+            <a:endParaRPr lang="en-US" altLang="zh-CN" sz="1600" dirty="0">
+              <a:solidFill>
+                <a:schemeClr val="tx1"/>
+              </a:solidFill>
+              <a:latin typeface="微软雅黑" panose="020B0503020204020204" charset="-122"/>
+              <a:ea typeface="微软雅黑" panose="020B0503020204020204" charset="-122"/>
+            </a:endParaRPr>
+          </a:p>
+          <a:p>
+            <a:pPr marL="0" lvl="0" indent="0">
+              <a:buNone/>
+            </a:pPr>
+            <a:endParaRPr lang="en-US" altLang="zh-CN" sz="1600" dirty="0">
+              <a:solidFill>
+                <a:schemeClr val="tx1"/>
+              </a:solidFill>
+              <a:latin typeface="微软雅黑" panose="020B0503020204020204" charset="-122"/>
+              <a:ea typeface="微软雅黑" panose="020B0503020204020204" charset="-122"/>
+            </a:endParaRPr>
+          </a:p>
+          <a:p>
+            <a:pPr marL="0" lvl="0" indent="0">
+              <a:buNone/>
+            </a:pPr>
+            <a:endParaRPr lang="en-US" altLang="zh-CN" sz="1600" dirty="0">
+              <a:solidFill>
+                <a:schemeClr val="tx1"/>
+              </a:solidFill>
+              <a:latin typeface="微软雅黑" panose="020B0503020204020204" charset="-122"/>
+              <a:ea typeface="微软雅黑" panose="020B0503020204020204" charset="-122"/>
+            </a:endParaRPr>
+          </a:p>
+          <a:p>
+            <a:pPr marL="0" lvl="0" indent="0">
+              <a:buNone/>
+            </a:pPr>
+            <a:endParaRPr lang="en-US" altLang="zh-CN" sz="1600" dirty="0">
+              <a:solidFill>
+                <a:schemeClr val="tx1"/>
+              </a:solidFill>
+              <a:latin typeface="微软雅黑" panose="020B0503020204020204" charset="-122"/>
+              <a:ea typeface="微软雅黑" panose="020B0503020204020204" charset="-122"/>
+            </a:endParaRPr>
+          </a:p>
+          <a:p>
+            <a:pPr marL="0" lvl="0" indent="457200">
+              <a:buNone/>
+            </a:pPr>
+            <a:endParaRPr lang="en-US" altLang="zh-CN" sz="1600" dirty="0">
+              <a:solidFill>
+                <a:schemeClr val="tx1"/>
+              </a:solidFill>
+              <a:latin typeface="微软雅黑" panose="020B0503020204020204" charset="-122"/>
+              <a:ea typeface="微软雅黑" panose="020B0503020204020204" charset="-122"/>
+            </a:endParaRPr>
+          </a:p>
+          <a:p>
+            <a:pPr marL="0" lvl="0" indent="457200">
+              <a:buNone/>
+            </a:pPr>
+            <a:r>
+              <a:rPr lang="en-US" altLang="zh-CN" sz="1600" dirty="0">
+                <a:solidFill>
+                  <a:schemeClr val="tx1"/>
+                </a:solidFill>
+                <a:latin typeface="微软雅黑" panose="020B0503020204020204" charset="-122"/>
+                <a:ea typeface="微软雅黑" panose="020B0503020204020204" charset="-122"/>
+              </a:rPr>
+              <a:t>1.  </a:t>
+            </a:r>
+            <a:r>
+              <a:rPr lang="zh-CN" altLang="en-US" sz="1600" dirty="0">
+                <a:solidFill>
+                  <a:schemeClr val="tx1"/>
+                </a:solidFill>
+                <a:latin typeface="微软雅黑" panose="020B0503020204020204" charset="-122"/>
+                <a:ea typeface="微软雅黑" panose="020B0503020204020204" charset="-122"/>
+              </a:rPr>
+              <a:t>降低参数量，加速推理和微调</a:t>
+            </a:r>
+            <a:endParaRPr lang="zh-CN" altLang="en-US" sz="1600" dirty="0">
+              <a:solidFill>
+                <a:schemeClr val="tx1"/>
+              </a:solidFill>
+              <a:latin typeface="微软雅黑" panose="020B0503020204020204" charset="-122"/>
+              <a:ea typeface="微软雅黑" panose="020B0503020204020204" charset="-122"/>
+            </a:endParaRPr>
+          </a:p>
+          <a:p>
+            <a:pPr marL="0" lvl="0" indent="457200">
+              <a:buNone/>
+            </a:pPr>
+            <a:r>
+              <a:rPr lang="en-US" altLang="zh-CN" sz="1600" dirty="0">
+                <a:solidFill>
+                  <a:schemeClr val="tx1"/>
+                </a:solidFill>
+                <a:latin typeface="微软雅黑" panose="020B0503020204020204" charset="-122"/>
+                <a:ea typeface="微软雅黑" panose="020B0503020204020204" charset="-122"/>
+              </a:rPr>
+              <a:t>2.  </a:t>
+            </a:r>
+            <a:r>
+              <a:rPr lang="zh-CN" altLang="en-US" sz="1600" dirty="0">
+                <a:solidFill>
+                  <a:schemeClr val="tx1"/>
+                </a:solidFill>
+                <a:latin typeface="微软雅黑" panose="020B0503020204020204" charset="-122"/>
+                <a:ea typeface="微软雅黑" panose="020B0503020204020204" charset="-122"/>
+              </a:rPr>
+              <a:t>降低训练需要的显存大小</a:t>
+            </a:r>
+            <a:endParaRPr lang="zh-CN" altLang="en-US" sz="1600" dirty="0">
+              <a:solidFill>
+                <a:schemeClr val="tx1"/>
+              </a:solidFill>
+              <a:latin typeface="微软雅黑" panose="020B0503020204020204" charset="-122"/>
+              <a:ea typeface="微软雅黑" panose="020B0503020204020204" charset="-122"/>
+            </a:endParaRPr>
+          </a:p>
+          <a:p>
+            <a:pPr marL="0" lvl="0" indent="457200">
+              <a:buNone/>
+            </a:pPr>
+            <a:r>
+              <a:rPr lang="en-US" altLang="zh-CN" sz="1600" dirty="0">
+                <a:solidFill>
+                  <a:schemeClr val="tx1"/>
+                </a:solidFill>
+                <a:latin typeface="微软雅黑" panose="020B0503020204020204" charset="-122"/>
+                <a:ea typeface="微软雅黑" panose="020B0503020204020204" charset="-122"/>
+              </a:rPr>
+              <a:t>3.  </a:t>
+            </a:r>
+            <a:r>
+              <a:rPr lang="zh-CN" altLang="en-US" sz="1600" dirty="0">
+                <a:solidFill>
+                  <a:schemeClr val="tx1"/>
+                </a:solidFill>
+                <a:latin typeface="微软雅黑" panose="020B0503020204020204" charset="-122"/>
+                <a:ea typeface="微软雅黑" panose="020B0503020204020204" charset="-122"/>
+              </a:rPr>
+              <a:t>执行自动的结构化剪枝，快速方便</a:t>
+            </a:r>
+            <a:endParaRPr lang="zh-CN" altLang="en-US" sz="1600" dirty="0">
+              <a:solidFill>
+                <a:schemeClr val="tx1"/>
+              </a:solidFill>
+              <a:latin typeface="微软雅黑" panose="020B0503020204020204" charset="-122"/>
+              <a:ea typeface="微软雅黑" panose="020B0503020204020204" charset="-122"/>
+            </a:endParaRPr>
+          </a:p>
+        </p:txBody>
+      </p:sp>
+      <p:pic>
+        <p:nvPicPr>
+          <p:cNvPr id="9" name="图片 8"/>
+          <p:cNvPicPr>
+            <a:picLocks noChangeAspect="1"/>
+          </p:cNvPicPr>
+          <p:nvPr/>
+        </p:nvPicPr>
+        <p:blipFill>
+          <a:blip r:embed="rId6"/>
+          <a:stretch>
+            <a:fillRect/>
+          </a:stretch>
+        </p:blipFill>
+        <p:spPr>
+          <a:xfrm>
+            <a:off x="5867400" y="3046095"/>
+            <a:ext cx="6236335" cy="2422525"/>
+          </a:xfrm>
+          <a:prstGeom prst="rect">
+            <a:avLst/>
+          </a:prstGeom>
+        </p:spPr>
+      </p:pic>
     </p:spTree>
   </p:cSld>
   <p:clrMapOvr>
@@ -9446,6 +10063,18 @@
 </file>
 
 <file path=ppt/tags/tag27.xml><?xml version="1.0" encoding="utf-8"?>
+<p:tagLst xmlns:p="http://schemas.openxmlformats.org/presentationml/2006/main">
+  <p:tag name="KSO_WM_BEAUTIFY_FLAG" val=""/>
+</p:tagLst>
+</file>
+
+<file path=ppt/tags/tag28.xml><?xml version="1.0" encoding="utf-8"?>
+<p:tagLst xmlns:p="http://schemas.openxmlformats.org/presentationml/2006/main">
+  <p:tag name="KSO_WM_BEAUTIFY_FLAG" val=""/>
+</p:tagLst>
+</file>
+
+<file path=ppt/tags/tag29.xml><?xml version="1.0" encoding="utf-8"?>
 <p:tagLst xmlns:p="http://schemas.openxmlformats.org/presentationml/2006/main">
   <p:tag name="KSO_WPP_MARK_KEY" val="c7925d13-95db-4618-ac98-c22196edd7f9"/>
   <p:tag name="COMMONDATA" val="eyJoZGlkIjoiZTg3MzIzMDhlODgyZTlkYzQ0OWY3ZDI2YzlhMjBjMGIifQ=="/>

--- a/0.组会记录/2024-11-14/report-2024-11-14.pptx
+++ b/0.组会记录/2024-11-14/report-2024-11-14.pptx
@@ -4252,6 +4252,54 @@
           <a:chExt cx="0" cy="0"/>
         </a:xfrm>
       </p:grpSpPr>
+      <p:pic>
+        <p:nvPicPr>
+          <p:cNvPr id="8" name="图片 7"/>
+          <p:cNvPicPr>
+            <a:picLocks noChangeAspect="1"/>
+          </p:cNvPicPr>
+          <p:nvPr/>
+        </p:nvPicPr>
+        <p:blipFill>
+          <a:blip r:embed="rId1"/>
+          <a:stretch>
+            <a:fillRect/>
+          </a:stretch>
+        </p:blipFill>
+        <p:spPr>
+          <a:xfrm>
+            <a:off x="372110" y="5760085"/>
+            <a:ext cx="6826250" cy="685800"/>
+          </a:xfrm>
+          <a:prstGeom prst="rect">
+            <a:avLst/>
+          </a:prstGeom>
+        </p:spPr>
+      </p:pic>
+      <p:pic>
+        <p:nvPicPr>
+          <p:cNvPr id="11" name="图片 10"/>
+          <p:cNvPicPr>
+            <a:picLocks noChangeAspect="1"/>
+          </p:cNvPicPr>
+          <p:nvPr/>
+        </p:nvPicPr>
+        <p:blipFill>
+          <a:blip r:embed="rId2"/>
+          <a:stretch>
+            <a:fillRect/>
+          </a:stretch>
+        </p:blipFill>
+        <p:spPr>
+          <a:xfrm>
+            <a:off x="486410" y="4811395"/>
+            <a:ext cx="6597650" cy="762000"/>
+          </a:xfrm>
+          <a:prstGeom prst="rect">
+            <a:avLst/>
+          </a:prstGeom>
+        </p:spPr>
+      </p:pic>
       <p:sp>
         <p:nvSpPr>
           <p:cNvPr id="13" name="文本框 12"/>
@@ -4332,7 +4380,7 @@
           <p:cNvSpPr/>
           <p:nvPr>
             <p:custDataLst>
-              <p:tags r:id="rId1"/>
+              <p:tags r:id="rId3"/>
             </p:custDataLst>
           </p:nvPr>
         </p:nvSpPr>
@@ -4419,8 +4467,8 @@
         </p:nvSpPr>
         <p:spPr>
           <a:xfrm>
-            <a:off x="286385" y="2056765"/>
-            <a:ext cx="11251565" cy="3255645"/>
+            <a:off x="286385" y="1545590"/>
+            <a:ext cx="5511800" cy="1730375"/>
           </a:xfrm>
           <a:prstGeom prst="rect">
             <a:avLst/>
@@ -4436,6 +4484,16 @@
               <a:buNone/>
             </a:pPr>
             <a:r>
+              <a:rPr lang="zh-CN" altLang="en-US" sz="1600" dirty="0">
+                <a:solidFill>
+                  <a:schemeClr val="tx1"/>
+                </a:solidFill>
+                <a:latin typeface="微软雅黑" panose="020B0503020204020204" charset="-122"/>
+                <a:ea typeface="微软雅黑" panose="020B0503020204020204" charset="-122"/>
+              </a:rPr>
+              <a:t>据依赖性准则，将</a:t>
+            </a:r>
+            <a:r>
               <a:rPr lang="en-US" altLang="zh-CN" sz="1600" dirty="0">
                 <a:solidFill>
                   <a:schemeClr val="tx1"/>
@@ -4443,7 +4501,7 @@
                 <a:latin typeface="微软雅黑" panose="020B0503020204020204" charset="-122"/>
                 <a:ea typeface="微软雅黑" panose="020B0503020204020204" charset="-122"/>
               </a:rPr>
-              <a:t>Pruner</a:t>
+              <a:t> LLM </a:t>
             </a:r>
             <a:r>
               <a:rPr lang="zh-CN" altLang="en-US" sz="1600" dirty="0">
@@ -4453,20 +4511,18 @@
                 <a:latin typeface="微软雅黑" panose="020B0503020204020204" charset="-122"/>
                 <a:ea typeface="微软雅黑" panose="020B0503020204020204" charset="-122"/>
               </a:rPr>
-              <a:t>结构化剪枝，该框架特点为任务无关的压缩、数据需求量少、快速和全自动操作。</a:t>
-            </a:r>
-            <a:endParaRPr lang="zh-CN" altLang="en-US" sz="1600" dirty="0">
-              <a:solidFill>
-                <a:schemeClr val="tx1"/>
-              </a:solidFill>
-              <a:latin typeface="微软雅黑" panose="020B0503020204020204" charset="-122"/>
-              <a:ea typeface="微软雅黑" panose="020B0503020204020204" charset="-122"/>
-            </a:endParaRPr>
-          </a:p>
-          <a:p>
-            <a:pPr marL="0" lvl="0" indent="457200">
-              <a:buNone/>
-            </a:pPr>
+              <a:t>中互相依赖的神经元划分为一组。依赖性准则为：若</a:t>
+            </a:r>
+            <a:r>
+              <a:rPr lang="en-US" altLang="zh-CN" sz="1600" dirty="0">
+                <a:solidFill>
+                  <a:schemeClr val="tx1"/>
+                </a:solidFill>
+                <a:latin typeface="微软雅黑" panose="020B0503020204020204" charset="-122"/>
+                <a:ea typeface="微软雅黑" panose="020B0503020204020204" charset="-122"/>
+              </a:rPr>
+              <a:t> i </a:t>
+            </a:r>
             <a:r>
               <a:rPr lang="zh-CN" altLang="en-US" sz="1600" dirty="0">
                 <a:solidFill>
@@ -4475,7 +4531,175 @@
                 <a:latin typeface="微软雅黑" panose="020B0503020204020204" charset="-122"/>
                 <a:ea typeface="微软雅黑" panose="020B0503020204020204" charset="-122"/>
               </a:rPr>
-              <a:t>目前自动的结构化剪枝支持以下大模型结构：</a:t>
+              <a:t>是</a:t>
+            </a:r>
+            <a:r>
+              <a:rPr lang="en-US" altLang="zh-CN" sz="1600" dirty="0">
+                <a:solidFill>
+                  <a:schemeClr val="tx1"/>
+                </a:solidFill>
+                <a:latin typeface="微软雅黑" panose="020B0503020204020204" charset="-122"/>
+                <a:ea typeface="微软雅黑" panose="020B0503020204020204" charset="-122"/>
+              </a:rPr>
+              <a:t> j </a:t>
+            </a:r>
+            <a:r>
+              <a:rPr lang="zh-CN" altLang="en-US" sz="1600" dirty="0">
+                <a:solidFill>
+                  <a:schemeClr val="tx1"/>
+                </a:solidFill>
+                <a:latin typeface="微软雅黑" panose="020B0503020204020204" charset="-122"/>
+                <a:ea typeface="微软雅黑" panose="020B0503020204020204" charset="-122"/>
+              </a:rPr>
+              <a:t>的唯一前驱，则</a:t>
+            </a:r>
+            <a:r>
+              <a:rPr lang="en-US" altLang="zh-CN" sz="1600" dirty="0">
+                <a:solidFill>
+                  <a:schemeClr val="tx1"/>
+                </a:solidFill>
+                <a:latin typeface="微软雅黑" panose="020B0503020204020204" charset="-122"/>
+                <a:ea typeface="微软雅黑" panose="020B0503020204020204" charset="-122"/>
+              </a:rPr>
+              <a:t> j </a:t>
+            </a:r>
+            <a:r>
+              <a:rPr lang="zh-CN" altLang="en-US" sz="1600" dirty="0">
+                <a:solidFill>
+                  <a:schemeClr val="tx1"/>
+                </a:solidFill>
+                <a:latin typeface="微软雅黑" panose="020B0503020204020204" charset="-122"/>
+                <a:ea typeface="微软雅黑" panose="020B0503020204020204" charset="-122"/>
+              </a:rPr>
+              <a:t>依赖于</a:t>
+            </a:r>
+            <a:r>
+              <a:rPr lang="en-US" altLang="zh-CN" sz="1600" dirty="0">
+                <a:solidFill>
+                  <a:schemeClr val="tx1"/>
+                </a:solidFill>
+                <a:latin typeface="微软雅黑" panose="020B0503020204020204" charset="-122"/>
+                <a:ea typeface="微软雅黑" panose="020B0503020204020204" charset="-122"/>
+              </a:rPr>
+              <a:t> i</a:t>
+            </a:r>
+            <a:r>
+              <a:rPr lang="zh-CN" altLang="en-US" sz="1600" dirty="0">
+                <a:solidFill>
+                  <a:schemeClr val="tx1"/>
+                </a:solidFill>
+                <a:latin typeface="微软雅黑" panose="020B0503020204020204" charset="-122"/>
+                <a:ea typeface="微软雅黑" panose="020B0503020204020204" charset="-122"/>
+              </a:rPr>
+              <a:t>；若</a:t>
+            </a:r>
+            <a:r>
+              <a:rPr lang="en-US" altLang="zh-CN" sz="1600" dirty="0">
+                <a:solidFill>
+                  <a:schemeClr val="tx1"/>
+                </a:solidFill>
+                <a:latin typeface="微软雅黑" panose="020B0503020204020204" charset="-122"/>
+                <a:ea typeface="微软雅黑" panose="020B0503020204020204" charset="-122"/>
+              </a:rPr>
+              <a:t> j </a:t>
+            </a:r>
+            <a:r>
+              <a:rPr lang="zh-CN" altLang="en-US" sz="1600" dirty="0">
+                <a:solidFill>
+                  <a:schemeClr val="tx1"/>
+                </a:solidFill>
+                <a:latin typeface="微软雅黑" panose="020B0503020204020204" charset="-122"/>
+                <a:ea typeface="微软雅黑" panose="020B0503020204020204" charset="-122"/>
+              </a:rPr>
+              <a:t>是</a:t>
+            </a:r>
+            <a:r>
+              <a:rPr lang="en-US" altLang="zh-CN" sz="1600" dirty="0">
+                <a:solidFill>
+                  <a:schemeClr val="tx1"/>
+                </a:solidFill>
+                <a:latin typeface="微软雅黑" panose="020B0503020204020204" charset="-122"/>
+                <a:ea typeface="微软雅黑" panose="020B0503020204020204" charset="-122"/>
+              </a:rPr>
+              <a:t> i </a:t>
+            </a:r>
+            <a:r>
+              <a:rPr lang="zh-CN" altLang="en-US" sz="1600" dirty="0">
+                <a:solidFill>
+                  <a:schemeClr val="tx1"/>
+                </a:solidFill>
+                <a:latin typeface="微软雅黑" panose="020B0503020204020204" charset="-122"/>
+                <a:ea typeface="微软雅黑" panose="020B0503020204020204" charset="-122"/>
+              </a:rPr>
+              <a:t>的唯一后继，则</a:t>
+            </a:r>
+            <a:r>
+              <a:rPr lang="en-US" altLang="zh-CN" sz="1600" dirty="0">
+                <a:solidFill>
+                  <a:schemeClr val="tx1"/>
+                </a:solidFill>
+                <a:latin typeface="微软雅黑" panose="020B0503020204020204" charset="-122"/>
+                <a:ea typeface="微软雅黑" panose="020B0503020204020204" charset="-122"/>
+              </a:rPr>
+              <a:t> i </a:t>
+            </a:r>
+            <a:r>
+              <a:rPr lang="zh-CN" altLang="en-US" sz="1600" dirty="0">
+                <a:solidFill>
+                  <a:schemeClr val="tx1"/>
+                </a:solidFill>
+                <a:latin typeface="微软雅黑" panose="020B0503020204020204" charset="-122"/>
+                <a:ea typeface="微软雅黑" panose="020B0503020204020204" charset="-122"/>
+              </a:rPr>
+              <a:t>依赖于</a:t>
+            </a:r>
+            <a:r>
+              <a:rPr lang="en-US" altLang="zh-CN" sz="1600" dirty="0">
+                <a:solidFill>
+                  <a:schemeClr val="tx1"/>
+                </a:solidFill>
+                <a:latin typeface="微软雅黑" panose="020B0503020204020204" charset="-122"/>
+                <a:ea typeface="微软雅黑" panose="020B0503020204020204" charset="-122"/>
+              </a:rPr>
+              <a:t> j</a:t>
+            </a:r>
+            <a:r>
+              <a:rPr lang="zh-CN" altLang="en-US" sz="1600" dirty="0">
+                <a:solidFill>
+                  <a:schemeClr val="tx1"/>
+                </a:solidFill>
+                <a:latin typeface="微软雅黑" panose="020B0503020204020204" charset="-122"/>
+                <a:ea typeface="微软雅黑" panose="020B0503020204020204" charset="-122"/>
+              </a:rPr>
+              <a:t>。</a:t>
+            </a:r>
+            <a:r>
+              <a:rPr lang="zh-CN" altLang="en-US" sz="1600" b="1" dirty="0">
+                <a:solidFill>
+                  <a:schemeClr val="tx1"/>
+                </a:solidFill>
+                <a:latin typeface="微软雅黑" panose="020B0503020204020204" charset="-122"/>
+                <a:ea typeface="微软雅黑" panose="020B0503020204020204" charset="-122"/>
+              </a:rPr>
+              <a:t>（有点像哈斯图的极大值的定义）</a:t>
+            </a:r>
+            <a:r>
+              <a:rPr lang="zh-CN" altLang="en-US" sz="1600" dirty="0">
+                <a:latin typeface="微软雅黑" panose="020B0503020204020204" charset="-122"/>
+                <a:ea typeface="微软雅黑" panose="020B0503020204020204" charset="-122"/>
+                <a:sym typeface="+mn-ea"/>
+              </a:rPr>
+              <a:t>。</a:t>
+            </a:r>
+            <a:r>
+              <a:rPr lang="zh-CN" altLang="en-US" sz="1600" dirty="0">
+                <a:solidFill>
+                  <a:schemeClr val="tx1"/>
+                </a:solidFill>
+                <a:latin typeface="微软雅黑" panose="020B0503020204020204" charset="-122"/>
+                <a:ea typeface="微软雅黑" panose="020B0503020204020204" charset="-122"/>
+              </a:rPr>
+              <a:t>具体操作中，需要分别将网络中每个神经元作为初始节点，依赖关系沿方向传导，传导过程中遍历的神经元为一组，一组需同时剪枝。</a:t>
             </a:r>
             <a:endParaRPr lang="zh-CN" altLang="en-US" sz="1600" dirty="0">
               <a:solidFill>
@@ -4497,6 +4721,144 @@
               <a:ea typeface="微软雅黑" panose="020B0503020204020204" charset="-122"/>
             </a:endParaRPr>
           </a:p>
+          <a:p>
+            <a:pPr marL="0" lvl="0" indent="457200">
+              <a:buNone/>
+            </a:pPr>
+            <a:endParaRPr lang="zh-CN" altLang="en-US" sz="1600" dirty="0">
+              <a:solidFill>
+                <a:schemeClr val="tx1"/>
+              </a:solidFill>
+              <a:latin typeface="微软雅黑" panose="020B0503020204020204" charset="-122"/>
+              <a:ea typeface="微软雅黑" panose="020B0503020204020204" charset="-122"/>
+            </a:endParaRPr>
+          </a:p>
+          <a:p>
+            <a:pPr marL="0" lvl="0" indent="457200">
+              <a:buNone/>
+            </a:pPr>
+            <a:endParaRPr lang="zh-CN" altLang="en-US" sz="1600" dirty="0">
+              <a:solidFill>
+                <a:schemeClr val="tx1"/>
+              </a:solidFill>
+              <a:latin typeface="微软雅黑" panose="020B0503020204020204" charset="-122"/>
+              <a:ea typeface="微软雅黑" panose="020B0503020204020204" charset="-122"/>
+            </a:endParaRPr>
+          </a:p>
+          <a:p>
+            <a:pPr marL="0" lvl="0" indent="457200">
+              <a:buNone/>
+            </a:pPr>
+            <a:endParaRPr lang="zh-CN" altLang="en-US" sz="1600" dirty="0">
+              <a:solidFill>
+                <a:schemeClr val="tx1"/>
+              </a:solidFill>
+              <a:latin typeface="微软雅黑" panose="020B0503020204020204" charset="-122"/>
+              <a:ea typeface="微软雅黑" panose="020B0503020204020204" charset="-122"/>
+            </a:endParaRPr>
+          </a:p>
+          <a:p>
+            <a:pPr marL="0" lvl="0" indent="457200">
+              <a:buNone/>
+            </a:pPr>
+            <a:r>
+              <a:rPr lang="zh-CN" altLang="en-US" sz="1600" dirty="0">
+                <a:solidFill>
+                  <a:schemeClr val="tx1"/>
+                </a:solidFill>
+                <a:latin typeface="微软雅黑" panose="020B0503020204020204" charset="-122"/>
+                <a:ea typeface="微软雅黑" panose="020B0503020204020204" charset="-122"/>
+              </a:rPr>
+              <a:t>用两条计算组重要性的路径：权重向量级别和单个参数级别来评估整个组别的重要性：</a:t>
+            </a:r>
+            <a:endParaRPr lang="zh-CN" altLang="en-US" sz="1600" dirty="0">
+              <a:solidFill>
+                <a:schemeClr val="tx1"/>
+              </a:solidFill>
+              <a:latin typeface="微软雅黑" panose="020B0503020204020204" charset="-122"/>
+              <a:ea typeface="微软雅黑" panose="020B0503020204020204" charset="-122"/>
+            </a:endParaRPr>
+          </a:p>
+          <a:p>
+            <a:pPr marL="0" lvl="0" indent="457200">
+              <a:buNone/>
+            </a:pPr>
+            <a:r>
+              <a:rPr lang="zh-CN" altLang="en-US" sz="1600" dirty="0">
+                <a:solidFill>
+                  <a:schemeClr val="tx1"/>
+                </a:solidFill>
+                <a:latin typeface="微软雅黑" panose="020B0503020204020204" charset="-122"/>
+                <a:ea typeface="微软雅黑" panose="020B0503020204020204" charset="-122"/>
+              </a:rPr>
+              <a:t>组别重要性：</a:t>
+            </a:r>
+            <a:endParaRPr lang="zh-CN" altLang="en-US" sz="1600" dirty="0">
+              <a:solidFill>
+                <a:schemeClr val="tx1"/>
+              </a:solidFill>
+              <a:latin typeface="微软雅黑" panose="020B0503020204020204" charset="-122"/>
+              <a:ea typeface="微软雅黑" panose="020B0503020204020204" charset="-122"/>
+            </a:endParaRPr>
+          </a:p>
+          <a:p>
+            <a:pPr marL="0" lvl="0" indent="457200">
+              <a:buNone/>
+            </a:pPr>
+            <a:endParaRPr lang="zh-CN" altLang="en-US" sz="1600" dirty="0">
+              <a:solidFill>
+                <a:schemeClr val="tx1"/>
+              </a:solidFill>
+              <a:latin typeface="微软雅黑" panose="020B0503020204020204" charset="-122"/>
+              <a:ea typeface="微软雅黑" panose="020B0503020204020204" charset="-122"/>
+            </a:endParaRPr>
+          </a:p>
+          <a:p>
+            <a:pPr marL="0" lvl="0" indent="457200">
+              <a:buNone/>
+            </a:pPr>
+            <a:endParaRPr lang="zh-CN" altLang="en-US" sz="1600" dirty="0">
+              <a:solidFill>
+                <a:schemeClr val="tx1"/>
+              </a:solidFill>
+              <a:latin typeface="微软雅黑" panose="020B0503020204020204" charset="-122"/>
+              <a:ea typeface="微软雅黑" panose="020B0503020204020204" charset="-122"/>
+            </a:endParaRPr>
+          </a:p>
+          <a:p>
+            <a:pPr marL="0" lvl="0" indent="457200">
+              <a:buNone/>
+            </a:pPr>
+            <a:endParaRPr lang="zh-CN" altLang="en-US" sz="1600" dirty="0">
+              <a:solidFill>
+                <a:schemeClr val="tx1"/>
+              </a:solidFill>
+              <a:latin typeface="微软雅黑" panose="020B0503020204020204" charset="-122"/>
+              <a:ea typeface="微软雅黑" panose="020B0503020204020204" charset="-122"/>
+            </a:endParaRPr>
+          </a:p>
+          <a:p>
+            <a:pPr marL="0" lvl="0" indent="457200">
+              <a:buNone/>
+            </a:pPr>
+            <a:r>
+              <a:rPr lang="zh-CN" altLang="en-US" sz="1600" dirty="0">
+                <a:solidFill>
+                  <a:schemeClr val="tx1"/>
+                </a:solidFill>
+                <a:latin typeface="微软雅黑" panose="020B0503020204020204" charset="-122"/>
+                <a:ea typeface="微软雅黑" panose="020B0503020204020204" charset="-122"/>
+              </a:rPr>
+              <a:t>单个重要性：</a:t>
+            </a:r>
+            <a:endParaRPr lang="zh-CN" altLang="en-US" sz="1600" dirty="0">
+              <a:solidFill>
+                <a:schemeClr val="tx1"/>
+              </a:solidFill>
+              <a:latin typeface="微软雅黑" panose="020B0503020204020204" charset="-122"/>
+              <a:ea typeface="微软雅黑" panose="020B0503020204020204" charset="-122"/>
+            </a:endParaRPr>
+          </a:p>
         </p:txBody>
       </p:sp>
       <p:sp>
@@ -4505,7 +4867,7 @@
           <p:cNvSpPr txBox="1"/>
           <p:nvPr>
             <p:custDataLst>
-              <p:tags r:id="rId2"/>
+              <p:tags r:id="rId4"/>
             </p:custDataLst>
           </p:nvPr>
         </p:nvSpPr>
@@ -4537,6 +4899,76 @@
                 <a:ea typeface="微软雅黑" panose="020B0503020204020204" charset="-122"/>
               </a:rPr>
               <a:t>分组</a:t>
+            </a:r>
+            <a:endParaRPr lang="zh-CN" altLang="en-US" b="1" dirty="0">
+              <a:latin typeface="微软雅黑" panose="020B0503020204020204" charset="-122"/>
+              <a:ea typeface="微软雅黑" panose="020B0503020204020204" charset="-122"/>
+            </a:endParaRPr>
+          </a:p>
+        </p:txBody>
+      </p:sp>
+      <p:pic>
+        <p:nvPicPr>
+          <p:cNvPr id="9" name="图片 8"/>
+          <p:cNvPicPr>
+            <a:picLocks noChangeAspect="1"/>
+          </p:cNvPicPr>
+          <p:nvPr/>
+        </p:nvPicPr>
+        <p:blipFill>
+          <a:blip r:embed="rId5"/>
+          <a:stretch>
+            <a:fillRect/>
+          </a:stretch>
+        </p:blipFill>
+        <p:spPr>
+          <a:xfrm>
+            <a:off x="5798185" y="1156970"/>
+            <a:ext cx="6236335" cy="2422525"/>
+          </a:xfrm>
+          <a:prstGeom prst="rect">
+            <a:avLst/>
+          </a:prstGeom>
+        </p:spPr>
+      </p:pic>
+      <p:sp>
+        <p:nvSpPr>
+          <p:cNvPr id="4" name="文本框 3"/>
+          <p:cNvSpPr txBox="1"/>
+          <p:nvPr>
+            <p:custDataLst>
+              <p:tags r:id="rId6"/>
+            </p:custDataLst>
+          </p:nvPr>
+        </p:nvSpPr>
+        <p:spPr>
+          <a:xfrm>
+            <a:off x="455295" y="3429000"/>
+            <a:ext cx="10515600" cy="506095"/>
+          </a:xfrm>
+          <a:prstGeom prst="rect">
+            <a:avLst/>
+          </a:prstGeom>
+          <a:noFill/>
+        </p:spPr>
+        <p:txBody>
+          <a:bodyPr wrap="square" rtlCol="0">
+            <a:noAutofit/>
+          </a:bodyPr>
+          <a:p>
+            <a:pPr marL="285750" indent="-285750">
+              <a:lnSpc>
+                <a:spcPct val="150000"/>
+              </a:lnSpc>
+              <a:buFont typeface="Wingdings" panose="05000000000000000000" charset="0"/>
+              <a:buChar char="p"/>
+            </a:pPr>
+            <a:r>
+              <a:rPr lang="zh-CN" altLang="en-US" b="1" dirty="0">
+                <a:latin typeface="微软雅黑" panose="020B0503020204020204" charset="-122"/>
+                <a:ea typeface="微软雅黑" panose="020B0503020204020204" charset="-122"/>
+              </a:rPr>
+              <a:t>重要性评估</a:t>
             </a:r>
             <a:endParaRPr lang="zh-CN" altLang="en-US" b="1" dirty="0">
               <a:latin typeface="微软雅黑" panose="020B0503020204020204" charset="-122"/>
@@ -7629,19 +8061,9 @@
             </a:endParaRPr>
           </a:p>
           <a:p>
-            <a:pPr marL="0" lvl="0" indent="457200">
+            <a:pPr marL="0" lvl="0" indent="0">
               <a:buNone/>
             </a:pPr>
-            <a:r>
-              <a:rPr lang="zh-CN" altLang="en-US" sz="1600" dirty="0">
-                <a:solidFill>
-                  <a:schemeClr val="tx1"/>
-                </a:solidFill>
-                <a:latin typeface="微软雅黑" panose="020B0503020204020204" charset="-122"/>
-                <a:ea typeface="微软雅黑" panose="020B0503020204020204" charset="-122"/>
-              </a:rPr>
-              <a:t>然后更多关注微调内容</a:t>
-            </a:r>
             <a:endParaRPr lang="en-US" altLang="zh-CN" sz="1600" dirty="0">
               <a:solidFill>
                 <a:schemeClr val="tx1"/>
@@ -7651,10 +8073,62 @@
             </a:endParaRPr>
           </a:p>
           <a:p>
-            <a:pPr marL="0" lvl="0" indent="0">
+            <a:pPr marL="0" lvl="0" indent="457200">
               <a:buNone/>
             </a:pPr>
-            <a:endParaRPr lang="en-US" altLang="zh-CN" sz="1600" dirty="0">
+            <a:r>
+              <a:rPr lang="zh-CN" altLang="en-US" sz="1600" dirty="0">
+                <a:solidFill>
+                  <a:schemeClr val="tx1"/>
+                </a:solidFill>
+                <a:latin typeface="微软雅黑" panose="020B0503020204020204" charset="-122"/>
+                <a:ea typeface="微软雅黑" panose="020B0503020204020204" charset="-122"/>
+              </a:rPr>
+              <a:t>这周主要看了一些彩票假设为基础的结构化剪枝的论文，然后看到一个结构化剪枝的项目</a:t>
+            </a:r>
+            <a:endParaRPr lang="zh-CN" altLang="en-US" sz="1600" dirty="0">
+              <a:solidFill>
+                <a:schemeClr val="tx1"/>
+              </a:solidFill>
+              <a:latin typeface="微软雅黑" panose="020B0503020204020204" charset="-122"/>
+              <a:ea typeface="微软雅黑" panose="020B0503020204020204" charset="-122"/>
+            </a:endParaRPr>
+          </a:p>
+          <a:p>
+            <a:pPr marL="0" lvl="0" indent="457200">
+              <a:buNone/>
+            </a:pPr>
+            <a:r>
+              <a:rPr lang="zh-CN" altLang="en-US" sz="1600" dirty="0">
+                <a:solidFill>
+                  <a:schemeClr val="tx1"/>
+                </a:solidFill>
+                <a:latin typeface="微软雅黑" panose="020B0503020204020204" charset="-122"/>
+                <a:ea typeface="微软雅黑" panose="020B0503020204020204" charset="-122"/>
+              </a:rPr>
+              <a:t>也有老师推荐的</a:t>
+            </a:r>
+            <a:r>
+              <a:rPr lang="en-US" altLang="zh-CN" sz="1600" dirty="0">
+                <a:solidFill>
+                  <a:schemeClr val="tx1"/>
+                </a:solidFill>
+                <a:latin typeface="微软雅黑" panose="020B0503020204020204" charset="-122"/>
+                <a:ea typeface="微软雅黑" panose="020B0503020204020204" charset="-122"/>
+              </a:rPr>
+              <a:t>apple</a:t>
+            </a:r>
+            <a:r>
+              <a:rPr lang="zh-CN" altLang="en-US" sz="1600" dirty="0">
+                <a:solidFill>
+                  <a:schemeClr val="tx1"/>
+                </a:solidFill>
+                <a:latin typeface="微软雅黑" panose="020B0503020204020204" charset="-122"/>
+                <a:ea typeface="微软雅黑" panose="020B0503020204020204" charset="-122"/>
+              </a:rPr>
+              <a:t>的工作</a:t>
+            </a:r>
+            <a:endParaRPr lang="zh-CN" altLang="en-US" sz="1600" dirty="0">
               <a:solidFill>
                 <a:schemeClr val="tx1"/>
               </a:solidFill>
@@ -10076,15 +10550,21 @@
 
 <file path=ppt/tags/tag29.xml><?xml version="1.0" encoding="utf-8"?>
 <p:tagLst xmlns:p="http://schemas.openxmlformats.org/presentationml/2006/main">
-  <p:tag name="KSO_WPP_MARK_KEY" val="c7925d13-95db-4618-ac98-c22196edd7f9"/>
-  <p:tag name="COMMONDATA" val="eyJoZGlkIjoiZTg3MzIzMDhlODgyZTlkYzQ0OWY3ZDI2YzlhMjBjMGIifQ=="/>
-  <p:tag name="commondata" val="eyJoZGlkIjoiNjRkZDE1MjIxMjM2NmMxYzY5Y2M3N2FjNDEyZThkY2QifQ=="/>
+  <p:tag name="KSO_WM_BEAUTIFY_FLAG" val=""/>
 </p:tagLst>
 </file>
 
 <file path=ppt/tags/tag3.xml><?xml version="1.0" encoding="utf-8"?>
 <p:tagLst xmlns:p="http://schemas.openxmlformats.org/presentationml/2006/main">
   <p:tag name="KSO_WM_DIAGRAM_VIRTUALLY_FRAME" val="{&quot;height&quot;:130.17354330708662,&quot;left&quot;:238.70267716535432,&quot;top&quot;:116.24960629921259,&quot;width&quot;:665.8}"/>
+</p:tagLst>
+</file>
+
+<file path=ppt/tags/tag30.xml><?xml version="1.0" encoding="utf-8"?>
+<p:tagLst xmlns:p="http://schemas.openxmlformats.org/presentationml/2006/main">
+  <p:tag name="KSO_WPP_MARK_KEY" val="c7925d13-95db-4618-ac98-c22196edd7f9"/>
+  <p:tag name="COMMONDATA" val="eyJoZGlkIjoiZTg3MzIzMDhlODgyZTlkYzQ0OWY3ZDI2YzlhMjBjMGIifQ=="/>
+  <p:tag name="commondata" val="eyJoZGlkIjoiNjRkZDE1MjIxMjM2NmMxYzY5Y2M3N2FjNDEyZThkY2QifQ=="/>
 </p:tagLst>
 </file>
 

--- a/0.组会记录/2024-11-14/report-2024-11-14.pptx
+++ b/0.组会记录/2024-11-14/report-2024-11-14.pptx
@@ -18,16 +18,18 @@
     <p:sldId id="1493" r:id="rId11"/>
     <p:sldId id="1494" r:id="rId12"/>
     <p:sldId id="1478" r:id="rId13"/>
-    <p:sldId id="1369" r:id="rId14"/>
-    <p:sldId id="1430" r:id="rId15"/>
-    <p:sldId id="1432" r:id="rId16"/>
-    <p:sldId id="1491" r:id="rId17"/>
-    <p:sldId id="1356" r:id="rId18"/>
+    <p:sldId id="1498" r:id="rId14"/>
+    <p:sldId id="1369" r:id="rId15"/>
+    <p:sldId id="1499" r:id="rId16"/>
+    <p:sldId id="1430" r:id="rId17"/>
+    <p:sldId id="1432" r:id="rId18"/>
+    <p:sldId id="1491" r:id="rId19"/>
+    <p:sldId id="1356" r:id="rId20"/>
   </p:sldIdLst>
   <p:sldSz cx="12192000" cy="6858000"/>
   <p:notesSz cx="6858000" cy="9144000"/>
   <p:custDataLst>
-    <p:tags r:id="rId23"/>
+    <p:tags r:id="rId25"/>
   </p:custDataLst>
   <p:defaultTextStyle>
     <a:defPPr>
@@ -558,6 +560,84 @@
 </p:notes>
 </file>
 
+<file path=ppt/notesSlides/notesSlide10.xml><?xml version="1.0" encoding="utf-8"?>
+<p:notes xmlns:a="http://schemas.openxmlformats.org/drawingml/2006/main" xmlns:r="http://schemas.openxmlformats.org/officeDocument/2006/relationships" xmlns:p="http://schemas.openxmlformats.org/presentationml/2006/main">
+  <p:cSld>
+    <p:spTree>
+      <p:nvGrpSpPr>
+        <p:cNvPr id="1" name=""/>
+        <p:cNvGrpSpPr/>
+        <p:nvPr/>
+      </p:nvGrpSpPr>
+      <p:grpSpPr>
+        <a:xfrm>
+          <a:off x="0" y="0"/>
+          <a:ext cx="0" cy="0"/>
+          <a:chOff x="0" y="0"/>
+          <a:chExt cx="0" cy="0"/>
+        </a:xfrm>
+      </p:grpSpPr>
+      <p:sp>
+        <p:nvSpPr>
+          <p:cNvPr id="2" name="幻灯片图像占位符 1"/>
+          <p:cNvSpPr>
+            <a:spLocks noGrp="1" noRot="1" noChangeAspect="1"/>
+          </p:cNvSpPr>
+          <p:nvPr>
+            <p:ph type="sldImg"/>
+          </p:nvPr>
+        </p:nvSpPr>
+        <p:spPr/>
+      </p:sp>
+      <p:sp>
+        <p:nvSpPr>
+          <p:cNvPr id="3" name="备注占位符 2"/>
+          <p:cNvSpPr>
+            <a:spLocks noGrp="1"/>
+          </p:cNvSpPr>
+          <p:nvPr>
+            <p:ph type="body" idx="1"/>
+          </p:nvPr>
+        </p:nvSpPr>
+        <p:spPr/>
+        <p:txBody>
+          <a:bodyPr/>
+          <a:lstStyle/>
+          <a:p>
+            <a:endParaRPr lang="zh-CN" altLang="en-US" dirty="0"/>
+          </a:p>
+        </p:txBody>
+      </p:sp>
+      <p:sp>
+        <p:nvSpPr>
+          <p:cNvPr id="4" name="灯片编号占位符 3"/>
+          <p:cNvSpPr>
+            <a:spLocks noGrp="1"/>
+          </p:cNvSpPr>
+          <p:nvPr>
+            <p:ph type="sldNum" sz="quarter" idx="5"/>
+          </p:nvPr>
+        </p:nvSpPr>
+        <p:spPr/>
+        <p:txBody>
+          <a:bodyPr/>
+          <a:lstStyle/>
+          <a:p>
+            <a:fld id="{311DA921-5814-416C-A214-0F50BD081254}" type="slidenum">
+              <a:rPr lang="zh-CN" altLang="en-US" smtClean="0"/>
+            </a:fld>
+            <a:endParaRPr lang="zh-CN" altLang="en-US"/>
+          </a:p>
+        </p:txBody>
+      </p:sp>
+    </p:spTree>
+  </p:cSld>
+  <p:clrMapOvr>
+    <a:masterClrMapping/>
+  </p:clrMapOvr>
+</p:notes>
+</file>
+
 <file path=ppt/notesSlides/notesSlide2.xml><?xml version="1.0" encoding="utf-8"?>
 <p:notes xmlns:a="http://schemas.openxmlformats.org/drawingml/2006/main" xmlns:r="http://schemas.openxmlformats.org/officeDocument/2006/relationships" xmlns:p="http://schemas.openxmlformats.org/presentationml/2006/main">
   <p:cSld>
@@ -1027,6 +1107,84 @@
 </file>
 
 <file path=ppt/notesSlides/notesSlide8.xml><?xml version="1.0" encoding="utf-8"?>
+<p:notes xmlns:a="http://schemas.openxmlformats.org/drawingml/2006/main" xmlns:r="http://schemas.openxmlformats.org/officeDocument/2006/relationships" xmlns:p="http://schemas.openxmlformats.org/presentationml/2006/main">
+  <p:cSld>
+    <p:spTree>
+      <p:nvGrpSpPr>
+        <p:cNvPr id="1" name=""/>
+        <p:cNvGrpSpPr/>
+        <p:nvPr/>
+      </p:nvGrpSpPr>
+      <p:grpSpPr>
+        <a:xfrm>
+          <a:off x="0" y="0"/>
+          <a:ext cx="0" cy="0"/>
+          <a:chOff x="0" y="0"/>
+          <a:chExt cx="0" cy="0"/>
+        </a:xfrm>
+      </p:grpSpPr>
+      <p:sp>
+        <p:nvSpPr>
+          <p:cNvPr id="2" name="幻灯片图像占位符 1"/>
+          <p:cNvSpPr>
+            <a:spLocks noGrp="1" noRot="1" noChangeAspect="1"/>
+          </p:cNvSpPr>
+          <p:nvPr>
+            <p:ph type="sldImg"/>
+          </p:nvPr>
+        </p:nvSpPr>
+        <p:spPr/>
+      </p:sp>
+      <p:sp>
+        <p:nvSpPr>
+          <p:cNvPr id="3" name="备注占位符 2"/>
+          <p:cNvSpPr>
+            <a:spLocks noGrp="1"/>
+          </p:cNvSpPr>
+          <p:nvPr>
+            <p:ph type="body" idx="1"/>
+          </p:nvPr>
+        </p:nvSpPr>
+        <p:spPr/>
+        <p:txBody>
+          <a:bodyPr/>
+          <a:lstStyle/>
+          <a:p>
+            <a:endParaRPr lang="zh-CN" altLang="en-US" dirty="0"/>
+          </a:p>
+        </p:txBody>
+      </p:sp>
+      <p:sp>
+        <p:nvSpPr>
+          <p:cNvPr id="4" name="灯片编号占位符 3"/>
+          <p:cNvSpPr>
+            <a:spLocks noGrp="1"/>
+          </p:cNvSpPr>
+          <p:nvPr>
+            <p:ph type="sldNum" sz="quarter" idx="5"/>
+          </p:nvPr>
+        </p:nvSpPr>
+        <p:spPr/>
+        <p:txBody>
+          <a:bodyPr/>
+          <a:lstStyle/>
+          <a:p>
+            <a:fld id="{311DA921-5814-416C-A214-0F50BD081254}" type="slidenum">
+              <a:rPr lang="zh-CN" altLang="en-US" smtClean="0"/>
+            </a:fld>
+            <a:endParaRPr lang="zh-CN" altLang="en-US"/>
+          </a:p>
+        </p:txBody>
+      </p:sp>
+    </p:spTree>
+  </p:cSld>
+  <p:clrMapOvr>
+    <a:masterClrMapping/>
+  </p:clrMapOvr>
+</p:notes>
+</file>
+
+<file path=ppt/notesSlides/notesSlide9.xml><?xml version="1.0" encoding="utf-8"?>
 <p:notes xmlns:a="http://schemas.openxmlformats.org/drawingml/2006/main" xmlns:r="http://schemas.openxmlformats.org/officeDocument/2006/relationships" xmlns:p="http://schemas.openxmlformats.org/presentationml/2006/main">
   <p:cSld>
     <p:spTree>
@@ -4268,7 +4426,7 @@
         </p:blipFill>
         <p:spPr>
           <a:xfrm>
-            <a:off x="372110" y="5760085"/>
+            <a:off x="372110" y="5573395"/>
             <a:ext cx="6826250" cy="685800"/>
           </a:xfrm>
           <a:prstGeom prst="rect">
@@ -4829,18 +4987,6 @@
             <a:pPr marL="0" lvl="0" indent="457200">
               <a:buNone/>
             </a:pPr>
-            <a:endParaRPr lang="zh-CN" altLang="en-US" sz="1600" dirty="0">
-              <a:solidFill>
-                <a:schemeClr val="tx1"/>
-              </a:solidFill>
-              <a:latin typeface="微软雅黑" panose="020B0503020204020204" charset="-122"/>
-              <a:ea typeface="微软雅黑" panose="020B0503020204020204" charset="-122"/>
-            </a:endParaRPr>
-          </a:p>
-          <a:p>
-            <a:pPr marL="0" lvl="0" indent="457200">
-              <a:buNone/>
-            </a:pPr>
             <a:r>
               <a:rPr lang="zh-CN" altLang="en-US" sz="1600" dirty="0">
                 <a:solidFill>
@@ -4969,6 +5115,66 @@
                 <a:ea typeface="微软雅黑" panose="020B0503020204020204" charset="-122"/>
               </a:rPr>
               <a:t>重要性评估</a:t>
+            </a:r>
+            <a:endParaRPr lang="zh-CN" altLang="en-US" b="1" dirty="0">
+              <a:latin typeface="微软雅黑" panose="020B0503020204020204" charset="-122"/>
+              <a:ea typeface="微软雅黑" panose="020B0503020204020204" charset="-122"/>
+            </a:endParaRPr>
+          </a:p>
+        </p:txBody>
+      </p:sp>
+      <p:sp>
+        <p:nvSpPr>
+          <p:cNvPr id="12" name="文本框 11"/>
+          <p:cNvSpPr txBox="1"/>
+          <p:nvPr>
+            <p:custDataLst>
+              <p:tags r:id="rId7"/>
+            </p:custDataLst>
+          </p:nvPr>
+        </p:nvSpPr>
+        <p:spPr>
+          <a:xfrm>
+            <a:off x="486410" y="6259195"/>
+            <a:ext cx="10515600" cy="506095"/>
+          </a:xfrm>
+          <a:prstGeom prst="rect">
+            <a:avLst/>
+          </a:prstGeom>
+          <a:noFill/>
+        </p:spPr>
+        <p:txBody>
+          <a:bodyPr wrap="square" rtlCol="0">
+            <a:noAutofit/>
+          </a:bodyPr>
+          <a:p>
+            <a:pPr marL="285750" indent="-285750">
+              <a:lnSpc>
+                <a:spcPct val="150000"/>
+              </a:lnSpc>
+              <a:buFont typeface="Wingdings" panose="05000000000000000000" charset="0"/>
+              <a:buChar char="p"/>
+            </a:pPr>
+            <a:r>
+              <a:rPr lang="zh-CN" altLang="en-US" b="1" dirty="0">
+                <a:latin typeface="微软雅黑" panose="020B0503020204020204" charset="-122"/>
+                <a:ea typeface="微软雅黑" panose="020B0503020204020204" charset="-122"/>
+              </a:rPr>
+              <a:t>第三步</a:t>
+            </a:r>
+            <a:r>
+              <a:rPr lang="en-US" altLang="zh-CN" b="1" dirty="0">
+                <a:latin typeface="微软雅黑" panose="020B0503020204020204" charset="-122"/>
+                <a:ea typeface="微软雅黑" panose="020B0503020204020204" charset="-122"/>
+              </a:rPr>
+              <a:t>LoRA</a:t>
+            </a:r>
+            <a:r>
+              <a:rPr lang="zh-CN" altLang="en-US" b="1" dirty="0">
+                <a:latin typeface="微软雅黑" panose="020B0503020204020204" charset="-122"/>
+                <a:ea typeface="微软雅黑" panose="020B0503020204020204" charset="-122"/>
+              </a:rPr>
+              <a:t>微调</a:t>
             </a:r>
             <a:endParaRPr lang="zh-CN" altLang="en-US" b="1" dirty="0">
               <a:latin typeface="微软雅黑" panose="020B0503020204020204" charset="-122"/>
@@ -5002,40 +5208,16 @@
           <a:chExt cx="0" cy="0"/>
         </a:xfrm>
       </p:grpSpPr>
-      <p:pic>
-        <p:nvPicPr>
-          <p:cNvPr id="4" name="图片 3" descr="1"/>
-          <p:cNvPicPr>
-            <a:picLocks noChangeAspect="1"/>
-          </p:cNvPicPr>
-          <p:nvPr/>
-        </p:nvPicPr>
-        <p:blipFill>
-          <a:blip r:embed="rId1"/>
-          <a:stretch>
-            <a:fillRect/>
-          </a:stretch>
-        </p:blipFill>
-        <p:spPr>
-          <a:xfrm>
-            <a:off x="4745355" y="-588645"/>
-            <a:ext cx="12060555" cy="8474075"/>
-          </a:xfrm>
-          <a:prstGeom prst="rect">
-            <a:avLst/>
-          </a:prstGeom>
-        </p:spPr>
-      </p:pic>
-      <p:sp>
-        <p:nvSpPr>
-          <p:cNvPr id="5" name="文本框 4"/>
+      <p:sp>
+        <p:nvSpPr>
+          <p:cNvPr id="13" name="文本框 12"/>
           <p:cNvSpPr txBox="1"/>
           <p:nvPr/>
         </p:nvSpPr>
         <p:spPr>
           <a:xfrm>
-            <a:off x="1038225" y="1470025"/>
-            <a:ext cx="2301875" cy="1861185"/>
+            <a:off x="106466" y="601786"/>
+            <a:ext cx="1033780" cy="398780"/>
           </a:xfrm>
           <a:prstGeom prst="rect">
             <a:avLst/>
@@ -5043,71 +5225,36 @@
           <a:noFill/>
         </p:spPr>
         <p:txBody>
-          <a:bodyPr wrap="square" rtlCol="0">
+          <a:bodyPr wrap="none" rtlCol="0">
             <a:spAutoFit/>
           </a:bodyPr>
           <a:lstStyle/>
           <a:p>
-            <a:pPr marL="0" marR="0" lvl="0" indent="0" algn="l" defTabSz="914400" rtl="0" eaLnBrk="1" fontAlgn="auto" latinLnBrk="0" hangingPunct="1">
-              <a:lnSpc>
-                <a:spcPct val="100000"/>
-              </a:lnSpc>
-              <a:spcBef>
-                <a:spcPts val="0"/>
-              </a:spcBef>
-              <a:spcAft>
-                <a:spcPts val="0"/>
-              </a:spcAft>
-              <a:buClrTx/>
-              <a:buSzTx/>
-              <a:buFontTx/>
-              <a:buNone/>
-              <a:defRPr/>
+            <a:pPr marL="342900" indent="-342900">
+              <a:buFont typeface="Wingdings" panose="05000000000000000000" charset="0"/>
+              <a:buChar char="n"/>
             </a:pPr>
             <a:r>
-              <a:rPr kumimoji="0" lang="en-US" altLang="zh-CN" sz="11500" b="0" i="0" u="none" strike="noStrike" kern="1200" cap="none" spc="0" normalizeH="0" baseline="0" noProof="0" dirty="0">
-                <a:ln>
-                  <a:solidFill>
-                    <a:srgbClr val="383987"/>
-                  </a:solidFill>
-                </a:ln>
-                <a:noFill/>
-                <a:effectLst/>
-                <a:uLnTx/>
-                <a:uFillTx/>
-                <a:latin typeface="Agency FB" panose="020B0503020202020204" pitchFamily="34" charset="0"/>
-                <a:ea typeface="宋体" panose="02010600030101010101" pitchFamily="2" charset="-122"/>
-                <a:cs typeface="+mn-cs"/>
-              </a:rPr>
-              <a:t>03</a:t>
-            </a:r>
-            <a:endParaRPr kumimoji="0" lang="en-US" altLang="zh-CN" sz="11500" b="0" i="0" u="none" strike="noStrike" kern="1200" cap="none" spc="0" normalizeH="0" baseline="0" noProof="0" dirty="0">
-              <a:ln>
-                <a:solidFill>
-                  <a:srgbClr val="383987"/>
-                </a:solidFill>
-              </a:ln>
-              <a:noFill/>
-              <a:effectLst/>
-              <a:uLnTx/>
-              <a:uFillTx/>
-              <a:latin typeface="Agency FB" panose="020B0503020202020204" pitchFamily="34" charset="0"/>
-              <a:ea typeface="宋体" panose="02010600030101010101" pitchFamily="2" charset="-122"/>
-              <a:cs typeface="+mn-cs"/>
-            </a:endParaRPr>
-          </a:p>
-        </p:txBody>
-      </p:sp>
-      <p:sp>
-        <p:nvSpPr>
-          <p:cNvPr id="6" name="文本框 5"/>
+              <a:rPr lang="zh-CN" altLang="en-US" sz="2000" b="1" dirty="0">
+                <a:latin typeface="微软雅黑" panose="020B0503020204020204" charset="-122"/>
+                <a:ea typeface="微软雅黑" panose="020B0503020204020204" charset="-122"/>
+              </a:rPr>
+              <a:t>效果</a:t>
+            </a:r>
+            <a:endParaRPr lang="zh-CN" altLang="en-US" sz="2000" b="1" dirty="0"/>
+          </a:p>
+        </p:txBody>
+      </p:sp>
+      <p:sp>
+        <p:nvSpPr>
+          <p:cNvPr id="7" name="文本框 6"/>
           <p:cNvSpPr txBox="1"/>
           <p:nvPr/>
         </p:nvSpPr>
         <p:spPr>
           <a:xfrm>
-            <a:off x="1265555" y="3049270"/>
-            <a:ext cx="11768455" cy="777240"/>
+            <a:off x="724535" y="1323340"/>
+            <a:ext cx="2247900" cy="410845"/>
           </a:xfrm>
           <a:prstGeom prst="rect">
             <a:avLst/>
@@ -5115,10 +5262,69 @@
           <a:noFill/>
         </p:spPr>
         <p:txBody>
-          <a:bodyPr wrap="square" rtlCol="0">
+          <a:bodyPr wrap="square">
             <a:noAutofit/>
           </a:bodyPr>
           <a:lstStyle/>
+          <a:p>
+            <a:pPr algn="l" fontAlgn="auto">
+              <a:lnSpc>
+                <a:spcPts val="2200"/>
+              </a:lnSpc>
+              <a:buClrTx/>
+              <a:buSzTx/>
+              <a:buNone/>
+            </a:pPr>
+            <a:endParaRPr lang="zh-CN" altLang="en-US" sz="1600" dirty="0">
+              <a:latin typeface="微软雅黑" panose="020B0503020204020204" charset="-122"/>
+              <a:ea typeface="微软雅黑" panose="020B0503020204020204" charset="-122"/>
+            </a:endParaRPr>
+          </a:p>
+        </p:txBody>
+      </p:sp>
+      <p:sp>
+        <p:nvSpPr>
+          <p:cNvPr id="3" name="矩形 2"/>
+          <p:cNvSpPr/>
+          <p:nvPr>
+            <p:custDataLst>
+              <p:tags r:id="rId1"/>
+            </p:custDataLst>
+          </p:nvPr>
+        </p:nvSpPr>
+        <p:spPr>
+          <a:xfrm>
+            <a:off x="-6350" y="0"/>
+            <a:ext cx="12198350" cy="540000"/>
+          </a:xfrm>
+          <a:prstGeom prst="rect">
+            <a:avLst/>
+          </a:prstGeom>
+          <a:solidFill>
+            <a:srgbClr val="A099CB"/>
+          </a:solidFill>
+          <a:ln>
+            <a:noFill/>
+          </a:ln>
+        </p:spPr>
+        <p:style>
+          <a:lnRef idx="2">
+            <a:schemeClr val="accent1">
+              <a:shade val="50000"/>
+            </a:schemeClr>
+          </a:lnRef>
+          <a:fillRef idx="1">
+            <a:schemeClr val="accent1"/>
+          </a:fillRef>
+          <a:effectRef idx="0">
+            <a:schemeClr val="accent1"/>
+          </a:effectRef>
+          <a:fontRef idx="minor">
+            <a:schemeClr val="lt1"/>
+          </a:fontRef>
+        </p:style>
+        <p:txBody>
+          <a:bodyPr rtlCol="0" anchor="ctr"/>
           <a:p>
             <a:pPr marL="0" marR="0" lvl="0" indent="0" algn="ctr" defTabSz="914400" rtl="0" eaLnBrk="1" fontAlgn="auto" latinLnBrk="0" hangingPunct="1">
               <a:lnSpc>
@@ -5137,27 +5343,291 @@
               <a:defRPr/>
             </a:pPr>
             <a:r>
-              <a:rPr lang="en-US" altLang="zh-CN" sz="3600" dirty="0">
-                <a:solidFill>
-                  <a:srgbClr val="383987"/>
-                </a:solidFill>
+              <a:rPr lang="en-US" altLang="zh-CN" sz="1800" dirty="0">
+                <a:effectLst/>
+                <a:latin typeface="微软雅黑" panose="020B0503020204020204" charset="-122"/>
+                <a:ea typeface="微软雅黑" panose="020B0503020204020204" charset="-122"/>
+              </a:rPr>
+              <a:t>2.</a:t>
+            </a:r>
+            <a:r>
+              <a:rPr lang="en-US" altLang="zh-CN" dirty="0">
+                <a:effectLst/>
                 <a:latin typeface="微软雅黑" panose="020B0503020204020204" charset="-122"/>
                 <a:ea typeface="微软雅黑" panose="020B0503020204020204" charset="-122"/>
                 <a:sym typeface="+mn-ea"/>
               </a:rPr>
-              <a:t>Computational Bottlenecks of Training Small-scale Large Language Models</a:t>
-            </a:r>
-            <a:endParaRPr lang="en-US" altLang="zh-CN" sz="3600" dirty="0">
+              <a:t>LLM-Pruner: On the Structural Pruning of Large Language Models</a:t>
+            </a:r>
+            <a:endParaRPr lang="en-US" altLang="zh-CN" dirty="0">
+              <a:effectLst/>
+              <a:latin typeface="微软雅黑" panose="020B0503020204020204" charset="-122"/>
+              <a:ea typeface="微软雅黑" panose="020B0503020204020204" charset="-122"/>
+            </a:endParaRPr>
+          </a:p>
+        </p:txBody>
+      </p:sp>
+      <p:sp>
+        <p:nvSpPr>
+          <p:cNvPr id="10" name="文本框 9"/>
+          <p:cNvSpPr txBox="1"/>
+          <p:nvPr/>
+        </p:nvSpPr>
+        <p:spPr>
+          <a:xfrm>
+            <a:off x="6745605" y="2204720"/>
+            <a:ext cx="5511800" cy="1730375"/>
+          </a:xfrm>
+          <a:prstGeom prst="rect">
+            <a:avLst/>
+          </a:prstGeom>
+          <a:noFill/>
+        </p:spPr>
+        <p:txBody>
+          <a:bodyPr wrap="square" rtlCol="0">
+            <a:noAutofit/>
+          </a:bodyPr>
+          <a:p>
+            <a:pPr marL="0" lvl="0" indent="457200">
+              <a:buNone/>
+            </a:pPr>
+            <a:endParaRPr lang="zh-CN" altLang="en-US" sz="1600" dirty="0">
               <a:solidFill>
-                <a:srgbClr val="383987"/>
+                <a:schemeClr val="tx1"/>
               </a:solidFill>
               <a:latin typeface="微软雅黑" panose="020B0503020204020204" charset="-122"/>
               <a:ea typeface="微软雅黑" panose="020B0503020204020204" charset="-122"/>
-              <a:sym typeface="+mn-ea"/>
-            </a:endParaRPr>
-          </a:p>
-        </p:txBody>
-      </p:sp>
+            </a:endParaRPr>
+          </a:p>
+          <a:p>
+            <a:pPr marL="0" lvl="0" indent="457200">
+              <a:buNone/>
+            </a:pPr>
+            <a:endParaRPr lang="zh-CN" altLang="en-US" sz="1600" dirty="0">
+              <a:solidFill>
+                <a:schemeClr val="tx1"/>
+              </a:solidFill>
+              <a:latin typeface="微软雅黑" panose="020B0503020204020204" charset="-122"/>
+              <a:ea typeface="微软雅黑" panose="020B0503020204020204" charset="-122"/>
+            </a:endParaRPr>
+          </a:p>
+        </p:txBody>
+      </p:sp>
+      <p:sp>
+        <p:nvSpPr>
+          <p:cNvPr id="4" name="文本框 3"/>
+          <p:cNvSpPr txBox="1"/>
+          <p:nvPr>
+            <p:custDataLst>
+              <p:tags r:id="rId2"/>
+            </p:custDataLst>
+          </p:nvPr>
+        </p:nvSpPr>
+        <p:spPr>
+          <a:xfrm>
+            <a:off x="232410" y="1119505"/>
+            <a:ext cx="3117215" cy="506095"/>
+          </a:xfrm>
+          <a:prstGeom prst="rect">
+            <a:avLst/>
+          </a:prstGeom>
+          <a:noFill/>
+        </p:spPr>
+        <p:txBody>
+          <a:bodyPr wrap="square" rtlCol="0">
+            <a:noAutofit/>
+          </a:bodyPr>
+          <a:p>
+            <a:pPr indent="0">
+              <a:lnSpc>
+                <a:spcPct val="150000"/>
+              </a:lnSpc>
+              <a:buFont typeface="Wingdings" panose="05000000000000000000" charset="0"/>
+              <a:buNone/>
+            </a:pPr>
+            <a:r>
+              <a:rPr lang="zh-CN" altLang="en-US" sz="1600" dirty="0">
+                <a:latin typeface="微软雅黑" panose="020B0503020204020204" charset="-122"/>
+                <a:ea typeface="微软雅黑" panose="020B0503020204020204" charset="-122"/>
+              </a:rPr>
+              <a:t>剪枝在20%时效果保留在90%左右，LoRA微调之后保留了原模型95%的效果。</a:t>
+            </a:r>
+            <a:endParaRPr lang="zh-CN" altLang="en-US" sz="1600" dirty="0">
+              <a:latin typeface="微软雅黑" panose="020B0503020204020204" charset="-122"/>
+              <a:ea typeface="微软雅黑" panose="020B0503020204020204" charset="-122"/>
+            </a:endParaRPr>
+          </a:p>
+          <a:p>
+            <a:pPr indent="0">
+              <a:lnSpc>
+                <a:spcPct val="150000"/>
+              </a:lnSpc>
+              <a:buFont typeface="Wingdings" panose="05000000000000000000" charset="0"/>
+              <a:buNone/>
+            </a:pPr>
+            <a:endParaRPr lang="zh-CN" altLang="en-US" sz="1600" dirty="0">
+              <a:latin typeface="微软雅黑" panose="020B0503020204020204" charset="-122"/>
+              <a:ea typeface="微软雅黑" panose="020B0503020204020204" charset="-122"/>
+            </a:endParaRPr>
+          </a:p>
+          <a:p>
+            <a:pPr indent="0">
+              <a:lnSpc>
+                <a:spcPct val="150000"/>
+              </a:lnSpc>
+              <a:buFont typeface="Wingdings" panose="05000000000000000000" charset="0"/>
+              <a:buNone/>
+            </a:pPr>
+            <a:r>
+              <a:rPr lang="zh-CN" altLang="en-US" sz="1600" dirty="0">
+                <a:latin typeface="微软雅黑" panose="020B0503020204020204" charset="-122"/>
+                <a:ea typeface="微软雅黑" panose="020B0503020204020204" charset="-122"/>
+              </a:rPr>
+              <a:t>不过在剪枝</a:t>
+            </a:r>
+            <a:r>
+              <a:rPr lang="en-US" altLang="zh-CN" sz="1600" dirty="0">
+                <a:latin typeface="微软雅黑" panose="020B0503020204020204" charset="-122"/>
+                <a:ea typeface="微软雅黑" panose="020B0503020204020204" charset="-122"/>
+              </a:rPr>
+              <a:t>50%</a:t>
+            </a:r>
+            <a:r>
+              <a:rPr lang="zh-CN" altLang="en-US" sz="1600" dirty="0">
+                <a:latin typeface="微软雅黑" panose="020B0503020204020204" charset="-122"/>
+                <a:ea typeface="微软雅黑" panose="020B0503020204020204" charset="-122"/>
+              </a:rPr>
+              <a:t>之后效果下降太严重</a:t>
+            </a:r>
+            <a:endParaRPr lang="zh-CN" altLang="en-US" sz="1600" dirty="0">
+              <a:latin typeface="微软雅黑" panose="020B0503020204020204" charset="-122"/>
+              <a:ea typeface="微软雅黑" panose="020B0503020204020204" charset="-122"/>
+            </a:endParaRPr>
+          </a:p>
+          <a:p>
+            <a:pPr indent="0">
+              <a:lnSpc>
+                <a:spcPct val="150000"/>
+              </a:lnSpc>
+              <a:buFont typeface="Wingdings" panose="05000000000000000000" charset="0"/>
+              <a:buNone/>
+            </a:pPr>
+            <a:endParaRPr lang="zh-CN" altLang="en-US" sz="1600" dirty="0">
+              <a:latin typeface="微软雅黑" panose="020B0503020204020204" charset="-122"/>
+              <a:ea typeface="微软雅黑" panose="020B0503020204020204" charset="-122"/>
+            </a:endParaRPr>
+          </a:p>
+          <a:p>
+            <a:pPr indent="0">
+              <a:lnSpc>
+                <a:spcPct val="150000"/>
+              </a:lnSpc>
+              <a:buFont typeface="Wingdings" panose="05000000000000000000" charset="0"/>
+              <a:buNone/>
+            </a:pPr>
+            <a:endParaRPr lang="zh-CN" altLang="en-US" sz="1600" dirty="0">
+              <a:latin typeface="微软雅黑" panose="020B0503020204020204" charset="-122"/>
+              <a:ea typeface="微软雅黑" panose="020B0503020204020204" charset="-122"/>
+            </a:endParaRPr>
+          </a:p>
+          <a:p>
+            <a:pPr indent="0">
+              <a:lnSpc>
+                <a:spcPct val="150000"/>
+              </a:lnSpc>
+              <a:buFont typeface="Wingdings" panose="05000000000000000000" charset="0"/>
+              <a:buNone/>
+            </a:pPr>
+            <a:r>
+              <a:rPr lang="zh-CN" altLang="en-US" sz="1600" dirty="0">
+                <a:latin typeface="微软雅黑" panose="020B0503020204020204" charset="-122"/>
+                <a:ea typeface="微软雅黑" panose="020B0503020204020204" charset="-122"/>
+              </a:rPr>
+              <a:t>（可以考虑优化它的剪枝方法？它的剪枝方法可以在保证效果的前提下把</a:t>
+            </a:r>
+            <a:r>
+              <a:rPr lang="en-US" altLang="zh-CN" sz="1600" dirty="0">
+                <a:latin typeface="微软雅黑" panose="020B0503020204020204" charset="-122"/>
+                <a:ea typeface="微软雅黑" panose="020B0503020204020204" charset="-122"/>
+              </a:rPr>
+              <a:t>2.7B</a:t>
+            </a:r>
+            <a:r>
+              <a:rPr lang="zh-CN" altLang="en-US" sz="1600" dirty="0">
+                <a:latin typeface="微软雅黑" panose="020B0503020204020204" charset="-122"/>
+                <a:ea typeface="微软雅黑" panose="020B0503020204020204" charset="-122"/>
+              </a:rPr>
+              <a:t>参数的模型剪枝到</a:t>
+            </a:r>
+            <a:r>
+              <a:rPr lang="en-US" altLang="zh-CN" sz="1600" dirty="0">
+                <a:latin typeface="微软雅黑" panose="020B0503020204020204" charset="-122"/>
+                <a:ea typeface="微软雅黑" panose="020B0503020204020204" charset="-122"/>
+              </a:rPr>
+              <a:t>2B</a:t>
+            </a:r>
+            <a:r>
+              <a:rPr lang="zh-CN" altLang="en-US" sz="1600" dirty="0">
+                <a:latin typeface="微软雅黑" panose="020B0503020204020204" charset="-122"/>
+                <a:ea typeface="微软雅黑" panose="020B0503020204020204" charset="-122"/>
+              </a:rPr>
+              <a:t>参数）</a:t>
+            </a:r>
+            <a:endParaRPr lang="zh-CN" altLang="en-US" sz="1600" dirty="0">
+              <a:latin typeface="微软雅黑" panose="020B0503020204020204" charset="-122"/>
+              <a:ea typeface="微软雅黑" panose="020B0503020204020204" charset="-122"/>
+            </a:endParaRPr>
+          </a:p>
+        </p:txBody>
+      </p:sp>
+      <p:pic>
+        <p:nvPicPr>
+          <p:cNvPr id="2" name="图片 1"/>
+          <p:cNvPicPr>
+            <a:picLocks noChangeAspect="1"/>
+          </p:cNvPicPr>
+          <p:nvPr/>
+        </p:nvPicPr>
+        <p:blipFill>
+          <a:blip r:embed="rId3"/>
+          <a:stretch>
+            <a:fillRect/>
+          </a:stretch>
+        </p:blipFill>
+        <p:spPr>
+          <a:xfrm>
+            <a:off x="3484245" y="4003040"/>
+            <a:ext cx="8610600" cy="2717800"/>
+          </a:xfrm>
+          <a:prstGeom prst="rect">
+            <a:avLst/>
+          </a:prstGeom>
+        </p:spPr>
+      </p:pic>
+      <p:pic>
+        <p:nvPicPr>
+          <p:cNvPr id="6" name="图片 5"/>
+          <p:cNvPicPr>
+            <a:picLocks noChangeAspect="1"/>
+          </p:cNvPicPr>
+          <p:nvPr/>
+        </p:nvPicPr>
+        <p:blipFill>
+          <a:blip r:embed="rId4"/>
+          <a:stretch>
+            <a:fillRect/>
+          </a:stretch>
+        </p:blipFill>
+        <p:spPr>
+          <a:xfrm>
+            <a:off x="3582670" y="956310"/>
+            <a:ext cx="8609330" cy="2748915"/>
+          </a:xfrm>
+          <a:prstGeom prst="rect">
+            <a:avLst/>
+          </a:prstGeom>
+        </p:spPr>
+      </p:pic>
     </p:spTree>
   </p:cSld>
   <p:clrMapOvr>
@@ -5260,7 +5730,7 @@
                 <a:ea typeface="宋体" panose="02010600030101010101" pitchFamily="2" charset="-122"/>
                 <a:cs typeface="+mn-cs"/>
               </a:rPr>
-              <a:t>04</a:t>
+              <a:t>03</a:t>
             </a:r>
             <a:endParaRPr kumimoji="0" lang="en-US" altLang="zh-CN" sz="11500" b="0" i="0" u="none" strike="noStrike" kern="1200" cap="none" spc="0" normalizeH="0" baseline="0" noProof="0" dirty="0">
               <a:ln>
@@ -5318,7 +5788,7 @@
               <a:defRPr/>
             </a:pPr>
             <a:r>
-              <a:rPr lang="zh-CN" sz="3600" dirty="0">
+              <a:rPr lang="en-US" altLang="zh-CN" sz="3600" dirty="0">
                 <a:solidFill>
                   <a:srgbClr val="383987"/>
                 </a:solidFill>
@@ -5326,9 +5796,9 @@
                 <a:ea typeface="微软雅黑" panose="020B0503020204020204" charset="-122"/>
                 <a:sym typeface="+mn-ea"/>
               </a:rPr>
-              <a:t>计划</a:t>
-            </a:r>
-            <a:endParaRPr lang="zh-CN" sz="3600" dirty="0">
+              <a:t>Computational Bottlenecks of Training Small-scale Large Language Models</a:t>
+            </a:r>
+            <a:endParaRPr lang="en-US" altLang="zh-CN" sz="3600" dirty="0">
               <a:solidFill>
                 <a:srgbClr val="383987"/>
               </a:solidFill>
@@ -5373,7 +5843,7 @@
         <p:spPr>
           <a:xfrm>
             <a:off x="106466" y="601786"/>
-            <a:ext cx="1287780" cy="398780"/>
+            <a:ext cx="1033780" cy="398780"/>
           </a:xfrm>
           <a:prstGeom prst="rect">
             <a:avLst/>
@@ -5395,18 +5865,52 @@
                 <a:latin typeface="微软雅黑" panose="020B0503020204020204" charset="-122"/>
                 <a:ea typeface="微软雅黑" panose="020B0503020204020204" charset="-122"/>
               </a:rPr>
-              <a:t>下一周</a:t>
-            </a:r>
-            <a:endParaRPr lang="zh-CN" altLang="en-US" sz="2000" b="1" dirty="0">
-              <a:latin typeface="微软雅黑" panose="020B0503020204020204" charset="-122"/>
-              <a:ea typeface="微软雅黑" panose="020B0503020204020204" charset="-122"/>
-            </a:endParaRPr>
-          </a:p>
-        </p:txBody>
-      </p:sp>
-      <p:sp>
-        <p:nvSpPr>
-          <p:cNvPr id="6" name="矩形 5"/>
+              <a:t>概述</a:t>
+            </a:r>
+            <a:endParaRPr lang="zh-CN" altLang="en-US" sz="2000" b="1" dirty="0"/>
+          </a:p>
+        </p:txBody>
+      </p:sp>
+      <p:sp>
+        <p:nvSpPr>
+          <p:cNvPr id="7" name="文本框 6"/>
+          <p:cNvSpPr txBox="1"/>
+          <p:nvPr/>
+        </p:nvSpPr>
+        <p:spPr>
+          <a:xfrm>
+            <a:off x="724535" y="1323340"/>
+            <a:ext cx="2247900" cy="410845"/>
+          </a:xfrm>
+          <a:prstGeom prst="rect">
+            <a:avLst/>
+          </a:prstGeom>
+          <a:noFill/>
+        </p:spPr>
+        <p:txBody>
+          <a:bodyPr wrap="square">
+            <a:noAutofit/>
+          </a:bodyPr>
+          <a:lstStyle/>
+          <a:p>
+            <a:pPr algn="l" fontAlgn="auto">
+              <a:lnSpc>
+                <a:spcPts val="2200"/>
+              </a:lnSpc>
+              <a:buClrTx/>
+              <a:buSzTx/>
+              <a:buNone/>
+            </a:pPr>
+            <a:endParaRPr lang="zh-CN" altLang="en-US" sz="1600" dirty="0">
+              <a:latin typeface="微软雅黑" panose="020B0503020204020204" charset="-122"/>
+              <a:ea typeface="微软雅黑" panose="020B0503020204020204" charset="-122"/>
+            </a:endParaRPr>
+          </a:p>
+        </p:txBody>
+      </p:sp>
+      <p:sp>
+        <p:nvSpPr>
+          <p:cNvPr id="3" name="矩形 2"/>
           <p:cNvSpPr/>
           <p:nvPr>
             <p:custDataLst>
@@ -5465,46 +5969,48 @@
               <a:defRPr/>
             </a:pPr>
             <a:r>
+              <a:rPr lang="en-US" altLang="zh-CN" sz="1800" dirty="0">
+                <a:effectLst/>
+                <a:latin typeface="微软雅黑" panose="020B0503020204020204" charset="-122"/>
+                <a:ea typeface="微软雅黑" panose="020B0503020204020204" charset="-122"/>
+              </a:rPr>
+              <a:t>3.</a:t>
+            </a:r>
+            <a:r>
               <a:rPr lang="en-US" altLang="zh-CN" dirty="0">
                 <a:effectLst/>
                 <a:latin typeface="微软雅黑" panose="020B0503020204020204" charset="-122"/>
                 <a:ea typeface="微软雅黑" panose="020B0503020204020204" charset="-122"/>
+              </a:rPr>
+              <a:t>Comput</a:t>
+            </a:r>
+            <a:r>
+              <a:rPr lang="en-US" altLang="zh-CN" dirty="0">
+                <a:effectLst/>
+                <a:latin typeface="微软雅黑" panose="020B0503020204020204" charset="-122"/>
+                <a:ea typeface="微软雅黑" panose="020B0503020204020204" charset="-122"/>
                 <a:sym typeface="+mn-ea"/>
               </a:rPr>
-              <a:t>4.</a:t>
-            </a:r>
-            <a:r>
-              <a:rPr lang="zh-CN" altLang="en-US" dirty="0">
-                <a:effectLst/>
-                <a:latin typeface="微软雅黑" panose="020B0503020204020204" charset="-122"/>
-                <a:ea typeface="微软雅黑" panose="020B0503020204020204" charset="-122"/>
-                <a:sym typeface="+mn-ea"/>
-              </a:rPr>
-              <a:t>计划</a:t>
-            </a:r>
-            <a:endParaRPr lang="zh-CN" altLang="en-US" dirty="0">
+              <a:t>ational Bottlenecks of Training Small-scale Large Language Models</a:t>
+            </a:r>
+            <a:endParaRPr lang="en-US" altLang="zh-CN" dirty="0">
               <a:effectLst/>
               <a:latin typeface="微软雅黑" panose="020B0503020204020204" charset="-122"/>
               <a:ea typeface="微软雅黑" panose="020B0503020204020204" charset="-122"/>
-              <a:sym typeface="+mn-ea"/>
-            </a:endParaRPr>
-          </a:p>
-        </p:txBody>
-      </p:sp>
-      <p:sp>
-        <p:nvSpPr>
-          <p:cNvPr id="3" name="文本框 2"/>
+            </a:endParaRPr>
+          </a:p>
+        </p:txBody>
+      </p:sp>
+      <p:sp>
+        <p:nvSpPr>
+          <p:cNvPr id="10" name="文本框 9"/>
           <p:cNvSpPr txBox="1"/>
-          <p:nvPr>
-            <p:custDataLst>
-              <p:tags r:id="rId2"/>
-            </p:custDataLst>
-          </p:nvPr>
-        </p:nvSpPr>
-        <p:spPr>
-          <a:xfrm>
-            <a:off x="455295" y="1657350"/>
-            <a:ext cx="4956810" cy="506730"/>
+          <p:nvPr/>
+        </p:nvSpPr>
+        <p:spPr>
+          <a:xfrm>
+            <a:off x="286385" y="4930775"/>
+            <a:ext cx="11251565" cy="1423670"/>
           </a:xfrm>
           <a:prstGeom prst="rect">
             <a:avLst/>
@@ -5513,488 +6019,125 @@
         </p:spPr>
         <p:txBody>
           <a:bodyPr wrap="square" rtlCol="0">
-            <a:spAutoFit/>
+            <a:noAutofit/>
           </a:bodyPr>
           <a:p>
-            <a:pPr marL="285750" indent="-285750">
-              <a:lnSpc>
-                <a:spcPct val="150000"/>
-              </a:lnSpc>
-              <a:buFont typeface="Wingdings" panose="05000000000000000000" charset="0"/>
-              <a:buChar char="p"/>
+            <a:pPr marL="0" lvl="0" indent="457200">
+              <a:buNone/>
             </a:pPr>
             <a:r>
-              <a:rPr lang="zh-CN" altLang="en-US" b="1" dirty="0">
-                <a:latin typeface="微软雅黑" panose="020B0503020204020204" charset="-122"/>
-                <a:ea typeface="微软雅黑" panose="020B0503020204020204" charset="-122"/>
-              </a:rPr>
-              <a:t>继续读大模型</a:t>
-            </a:r>
-            <a:r>
-              <a:rPr lang="en-US" altLang="zh-CN" b="1" dirty="0">
-                <a:latin typeface="微软雅黑" panose="020B0503020204020204" charset="-122"/>
-                <a:ea typeface="微软雅黑" panose="020B0503020204020204" charset="-122"/>
-              </a:rPr>
-              <a:t>guide</a:t>
-            </a:r>
-            <a:r>
-              <a:rPr lang="zh-CN" altLang="en-US" b="1" dirty="0">
-                <a:latin typeface="微软雅黑" panose="020B0503020204020204" charset="-122"/>
-                <a:ea typeface="微软雅黑" panose="020B0503020204020204" charset="-122"/>
-              </a:rPr>
-              <a:t>的论文推荐：</a:t>
-            </a:r>
-            <a:endParaRPr lang="en-US" altLang="zh-CN" b="1" dirty="0">
-              <a:latin typeface="微软雅黑" panose="020B0503020204020204" charset="-122"/>
-              <a:ea typeface="微软雅黑" panose="020B0503020204020204" charset="-122"/>
-            </a:endParaRPr>
-          </a:p>
-        </p:txBody>
-      </p:sp>
-      <p:sp>
-        <p:nvSpPr>
-          <p:cNvPr id="7" name="文本框 6"/>
-          <p:cNvSpPr txBox="1"/>
-          <p:nvPr/>
-        </p:nvSpPr>
-        <p:spPr>
-          <a:xfrm>
-            <a:off x="911860" y="2178050"/>
-            <a:ext cx="8903970" cy="4523105"/>
-          </a:xfrm>
-          <a:prstGeom prst="rect">
-            <a:avLst/>
-          </a:prstGeom>
-        </p:spPr>
-        <p:txBody>
-          <a:bodyPr wrap="square">
-            <a:spAutoFit/>
-          </a:bodyPr>
-          <a:p>
-            <a:pPr marL="0" indent="0" algn="just"/>
-            <a:r>
-              <a:rPr lang="zh-CN" altLang="en-US" sz="1600" b="0" i="0">
-                <a:solidFill>
-                  <a:srgbClr val="000000"/>
-                </a:solidFill>
-                <a:latin typeface="微软雅黑" panose="020B0503020204020204" charset="-122"/>
-                <a:ea typeface="微软雅黑" panose="020B0503020204020204" charset="-122"/>
-              </a:rPr>
-              <a:t>继续补充大模型和微调的基础论文，少看视频，多看论文和博客。不懂的多查，感觉看视频十分低效</a:t>
-            </a:r>
-            <a:endParaRPr lang="zh-CN" altLang="en-US" sz="1600" b="0" i="0">
+              <a:rPr lang="zh-CN" altLang="en-US" sz="1600" dirty="0">
+                <a:solidFill>
+                  <a:schemeClr val="tx1"/>
+                </a:solidFill>
+                <a:latin typeface="微软雅黑" panose="020B0503020204020204" charset="-122"/>
+                <a:ea typeface="微软雅黑" panose="020B0503020204020204" charset="-122"/>
+              </a:rPr>
+              <a:t>基于小规模大模型（</a:t>
+            </a:r>
+            <a:r>
+              <a:rPr lang="en-US" altLang="zh-CN" sz="1600" dirty="0">
+                <a:solidFill>
+                  <a:schemeClr val="tx1"/>
+                </a:solidFill>
+                <a:latin typeface="微软雅黑" panose="020B0503020204020204" charset="-122"/>
+                <a:ea typeface="微软雅黑" panose="020B0503020204020204" charset="-122"/>
+              </a:rPr>
+              <a:t>SLMs</a:t>
+            </a:r>
+            <a:r>
+              <a:rPr lang="zh-CN" altLang="en-US" sz="1600" dirty="0">
+                <a:solidFill>
+                  <a:schemeClr val="tx1"/>
+                </a:solidFill>
+                <a:latin typeface="微软雅黑" panose="020B0503020204020204" charset="-122"/>
+                <a:ea typeface="微软雅黑" panose="020B0503020204020204" charset="-122"/>
+              </a:rPr>
+              <a:t>）在成本和效率层面的优势为出发点，通过考察各种超参数和配置（包括</a:t>
+            </a:r>
+            <a:r>
+              <a:rPr lang="en-US" altLang="zh-CN" sz="1600" dirty="0">
+                <a:solidFill>
+                  <a:schemeClr val="tx1"/>
+                </a:solidFill>
+                <a:latin typeface="微软雅黑" panose="020B0503020204020204" charset="-122"/>
+                <a:ea typeface="微软雅黑" panose="020B0503020204020204" charset="-122"/>
+              </a:rPr>
+              <a:t>GPU</a:t>
+            </a:r>
+            <a:r>
+              <a:rPr lang="zh-CN" altLang="en-US" sz="1600" dirty="0">
+                <a:solidFill>
+                  <a:schemeClr val="tx1"/>
+                </a:solidFill>
+                <a:latin typeface="微软雅黑" panose="020B0503020204020204" charset="-122"/>
+                <a:ea typeface="微软雅黑" panose="020B0503020204020204" charset="-122"/>
+              </a:rPr>
+              <a:t>类型、批量大小、模型大小、通信协议、注意力类型和</a:t>
+            </a:r>
+            <a:r>
+              <a:rPr lang="en-US" altLang="zh-CN" sz="1600" dirty="0">
+                <a:solidFill>
+                  <a:schemeClr val="tx1"/>
+                </a:solidFill>
+                <a:latin typeface="微软雅黑" panose="020B0503020204020204" charset="-122"/>
+                <a:ea typeface="微软雅黑" panose="020B0503020204020204" charset="-122"/>
+              </a:rPr>
+              <a:t>GPU</a:t>
+            </a:r>
+            <a:r>
+              <a:rPr lang="zh-CN" altLang="en-US" sz="1600" dirty="0">
+                <a:solidFill>
+                  <a:schemeClr val="tx1"/>
+                </a:solidFill>
+                <a:latin typeface="微软雅黑" panose="020B0503020204020204" charset="-122"/>
+                <a:ea typeface="微软雅黑" panose="020B0503020204020204" charset="-122"/>
+              </a:rPr>
+              <a:t>数量）对训练</a:t>
+            </a:r>
+            <a:r>
+              <a:rPr lang="en-US" altLang="zh-CN" sz="1600" dirty="0">
+                <a:solidFill>
+                  <a:schemeClr val="tx1"/>
+                </a:solidFill>
+                <a:latin typeface="微软雅黑" panose="020B0503020204020204" charset="-122"/>
+                <a:ea typeface="微软雅黑" panose="020B0503020204020204" charset="-122"/>
+              </a:rPr>
+              <a:t>SLMs</a:t>
+            </a:r>
+            <a:r>
+              <a:rPr lang="zh-CN" altLang="en-US" sz="1600" dirty="0">
+                <a:solidFill>
+                  <a:schemeClr val="tx1"/>
+                </a:solidFill>
+                <a:latin typeface="微软雅黑" panose="020B0503020204020204" charset="-122"/>
+                <a:ea typeface="微软雅黑" panose="020B0503020204020204" charset="-122"/>
+              </a:rPr>
+              <a:t>（最多</a:t>
+            </a:r>
+            <a:r>
+              <a:rPr lang="en-US" altLang="zh-CN" sz="1600" dirty="0">
+                <a:solidFill>
+                  <a:schemeClr val="tx1"/>
+                </a:solidFill>
+                <a:latin typeface="微软雅黑" panose="020B0503020204020204" charset="-122"/>
+                <a:ea typeface="微软雅黑" panose="020B0503020204020204" charset="-122"/>
+              </a:rPr>
+              <a:t>2</a:t>
+            </a:r>
+            <a:r>
+              <a:rPr lang="zh-CN" altLang="en-US" sz="1600" dirty="0">
+                <a:solidFill>
+                  <a:schemeClr val="tx1"/>
+                </a:solidFill>
+                <a:latin typeface="微软雅黑" panose="020B0503020204020204" charset="-122"/>
+                <a:ea typeface="微软雅黑" panose="020B0503020204020204" charset="-122"/>
+              </a:rPr>
+              <a:t>亿参数）的计算瓶颈进行了探索。</a:t>
+            </a:r>
+            <a:endParaRPr lang="zh-CN" altLang="en-US" sz="1600" dirty="0">
               <a:solidFill>
-                <a:srgbClr val="000000"/>
-              </a:solidFill>
-              <a:latin typeface="微软雅黑" panose="020B0503020204020204" charset="-122"/>
-              <a:ea typeface="微软雅黑" panose="020B0503020204020204" charset="-122"/>
-            </a:endParaRPr>
-          </a:p>
-          <a:p>
-            <a:pPr marL="0" indent="0" algn="just"/>
-            <a:endParaRPr lang="zh-CN" altLang="en-US" sz="1600" b="0" i="0">
-              <a:solidFill>
-                <a:srgbClr val="000000"/>
-              </a:solidFill>
-              <a:latin typeface="微软雅黑" panose="020B0503020204020204" charset="-122"/>
-              <a:ea typeface="微软雅黑" panose="020B0503020204020204" charset="-122"/>
-            </a:endParaRPr>
-          </a:p>
-          <a:p>
-            <a:pPr marL="0" indent="0" algn="just"/>
-            <a:r>
-              <a:rPr lang="zh-CN" altLang="en-US" sz="1600" b="1" i="0">
-                <a:solidFill>
-                  <a:srgbClr val="000000"/>
-                </a:solidFill>
-                <a:latin typeface="微软雅黑" panose="020B0503020204020204" charset="-122"/>
-                <a:ea typeface="微软雅黑" panose="020B0503020204020204" charset="-122"/>
-              </a:rPr>
-              <a:t>现阶段的疑惑是</a:t>
-            </a:r>
-            <a:r>
-              <a:rPr lang="zh-CN" altLang="en-US" sz="1600" b="0" i="0">
-                <a:solidFill>
-                  <a:srgbClr val="000000"/>
-                </a:solidFill>
-                <a:latin typeface="微软雅黑" panose="020B0503020204020204" charset="-122"/>
-                <a:ea typeface="微软雅黑" panose="020B0503020204020204" charset="-122"/>
-              </a:rPr>
-              <a:t>：</a:t>
-            </a:r>
-            <a:endParaRPr lang="zh-CN" altLang="en-US" sz="1600" b="0" i="0">
-              <a:solidFill>
-                <a:srgbClr val="000000"/>
-              </a:solidFill>
-              <a:latin typeface="微软雅黑" panose="020B0503020204020204" charset="-122"/>
-              <a:ea typeface="微软雅黑" panose="020B0503020204020204" charset="-122"/>
-            </a:endParaRPr>
-          </a:p>
-          <a:p>
-            <a:pPr marL="0" indent="0" algn="just"/>
-            <a:r>
-              <a:rPr lang="zh-CN" altLang="en-US" sz="1600" b="0" i="0">
-                <a:solidFill>
-                  <a:srgbClr val="000000"/>
-                </a:solidFill>
-                <a:latin typeface="微软雅黑" panose="020B0503020204020204" charset="-122"/>
-                <a:ea typeface="微软雅黑" panose="020B0503020204020204" charset="-122"/>
-              </a:rPr>
-              <a:t>在和学长们的讨论后，对基础的补齐思路大致如下：</a:t>
-            </a:r>
-            <a:endParaRPr lang="zh-CN" altLang="en-US" sz="1600" b="0" i="0">
-              <a:solidFill>
-                <a:srgbClr val="000000"/>
-              </a:solidFill>
-              <a:latin typeface="微软雅黑" panose="020B0503020204020204" charset="-122"/>
-              <a:ea typeface="微软雅黑" panose="020B0503020204020204" charset="-122"/>
-            </a:endParaRPr>
-          </a:p>
-          <a:p>
-            <a:pPr marL="0" indent="0" algn="just"/>
-            <a:endParaRPr lang="zh-CN" altLang="en-US" sz="1600" b="0" i="0">
-              <a:solidFill>
-                <a:srgbClr val="000000"/>
-              </a:solidFill>
-              <a:latin typeface="微软雅黑" panose="020B0503020204020204" charset="-122"/>
-              <a:ea typeface="微软雅黑" panose="020B0503020204020204" charset="-122"/>
-            </a:endParaRPr>
-          </a:p>
-          <a:p>
-            <a:pPr marL="0" indent="0" algn="just"/>
-            <a:r>
-              <a:rPr lang="zh-CN" altLang="en-US" sz="1600" b="0" i="0">
-                <a:solidFill>
-                  <a:srgbClr val="000000"/>
-                </a:solidFill>
-                <a:latin typeface="微软雅黑" panose="020B0503020204020204" charset="-122"/>
-                <a:ea typeface="微软雅黑" panose="020B0503020204020204" charset="-122"/>
-              </a:rPr>
-              <a:t>理论知识：</a:t>
-            </a:r>
-            <a:endParaRPr lang="zh-CN" altLang="en-US" sz="1600" b="0" i="0">
-              <a:solidFill>
-                <a:srgbClr val="000000"/>
-              </a:solidFill>
-              <a:latin typeface="微软雅黑" panose="020B0503020204020204" charset="-122"/>
-              <a:ea typeface="微软雅黑" panose="020B0503020204020204" charset="-122"/>
-            </a:endParaRPr>
-          </a:p>
-          <a:p>
-            <a:pPr marL="0" indent="457200" algn="just"/>
-            <a:r>
-              <a:rPr lang="en-US" altLang="zh-CN" sz="1600" b="0" i="0">
-                <a:solidFill>
-                  <a:srgbClr val="000000"/>
-                </a:solidFill>
-                <a:latin typeface="微软雅黑" panose="020B0503020204020204" charset="-122"/>
-                <a:ea typeface="微软雅黑" panose="020B0503020204020204" charset="-122"/>
-              </a:rPr>
-              <a:t>1.</a:t>
-            </a:r>
-            <a:r>
-              <a:rPr lang="zh-CN" altLang="en-US" sz="1600" b="0" i="0">
-                <a:solidFill>
-                  <a:srgbClr val="000000"/>
-                </a:solidFill>
-                <a:latin typeface="微软雅黑" panose="020B0503020204020204" charset="-122"/>
-                <a:ea typeface="微软雅黑" panose="020B0503020204020204" charset="-122"/>
-              </a:rPr>
-              <a:t>前置的</a:t>
-            </a:r>
-            <a:r>
-              <a:rPr lang="en-US" altLang="zh-CN" sz="1600" b="0" i="0">
-                <a:solidFill>
-                  <a:srgbClr val="000000"/>
-                </a:solidFill>
-                <a:latin typeface="微软雅黑" panose="020B0503020204020204" charset="-122"/>
-                <a:ea typeface="微软雅黑" panose="020B0503020204020204" charset="-122"/>
-              </a:rPr>
-              <a:t>NLP</a:t>
-            </a:r>
-            <a:r>
-              <a:rPr lang="zh-CN" altLang="en-US" sz="1600" b="0" i="0">
-                <a:solidFill>
-                  <a:srgbClr val="000000"/>
-                </a:solidFill>
-                <a:latin typeface="微软雅黑" panose="020B0503020204020204" charset="-122"/>
-                <a:ea typeface="微软雅黑" panose="020B0503020204020204" charset="-122"/>
-              </a:rPr>
-              <a:t>，</a:t>
-            </a:r>
-            <a:r>
-              <a:rPr lang="en-US" altLang="zh-CN" sz="1600" b="0" i="0">
-                <a:solidFill>
-                  <a:srgbClr val="000000"/>
-                </a:solidFill>
-                <a:latin typeface="微软雅黑" panose="020B0503020204020204" charset="-122"/>
-                <a:ea typeface="微软雅黑" panose="020B0503020204020204" charset="-122"/>
-              </a:rPr>
-              <a:t>DL</a:t>
-            </a:r>
-            <a:endParaRPr lang="en-US" altLang="zh-CN" sz="1600" b="0" i="0">
-              <a:solidFill>
-                <a:srgbClr val="000000"/>
-              </a:solidFill>
-              <a:latin typeface="微软雅黑" panose="020B0503020204020204" charset="-122"/>
-              <a:ea typeface="微软雅黑" panose="020B0503020204020204" charset="-122"/>
-            </a:endParaRPr>
-          </a:p>
-          <a:p>
-            <a:pPr marL="0" indent="457200" algn="just"/>
-            <a:r>
-              <a:rPr lang="en-US" altLang="zh-CN" sz="1600" b="0" i="0">
-                <a:solidFill>
-                  <a:srgbClr val="000000"/>
-                </a:solidFill>
-                <a:latin typeface="微软雅黑" panose="020B0503020204020204" charset="-122"/>
-                <a:ea typeface="微软雅黑" panose="020B0503020204020204" charset="-122"/>
-              </a:rPr>
-              <a:t>2.LLM</a:t>
-            </a:r>
-            <a:endParaRPr lang="en-US" altLang="zh-CN" sz="1600" b="0" i="0">
-              <a:solidFill>
-                <a:srgbClr val="000000"/>
-              </a:solidFill>
-              <a:latin typeface="微软雅黑" panose="020B0503020204020204" charset="-122"/>
-              <a:ea typeface="微软雅黑" panose="020B0503020204020204" charset="-122"/>
-            </a:endParaRPr>
-          </a:p>
-          <a:p>
-            <a:pPr marL="0" indent="457200" algn="just"/>
-            <a:r>
-              <a:rPr lang="en-US" altLang="zh-CN" sz="1600" b="0" i="0">
-                <a:solidFill>
-                  <a:srgbClr val="000000"/>
-                </a:solidFill>
-                <a:latin typeface="微软雅黑" panose="020B0503020204020204" charset="-122"/>
-                <a:ea typeface="微软雅黑" panose="020B0503020204020204" charset="-122"/>
-              </a:rPr>
-              <a:t>3.</a:t>
-            </a:r>
-            <a:r>
-              <a:rPr lang="zh-CN" altLang="en-US" sz="1600" b="0" i="0">
-                <a:solidFill>
-                  <a:srgbClr val="000000"/>
-                </a:solidFill>
-                <a:latin typeface="微软雅黑" panose="020B0503020204020204" charset="-122"/>
-                <a:ea typeface="微软雅黑" panose="020B0503020204020204" charset="-122"/>
-              </a:rPr>
-              <a:t>模型微调，剪枝，模型量化（目前我正在主要学习的）</a:t>
-            </a:r>
-            <a:endParaRPr lang="en-US" altLang="zh-CN" sz="1600" b="0" i="0">
-              <a:solidFill>
-                <a:srgbClr val="000000"/>
-              </a:solidFill>
-              <a:latin typeface="微软雅黑" panose="020B0503020204020204" charset="-122"/>
-              <a:ea typeface="微软雅黑" panose="020B0503020204020204" charset="-122"/>
-            </a:endParaRPr>
-          </a:p>
-          <a:p>
-            <a:pPr marL="0" indent="457200" algn="just"/>
-            <a:r>
-              <a:rPr lang="en-US" altLang="zh-CN" sz="1600" b="0" i="0">
-                <a:solidFill>
-                  <a:srgbClr val="000000"/>
-                </a:solidFill>
-                <a:latin typeface="微软雅黑" panose="020B0503020204020204" charset="-122"/>
-                <a:ea typeface="微软雅黑" panose="020B0503020204020204" charset="-122"/>
-              </a:rPr>
-              <a:t>4.SLM</a:t>
-            </a:r>
-            <a:r>
-              <a:rPr lang="zh-CN" altLang="en-US" sz="1600" b="0" i="0">
-                <a:solidFill>
-                  <a:srgbClr val="000000"/>
-                </a:solidFill>
-                <a:latin typeface="微软雅黑" panose="020B0503020204020204" charset="-122"/>
-                <a:ea typeface="微软雅黑" panose="020B0503020204020204" charset="-122"/>
-              </a:rPr>
-              <a:t>，</a:t>
-            </a:r>
-            <a:r>
-              <a:rPr lang="en-US" altLang="zh-CN" sz="1600" b="0" i="0">
-                <a:solidFill>
-                  <a:srgbClr val="000000"/>
-                </a:solidFill>
-                <a:latin typeface="微软雅黑" panose="020B0503020204020204" charset="-122"/>
-                <a:ea typeface="微软雅黑" panose="020B0503020204020204" charset="-122"/>
-              </a:rPr>
-              <a:t>VLM</a:t>
-            </a:r>
-            <a:endParaRPr lang="en-US" altLang="zh-CN" sz="1600" b="0" i="0">
-              <a:solidFill>
-                <a:srgbClr val="000000"/>
-              </a:solidFill>
-              <a:latin typeface="微软雅黑" panose="020B0503020204020204" charset="-122"/>
-              <a:ea typeface="微软雅黑" panose="020B0503020204020204" charset="-122"/>
-            </a:endParaRPr>
-          </a:p>
-          <a:p>
-            <a:pPr marL="0" indent="457200" algn="just"/>
-            <a:endParaRPr lang="zh-CN" altLang="en-US" sz="1600" b="0" i="0">
-              <a:solidFill>
-                <a:srgbClr val="000000"/>
-              </a:solidFill>
-              <a:latin typeface="微软雅黑" panose="020B0503020204020204" charset="-122"/>
-              <a:ea typeface="微软雅黑" panose="020B0503020204020204" charset="-122"/>
-            </a:endParaRPr>
-          </a:p>
-          <a:p>
-            <a:pPr marL="0" lvl="0" indent="0" algn="just">
-              <a:buNone/>
-            </a:pPr>
-            <a:r>
-              <a:rPr lang="zh-CN" altLang="en-US" sz="1600" b="0" i="0">
-                <a:solidFill>
-                  <a:srgbClr val="000000"/>
-                </a:solidFill>
-                <a:latin typeface="微软雅黑" panose="020B0503020204020204" charset="-122"/>
-                <a:ea typeface="微软雅黑" panose="020B0503020204020204" charset="-122"/>
-              </a:rPr>
-              <a:t>动手实践：</a:t>
-            </a:r>
-            <a:endParaRPr lang="zh-CN" altLang="en-US" sz="1600" b="0" i="0">
-              <a:solidFill>
-                <a:srgbClr val="000000"/>
-              </a:solidFill>
-              <a:latin typeface="微软雅黑" panose="020B0503020204020204" charset="-122"/>
-              <a:ea typeface="微软雅黑" panose="020B0503020204020204" charset="-122"/>
-            </a:endParaRPr>
-          </a:p>
-          <a:p>
-            <a:pPr marL="0" lvl="0" indent="457200" algn="just">
-              <a:buNone/>
-            </a:pPr>
-            <a:r>
-              <a:rPr lang="en-US" altLang="zh-CN" sz="1600" b="0" i="0">
-                <a:solidFill>
-                  <a:srgbClr val="000000"/>
-                </a:solidFill>
-                <a:latin typeface="微软雅黑" panose="020B0503020204020204" charset="-122"/>
-                <a:ea typeface="微软雅黑" panose="020B0503020204020204" charset="-122"/>
-              </a:rPr>
-              <a:t>1.</a:t>
-            </a:r>
-            <a:r>
-              <a:rPr lang="zh-CN" altLang="en-US" sz="1600" b="0" i="0">
-                <a:solidFill>
-                  <a:srgbClr val="000000"/>
-                </a:solidFill>
-                <a:latin typeface="微软雅黑" panose="020B0503020204020204" charset="-122"/>
-                <a:ea typeface="微软雅黑" panose="020B0503020204020204" charset="-122"/>
-              </a:rPr>
-              <a:t>前置知识的实践（已经跟着一些比如李沐老师的动手深度学习等敲过一些）</a:t>
-            </a:r>
-            <a:endParaRPr lang="zh-CN" altLang="en-US" sz="1600" b="0" i="0">
-              <a:solidFill>
-                <a:srgbClr val="000000"/>
-              </a:solidFill>
-              <a:latin typeface="微软雅黑" panose="020B0503020204020204" charset="-122"/>
-              <a:ea typeface="微软雅黑" panose="020B0503020204020204" charset="-122"/>
-            </a:endParaRPr>
-          </a:p>
-          <a:p>
-            <a:pPr marL="0" lvl="0" indent="457200" algn="just">
-              <a:buNone/>
-            </a:pPr>
-            <a:r>
-              <a:rPr lang="en-US" altLang="zh-CN" sz="1600" b="0" i="0">
-                <a:solidFill>
-                  <a:srgbClr val="000000"/>
-                </a:solidFill>
-                <a:latin typeface="微软雅黑" panose="020B0503020204020204" charset="-122"/>
-                <a:ea typeface="微软雅黑" panose="020B0503020204020204" charset="-122"/>
-              </a:rPr>
-              <a:t>2.</a:t>
-            </a:r>
-            <a:r>
-              <a:rPr lang="zh-CN" altLang="en-US" sz="1600" b="0" i="0">
-                <a:solidFill>
-                  <a:srgbClr val="000000"/>
-                </a:solidFill>
-                <a:latin typeface="微软雅黑" panose="020B0503020204020204" charset="-122"/>
-                <a:ea typeface="微软雅黑" panose="020B0503020204020204" charset="-122"/>
-              </a:rPr>
-              <a:t>自己实践一次模型的微调对齐（目前正在尝试的）</a:t>
-            </a:r>
-            <a:endParaRPr lang="zh-CN" altLang="en-US" sz="1600" b="0" i="0">
-              <a:solidFill>
-                <a:srgbClr val="000000"/>
-              </a:solidFill>
-              <a:latin typeface="微软雅黑" panose="020B0503020204020204" charset="-122"/>
-              <a:ea typeface="微软雅黑" panose="020B0503020204020204" charset="-122"/>
-            </a:endParaRPr>
-          </a:p>
-          <a:p>
-            <a:pPr marL="0" lvl="0" indent="457200" algn="just">
-              <a:buNone/>
-            </a:pPr>
-            <a:r>
-              <a:rPr lang="en-US" altLang="zh-CN" sz="1600" b="0" i="0">
-                <a:solidFill>
-                  <a:srgbClr val="000000"/>
-                </a:solidFill>
-                <a:latin typeface="微软雅黑" panose="020B0503020204020204" charset="-122"/>
-                <a:ea typeface="微软雅黑" panose="020B0503020204020204" charset="-122"/>
-              </a:rPr>
-              <a:t>3.</a:t>
-            </a:r>
-            <a:r>
-              <a:rPr lang="zh-CN" altLang="en-US" sz="1600" b="0" i="0">
-                <a:solidFill>
-                  <a:srgbClr val="000000"/>
-                </a:solidFill>
-                <a:latin typeface="微软雅黑" panose="020B0503020204020204" charset="-122"/>
-                <a:ea typeface="微软雅黑" panose="020B0503020204020204" charset="-122"/>
-              </a:rPr>
-              <a:t>尝试自己把一个原有模型迁移到其他任务</a:t>
-            </a:r>
-            <a:endParaRPr lang="zh-CN" altLang="en-US" sz="1600" b="0" i="0">
-              <a:solidFill>
-                <a:srgbClr val="000000"/>
-              </a:solidFill>
-              <a:latin typeface="微软雅黑" panose="020B0503020204020204" charset="-122"/>
-              <a:ea typeface="微软雅黑" panose="020B0503020204020204" charset="-122"/>
-            </a:endParaRPr>
-          </a:p>
-          <a:p>
-            <a:pPr marL="0" lvl="0" indent="457200" algn="just">
-              <a:buNone/>
-            </a:pPr>
-            <a:r>
-              <a:rPr lang="en-US" altLang="zh-CN" sz="1600" b="0" i="0">
-                <a:solidFill>
-                  <a:srgbClr val="000000"/>
-                </a:solidFill>
-                <a:latin typeface="微软雅黑" panose="020B0503020204020204" charset="-122"/>
-                <a:ea typeface="微软雅黑" panose="020B0503020204020204" charset="-122"/>
-              </a:rPr>
-              <a:t>4.</a:t>
-            </a:r>
-            <a:r>
-              <a:rPr lang="zh-CN" altLang="en-US" sz="1600" b="0" i="0">
-                <a:solidFill>
-                  <a:srgbClr val="000000"/>
-                </a:solidFill>
-                <a:latin typeface="微软雅黑" panose="020B0503020204020204" charset="-122"/>
-                <a:ea typeface="微软雅黑" panose="020B0503020204020204" charset="-122"/>
-              </a:rPr>
-              <a:t>实践一次模型量化</a:t>
-            </a:r>
-            <a:endParaRPr lang="zh-CN" altLang="en-US" sz="1600" b="0" i="0">
-              <a:solidFill>
-                <a:srgbClr val="000000"/>
-              </a:solidFill>
-              <a:latin typeface="微软雅黑" panose="020B0503020204020204" charset="-122"/>
-              <a:ea typeface="微软雅黑" panose="020B0503020204020204" charset="-122"/>
-            </a:endParaRPr>
-          </a:p>
-          <a:p>
-            <a:pPr marL="0" indent="0" algn="just"/>
-            <a:endParaRPr lang="zh-CN" altLang="en-US" sz="1600" b="0" i="0">
-              <a:solidFill>
-                <a:srgbClr val="000000"/>
+                <a:schemeClr val="tx1"/>
               </a:solidFill>
               <a:latin typeface="微软雅黑" panose="020B0503020204020204" charset="-122"/>
               <a:ea typeface="微软雅黑" panose="020B0503020204020204" charset="-122"/>
@@ -6027,6 +6170,187 @@
           <a:chExt cx="0" cy="0"/>
         </a:xfrm>
       </p:grpSpPr>
+      <p:pic>
+        <p:nvPicPr>
+          <p:cNvPr id="4" name="图片 3" descr="1"/>
+          <p:cNvPicPr>
+            <a:picLocks noChangeAspect="1"/>
+          </p:cNvPicPr>
+          <p:nvPr/>
+        </p:nvPicPr>
+        <p:blipFill>
+          <a:blip r:embed="rId1"/>
+          <a:stretch>
+            <a:fillRect/>
+          </a:stretch>
+        </p:blipFill>
+        <p:spPr>
+          <a:xfrm>
+            <a:off x="4745355" y="-588645"/>
+            <a:ext cx="12060555" cy="8474075"/>
+          </a:xfrm>
+          <a:prstGeom prst="rect">
+            <a:avLst/>
+          </a:prstGeom>
+        </p:spPr>
+      </p:pic>
+      <p:sp>
+        <p:nvSpPr>
+          <p:cNvPr id="5" name="文本框 4"/>
+          <p:cNvSpPr txBox="1"/>
+          <p:nvPr/>
+        </p:nvSpPr>
+        <p:spPr>
+          <a:xfrm>
+            <a:off x="1038225" y="1470025"/>
+            <a:ext cx="2301875" cy="1861185"/>
+          </a:xfrm>
+          <a:prstGeom prst="rect">
+            <a:avLst/>
+          </a:prstGeom>
+          <a:noFill/>
+        </p:spPr>
+        <p:txBody>
+          <a:bodyPr wrap="square" rtlCol="0">
+            <a:spAutoFit/>
+          </a:bodyPr>
+          <a:lstStyle/>
+          <a:p>
+            <a:pPr marL="0" marR="0" lvl="0" indent="0" algn="l" defTabSz="914400" rtl="0" eaLnBrk="1" fontAlgn="auto" latinLnBrk="0" hangingPunct="1">
+              <a:lnSpc>
+                <a:spcPct val="100000"/>
+              </a:lnSpc>
+              <a:spcBef>
+                <a:spcPts val="0"/>
+              </a:spcBef>
+              <a:spcAft>
+                <a:spcPts val="0"/>
+              </a:spcAft>
+              <a:buClrTx/>
+              <a:buSzTx/>
+              <a:buFontTx/>
+              <a:buNone/>
+              <a:defRPr/>
+            </a:pPr>
+            <a:r>
+              <a:rPr kumimoji="0" lang="en-US" altLang="zh-CN" sz="11500" b="0" i="0" u="none" strike="noStrike" kern="1200" cap="none" spc="0" normalizeH="0" baseline="0" noProof="0" dirty="0">
+                <a:ln>
+                  <a:solidFill>
+                    <a:srgbClr val="383987"/>
+                  </a:solidFill>
+                </a:ln>
+                <a:noFill/>
+                <a:effectLst/>
+                <a:uLnTx/>
+                <a:uFillTx/>
+                <a:latin typeface="Agency FB" panose="020B0503020202020204" pitchFamily="34" charset="0"/>
+                <a:ea typeface="宋体" panose="02010600030101010101" pitchFamily="2" charset="-122"/>
+                <a:cs typeface="+mn-cs"/>
+              </a:rPr>
+              <a:t>04</a:t>
+            </a:r>
+            <a:endParaRPr kumimoji="0" lang="en-US" altLang="zh-CN" sz="11500" b="0" i="0" u="none" strike="noStrike" kern="1200" cap="none" spc="0" normalizeH="0" baseline="0" noProof="0" dirty="0">
+              <a:ln>
+                <a:solidFill>
+                  <a:srgbClr val="383987"/>
+                </a:solidFill>
+              </a:ln>
+              <a:noFill/>
+              <a:effectLst/>
+              <a:uLnTx/>
+              <a:uFillTx/>
+              <a:latin typeface="Agency FB" panose="020B0503020202020204" pitchFamily="34" charset="0"/>
+              <a:ea typeface="宋体" panose="02010600030101010101" pitchFamily="2" charset="-122"/>
+              <a:cs typeface="+mn-cs"/>
+            </a:endParaRPr>
+          </a:p>
+        </p:txBody>
+      </p:sp>
+      <p:sp>
+        <p:nvSpPr>
+          <p:cNvPr id="6" name="文本框 5"/>
+          <p:cNvSpPr txBox="1"/>
+          <p:nvPr/>
+        </p:nvSpPr>
+        <p:spPr>
+          <a:xfrm>
+            <a:off x="1265555" y="3049270"/>
+            <a:ext cx="11768455" cy="777240"/>
+          </a:xfrm>
+          <a:prstGeom prst="rect">
+            <a:avLst/>
+          </a:prstGeom>
+          <a:noFill/>
+        </p:spPr>
+        <p:txBody>
+          <a:bodyPr wrap="square" rtlCol="0">
+            <a:noAutofit/>
+          </a:bodyPr>
+          <a:lstStyle/>
+          <a:p>
+            <a:pPr marL="0" marR="0" lvl="0" indent="0" algn="ctr" defTabSz="914400" rtl="0" eaLnBrk="1" fontAlgn="auto" latinLnBrk="0" hangingPunct="1">
+              <a:lnSpc>
+                <a:spcPct val="100000"/>
+              </a:lnSpc>
+              <a:spcBef>
+                <a:spcPts val="0"/>
+              </a:spcBef>
+              <a:spcAft>
+                <a:spcPts val="0"/>
+              </a:spcAft>
+              <a:buClrTx/>
+              <a:buSzTx/>
+              <a:buFontTx/>
+              <a:buNone/>
+              <a:defRPr/>
+            </a:pPr>
+            <a:r>
+              <a:rPr lang="zh-CN" sz="3600" dirty="0">
+                <a:solidFill>
+                  <a:srgbClr val="383987"/>
+                </a:solidFill>
+                <a:latin typeface="微软雅黑" panose="020B0503020204020204" charset="-122"/>
+                <a:ea typeface="微软雅黑" panose="020B0503020204020204" charset="-122"/>
+                <a:sym typeface="+mn-ea"/>
+              </a:rPr>
+              <a:t>计划</a:t>
+            </a:r>
+            <a:endParaRPr lang="zh-CN" sz="3600" dirty="0">
+              <a:solidFill>
+                <a:srgbClr val="383987"/>
+              </a:solidFill>
+              <a:latin typeface="微软雅黑" panose="020B0503020204020204" charset="-122"/>
+              <a:ea typeface="微软雅黑" panose="020B0503020204020204" charset="-122"/>
+              <a:sym typeface="+mn-ea"/>
+            </a:endParaRPr>
+          </a:p>
+        </p:txBody>
+      </p:sp>
+    </p:spTree>
+  </p:cSld>
+  <p:clrMapOvr>
+    <a:masterClrMapping/>
+  </p:clrMapOvr>
+</p:sld>
+</file>
+
+<file path=ppt/slides/slide15.xml><?xml version="1.0" encoding="utf-8"?>
+<p:sld xmlns:a="http://schemas.openxmlformats.org/drawingml/2006/main" xmlns:r="http://schemas.openxmlformats.org/officeDocument/2006/relationships" xmlns:p="http://schemas.openxmlformats.org/presentationml/2006/main">
+  <p:cSld>
+    <p:spTree>
+      <p:nvGrpSpPr>
+        <p:cNvPr id="1" name=""/>
+        <p:cNvGrpSpPr/>
+        <p:nvPr/>
+      </p:nvGrpSpPr>
+      <p:grpSpPr>
+        <a:xfrm>
+          <a:off x="0" y="0"/>
+          <a:ext cx="0" cy="0"/>
+          <a:chOff x="0" y="0"/>
+          <a:chExt cx="0" cy="0"/>
+        </a:xfrm>
+      </p:grpSpPr>
       <p:sp>
         <p:nvSpPr>
           <p:cNvPr id="13" name="文本框 12"/>
@@ -6156,6 +6480,669 @@
       </p:sp>
       <p:sp>
         <p:nvSpPr>
+          <p:cNvPr id="3" name="文本框 2"/>
+          <p:cNvSpPr txBox="1"/>
+          <p:nvPr>
+            <p:custDataLst>
+              <p:tags r:id="rId2"/>
+            </p:custDataLst>
+          </p:nvPr>
+        </p:nvSpPr>
+        <p:spPr>
+          <a:xfrm>
+            <a:off x="455295" y="1657350"/>
+            <a:ext cx="4956810" cy="506730"/>
+          </a:xfrm>
+          <a:prstGeom prst="rect">
+            <a:avLst/>
+          </a:prstGeom>
+          <a:noFill/>
+        </p:spPr>
+        <p:txBody>
+          <a:bodyPr wrap="square" rtlCol="0">
+            <a:spAutoFit/>
+          </a:bodyPr>
+          <a:p>
+            <a:pPr marL="285750" indent="-285750">
+              <a:lnSpc>
+                <a:spcPct val="150000"/>
+              </a:lnSpc>
+              <a:buFont typeface="Wingdings" panose="05000000000000000000" charset="0"/>
+              <a:buChar char="p"/>
+            </a:pPr>
+            <a:r>
+              <a:rPr lang="zh-CN" altLang="en-US" b="1" dirty="0">
+                <a:latin typeface="微软雅黑" panose="020B0503020204020204" charset="-122"/>
+                <a:ea typeface="微软雅黑" panose="020B0503020204020204" charset="-122"/>
+              </a:rPr>
+              <a:t>继续读大模型</a:t>
+            </a:r>
+            <a:r>
+              <a:rPr lang="en-US" altLang="zh-CN" b="1" dirty="0">
+                <a:latin typeface="微软雅黑" panose="020B0503020204020204" charset="-122"/>
+                <a:ea typeface="微软雅黑" panose="020B0503020204020204" charset="-122"/>
+              </a:rPr>
+              <a:t>guide</a:t>
+            </a:r>
+            <a:r>
+              <a:rPr lang="zh-CN" altLang="en-US" b="1" dirty="0">
+                <a:latin typeface="微软雅黑" panose="020B0503020204020204" charset="-122"/>
+                <a:ea typeface="微软雅黑" panose="020B0503020204020204" charset="-122"/>
+              </a:rPr>
+              <a:t>的论文推荐：</a:t>
+            </a:r>
+            <a:endParaRPr lang="en-US" altLang="zh-CN" b="1" dirty="0">
+              <a:latin typeface="微软雅黑" panose="020B0503020204020204" charset="-122"/>
+              <a:ea typeface="微软雅黑" panose="020B0503020204020204" charset="-122"/>
+            </a:endParaRPr>
+          </a:p>
+        </p:txBody>
+      </p:sp>
+      <p:sp>
+        <p:nvSpPr>
+          <p:cNvPr id="7" name="文本框 6"/>
+          <p:cNvSpPr txBox="1"/>
+          <p:nvPr/>
+        </p:nvSpPr>
+        <p:spPr>
+          <a:xfrm>
+            <a:off x="911860" y="2178050"/>
+            <a:ext cx="8903970" cy="4523105"/>
+          </a:xfrm>
+          <a:prstGeom prst="rect">
+            <a:avLst/>
+          </a:prstGeom>
+        </p:spPr>
+        <p:txBody>
+          <a:bodyPr wrap="square">
+            <a:spAutoFit/>
+          </a:bodyPr>
+          <a:p>
+            <a:pPr marL="0" indent="0" algn="just"/>
+            <a:r>
+              <a:rPr lang="zh-CN" altLang="en-US" sz="1600" b="0" i="0">
+                <a:solidFill>
+                  <a:srgbClr val="000000"/>
+                </a:solidFill>
+                <a:latin typeface="微软雅黑" panose="020B0503020204020204" charset="-122"/>
+                <a:ea typeface="微软雅黑" panose="020B0503020204020204" charset="-122"/>
+              </a:rPr>
+              <a:t>继续补充大模型和微调的基础论文，少看视频，多看论文和博客。不懂的多查，感觉看视频十分低效</a:t>
+            </a:r>
+            <a:endParaRPr lang="zh-CN" altLang="en-US" sz="1600" b="0" i="0">
+              <a:solidFill>
+                <a:srgbClr val="000000"/>
+              </a:solidFill>
+              <a:latin typeface="微软雅黑" panose="020B0503020204020204" charset="-122"/>
+              <a:ea typeface="微软雅黑" panose="020B0503020204020204" charset="-122"/>
+            </a:endParaRPr>
+          </a:p>
+          <a:p>
+            <a:pPr marL="0" indent="0" algn="just"/>
+            <a:endParaRPr lang="zh-CN" altLang="en-US" sz="1600" b="0" i="0">
+              <a:solidFill>
+                <a:srgbClr val="000000"/>
+              </a:solidFill>
+              <a:latin typeface="微软雅黑" panose="020B0503020204020204" charset="-122"/>
+              <a:ea typeface="微软雅黑" panose="020B0503020204020204" charset="-122"/>
+            </a:endParaRPr>
+          </a:p>
+          <a:p>
+            <a:pPr marL="0" indent="0" algn="just"/>
+            <a:r>
+              <a:rPr lang="zh-CN" altLang="en-US" sz="1600" b="1" i="0">
+                <a:solidFill>
+                  <a:srgbClr val="000000"/>
+                </a:solidFill>
+                <a:latin typeface="微软雅黑" panose="020B0503020204020204" charset="-122"/>
+                <a:ea typeface="微软雅黑" panose="020B0503020204020204" charset="-122"/>
+              </a:rPr>
+              <a:t>现阶段的疑惑是</a:t>
+            </a:r>
+            <a:r>
+              <a:rPr lang="zh-CN" altLang="en-US" sz="1600" b="0" i="0">
+                <a:solidFill>
+                  <a:srgbClr val="000000"/>
+                </a:solidFill>
+                <a:latin typeface="微软雅黑" panose="020B0503020204020204" charset="-122"/>
+                <a:ea typeface="微软雅黑" panose="020B0503020204020204" charset="-122"/>
+              </a:rPr>
+              <a:t>：</a:t>
+            </a:r>
+            <a:endParaRPr lang="zh-CN" altLang="en-US" sz="1600" b="0" i="0">
+              <a:solidFill>
+                <a:srgbClr val="000000"/>
+              </a:solidFill>
+              <a:latin typeface="微软雅黑" panose="020B0503020204020204" charset="-122"/>
+              <a:ea typeface="微软雅黑" panose="020B0503020204020204" charset="-122"/>
+            </a:endParaRPr>
+          </a:p>
+          <a:p>
+            <a:pPr marL="0" indent="0" algn="just"/>
+            <a:r>
+              <a:rPr lang="zh-CN" altLang="en-US" sz="1600" b="0" i="0">
+                <a:solidFill>
+                  <a:srgbClr val="000000"/>
+                </a:solidFill>
+                <a:latin typeface="微软雅黑" panose="020B0503020204020204" charset="-122"/>
+                <a:ea typeface="微软雅黑" panose="020B0503020204020204" charset="-122"/>
+              </a:rPr>
+              <a:t>在和学长们的讨论后，对基础的补齐思路大致如下：</a:t>
+            </a:r>
+            <a:endParaRPr lang="zh-CN" altLang="en-US" sz="1600" b="0" i="0">
+              <a:solidFill>
+                <a:srgbClr val="000000"/>
+              </a:solidFill>
+              <a:latin typeface="微软雅黑" panose="020B0503020204020204" charset="-122"/>
+              <a:ea typeface="微软雅黑" panose="020B0503020204020204" charset="-122"/>
+            </a:endParaRPr>
+          </a:p>
+          <a:p>
+            <a:pPr marL="0" indent="0" algn="just"/>
+            <a:endParaRPr lang="zh-CN" altLang="en-US" sz="1600" b="0" i="0">
+              <a:solidFill>
+                <a:srgbClr val="000000"/>
+              </a:solidFill>
+              <a:latin typeface="微软雅黑" panose="020B0503020204020204" charset="-122"/>
+              <a:ea typeface="微软雅黑" panose="020B0503020204020204" charset="-122"/>
+            </a:endParaRPr>
+          </a:p>
+          <a:p>
+            <a:pPr marL="0" indent="0" algn="just"/>
+            <a:r>
+              <a:rPr lang="zh-CN" altLang="en-US" sz="1600" b="0" i="0">
+                <a:solidFill>
+                  <a:srgbClr val="000000"/>
+                </a:solidFill>
+                <a:latin typeface="微软雅黑" panose="020B0503020204020204" charset="-122"/>
+                <a:ea typeface="微软雅黑" panose="020B0503020204020204" charset="-122"/>
+              </a:rPr>
+              <a:t>理论知识：</a:t>
+            </a:r>
+            <a:endParaRPr lang="zh-CN" altLang="en-US" sz="1600" b="0" i="0">
+              <a:solidFill>
+                <a:srgbClr val="000000"/>
+              </a:solidFill>
+              <a:latin typeface="微软雅黑" panose="020B0503020204020204" charset="-122"/>
+              <a:ea typeface="微软雅黑" panose="020B0503020204020204" charset="-122"/>
+            </a:endParaRPr>
+          </a:p>
+          <a:p>
+            <a:pPr marL="0" indent="457200" algn="just"/>
+            <a:r>
+              <a:rPr lang="en-US" altLang="zh-CN" sz="1600" b="0" i="0">
+                <a:solidFill>
+                  <a:srgbClr val="000000"/>
+                </a:solidFill>
+                <a:latin typeface="微软雅黑" panose="020B0503020204020204" charset="-122"/>
+                <a:ea typeface="微软雅黑" panose="020B0503020204020204" charset="-122"/>
+              </a:rPr>
+              <a:t>1.</a:t>
+            </a:r>
+            <a:r>
+              <a:rPr lang="zh-CN" altLang="en-US" sz="1600" b="0" i="0">
+                <a:solidFill>
+                  <a:srgbClr val="000000"/>
+                </a:solidFill>
+                <a:latin typeface="微软雅黑" panose="020B0503020204020204" charset="-122"/>
+                <a:ea typeface="微软雅黑" panose="020B0503020204020204" charset="-122"/>
+              </a:rPr>
+              <a:t>前置的</a:t>
+            </a:r>
+            <a:r>
+              <a:rPr lang="en-US" altLang="zh-CN" sz="1600" b="0" i="0">
+                <a:solidFill>
+                  <a:srgbClr val="000000"/>
+                </a:solidFill>
+                <a:latin typeface="微软雅黑" panose="020B0503020204020204" charset="-122"/>
+                <a:ea typeface="微软雅黑" panose="020B0503020204020204" charset="-122"/>
+              </a:rPr>
+              <a:t>NLP</a:t>
+            </a:r>
+            <a:r>
+              <a:rPr lang="zh-CN" altLang="en-US" sz="1600" b="0" i="0">
+                <a:solidFill>
+                  <a:srgbClr val="000000"/>
+                </a:solidFill>
+                <a:latin typeface="微软雅黑" panose="020B0503020204020204" charset="-122"/>
+                <a:ea typeface="微软雅黑" panose="020B0503020204020204" charset="-122"/>
+              </a:rPr>
+              <a:t>，</a:t>
+            </a:r>
+            <a:r>
+              <a:rPr lang="en-US" altLang="zh-CN" sz="1600" b="0" i="0">
+                <a:solidFill>
+                  <a:srgbClr val="000000"/>
+                </a:solidFill>
+                <a:latin typeface="微软雅黑" panose="020B0503020204020204" charset="-122"/>
+                <a:ea typeface="微软雅黑" panose="020B0503020204020204" charset="-122"/>
+              </a:rPr>
+              <a:t>DL</a:t>
+            </a:r>
+            <a:endParaRPr lang="en-US" altLang="zh-CN" sz="1600" b="0" i="0">
+              <a:solidFill>
+                <a:srgbClr val="000000"/>
+              </a:solidFill>
+              <a:latin typeface="微软雅黑" panose="020B0503020204020204" charset="-122"/>
+              <a:ea typeface="微软雅黑" panose="020B0503020204020204" charset="-122"/>
+            </a:endParaRPr>
+          </a:p>
+          <a:p>
+            <a:pPr marL="0" indent="457200" algn="just"/>
+            <a:r>
+              <a:rPr lang="en-US" altLang="zh-CN" sz="1600" b="0" i="0">
+                <a:solidFill>
+                  <a:srgbClr val="000000"/>
+                </a:solidFill>
+                <a:latin typeface="微软雅黑" panose="020B0503020204020204" charset="-122"/>
+                <a:ea typeface="微软雅黑" panose="020B0503020204020204" charset="-122"/>
+              </a:rPr>
+              <a:t>2.LLM</a:t>
+            </a:r>
+            <a:endParaRPr lang="en-US" altLang="zh-CN" sz="1600" b="0" i="0">
+              <a:solidFill>
+                <a:srgbClr val="000000"/>
+              </a:solidFill>
+              <a:latin typeface="微软雅黑" panose="020B0503020204020204" charset="-122"/>
+              <a:ea typeface="微软雅黑" panose="020B0503020204020204" charset="-122"/>
+            </a:endParaRPr>
+          </a:p>
+          <a:p>
+            <a:pPr marL="0" indent="457200" algn="just"/>
+            <a:r>
+              <a:rPr lang="en-US" altLang="zh-CN" sz="1600" b="0" i="0">
+                <a:solidFill>
+                  <a:srgbClr val="000000"/>
+                </a:solidFill>
+                <a:latin typeface="微软雅黑" panose="020B0503020204020204" charset="-122"/>
+                <a:ea typeface="微软雅黑" panose="020B0503020204020204" charset="-122"/>
+              </a:rPr>
+              <a:t>3.</a:t>
+            </a:r>
+            <a:r>
+              <a:rPr lang="zh-CN" altLang="en-US" sz="1600" b="0" i="0">
+                <a:solidFill>
+                  <a:srgbClr val="000000"/>
+                </a:solidFill>
+                <a:latin typeface="微软雅黑" panose="020B0503020204020204" charset="-122"/>
+                <a:ea typeface="微软雅黑" panose="020B0503020204020204" charset="-122"/>
+              </a:rPr>
+              <a:t>模型微调，剪枝，模型量化（目前我正在主要学习的）</a:t>
+            </a:r>
+            <a:endParaRPr lang="en-US" altLang="zh-CN" sz="1600" b="0" i="0">
+              <a:solidFill>
+                <a:srgbClr val="000000"/>
+              </a:solidFill>
+              <a:latin typeface="微软雅黑" panose="020B0503020204020204" charset="-122"/>
+              <a:ea typeface="微软雅黑" panose="020B0503020204020204" charset="-122"/>
+            </a:endParaRPr>
+          </a:p>
+          <a:p>
+            <a:pPr marL="0" indent="457200" algn="just"/>
+            <a:r>
+              <a:rPr lang="en-US" altLang="zh-CN" sz="1600" b="0" i="0">
+                <a:solidFill>
+                  <a:srgbClr val="000000"/>
+                </a:solidFill>
+                <a:latin typeface="微软雅黑" panose="020B0503020204020204" charset="-122"/>
+                <a:ea typeface="微软雅黑" panose="020B0503020204020204" charset="-122"/>
+              </a:rPr>
+              <a:t>4.SLM</a:t>
+            </a:r>
+            <a:r>
+              <a:rPr lang="zh-CN" altLang="en-US" sz="1600" b="0" i="0">
+                <a:solidFill>
+                  <a:srgbClr val="000000"/>
+                </a:solidFill>
+                <a:latin typeface="微软雅黑" panose="020B0503020204020204" charset="-122"/>
+                <a:ea typeface="微软雅黑" panose="020B0503020204020204" charset="-122"/>
+              </a:rPr>
+              <a:t>，</a:t>
+            </a:r>
+            <a:r>
+              <a:rPr lang="en-US" altLang="zh-CN" sz="1600" b="0" i="0">
+                <a:solidFill>
+                  <a:srgbClr val="000000"/>
+                </a:solidFill>
+                <a:latin typeface="微软雅黑" panose="020B0503020204020204" charset="-122"/>
+                <a:ea typeface="微软雅黑" panose="020B0503020204020204" charset="-122"/>
+              </a:rPr>
+              <a:t>VLM</a:t>
+            </a:r>
+            <a:endParaRPr lang="en-US" altLang="zh-CN" sz="1600" b="0" i="0">
+              <a:solidFill>
+                <a:srgbClr val="000000"/>
+              </a:solidFill>
+              <a:latin typeface="微软雅黑" panose="020B0503020204020204" charset="-122"/>
+              <a:ea typeface="微软雅黑" panose="020B0503020204020204" charset="-122"/>
+            </a:endParaRPr>
+          </a:p>
+          <a:p>
+            <a:pPr marL="0" indent="457200" algn="just"/>
+            <a:endParaRPr lang="zh-CN" altLang="en-US" sz="1600" b="0" i="0">
+              <a:solidFill>
+                <a:srgbClr val="000000"/>
+              </a:solidFill>
+              <a:latin typeface="微软雅黑" panose="020B0503020204020204" charset="-122"/>
+              <a:ea typeface="微软雅黑" panose="020B0503020204020204" charset="-122"/>
+            </a:endParaRPr>
+          </a:p>
+          <a:p>
+            <a:pPr marL="0" lvl="0" indent="0" algn="just">
+              <a:buNone/>
+            </a:pPr>
+            <a:r>
+              <a:rPr lang="zh-CN" altLang="en-US" sz="1600" b="0" i="0">
+                <a:solidFill>
+                  <a:srgbClr val="000000"/>
+                </a:solidFill>
+                <a:latin typeface="微软雅黑" panose="020B0503020204020204" charset="-122"/>
+                <a:ea typeface="微软雅黑" panose="020B0503020204020204" charset="-122"/>
+              </a:rPr>
+              <a:t>动手实践：</a:t>
+            </a:r>
+            <a:endParaRPr lang="zh-CN" altLang="en-US" sz="1600" b="0" i="0">
+              <a:solidFill>
+                <a:srgbClr val="000000"/>
+              </a:solidFill>
+              <a:latin typeface="微软雅黑" panose="020B0503020204020204" charset="-122"/>
+              <a:ea typeface="微软雅黑" panose="020B0503020204020204" charset="-122"/>
+            </a:endParaRPr>
+          </a:p>
+          <a:p>
+            <a:pPr marL="0" lvl="0" indent="457200" algn="just">
+              <a:buNone/>
+            </a:pPr>
+            <a:r>
+              <a:rPr lang="en-US" altLang="zh-CN" sz="1600" b="0" i="0">
+                <a:solidFill>
+                  <a:srgbClr val="000000"/>
+                </a:solidFill>
+                <a:latin typeface="微软雅黑" panose="020B0503020204020204" charset="-122"/>
+                <a:ea typeface="微软雅黑" panose="020B0503020204020204" charset="-122"/>
+              </a:rPr>
+              <a:t>1.</a:t>
+            </a:r>
+            <a:r>
+              <a:rPr lang="zh-CN" altLang="en-US" sz="1600" b="0" i="0">
+                <a:solidFill>
+                  <a:srgbClr val="000000"/>
+                </a:solidFill>
+                <a:latin typeface="微软雅黑" panose="020B0503020204020204" charset="-122"/>
+                <a:ea typeface="微软雅黑" panose="020B0503020204020204" charset="-122"/>
+              </a:rPr>
+              <a:t>前置知识的实践（已经跟着一些比如李沐老师的动手深度学习等敲过一些）</a:t>
+            </a:r>
+            <a:endParaRPr lang="zh-CN" altLang="en-US" sz="1600" b="0" i="0">
+              <a:solidFill>
+                <a:srgbClr val="000000"/>
+              </a:solidFill>
+              <a:latin typeface="微软雅黑" panose="020B0503020204020204" charset="-122"/>
+              <a:ea typeface="微软雅黑" panose="020B0503020204020204" charset="-122"/>
+            </a:endParaRPr>
+          </a:p>
+          <a:p>
+            <a:pPr marL="0" lvl="0" indent="457200" algn="just">
+              <a:buNone/>
+            </a:pPr>
+            <a:r>
+              <a:rPr lang="en-US" altLang="zh-CN" sz="1600" b="0" i="0">
+                <a:solidFill>
+                  <a:srgbClr val="000000"/>
+                </a:solidFill>
+                <a:latin typeface="微软雅黑" panose="020B0503020204020204" charset="-122"/>
+                <a:ea typeface="微软雅黑" panose="020B0503020204020204" charset="-122"/>
+              </a:rPr>
+              <a:t>2.</a:t>
+            </a:r>
+            <a:r>
+              <a:rPr lang="zh-CN" altLang="en-US" sz="1600" b="0" i="0">
+                <a:solidFill>
+                  <a:srgbClr val="000000"/>
+                </a:solidFill>
+                <a:latin typeface="微软雅黑" panose="020B0503020204020204" charset="-122"/>
+                <a:ea typeface="微软雅黑" panose="020B0503020204020204" charset="-122"/>
+              </a:rPr>
+              <a:t>自己实践一次模型的微调对齐（目前正在尝试的）</a:t>
+            </a:r>
+            <a:endParaRPr lang="zh-CN" altLang="en-US" sz="1600" b="0" i="0">
+              <a:solidFill>
+                <a:srgbClr val="000000"/>
+              </a:solidFill>
+              <a:latin typeface="微软雅黑" panose="020B0503020204020204" charset="-122"/>
+              <a:ea typeface="微软雅黑" panose="020B0503020204020204" charset="-122"/>
+            </a:endParaRPr>
+          </a:p>
+          <a:p>
+            <a:pPr marL="0" lvl="0" indent="457200" algn="just">
+              <a:buNone/>
+            </a:pPr>
+            <a:r>
+              <a:rPr lang="en-US" altLang="zh-CN" sz="1600" b="0" i="0">
+                <a:solidFill>
+                  <a:srgbClr val="000000"/>
+                </a:solidFill>
+                <a:latin typeface="微软雅黑" panose="020B0503020204020204" charset="-122"/>
+                <a:ea typeface="微软雅黑" panose="020B0503020204020204" charset="-122"/>
+              </a:rPr>
+              <a:t>3.</a:t>
+            </a:r>
+            <a:r>
+              <a:rPr lang="zh-CN" altLang="en-US" sz="1600" b="0" i="0">
+                <a:solidFill>
+                  <a:srgbClr val="000000"/>
+                </a:solidFill>
+                <a:latin typeface="微软雅黑" panose="020B0503020204020204" charset="-122"/>
+                <a:ea typeface="微软雅黑" panose="020B0503020204020204" charset="-122"/>
+              </a:rPr>
+              <a:t>尝试自己把一个原有模型迁移到其他任务</a:t>
+            </a:r>
+            <a:endParaRPr lang="zh-CN" altLang="en-US" sz="1600" b="0" i="0">
+              <a:solidFill>
+                <a:srgbClr val="000000"/>
+              </a:solidFill>
+              <a:latin typeface="微软雅黑" panose="020B0503020204020204" charset="-122"/>
+              <a:ea typeface="微软雅黑" panose="020B0503020204020204" charset="-122"/>
+            </a:endParaRPr>
+          </a:p>
+          <a:p>
+            <a:pPr marL="0" lvl="0" indent="457200" algn="just">
+              <a:buNone/>
+            </a:pPr>
+            <a:r>
+              <a:rPr lang="en-US" altLang="zh-CN" sz="1600" b="0" i="0">
+                <a:solidFill>
+                  <a:srgbClr val="000000"/>
+                </a:solidFill>
+                <a:latin typeface="微软雅黑" panose="020B0503020204020204" charset="-122"/>
+                <a:ea typeface="微软雅黑" panose="020B0503020204020204" charset="-122"/>
+              </a:rPr>
+              <a:t>4.</a:t>
+            </a:r>
+            <a:r>
+              <a:rPr lang="zh-CN" altLang="en-US" sz="1600" b="0" i="0">
+                <a:solidFill>
+                  <a:srgbClr val="000000"/>
+                </a:solidFill>
+                <a:latin typeface="微软雅黑" panose="020B0503020204020204" charset="-122"/>
+                <a:ea typeface="微软雅黑" panose="020B0503020204020204" charset="-122"/>
+              </a:rPr>
+              <a:t>实践一次模型量化</a:t>
+            </a:r>
+            <a:endParaRPr lang="zh-CN" altLang="en-US" sz="1600" b="0" i="0">
+              <a:solidFill>
+                <a:srgbClr val="000000"/>
+              </a:solidFill>
+              <a:latin typeface="微软雅黑" panose="020B0503020204020204" charset="-122"/>
+              <a:ea typeface="微软雅黑" panose="020B0503020204020204" charset="-122"/>
+            </a:endParaRPr>
+          </a:p>
+          <a:p>
+            <a:pPr marL="0" indent="0" algn="just"/>
+            <a:endParaRPr lang="zh-CN" altLang="en-US" sz="1600" b="0" i="0">
+              <a:solidFill>
+                <a:srgbClr val="000000"/>
+              </a:solidFill>
+              <a:latin typeface="微软雅黑" panose="020B0503020204020204" charset="-122"/>
+              <a:ea typeface="微软雅黑" panose="020B0503020204020204" charset="-122"/>
+            </a:endParaRPr>
+          </a:p>
+        </p:txBody>
+      </p:sp>
+    </p:spTree>
+  </p:cSld>
+  <p:clrMapOvr>
+    <a:masterClrMapping/>
+  </p:clrMapOvr>
+</p:sld>
+</file>
+
+<file path=ppt/slides/slide16.xml><?xml version="1.0" encoding="utf-8"?>
+<p:sld xmlns:a="http://schemas.openxmlformats.org/drawingml/2006/main" xmlns:r="http://schemas.openxmlformats.org/officeDocument/2006/relationships" xmlns:p="http://schemas.openxmlformats.org/presentationml/2006/main">
+  <p:cSld>
+    <p:spTree>
+      <p:nvGrpSpPr>
+        <p:cNvPr id="1" name=""/>
+        <p:cNvGrpSpPr/>
+        <p:nvPr/>
+      </p:nvGrpSpPr>
+      <p:grpSpPr>
+        <a:xfrm>
+          <a:off x="0" y="0"/>
+          <a:ext cx="0" cy="0"/>
+          <a:chOff x="0" y="0"/>
+          <a:chExt cx="0" cy="0"/>
+        </a:xfrm>
+      </p:grpSpPr>
+      <p:sp>
+        <p:nvSpPr>
+          <p:cNvPr id="13" name="文本框 12"/>
+          <p:cNvSpPr txBox="1"/>
+          <p:nvPr/>
+        </p:nvSpPr>
+        <p:spPr>
+          <a:xfrm>
+            <a:off x="106466" y="601786"/>
+            <a:ext cx="1287780" cy="398780"/>
+          </a:xfrm>
+          <a:prstGeom prst="rect">
+            <a:avLst/>
+          </a:prstGeom>
+          <a:noFill/>
+        </p:spPr>
+        <p:txBody>
+          <a:bodyPr wrap="none" rtlCol="0">
+            <a:spAutoFit/>
+          </a:bodyPr>
+          <a:lstStyle/>
+          <a:p>
+            <a:pPr marL="342900" indent="-342900">
+              <a:buFont typeface="Wingdings" panose="05000000000000000000" charset="0"/>
+              <a:buChar char="n"/>
+            </a:pPr>
+            <a:r>
+              <a:rPr lang="zh-CN" altLang="en-US" sz="2000" b="1" dirty="0">
+                <a:latin typeface="微软雅黑" panose="020B0503020204020204" charset="-122"/>
+                <a:ea typeface="微软雅黑" panose="020B0503020204020204" charset="-122"/>
+              </a:rPr>
+              <a:t>下一周</a:t>
+            </a:r>
+            <a:endParaRPr lang="zh-CN" altLang="en-US" sz="2000" b="1" dirty="0">
+              <a:latin typeface="微软雅黑" panose="020B0503020204020204" charset="-122"/>
+              <a:ea typeface="微软雅黑" panose="020B0503020204020204" charset="-122"/>
+            </a:endParaRPr>
+          </a:p>
+        </p:txBody>
+      </p:sp>
+      <p:sp>
+        <p:nvSpPr>
+          <p:cNvPr id="6" name="矩形 5"/>
+          <p:cNvSpPr/>
+          <p:nvPr>
+            <p:custDataLst>
+              <p:tags r:id="rId1"/>
+            </p:custDataLst>
+          </p:nvPr>
+        </p:nvSpPr>
+        <p:spPr>
+          <a:xfrm>
+            <a:off x="-6350" y="0"/>
+            <a:ext cx="12198350" cy="540000"/>
+          </a:xfrm>
+          <a:prstGeom prst="rect">
+            <a:avLst/>
+          </a:prstGeom>
+          <a:solidFill>
+            <a:srgbClr val="A099CB"/>
+          </a:solidFill>
+          <a:ln>
+            <a:noFill/>
+          </a:ln>
+        </p:spPr>
+        <p:style>
+          <a:lnRef idx="2">
+            <a:schemeClr val="accent1">
+              <a:shade val="50000"/>
+            </a:schemeClr>
+          </a:lnRef>
+          <a:fillRef idx="1">
+            <a:schemeClr val="accent1"/>
+          </a:fillRef>
+          <a:effectRef idx="0">
+            <a:schemeClr val="accent1"/>
+          </a:effectRef>
+          <a:fontRef idx="minor">
+            <a:schemeClr val="lt1"/>
+          </a:fontRef>
+        </p:style>
+        <p:txBody>
+          <a:bodyPr rtlCol="0" anchor="ctr"/>
+          <a:p>
+            <a:pPr marL="0" marR="0" lvl="0" indent="0" algn="ctr" defTabSz="914400" rtl="0" eaLnBrk="1" fontAlgn="auto" latinLnBrk="0" hangingPunct="1">
+              <a:lnSpc>
+                <a:spcPct val="100000"/>
+              </a:lnSpc>
+              <a:spcBef>
+                <a:spcPts val="0"/>
+              </a:spcBef>
+              <a:spcAft>
+                <a:spcPts val="0"/>
+              </a:spcAft>
+              <a:buClrTx/>
+              <a:buSzTx/>
+              <a:buFontTx/>
+              <a:buNone/>
+              <a:defRPr/>
+            </a:pPr>
+            <a:r>
+              <a:rPr lang="en-US" altLang="zh-CN" dirty="0">
+                <a:effectLst/>
+                <a:latin typeface="微软雅黑" panose="020B0503020204020204" charset="-122"/>
+                <a:ea typeface="微软雅黑" panose="020B0503020204020204" charset="-122"/>
+                <a:sym typeface="+mn-ea"/>
+              </a:rPr>
+              <a:t>4.</a:t>
+            </a:r>
+            <a:r>
+              <a:rPr lang="zh-CN" altLang="en-US" dirty="0">
+                <a:effectLst/>
+                <a:latin typeface="微软雅黑" panose="020B0503020204020204" charset="-122"/>
+                <a:ea typeface="微软雅黑" panose="020B0503020204020204" charset="-122"/>
+                <a:sym typeface="+mn-ea"/>
+              </a:rPr>
+              <a:t>计划</a:t>
+            </a:r>
+            <a:endParaRPr lang="zh-CN" altLang="en-US" dirty="0">
+              <a:effectLst/>
+              <a:latin typeface="微软雅黑" panose="020B0503020204020204" charset="-122"/>
+              <a:ea typeface="微软雅黑" panose="020B0503020204020204" charset="-122"/>
+              <a:sym typeface="+mn-ea"/>
+            </a:endParaRPr>
+          </a:p>
+        </p:txBody>
+      </p:sp>
+      <p:sp>
+        <p:nvSpPr>
           <p:cNvPr id="7" name="文本框 6"/>
           <p:cNvSpPr txBox="1"/>
           <p:nvPr/>
@@ -6431,7 +7418,7 @@
 </p:sld>
 </file>
 
-<file path=ppt/slides/slide15.xml><?xml version="1.0" encoding="utf-8"?>
+<file path=ppt/slides/slide17.xml><?xml version="1.0" encoding="utf-8"?>
 <p:sld xmlns:a="http://schemas.openxmlformats.org/drawingml/2006/main" xmlns:r="http://schemas.openxmlformats.org/officeDocument/2006/relationships" xmlns:p="http://schemas.openxmlformats.org/presentationml/2006/main">
   <p:cSld>
     <p:spTree>
@@ -10561,6 +11548,30 @@
 </file>
 
 <file path=ppt/tags/tag30.xml><?xml version="1.0" encoding="utf-8"?>
+<p:tagLst xmlns:p="http://schemas.openxmlformats.org/presentationml/2006/main">
+  <p:tag name="KSO_WM_BEAUTIFY_FLAG" val=""/>
+</p:tagLst>
+</file>
+
+<file path=ppt/tags/tag31.xml><?xml version="1.0" encoding="utf-8"?>
+<p:tagLst xmlns:p="http://schemas.openxmlformats.org/presentationml/2006/main">
+  <p:tag name="KSO_WM_BEAUTIFY_FLAG" val=""/>
+</p:tagLst>
+</file>
+
+<file path=ppt/tags/tag32.xml><?xml version="1.0" encoding="utf-8"?>
+<p:tagLst xmlns:p="http://schemas.openxmlformats.org/presentationml/2006/main">
+  <p:tag name="KSO_WM_BEAUTIFY_FLAG" val=""/>
+</p:tagLst>
+</file>
+
+<file path=ppt/tags/tag33.xml><?xml version="1.0" encoding="utf-8"?>
+<p:tagLst xmlns:p="http://schemas.openxmlformats.org/presentationml/2006/main">
+  <p:tag name="KSO_WM_BEAUTIFY_FLAG" val=""/>
+</p:tagLst>
+</file>
+
+<file path=ppt/tags/tag34.xml><?xml version="1.0" encoding="utf-8"?>
 <p:tagLst xmlns:p="http://schemas.openxmlformats.org/presentationml/2006/main">
   <p:tag name="KSO_WPP_MARK_KEY" val="c7925d13-95db-4618-ac98-c22196edd7f9"/>
   <p:tag name="COMMONDATA" val="eyJoZGlkIjoiZTg3MzIzMDhlODgyZTlkYzQ0OWY3ZDI2YzlhMjBjMGIifQ=="/>

--- a/0.组会记录/2024-11-14/report-2024-11-14.pptx
+++ b/0.组会记录/2024-11-14/report-2024-11-14.pptx
@@ -21,15 +21,18 @@
     <p:sldId id="1498" r:id="rId14"/>
     <p:sldId id="1369" r:id="rId15"/>
     <p:sldId id="1499" r:id="rId16"/>
-    <p:sldId id="1430" r:id="rId17"/>
-    <p:sldId id="1432" r:id="rId18"/>
-    <p:sldId id="1491" r:id="rId19"/>
-    <p:sldId id="1356" r:id="rId20"/>
+    <p:sldId id="1500" r:id="rId17"/>
+    <p:sldId id="1501" r:id="rId18"/>
+    <p:sldId id="1502" r:id="rId19"/>
+    <p:sldId id="1430" r:id="rId20"/>
+    <p:sldId id="1432" r:id="rId21"/>
+    <p:sldId id="1491" r:id="rId22"/>
+    <p:sldId id="1356" r:id="rId23"/>
   </p:sldIdLst>
   <p:sldSz cx="12192000" cy="6858000"/>
   <p:notesSz cx="6858000" cy="9144000"/>
   <p:custDataLst>
-    <p:tags r:id="rId25"/>
+    <p:tags r:id="rId28"/>
   </p:custDataLst>
   <p:defaultTextStyle>
     <a:defPPr>
@@ -561,6 +564,240 @@
 </file>
 
 <file path=ppt/notesSlides/notesSlide10.xml><?xml version="1.0" encoding="utf-8"?>
+<p:notes xmlns:a="http://schemas.openxmlformats.org/drawingml/2006/main" xmlns:r="http://schemas.openxmlformats.org/officeDocument/2006/relationships" xmlns:p="http://schemas.openxmlformats.org/presentationml/2006/main">
+  <p:cSld>
+    <p:spTree>
+      <p:nvGrpSpPr>
+        <p:cNvPr id="1" name=""/>
+        <p:cNvGrpSpPr/>
+        <p:nvPr/>
+      </p:nvGrpSpPr>
+      <p:grpSpPr>
+        <a:xfrm>
+          <a:off x="0" y="0"/>
+          <a:ext cx="0" cy="0"/>
+          <a:chOff x="0" y="0"/>
+          <a:chExt cx="0" cy="0"/>
+        </a:xfrm>
+      </p:grpSpPr>
+      <p:sp>
+        <p:nvSpPr>
+          <p:cNvPr id="2" name="幻灯片图像占位符 1"/>
+          <p:cNvSpPr>
+            <a:spLocks noGrp="1" noRot="1" noChangeAspect="1"/>
+          </p:cNvSpPr>
+          <p:nvPr>
+            <p:ph type="sldImg"/>
+          </p:nvPr>
+        </p:nvSpPr>
+        <p:spPr/>
+      </p:sp>
+      <p:sp>
+        <p:nvSpPr>
+          <p:cNvPr id="3" name="备注占位符 2"/>
+          <p:cNvSpPr>
+            <a:spLocks noGrp="1"/>
+          </p:cNvSpPr>
+          <p:nvPr>
+            <p:ph type="body" idx="1"/>
+          </p:nvPr>
+        </p:nvSpPr>
+        <p:spPr/>
+        <p:txBody>
+          <a:bodyPr/>
+          <a:lstStyle/>
+          <a:p>
+            <a:endParaRPr lang="zh-CN" altLang="en-US" dirty="0"/>
+          </a:p>
+        </p:txBody>
+      </p:sp>
+      <p:sp>
+        <p:nvSpPr>
+          <p:cNvPr id="4" name="灯片编号占位符 3"/>
+          <p:cNvSpPr>
+            <a:spLocks noGrp="1"/>
+          </p:cNvSpPr>
+          <p:nvPr>
+            <p:ph type="sldNum" sz="quarter" idx="5"/>
+          </p:nvPr>
+        </p:nvSpPr>
+        <p:spPr/>
+        <p:txBody>
+          <a:bodyPr/>
+          <a:lstStyle/>
+          <a:p>
+            <a:fld id="{311DA921-5814-416C-A214-0F50BD081254}" type="slidenum">
+              <a:rPr lang="zh-CN" altLang="en-US" smtClean="0"/>
+            </a:fld>
+            <a:endParaRPr lang="zh-CN" altLang="en-US"/>
+          </a:p>
+        </p:txBody>
+      </p:sp>
+    </p:spTree>
+  </p:cSld>
+  <p:clrMapOvr>
+    <a:masterClrMapping/>
+  </p:clrMapOvr>
+</p:notes>
+</file>
+
+<file path=ppt/notesSlides/notesSlide11.xml><?xml version="1.0" encoding="utf-8"?>
+<p:notes xmlns:a="http://schemas.openxmlformats.org/drawingml/2006/main" xmlns:r="http://schemas.openxmlformats.org/officeDocument/2006/relationships" xmlns:p="http://schemas.openxmlformats.org/presentationml/2006/main">
+  <p:cSld>
+    <p:spTree>
+      <p:nvGrpSpPr>
+        <p:cNvPr id="1" name=""/>
+        <p:cNvGrpSpPr/>
+        <p:nvPr/>
+      </p:nvGrpSpPr>
+      <p:grpSpPr>
+        <a:xfrm>
+          <a:off x="0" y="0"/>
+          <a:ext cx="0" cy="0"/>
+          <a:chOff x="0" y="0"/>
+          <a:chExt cx="0" cy="0"/>
+        </a:xfrm>
+      </p:grpSpPr>
+      <p:sp>
+        <p:nvSpPr>
+          <p:cNvPr id="2" name="幻灯片图像占位符 1"/>
+          <p:cNvSpPr>
+            <a:spLocks noGrp="1" noRot="1" noChangeAspect="1"/>
+          </p:cNvSpPr>
+          <p:nvPr>
+            <p:ph type="sldImg"/>
+          </p:nvPr>
+        </p:nvSpPr>
+        <p:spPr/>
+      </p:sp>
+      <p:sp>
+        <p:nvSpPr>
+          <p:cNvPr id="3" name="备注占位符 2"/>
+          <p:cNvSpPr>
+            <a:spLocks noGrp="1"/>
+          </p:cNvSpPr>
+          <p:nvPr>
+            <p:ph type="body" idx="1"/>
+          </p:nvPr>
+        </p:nvSpPr>
+        <p:spPr/>
+        <p:txBody>
+          <a:bodyPr/>
+          <a:lstStyle/>
+          <a:p>
+            <a:endParaRPr lang="zh-CN" altLang="en-US" dirty="0"/>
+          </a:p>
+        </p:txBody>
+      </p:sp>
+      <p:sp>
+        <p:nvSpPr>
+          <p:cNvPr id="4" name="灯片编号占位符 3"/>
+          <p:cNvSpPr>
+            <a:spLocks noGrp="1"/>
+          </p:cNvSpPr>
+          <p:nvPr>
+            <p:ph type="sldNum" sz="quarter" idx="5"/>
+          </p:nvPr>
+        </p:nvSpPr>
+        <p:spPr/>
+        <p:txBody>
+          <a:bodyPr/>
+          <a:lstStyle/>
+          <a:p>
+            <a:fld id="{311DA921-5814-416C-A214-0F50BD081254}" type="slidenum">
+              <a:rPr lang="zh-CN" altLang="en-US" smtClean="0"/>
+            </a:fld>
+            <a:endParaRPr lang="zh-CN" altLang="en-US"/>
+          </a:p>
+        </p:txBody>
+      </p:sp>
+    </p:spTree>
+  </p:cSld>
+  <p:clrMapOvr>
+    <a:masterClrMapping/>
+  </p:clrMapOvr>
+</p:notes>
+</file>
+
+<file path=ppt/notesSlides/notesSlide12.xml><?xml version="1.0" encoding="utf-8"?>
+<p:notes xmlns:a="http://schemas.openxmlformats.org/drawingml/2006/main" xmlns:r="http://schemas.openxmlformats.org/officeDocument/2006/relationships" xmlns:p="http://schemas.openxmlformats.org/presentationml/2006/main">
+  <p:cSld>
+    <p:spTree>
+      <p:nvGrpSpPr>
+        <p:cNvPr id="1" name=""/>
+        <p:cNvGrpSpPr/>
+        <p:nvPr/>
+      </p:nvGrpSpPr>
+      <p:grpSpPr>
+        <a:xfrm>
+          <a:off x="0" y="0"/>
+          <a:ext cx="0" cy="0"/>
+          <a:chOff x="0" y="0"/>
+          <a:chExt cx="0" cy="0"/>
+        </a:xfrm>
+      </p:grpSpPr>
+      <p:sp>
+        <p:nvSpPr>
+          <p:cNvPr id="2" name="幻灯片图像占位符 1"/>
+          <p:cNvSpPr>
+            <a:spLocks noGrp="1" noRot="1" noChangeAspect="1"/>
+          </p:cNvSpPr>
+          <p:nvPr>
+            <p:ph type="sldImg"/>
+          </p:nvPr>
+        </p:nvSpPr>
+        <p:spPr/>
+      </p:sp>
+      <p:sp>
+        <p:nvSpPr>
+          <p:cNvPr id="3" name="备注占位符 2"/>
+          <p:cNvSpPr>
+            <a:spLocks noGrp="1"/>
+          </p:cNvSpPr>
+          <p:nvPr>
+            <p:ph type="body" idx="1"/>
+          </p:nvPr>
+        </p:nvSpPr>
+        <p:spPr/>
+        <p:txBody>
+          <a:bodyPr/>
+          <a:lstStyle/>
+          <a:p>
+            <a:endParaRPr lang="zh-CN" altLang="en-US" dirty="0"/>
+          </a:p>
+        </p:txBody>
+      </p:sp>
+      <p:sp>
+        <p:nvSpPr>
+          <p:cNvPr id="4" name="灯片编号占位符 3"/>
+          <p:cNvSpPr>
+            <a:spLocks noGrp="1"/>
+          </p:cNvSpPr>
+          <p:nvPr>
+            <p:ph type="sldNum" sz="quarter" idx="5"/>
+          </p:nvPr>
+        </p:nvSpPr>
+        <p:spPr/>
+        <p:txBody>
+          <a:bodyPr/>
+          <a:lstStyle/>
+          <a:p>
+            <a:fld id="{311DA921-5814-416C-A214-0F50BD081254}" type="slidenum">
+              <a:rPr lang="zh-CN" altLang="en-US" smtClean="0"/>
+            </a:fld>
+            <a:endParaRPr lang="zh-CN" altLang="en-US"/>
+          </a:p>
+        </p:txBody>
+      </p:sp>
+    </p:spTree>
+  </p:cSld>
+  <p:clrMapOvr>
+    <a:masterClrMapping/>
+  </p:clrMapOvr>
+</p:notes>
+</file>
+
+<file path=ppt/notesSlides/notesSlide13.xml><?xml version="1.0" encoding="utf-8"?>
 <p:notes xmlns:a="http://schemas.openxmlformats.org/drawingml/2006/main" xmlns:r="http://schemas.openxmlformats.org/officeDocument/2006/relationships" xmlns:p="http://schemas.openxmlformats.org/presentationml/2006/main">
   <p:cSld>
     <p:spTree>
@@ -6009,7 +6246,7 @@
         </p:nvSpPr>
         <p:spPr>
           <a:xfrm>
-            <a:off x="286385" y="4930775"/>
+            <a:off x="204470" y="1226820"/>
             <a:ext cx="11251565" cy="1423670"/>
           </a:xfrm>
           <a:prstGeom prst="rect">
@@ -6143,8 +6380,114 @@
               <a:ea typeface="微软雅黑" panose="020B0503020204020204" charset="-122"/>
             </a:endParaRPr>
           </a:p>
-        </p:txBody>
-      </p:sp>
+          <a:p>
+            <a:pPr marL="0" lvl="0" indent="457200">
+              <a:buNone/>
+            </a:pPr>
+            <a:r>
+              <a:rPr lang="zh-CN" altLang="en-US" sz="1600" dirty="0">
+                <a:solidFill>
+                  <a:schemeClr val="tx1"/>
+                </a:solidFill>
+                <a:latin typeface="微软雅黑" panose="020B0503020204020204" charset="-122"/>
+                <a:ea typeface="微软雅黑" panose="020B0503020204020204" charset="-122"/>
+              </a:rPr>
+              <a:t>先是证明了</a:t>
+            </a:r>
+            <a:r>
+              <a:rPr lang="en-US" altLang="zh-CN" sz="1600" dirty="0">
+                <a:solidFill>
+                  <a:schemeClr val="tx1"/>
+                </a:solidFill>
+                <a:latin typeface="微软雅黑" panose="020B0503020204020204" charset="-122"/>
+                <a:ea typeface="微软雅黑" panose="020B0503020204020204" charset="-122"/>
+              </a:rPr>
+              <a:t>FlashAttention</a:t>
+            </a:r>
+            <a:r>
+              <a:rPr lang="zh-CN" altLang="en-US" sz="1600" dirty="0">
+                <a:solidFill>
+                  <a:schemeClr val="tx1"/>
+                </a:solidFill>
+                <a:latin typeface="微软雅黑" panose="020B0503020204020204" charset="-122"/>
+                <a:ea typeface="微软雅黑" panose="020B0503020204020204" charset="-122"/>
+              </a:rPr>
+              <a:t>对于参数在</a:t>
+            </a:r>
+            <a:r>
+              <a:rPr lang="en-US" altLang="zh-CN" sz="1600" dirty="0">
+                <a:solidFill>
+                  <a:schemeClr val="tx1"/>
+                </a:solidFill>
+                <a:latin typeface="微软雅黑" panose="020B0503020204020204" charset="-122"/>
+                <a:ea typeface="微软雅黑" panose="020B0503020204020204" charset="-122"/>
+              </a:rPr>
+              <a:t>8B</a:t>
+            </a:r>
+            <a:r>
+              <a:rPr lang="zh-CN" altLang="en-US" sz="1600" dirty="0">
+                <a:solidFill>
+                  <a:schemeClr val="tx1"/>
+                </a:solidFill>
+                <a:latin typeface="微软雅黑" panose="020B0503020204020204" charset="-122"/>
+                <a:ea typeface="微软雅黑" panose="020B0503020204020204" charset="-122"/>
+              </a:rPr>
+              <a:t>以下的</a:t>
+            </a:r>
+            <a:r>
+              <a:rPr lang="en-US" altLang="zh-CN" sz="1600" dirty="0">
+                <a:solidFill>
+                  <a:schemeClr val="tx1"/>
+                </a:solidFill>
+                <a:latin typeface="微软雅黑" panose="020B0503020204020204" charset="-122"/>
+                <a:ea typeface="微软雅黑" panose="020B0503020204020204" charset="-122"/>
+              </a:rPr>
+              <a:t>SLM</a:t>
+            </a:r>
+            <a:r>
+              <a:rPr lang="zh-CN" altLang="en-US" sz="1600" dirty="0">
+                <a:solidFill>
+                  <a:schemeClr val="tx1"/>
+                </a:solidFill>
+                <a:latin typeface="微软雅黑" panose="020B0503020204020204" charset="-122"/>
+                <a:ea typeface="微软雅黑" panose="020B0503020204020204" charset="-122"/>
+              </a:rPr>
+              <a:t>更有成本效益（更好）</a:t>
+            </a:r>
+            <a:endParaRPr lang="zh-CN" altLang="en-US" sz="1600" dirty="0">
+              <a:solidFill>
+                <a:schemeClr val="tx1"/>
+              </a:solidFill>
+              <a:latin typeface="微软雅黑" panose="020B0503020204020204" charset="-122"/>
+              <a:ea typeface="微软雅黑" panose="020B0503020204020204" charset="-122"/>
+            </a:endParaRPr>
+          </a:p>
+        </p:txBody>
+      </p:sp>
+      <p:pic>
+        <p:nvPicPr>
+          <p:cNvPr id="4" name="图片 3"/>
+          <p:cNvPicPr>
+            <a:picLocks noChangeAspect="1"/>
+          </p:cNvPicPr>
+          <p:nvPr/>
+        </p:nvPicPr>
+        <p:blipFill>
+          <a:blip r:embed="rId2"/>
+          <a:stretch>
+            <a:fillRect/>
+          </a:stretch>
+        </p:blipFill>
+        <p:spPr>
+          <a:xfrm>
+            <a:off x="620395" y="2171065"/>
+            <a:ext cx="6724650" cy="2419350"/>
+          </a:xfrm>
+          <a:prstGeom prst="rect">
+            <a:avLst/>
+          </a:prstGeom>
+        </p:spPr>
+      </p:pic>
     </p:spTree>
   </p:cSld>
   <p:clrMapOvr>
@@ -6170,40 +6513,16 @@
           <a:chExt cx="0" cy="0"/>
         </a:xfrm>
       </p:grpSpPr>
-      <p:pic>
-        <p:nvPicPr>
-          <p:cNvPr id="4" name="图片 3" descr="1"/>
-          <p:cNvPicPr>
-            <a:picLocks noChangeAspect="1"/>
-          </p:cNvPicPr>
-          <p:nvPr/>
-        </p:nvPicPr>
-        <p:blipFill>
-          <a:blip r:embed="rId1"/>
-          <a:stretch>
-            <a:fillRect/>
-          </a:stretch>
-        </p:blipFill>
-        <p:spPr>
-          <a:xfrm>
-            <a:off x="4745355" y="-588645"/>
-            <a:ext cx="12060555" cy="8474075"/>
-          </a:xfrm>
-          <a:prstGeom prst="rect">
-            <a:avLst/>
-          </a:prstGeom>
-        </p:spPr>
-      </p:pic>
-      <p:sp>
-        <p:nvSpPr>
-          <p:cNvPr id="5" name="文本框 4"/>
+      <p:sp>
+        <p:nvSpPr>
+          <p:cNvPr id="13" name="文本框 12"/>
           <p:cNvSpPr txBox="1"/>
           <p:nvPr/>
         </p:nvSpPr>
         <p:spPr>
           <a:xfrm>
-            <a:off x="1038225" y="1470025"/>
-            <a:ext cx="2301875" cy="1861185"/>
+            <a:off x="106466" y="601786"/>
+            <a:ext cx="1033780" cy="398780"/>
           </a:xfrm>
           <a:prstGeom prst="rect">
             <a:avLst/>
@@ -6211,71 +6530,36 @@
           <a:noFill/>
         </p:spPr>
         <p:txBody>
-          <a:bodyPr wrap="square" rtlCol="0">
+          <a:bodyPr wrap="none" rtlCol="0">
             <a:spAutoFit/>
           </a:bodyPr>
           <a:lstStyle/>
           <a:p>
-            <a:pPr marL="0" marR="0" lvl="0" indent="0" algn="l" defTabSz="914400" rtl="0" eaLnBrk="1" fontAlgn="auto" latinLnBrk="0" hangingPunct="1">
-              <a:lnSpc>
-                <a:spcPct val="100000"/>
-              </a:lnSpc>
-              <a:spcBef>
-                <a:spcPts val="0"/>
-              </a:spcBef>
-              <a:spcAft>
-                <a:spcPts val="0"/>
-              </a:spcAft>
-              <a:buClrTx/>
-              <a:buSzTx/>
-              <a:buFontTx/>
-              <a:buNone/>
-              <a:defRPr/>
+            <a:pPr marL="342900" indent="-342900">
+              <a:buFont typeface="Wingdings" panose="05000000000000000000" charset="0"/>
+              <a:buChar char="n"/>
             </a:pPr>
             <a:r>
-              <a:rPr kumimoji="0" lang="en-US" altLang="zh-CN" sz="11500" b="0" i="0" u="none" strike="noStrike" kern="1200" cap="none" spc="0" normalizeH="0" baseline="0" noProof="0" dirty="0">
-                <a:ln>
-                  <a:solidFill>
-                    <a:srgbClr val="383987"/>
-                  </a:solidFill>
-                </a:ln>
-                <a:noFill/>
-                <a:effectLst/>
-                <a:uLnTx/>
-                <a:uFillTx/>
-                <a:latin typeface="Agency FB" panose="020B0503020202020204" pitchFamily="34" charset="0"/>
-                <a:ea typeface="宋体" panose="02010600030101010101" pitchFamily="2" charset="-122"/>
-                <a:cs typeface="+mn-cs"/>
-              </a:rPr>
-              <a:t>04</a:t>
-            </a:r>
-            <a:endParaRPr kumimoji="0" lang="en-US" altLang="zh-CN" sz="11500" b="0" i="0" u="none" strike="noStrike" kern="1200" cap="none" spc="0" normalizeH="0" baseline="0" noProof="0" dirty="0">
-              <a:ln>
-                <a:solidFill>
-                  <a:srgbClr val="383987"/>
-                </a:solidFill>
-              </a:ln>
-              <a:noFill/>
-              <a:effectLst/>
-              <a:uLnTx/>
-              <a:uFillTx/>
-              <a:latin typeface="Agency FB" panose="020B0503020202020204" pitchFamily="34" charset="0"/>
-              <a:ea typeface="宋体" panose="02010600030101010101" pitchFamily="2" charset="-122"/>
-              <a:cs typeface="+mn-cs"/>
-            </a:endParaRPr>
-          </a:p>
-        </p:txBody>
-      </p:sp>
-      <p:sp>
-        <p:nvSpPr>
-          <p:cNvPr id="6" name="文本框 5"/>
+              <a:rPr lang="zh-CN" altLang="en-US" sz="2000" b="1" dirty="0">
+                <a:latin typeface="微软雅黑" panose="020B0503020204020204" charset="-122"/>
+                <a:ea typeface="微软雅黑" panose="020B0503020204020204" charset="-122"/>
+              </a:rPr>
+              <a:t>概述</a:t>
+            </a:r>
+            <a:endParaRPr lang="zh-CN" altLang="en-US" sz="2000" b="1" dirty="0"/>
+          </a:p>
+        </p:txBody>
+      </p:sp>
+      <p:sp>
+        <p:nvSpPr>
+          <p:cNvPr id="7" name="文本框 6"/>
           <p:cNvSpPr txBox="1"/>
           <p:nvPr/>
         </p:nvSpPr>
         <p:spPr>
           <a:xfrm>
-            <a:off x="1265555" y="3049270"/>
-            <a:ext cx="11768455" cy="777240"/>
+            <a:off x="724535" y="1323340"/>
+            <a:ext cx="2247900" cy="410845"/>
           </a:xfrm>
           <a:prstGeom prst="rect">
             <a:avLst/>
@@ -6283,10 +6567,69 @@
           <a:noFill/>
         </p:spPr>
         <p:txBody>
-          <a:bodyPr wrap="square" rtlCol="0">
+          <a:bodyPr wrap="square">
             <a:noAutofit/>
           </a:bodyPr>
           <a:lstStyle/>
+          <a:p>
+            <a:pPr algn="l" fontAlgn="auto">
+              <a:lnSpc>
+                <a:spcPts val="2200"/>
+              </a:lnSpc>
+              <a:buClrTx/>
+              <a:buSzTx/>
+              <a:buNone/>
+            </a:pPr>
+            <a:endParaRPr lang="zh-CN" altLang="en-US" sz="1600" dirty="0">
+              <a:latin typeface="微软雅黑" panose="020B0503020204020204" charset="-122"/>
+              <a:ea typeface="微软雅黑" panose="020B0503020204020204" charset="-122"/>
+            </a:endParaRPr>
+          </a:p>
+        </p:txBody>
+      </p:sp>
+      <p:sp>
+        <p:nvSpPr>
+          <p:cNvPr id="3" name="矩形 2"/>
+          <p:cNvSpPr/>
+          <p:nvPr>
+            <p:custDataLst>
+              <p:tags r:id="rId1"/>
+            </p:custDataLst>
+          </p:nvPr>
+        </p:nvSpPr>
+        <p:spPr>
+          <a:xfrm>
+            <a:off x="-6350" y="0"/>
+            <a:ext cx="12198350" cy="540000"/>
+          </a:xfrm>
+          <a:prstGeom prst="rect">
+            <a:avLst/>
+          </a:prstGeom>
+          <a:solidFill>
+            <a:srgbClr val="A099CB"/>
+          </a:solidFill>
+          <a:ln>
+            <a:noFill/>
+          </a:ln>
+        </p:spPr>
+        <p:style>
+          <a:lnRef idx="2">
+            <a:schemeClr val="accent1">
+              <a:shade val="50000"/>
+            </a:schemeClr>
+          </a:lnRef>
+          <a:fillRef idx="1">
+            <a:schemeClr val="accent1"/>
+          </a:fillRef>
+          <a:effectRef idx="0">
+            <a:schemeClr val="accent1"/>
+          </a:effectRef>
+          <a:fontRef idx="minor">
+            <a:schemeClr val="lt1"/>
+          </a:fontRef>
+        </p:style>
+        <p:txBody>
+          <a:bodyPr rtlCol="0" anchor="ctr"/>
           <a:p>
             <a:pPr marL="0" marR="0" lvl="0" indent="0" algn="ctr" defTabSz="914400" rtl="0" eaLnBrk="1" fontAlgn="auto" latinLnBrk="0" hangingPunct="1">
               <a:lnSpc>
@@ -6305,27 +6648,166 @@
               <a:defRPr/>
             </a:pPr>
             <a:r>
-              <a:rPr lang="zh-CN" sz="3600" dirty="0">
-                <a:solidFill>
-                  <a:srgbClr val="383987"/>
-                </a:solidFill>
+              <a:rPr lang="en-US" altLang="zh-CN" sz="1800" dirty="0">
+                <a:effectLst/>
+                <a:latin typeface="微软雅黑" panose="020B0503020204020204" charset="-122"/>
+                <a:ea typeface="微软雅黑" panose="020B0503020204020204" charset="-122"/>
+              </a:rPr>
+              <a:t>3.</a:t>
+            </a:r>
+            <a:r>
+              <a:rPr lang="en-US" altLang="zh-CN" dirty="0">
+                <a:effectLst/>
+                <a:latin typeface="微软雅黑" panose="020B0503020204020204" charset="-122"/>
+                <a:ea typeface="微软雅黑" panose="020B0503020204020204" charset="-122"/>
+              </a:rPr>
+              <a:t>Comput</a:t>
+            </a:r>
+            <a:r>
+              <a:rPr lang="en-US" altLang="zh-CN" dirty="0">
+                <a:effectLst/>
                 <a:latin typeface="微软雅黑" panose="020B0503020204020204" charset="-122"/>
                 <a:ea typeface="微软雅黑" panose="020B0503020204020204" charset="-122"/>
                 <a:sym typeface="+mn-ea"/>
               </a:rPr>
-              <a:t>计划</a:t>
-            </a:r>
-            <a:endParaRPr lang="zh-CN" sz="3600" dirty="0">
+              <a:t>ational Bottlenecks of Training Small-scale Large Language Models</a:t>
+            </a:r>
+            <a:endParaRPr lang="en-US" altLang="zh-CN" dirty="0">
+              <a:effectLst/>
+              <a:latin typeface="微软雅黑" panose="020B0503020204020204" charset="-122"/>
+              <a:ea typeface="微软雅黑" panose="020B0503020204020204" charset="-122"/>
+            </a:endParaRPr>
+          </a:p>
+        </p:txBody>
+      </p:sp>
+      <p:sp>
+        <p:nvSpPr>
+          <p:cNvPr id="10" name="文本框 9"/>
+          <p:cNvSpPr txBox="1"/>
+          <p:nvPr/>
+        </p:nvSpPr>
+        <p:spPr>
+          <a:xfrm>
+            <a:off x="204470" y="1226820"/>
+            <a:ext cx="11251565" cy="1423670"/>
+          </a:xfrm>
+          <a:prstGeom prst="rect">
+            <a:avLst/>
+          </a:prstGeom>
+          <a:noFill/>
+        </p:spPr>
+        <p:txBody>
+          <a:bodyPr wrap="square" rtlCol="0">
+            <a:noAutofit/>
+          </a:bodyPr>
+          <a:p>
+            <a:pPr marL="0" lvl="0" indent="457200">
+              <a:buNone/>
+            </a:pPr>
+            <a:r>
+              <a:rPr lang="zh-CN" altLang="en-US" sz="1600" dirty="0">
+                <a:solidFill>
+                  <a:schemeClr val="tx1"/>
+                </a:solidFill>
+                <a:latin typeface="微软雅黑" panose="020B0503020204020204" charset="-122"/>
+                <a:ea typeface="微软雅黑" panose="020B0503020204020204" charset="-122"/>
+              </a:rPr>
+              <a:t>昂贵的硬件，如</a:t>
+            </a:r>
+            <a:r>
+              <a:rPr lang="en-US" altLang="zh-CN" sz="1600" dirty="0">
+                <a:solidFill>
+                  <a:schemeClr val="tx1"/>
+                </a:solidFill>
+                <a:latin typeface="微软雅黑" panose="020B0503020204020204" charset="-122"/>
+                <a:ea typeface="微软雅黑" panose="020B0503020204020204" charset="-122"/>
+              </a:rPr>
+              <a:t>H100-80GB</a:t>
+            </a:r>
+            <a:r>
+              <a:rPr lang="zh-CN" altLang="en-US" sz="1600" dirty="0">
+                <a:solidFill>
+                  <a:schemeClr val="tx1"/>
+                </a:solidFill>
+                <a:latin typeface="微软雅黑" panose="020B0503020204020204" charset="-122"/>
+                <a:ea typeface="微软雅黑" panose="020B0503020204020204" charset="-122"/>
+              </a:rPr>
+              <a:t>和</a:t>
+            </a:r>
+            <a:r>
+              <a:rPr lang="en-US" altLang="zh-CN" sz="1600" dirty="0">
+                <a:solidFill>
+                  <a:schemeClr val="tx1"/>
+                </a:solidFill>
+                <a:latin typeface="微软雅黑" panose="020B0503020204020204" charset="-122"/>
+                <a:ea typeface="微软雅黑" panose="020B0503020204020204" charset="-122"/>
+              </a:rPr>
+              <a:t>A100-80GB</a:t>
+            </a:r>
+            <a:r>
+              <a:rPr lang="zh-CN" altLang="en-US" sz="1600" dirty="0">
+                <a:solidFill>
+                  <a:schemeClr val="tx1"/>
+                </a:solidFill>
+                <a:latin typeface="微软雅黑" panose="020B0503020204020204" charset="-122"/>
+                <a:ea typeface="微软雅黑" panose="020B0503020204020204" charset="-122"/>
+              </a:rPr>
+              <a:t>，不一定对</a:t>
+            </a:r>
+            <a:r>
+              <a:rPr lang="en-US" altLang="zh-CN" sz="1600" dirty="0">
+                <a:solidFill>
+                  <a:schemeClr val="tx1"/>
+                </a:solidFill>
+                <a:latin typeface="微软雅黑" panose="020B0503020204020204" charset="-122"/>
+                <a:ea typeface="微软雅黑" panose="020B0503020204020204" charset="-122"/>
+              </a:rPr>
+              <a:t>SLM</a:t>
+            </a:r>
+            <a:r>
+              <a:rPr lang="zh-CN" altLang="en-US" sz="1600" dirty="0">
+                <a:solidFill>
+                  <a:schemeClr val="tx1"/>
+                </a:solidFill>
+                <a:latin typeface="微软雅黑" panose="020B0503020204020204" charset="-122"/>
+                <a:ea typeface="微软雅黑" panose="020B0503020204020204" charset="-122"/>
+              </a:rPr>
+              <a:t>训练具有成本效益</a:t>
+            </a:r>
+            <a:endParaRPr lang="zh-CN" altLang="en-US" sz="1600" dirty="0">
               <a:solidFill>
-                <a:srgbClr val="383987"/>
+                <a:schemeClr val="tx1"/>
               </a:solidFill>
               <a:latin typeface="微软雅黑" panose="020B0503020204020204" charset="-122"/>
               <a:ea typeface="微软雅黑" panose="020B0503020204020204" charset="-122"/>
-              <a:sym typeface="+mn-ea"/>
-            </a:endParaRPr>
-          </a:p>
-        </p:txBody>
-      </p:sp>
+            </a:endParaRPr>
+          </a:p>
+        </p:txBody>
+      </p:sp>
+      <p:pic>
+        <p:nvPicPr>
+          <p:cNvPr id="2" name="图片 1"/>
+          <p:cNvPicPr>
+            <a:picLocks noChangeAspect="1"/>
+          </p:cNvPicPr>
+          <p:nvPr/>
+        </p:nvPicPr>
+        <p:blipFill>
+          <a:blip r:embed="rId2"/>
+          <a:stretch>
+            <a:fillRect/>
+          </a:stretch>
+        </p:blipFill>
+        <p:spPr>
+          <a:xfrm>
+            <a:off x="593090" y="1895475"/>
+            <a:ext cx="9658350" cy="3067050"/>
+          </a:xfrm>
+          <a:prstGeom prst="rect">
+            <a:avLst/>
+          </a:prstGeom>
+        </p:spPr>
+      </p:pic>
     </p:spTree>
   </p:cSld>
   <p:clrMapOvr>
@@ -6360,7 +6842,7 @@
         <p:spPr>
           <a:xfrm>
             <a:off x="106466" y="601786"/>
-            <a:ext cx="1287780" cy="398780"/>
+            <a:ext cx="1033780" cy="398780"/>
           </a:xfrm>
           <a:prstGeom prst="rect">
             <a:avLst/>
@@ -6382,9 +6864,43 @@
                 <a:latin typeface="微软雅黑" panose="020B0503020204020204" charset="-122"/>
                 <a:ea typeface="微软雅黑" panose="020B0503020204020204" charset="-122"/>
               </a:rPr>
-              <a:t>下一周</a:t>
-            </a:r>
-            <a:endParaRPr lang="zh-CN" altLang="en-US" sz="2000" b="1" dirty="0">
+              <a:t>概述</a:t>
+            </a:r>
+            <a:endParaRPr lang="zh-CN" altLang="en-US" sz="2000" b="1" dirty="0"/>
+          </a:p>
+        </p:txBody>
+      </p:sp>
+      <p:sp>
+        <p:nvSpPr>
+          <p:cNvPr id="7" name="文本框 6"/>
+          <p:cNvSpPr txBox="1"/>
+          <p:nvPr/>
+        </p:nvSpPr>
+        <p:spPr>
+          <a:xfrm>
+            <a:off x="724535" y="1323340"/>
+            <a:ext cx="2247900" cy="410845"/>
+          </a:xfrm>
+          <a:prstGeom prst="rect">
+            <a:avLst/>
+          </a:prstGeom>
+          <a:noFill/>
+        </p:spPr>
+        <p:txBody>
+          <a:bodyPr wrap="square">
+            <a:noAutofit/>
+          </a:bodyPr>
+          <a:lstStyle/>
+          <a:p>
+            <a:pPr algn="l" fontAlgn="auto">
+              <a:lnSpc>
+                <a:spcPts val="2200"/>
+              </a:lnSpc>
+              <a:buClrTx/>
+              <a:buSzTx/>
+              <a:buNone/>
+            </a:pPr>
+            <a:endParaRPr lang="zh-CN" altLang="en-US" sz="1600" dirty="0">
               <a:latin typeface="微软雅黑" panose="020B0503020204020204" charset="-122"/>
               <a:ea typeface="微软雅黑" panose="020B0503020204020204" charset="-122"/>
             </a:endParaRPr>
@@ -6393,7 +6909,7 @@
       </p:sp>
       <p:sp>
         <p:nvSpPr>
-          <p:cNvPr id="6" name="矩形 5"/>
+          <p:cNvPr id="3" name="矩形 2"/>
           <p:cNvSpPr/>
           <p:nvPr>
             <p:custDataLst>
@@ -6452,46 +6968,48 @@
               <a:defRPr/>
             </a:pPr>
             <a:r>
+              <a:rPr lang="en-US" altLang="zh-CN" sz="1800" dirty="0">
+                <a:effectLst/>
+                <a:latin typeface="微软雅黑" panose="020B0503020204020204" charset="-122"/>
+                <a:ea typeface="微软雅黑" panose="020B0503020204020204" charset="-122"/>
+              </a:rPr>
+              <a:t>3.</a:t>
+            </a:r>
+            <a:r>
               <a:rPr lang="en-US" altLang="zh-CN" dirty="0">
                 <a:effectLst/>
                 <a:latin typeface="微软雅黑" panose="020B0503020204020204" charset="-122"/>
                 <a:ea typeface="微软雅黑" panose="020B0503020204020204" charset="-122"/>
+              </a:rPr>
+              <a:t>Comput</a:t>
+            </a:r>
+            <a:r>
+              <a:rPr lang="en-US" altLang="zh-CN" dirty="0">
+                <a:effectLst/>
+                <a:latin typeface="微软雅黑" panose="020B0503020204020204" charset="-122"/>
+                <a:ea typeface="微软雅黑" panose="020B0503020204020204" charset="-122"/>
                 <a:sym typeface="+mn-ea"/>
               </a:rPr>
-              <a:t>4.</a:t>
-            </a:r>
-            <a:r>
-              <a:rPr lang="zh-CN" altLang="en-US" dirty="0">
-                <a:effectLst/>
-                <a:latin typeface="微软雅黑" panose="020B0503020204020204" charset="-122"/>
-                <a:ea typeface="微软雅黑" panose="020B0503020204020204" charset="-122"/>
-                <a:sym typeface="+mn-ea"/>
-              </a:rPr>
-              <a:t>计划</a:t>
-            </a:r>
-            <a:endParaRPr lang="zh-CN" altLang="en-US" dirty="0">
+              <a:t>ational Bottlenecks of Training Small-scale Large Language Models</a:t>
+            </a:r>
+            <a:endParaRPr lang="en-US" altLang="zh-CN" dirty="0">
               <a:effectLst/>
               <a:latin typeface="微软雅黑" panose="020B0503020204020204" charset="-122"/>
               <a:ea typeface="微软雅黑" panose="020B0503020204020204" charset="-122"/>
-              <a:sym typeface="+mn-ea"/>
-            </a:endParaRPr>
-          </a:p>
-        </p:txBody>
-      </p:sp>
-      <p:sp>
-        <p:nvSpPr>
-          <p:cNvPr id="3" name="文本框 2"/>
+            </a:endParaRPr>
+          </a:p>
+        </p:txBody>
+      </p:sp>
+      <p:sp>
+        <p:nvSpPr>
+          <p:cNvPr id="10" name="文本框 9"/>
           <p:cNvSpPr txBox="1"/>
-          <p:nvPr>
-            <p:custDataLst>
-              <p:tags r:id="rId2"/>
-            </p:custDataLst>
-          </p:nvPr>
-        </p:nvSpPr>
-        <p:spPr>
-          <a:xfrm>
-            <a:off x="455295" y="1657350"/>
-            <a:ext cx="4956810" cy="506730"/>
+          <p:nvPr/>
+        </p:nvSpPr>
+        <p:spPr>
+          <a:xfrm>
+            <a:off x="204470" y="1226820"/>
+            <a:ext cx="11251565" cy="1423670"/>
           </a:xfrm>
           <a:prstGeom prst="rect">
             <a:avLst/>
@@ -6500,495 +7018,86 @@
         </p:spPr>
         <p:txBody>
           <a:bodyPr wrap="square" rtlCol="0">
-            <a:spAutoFit/>
+            <a:noAutofit/>
           </a:bodyPr>
           <a:p>
-            <a:pPr marL="285750" indent="-285750">
-              <a:lnSpc>
-                <a:spcPct val="150000"/>
-              </a:lnSpc>
-              <a:buFont typeface="Wingdings" panose="05000000000000000000" charset="0"/>
-              <a:buChar char="p"/>
+            <a:pPr marL="0" lvl="0" indent="457200">
+              <a:buNone/>
             </a:pPr>
             <a:r>
-              <a:rPr lang="zh-CN" altLang="en-US" b="1" dirty="0">
-                <a:latin typeface="微软雅黑" panose="020B0503020204020204" charset="-122"/>
-                <a:ea typeface="微软雅黑" panose="020B0503020204020204" charset="-122"/>
-              </a:rPr>
-              <a:t>继续读大模型</a:t>
-            </a:r>
-            <a:r>
-              <a:rPr lang="en-US" altLang="zh-CN" b="1" dirty="0">
-                <a:latin typeface="微软雅黑" panose="020B0503020204020204" charset="-122"/>
-                <a:ea typeface="微软雅黑" panose="020B0503020204020204" charset="-122"/>
-              </a:rPr>
-              <a:t>guide</a:t>
-            </a:r>
-            <a:r>
-              <a:rPr lang="zh-CN" altLang="en-US" b="1" dirty="0">
-                <a:latin typeface="微软雅黑" panose="020B0503020204020204" charset="-122"/>
-                <a:ea typeface="微软雅黑" panose="020B0503020204020204" charset="-122"/>
-              </a:rPr>
-              <a:t>的论文推荐：</a:t>
-            </a:r>
-            <a:endParaRPr lang="en-US" altLang="zh-CN" b="1" dirty="0">
+              <a:rPr lang="en-US" altLang="zh-CN" sz="1600" dirty="0">
+                <a:solidFill>
+                  <a:schemeClr val="tx1"/>
+                </a:solidFill>
+                <a:latin typeface="微软雅黑" panose="020B0503020204020204" charset="-122"/>
+                <a:ea typeface="微软雅黑" panose="020B0503020204020204" charset="-122"/>
+              </a:rPr>
+              <a:t>DDP</a:t>
+            </a:r>
+            <a:r>
+              <a:rPr lang="zh-CN" altLang="en-US" sz="1600" dirty="0">
+                <a:solidFill>
+                  <a:schemeClr val="tx1"/>
+                </a:solidFill>
+                <a:latin typeface="微软雅黑" panose="020B0503020204020204" charset="-122"/>
+                <a:ea typeface="微软雅黑" panose="020B0503020204020204" charset="-122"/>
+              </a:rPr>
+              <a:t>是</a:t>
+            </a:r>
+            <a:r>
+              <a:rPr lang="en-US" altLang="zh-CN" sz="1600" dirty="0">
+                <a:solidFill>
+                  <a:schemeClr val="tx1"/>
+                </a:solidFill>
+                <a:latin typeface="微软雅黑" panose="020B0503020204020204" charset="-122"/>
+                <a:ea typeface="微软雅黑" panose="020B0503020204020204" charset="-122"/>
+              </a:rPr>
+              <a:t>SLMs</a:t>
+            </a:r>
+            <a:r>
+              <a:rPr lang="zh-CN" altLang="en-US" sz="1600" dirty="0">
+                <a:solidFill>
+                  <a:schemeClr val="tx1"/>
+                </a:solidFill>
+                <a:latin typeface="微软雅黑" panose="020B0503020204020204" charset="-122"/>
+                <a:ea typeface="微软雅黑" panose="020B0503020204020204" charset="-122"/>
+              </a:rPr>
+              <a:t>最佳的分布式训练方案</a:t>
+            </a:r>
+            <a:endParaRPr lang="zh-CN" altLang="en-US" sz="1600" dirty="0">
+              <a:solidFill>
+                <a:schemeClr val="tx1"/>
+              </a:solidFill>
               <a:latin typeface="微软雅黑" panose="020B0503020204020204" charset="-122"/>
               <a:ea typeface="微软雅黑" panose="020B0503020204020204" charset="-122"/>
             </a:endParaRPr>
           </a:p>
         </p:txBody>
       </p:sp>
-      <p:sp>
-        <p:nvSpPr>
-          <p:cNvPr id="7" name="文本框 6"/>
-          <p:cNvSpPr txBox="1"/>
+      <p:pic>
+        <p:nvPicPr>
+          <p:cNvPr id="4" name="图片 3"/>
+          <p:cNvPicPr>
+            <a:picLocks noChangeAspect="1"/>
+          </p:cNvPicPr>
           <p:nvPr/>
-        </p:nvSpPr>
-        <p:spPr>
-          <a:xfrm>
-            <a:off x="911860" y="2178050"/>
-            <a:ext cx="8903970" cy="4523105"/>
+        </p:nvPicPr>
+        <p:blipFill>
+          <a:blip r:embed="rId2"/>
+          <a:stretch>
+            <a:fillRect/>
+          </a:stretch>
+        </p:blipFill>
+        <p:spPr>
+          <a:xfrm>
+            <a:off x="862965" y="1734185"/>
+            <a:ext cx="9429750" cy="3130550"/>
           </a:xfrm>
           <a:prstGeom prst="rect">
             <a:avLst/>
           </a:prstGeom>
         </p:spPr>
-        <p:txBody>
-          <a:bodyPr wrap="square">
-            <a:spAutoFit/>
-          </a:bodyPr>
-          <a:p>
-            <a:pPr marL="0" indent="0" algn="just"/>
-            <a:r>
-              <a:rPr lang="zh-CN" altLang="en-US" sz="1600" b="0" i="0">
-                <a:solidFill>
-                  <a:srgbClr val="000000"/>
-                </a:solidFill>
-                <a:latin typeface="微软雅黑" panose="020B0503020204020204" charset="-122"/>
-                <a:ea typeface="微软雅黑" panose="020B0503020204020204" charset="-122"/>
-              </a:rPr>
-              <a:t>继续补充大模型和微调的基础论文，少看视频，多看论文和博客。不懂的多查，感觉看视频十分低效</a:t>
-            </a:r>
-            <a:endParaRPr lang="zh-CN" altLang="en-US" sz="1600" b="0" i="0">
-              <a:solidFill>
-                <a:srgbClr val="000000"/>
-              </a:solidFill>
-              <a:latin typeface="微软雅黑" panose="020B0503020204020204" charset="-122"/>
-              <a:ea typeface="微软雅黑" panose="020B0503020204020204" charset="-122"/>
-            </a:endParaRPr>
-          </a:p>
-          <a:p>
-            <a:pPr marL="0" indent="0" algn="just"/>
-            <a:endParaRPr lang="zh-CN" altLang="en-US" sz="1600" b="0" i="0">
-              <a:solidFill>
-                <a:srgbClr val="000000"/>
-              </a:solidFill>
-              <a:latin typeface="微软雅黑" panose="020B0503020204020204" charset="-122"/>
-              <a:ea typeface="微软雅黑" panose="020B0503020204020204" charset="-122"/>
-            </a:endParaRPr>
-          </a:p>
-          <a:p>
-            <a:pPr marL="0" indent="0" algn="just"/>
-            <a:r>
-              <a:rPr lang="zh-CN" altLang="en-US" sz="1600" b="1" i="0">
-                <a:solidFill>
-                  <a:srgbClr val="000000"/>
-                </a:solidFill>
-                <a:latin typeface="微软雅黑" panose="020B0503020204020204" charset="-122"/>
-                <a:ea typeface="微软雅黑" panose="020B0503020204020204" charset="-122"/>
-              </a:rPr>
-              <a:t>现阶段的疑惑是</a:t>
-            </a:r>
-            <a:r>
-              <a:rPr lang="zh-CN" altLang="en-US" sz="1600" b="0" i="0">
-                <a:solidFill>
-                  <a:srgbClr val="000000"/>
-                </a:solidFill>
-                <a:latin typeface="微软雅黑" panose="020B0503020204020204" charset="-122"/>
-                <a:ea typeface="微软雅黑" panose="020B0503020204020204" charset="-122"/>
-              </a:rPr>
-              <a:t>：</a:t>
-            </a:r>
-            <a:endParaRPr lang="zh-CN" altLang="en-US" sz="1600" b="0" i="0">
-              <a:solidFill>
-                <a:srgbClr val="000000"/>
-              </a:solidFill>
-              <a:latin typeface="微软雅黑" panose="020B0503020204020204" charset="-122"/>
-              <a:ea typeface="微软雅黑" panose="020B0503020204020204" charset="-122"/>
-            </a:endParaRPr>
-          </a:p>
-          <a:p>
-            <a:pPr marL="0" indent="0" algn="just"/>
-            <a:r>
-              <a:rPr lang="zh-CN" altLang="en-US" sz="1600" b="0" i="0">
-                <a:solidFill>
-                  <a:srgbClr val="000000"/>
-                </a:solidFill>
-                <a:latin typeface="微软雅黑" panose="020B0503020204020204" charset="-122"/>
-                <a:ea typeface="微软雅黑" panose="020B0503020204020204" charset="-122"/>
-              </a:rPr>
-              <a:t>在和学长们的讨论后，对基础的补齐思路大致如下：</a:t>
-            </a:r>
-            <a:endParaRPr lang="zh-CN" altLang="en-US" sz="1600" b="0" i="0">
-              <a:solidFill>
-                <a:srgbClr val="000000"/>
-              </a:solidFill>
-              <a:latin typeface="微软雅黑" panose="020B0503020204020204" charset="-122"/>
-              <a:ea typeface="微软雅黑" panose="020B0503020204020204" charset="-122"/>
-            </a:endParaRPr>
-          </a:p>
-          <a:p>
-            <a:pPr marL="0" indent="0" algn="just"/>
-            <a:endParaRPr lang="zh-CN" altLang="en-US" sz="1600" b="0" i="0">
-              <a:solidFill>
-                <a:srgbClr val="000000"/>
-              </a:solidFill>
-              <a:latin typeface="微软雅黑" panose="020B0503020204020204" charset="-122"/>
-              <a:ea typeface="微软雅黑" panose="020B0503020204020204" charset="-122"/>
-            </a:endParaRPr>
-          </a:p>
-          <a:p>
-            <a:pPr marL="0" indent="0" algn="just"/>
-            <a:r>
-              <a:rPr lang="zh-CN" altLang="en-US" sz="1600" b="0" i="0">
-                <a:solidFill>
-                  <a:srgbClr val="000000"/>
-                </a:solidFill>
-                <a:latin typeface="微软雅黑" panose="020B0503020204020204" charset="-122"/>
-                <a:ea typeface="微软雅黑" panose="020B0503020204020204" charset="-122"/>
-              </a:rPr>
-              <a:t>理论知识：</a:t>
-            </a:r>
-            <a:endParaRPr lang="zh-CN" altLang="en-US" sz="1600" b="0" i="0">
-              <a:solidFill>
-                <a:srgbClr val="000000"/>
-              </a:solidFill>
-              <a:latin typeface="微软雅黑" panose="020B0503020204020204" charset="-122"/>
-              <a:ea typeface="微软雅黑" panose="020B0503020204020204" charset="-122"/>
-            </a:endParaRPr>
-          </a:p>
-          <a:p>
-            <a:pPr marL="0" indent="457200" algn="just"/>
-            <a:r>
-              <a:rPr lang="en-US" altLang="zh-CN" sz="1600" b="0" i="0">
-                <a:solidFill>
-                  <a:srgbClr val="000000"/>
-                </a:solidFill>
-                <a:latin typeface="微软雅黑" panose="020B0503020204020204" charset="-122"/>
-                <a:ea typeface="微软雅黑" panose="020B0503020204020204" charset="-122"/>
-              </a:rPr>
-              <a:t>1.</a:t>
-            </a:r>
-            <a:r>
-              <a:rPr lang="zh-CN" altLang="en-US" sz="1600" b="0" i="0">
-                <a:solidFill>
-                  <a:srgbClr val="000000"/>
-                </a:solidFill>
-                <a:latin typeface="微软雅黑" panose="020B0503020204020204" charset="-122"/>
-                <a:ea typeface="微软雅黑" panose="020B0503020204020204" charset="-122"/>
-              </a:rPr>
-              <a:t>前置的</a:t>
-            </a:r>
-            <a:r>
-              <a:rPr lang="en-US" altLang="zh-CN" sz="1600" b="0" i="0">
-                <a:solidFill>
-                  <a:srgbClr val="000000"/>
-                </a:solidFill>
-                <a:latin typeface="微软雅黑" panose="020B0503020204020204" charset="-122"/>
-                <a:ea typeface="微软雅黑" panose="020B0503020204020204" charset="-122"/>
-              </a:rPr>
-              <a:t>NLP</a:t>
-            </a:r>
-            <a:r>
-              <a:rPr lang="zh-CN" altLang="en-US" sz="1600" b="0" i="0">
-                <a:solidFill>
-                  <a:srgbClr val="000000"/>
-                </a:solidFill>
-                <a:latin typeface="微软雅黑" panose="020B0503020204020204" charset="-122"/>
-                <a:ea typeface="微软雅黑" panose="020B0503020204020204" charset="-122"/>
-              </a:rPr>
-              <a:t>，</a:t>
-            </a:r>
-            <a:r>
-              <a:rPr lang="en-US" altLang="zh-CN" sz="1600" b="0" i="0">
-                <a:solidFill>
-                  <a:srgbClr val="000000"/>
-                </a:solidFill>
-                <a:latin typeface="微软雅黑" panose="020B0503020204020204" charset="-122"/>
-                <a:ea typeface="微软雅黑" panose="020B0503020204020204" charset="-122"/>
-              </a:rPr>
-              <a:t>DL</a:t>
-            </a:r>
-            <a:endParaRPr lang="en-US" altLang="zh-CN" sz="1600" b="0" i="0">
-              <a:solidFill>
-                <a:srgbClr val="000000"/>
-              </a:solidFill>
-              <a:latin typeface="微软雅黑" panose="020B0503020204020204" charset="-122"/>
-              <a:ea typeface="微软雅黑" panose="020B0503020204020204" charset="-122"/>
-            </a:endParaRPr>
-          </a:p>
-          <a:p>
-            <a:pPr marL="0" indent="457200" algn="just"/>
-            <a:r>
-              <a:rPr lang="en-US" altLang="zh-CN" sz="1600" b="0" i="0">
-                <a:solidFill>
-                  <a:srgbClr val="000000"/>
-                </a:solidFill>
-                <a:latin typeface="微软雅黑" panose="020B0503020204020204" charset="-122"/>
-                <a:ea typeface="微软雅黑" panose="020B0503020204020204" charset="-122"/>
-              </a:rPr>
-              <a:t>2.LLM</a:t>
-            </a:r>
-            <a:endParaRPr lang="en-US" altLang="zh-CN" sz="1600" b="0" i="0">
-              <a:solidFill>
-                <a:srgbClr val="000000"/>
-              </a:solidFill>
-              <a:latin typeface="微软雅黑" panose="020B0503020204020204" charset="-122"/>
-              <a:ea typeface="微软雅黑" panose="020B0503020204020204" charset="-122"/>
-            </a:endParaRPr>
-          </a:p>
-          <a:p>
-            <a:pPr marL="0" indent="457200" algn="just"/>
-            <a:r>
-              <a:rPr lang="en-US" altLang="zh-CN" sz="1600" b="0" i="0">
-                <a:solidFill>
-                  <a:srgbClr val="000000"/>
-                </a:solidFill>
-                <a:latin typeface="微软雅黑" panose="020B0503020204020204" charset="-122"/>
-                <a:ea typeface="微软雅黑" panose="020B0503020204020204" charset="-122"/>
-              </a:rPr>
-              <a:t>3.</a:t>
-            </a:r>
-            <a:r>
-              <a:rPr lang="zh-CN" altLang="en-US" sz="1600" b="0" i="0">
-                <a:solidFill>
-                  <a:srgbClr val="000000"/>
-                </a:solidFill>
-                <a:latin typeface="微软雅黑" panose="020B0503020204020204" charset="-122"/>
-                <a:ea typeface="微软雅黑" panose="020B0503020204020204" charset="-122"/>
-              </a:rPr>
-              <a:t>模型微调，剪枝，模型量化（目前我正在主要学习的）</a:t>
-            </a:r>
-            <a:endParaRPr lang="en-US" altLang="zh-CN" sz="1600" b="0" i="0">
-              <a:solidFill>
-                <a:srgbClr val="000000"/>
-              </a:solidFill>
-              <a:latin typeface="微软雅黑" panose="020B0503020204020204" charset="-122"/>
-              <a:ea typeface="微软雅黑" panose="020B0503020204020204" charset="-122"/>
-            </a:endParaRPr>
-          </a:p>
-          <a:p>
-            <a:pPr marL="0" indent="457200" algn="just"/>
-            <a:r>
-              <a:rPr lang="en-US" altLang="zh-CN" sz="1600" b="0" i="0">
-                <a:solidFill>
-                  <a:srgbClr val="000000"/>
-                </a:solidFill>
-                <a:latin typeface="微软雅黑" panose="020B0503020204020204" charset="-122"/>
-                <a:ea typeface="微软雅黑" panose="020B0503020204020204" charset="-122"/>
-              </a:rPr>
-              <a:t>4.SLM</a:t>
-            </a:r>
-            <a:r>
-              <a:rPr lang="zh-CN" altLang="en-US" sz="1600" b="0" i="0">
-                <a:solidFill>
-                  <a:srgbClr val="000000"/>
-                </a:solidFill>
-                <a:latin typeface="微软雅黑" panose="020B0503020204020204" charset="-122"/>
-                <a:ea typeface="微软雅黑" panose="020B0503020204020204" charset="-122"/>
-              </a:rPr>
-              <a:t>，</a:t>
-            </a:r>
-            <a:r>
-              <a:rPr lang="en-US" altLang="zh-CN" sz="1600" b="0" i="0">
-                <a:solidFill>
-                  <a:srgbClr val="000000"/>
-                </a:solidFill>
-                <a:latin typeface="微软雅黑" panose="020B0503020204020204" charset="-122"/>
-                <a:ea typeface="微软雅黑" panose="020B0503020204020204" charset="-122"/>
-              </a:rPr>
-              <a:t>VLM</a:t>
-            </a:r>
-            <a:endParaRPr lang="en-US" altLang="zh-CN" sz="1600" b="0" i="0">
-              <a:solidFill>
-                <a:srgbClr val="000000"/>
-              </a:solidFill>
-              <a:latin typeface="微软雅黑" panose="020B0503020204020204" charset="-122"/>
-              <a:ea typeface="微软雅黑" panose="020B0503020204020204" charset="-122"/>
-            </a:endParaRPr>
-          </a:p>
-          <a:p>
-            <a:pPr marL="0" indent="457200" algn="just"/>
-            <a:endParaRPr lang="zh-CN" altLang="en-US" sz="1600" b="0" i="0">
-              <a:solidFill>
-                <a:srgbClr val="000000"/>
-              </a:solidFill>
-              <a:latin typeface="微软雅黑" panose="020B0503020204020204" charset="-122"/>
-              <a:ea typeface="微软雅黑" panose="020B0503020204020204" charset="-122"/>
-            </a:endParaRPr>
-          </a:p>
-          <a:p>
-            <a:pPr marL="0" lvl="0" indent="0" algn="just">
-              <a:buNone/>
-            </a:pPr>
-            <a:r>
-              <a:rPr lang="zh-CN" altLang="en-US" sz="1600" b="0" i="0">
-                <a:solidFill>
-                  <a:srgbClr val="000000"/>
-                </a:solidFill>
-                <a:latin typeface="微软雅黑" panose="020B0503020204020204" charset="-122"/>
-                <a:ea typeface="微软雅黑" panose="020B0503020204020204" charset="-122"/>
-              </a:rPr>
-              <a:t>动手实践：</a:t>
-            </a:r>
-            <a:endParaRPr lang="zh-CN" altLang="en-US" sz="1600" b="0" i="0">
-              <a:solidFill>
-                <a:srgbClr val="000000"/>
-              </a:solidFill>
-              <a:latin typeface="微软雅黑" panose="020B0503020204020204" charset="-122"/>
-              <a:ea typeface="微软雅黑" panose="020B0503020204020204" charset="-122"/>
-            </a:endParaRPr>
-          </a:p>
-          <a:p>
-            <a:pPr marL="0" lvl="0" indent="457200" algn="just">
-              <a:buNone/>
-            </a:pPr>
-            <a:r>
-              <a:rPr lang="en-US" altLang="zh-CN" sz="1600" b="0" i="0">
-                <a:solidFill>
-                  <a:srgbClr val="000000"/>
-                </a:solidFill>
-                <a:latin typeface="微软雅黑" panose="020B0503020204020204" charset="-122"/>
-                <a:ea typeface="微软雅黑" panose="020B0503020204020204" charset="-122"/>
-              </a:rPr>
-              <a:t>1.</a:t>
-            </a:r>
-            <a:r>
-              <a:rPr lang="zh-CN" altLang="en-US" sz="1600" b="0" i="0">
-                <a:solidFill>
-                  <a:srgbClr val="000000"/>
-                </a:solidFill>
-                <a:latin typeface="微软雅黑" panose="020B0503020204020204" charset="-122"/>
-                <a:ea typeface="微软雅黑" panose="020B0503020204020204" charset="-122"/>
-              </a:rPr>
-              <a:t>前置知识的实践（已经跟着一些比如李沐老师的动手深度学习等敲过一些）</a:t>
-            </a:r>
-            <a:endParaRPr lang="zh-CN" altLang="en-US" sz="1600" b="0" i="0">
-              <a:solidFill>
-                <a:srgbClr val="000000"/>
-              </a:solidFill>
-              <a:latin typeface="微软雅黑" panose="020B0503020204020204" charset="-122"/>
-              <a:ea typeface="微软雅黑" panose="020B0503020204020204" charset="-122"/>
-            </a:endParaRPr>
-          </a:p>
-          <a:p>
-            <a:pPr marL="0" lvl="0" indent="457200" algn="just">
-              <a:buNone/>
-            </a:pPr>
-            <a:r>
-              <a:rPr lang="en-US" altLang="zh-CN" sz="1600" b="0" i="0">
-                <a:solidFill>
-                  <a:srgbClr val="000000"/>
-                </a:solidFill>
-                <a:latin typeface="微软雅黑" panose="020B0503020204020204" charset="-122"/>
-                <a:ea typeface="微软雅黑" panose="020B0503020204020204" charset="-122"/>
-              </a:rPr>
-              <a:t>2.</a:t>
-            </a:r>
-            <a:r>
-              <a:rPr lang="zh-CN" altLang="en-US" sz="1600" b="0" i="0">
-                <a:solidFill>
-                  <a:srgbClr val="000000"/>
-                </a:solidFill>
-                <a:latin typeface="微软雅黑" panose="020B0503020204020204" charset="-122"/>
-                <a:ea typeface="微软雅黑" panose="020B0503020204020204" charset="-122"/>
-              </a:rPr>
-              <a:t>自己实践一次模型的微调对齐（目前正在尝试的）</a:t>
-            </a:r>
-            <a:endParaRPr lang="zh-CN" altLang="en-US" sz="1600" b="0" i="0">
-              <a:solidFill>
-                <a:srgbClr val="000000"/>
-              </a:solidFill>
-              <a:latin typeface="微软雅黑" panose="020B0503020204020204" charset="-122"/>
-              <a:ea typeface="微软雅黑" panose="020B0503020204020204" charset="-122"/>
-            </a:endParaRPr>
-          </a:p>
-          <a:p>
-            <a:pPr marL="0" lvl="0" indent="457200" algn="just">
-              <a:buNone/>
-            </a:pPr>
-            <a:r>
-              <a:rPr lang="en-US" altLang="zh-CN" sz="1600" b="0" i="0">
-                <a:solidFill>
-                  <a:srgbClr val="000000"/>
-                </a:solidFill>
-                <a:latin typeface="微软雅黑" panose="020B0503020204020204" charset="-122"/>
-                <a:ea typeface="微软雅黑" panose="020B0503020204020204" charset="-122"/>
-              </a:rPr>
-              <a:t>3.</a:t>
-            </a:r>
-            <a:r>
-              <a:rPr lang="zh-CN" altLang="en-US" sz="1600" b="0" i="0">
-                <a:solidFill>
-                  <a:srgbClr val="000000"/>
-                </a:solidFill>
-                <a:latin typeface="微软雅黑" panose="020B0503020204020204" charset="-122"/>
-                <a:ea typeface="微软雅黑" panose="020B0503020204020204" charset="-122"/>
-              </a:rPr>
-              <a:t>尝试自己把一个原有模型迁移到其他任务</a:t>
-            </a:r>
-            <a:endParaRPr lang="zh-CN" altLang="en-US" sz="1600" b="0" i="0">
-              <a:solidFill>
-                <a:srgbClr val="000000"/>
-              </a:solidFill>
-              <a:latin typeface="微软雅黑" panose="020B0503020204020204" charset="-122"/>
-              <a:ea typeface="微软雅黑" panose="020B0503020204020204" charset="-122"/>
-            </a:endParaRPr>
-          </a:p>
-          <a:p>
-            <a:pPr marL="0" lvl="0" indent="457200" algn="just">
-              <a:buNone/>
-            </a:pPr>
-            <a:r>
-              <a:rPr lang="en-US" altLang="zh-CN" sz="1600" b="0" i="0">
-                <a:solidFill>
-                  <a:srgbClr val="000000"/>
-                </a:solidFill>
-                <a:latin typeface="微软雅黑" panose="020B0503020204020204" charset="-122"/>
-                <a:ea typeface="微软雅黑" panose="020B0503020204020204" charset="-122"/>
-              </a:rPr>
-              <a:t>4.</a:t>
-            </a:r>
-            <a:r>
-              <a:rPr lang="zh-CN" altLang="en-US" sz="1600" b="0" i="0">
-                <a:solidFill>
-                  <a:srgbClr val="000000"/>
-                </a:solidFill>
-                <a:latin typeface="微软雅黑" panose="020B0503020204020204" charset="-122"/>
-                <a:ea typeface="微软雅黑" panose="020B0503020204020204" charset="-122"/>
-              </a:rPr>
-              <a:t>实践一次模型量化</a:t>
-            </a:r>
-            <a:endParaRPr lang="zh-CN" altLang="en-US" sz="1600" b="0" i="0">
-              <a:solidFill>
-                <a:srgbClr val="000000"/>
-              </a:solidFill>
-              <a:latin typeface="微软雅黑" panose="020B0503020204020204" charset="-122"/>
-              <a:ea typeface="微软雅黑" panose="020B0503020204020204" charset="-122"/>
-            </a:endParaRPr>
-          </a:p>
-          <a:p>
-            <a:pPr marL="0" indent="0" algn="just"/>
-            <a:endParaRPr lang="zh-CN" altLang="en-US" sz="1600" b="0" i="0">
-              <a:solidFill>
-                <a:srgbClr val="000000"/>
-              </a:solidFill>
-              <a:latin typeface="微软雅黑" panose="020B0503020204020204" charset="-122"/>
-              <a:ea typeface="微软雅黑" panose="020B0503020204020204" charset="-122"/>
-            </a:endParaRPr>
-          </a:p>
-        </p:txBody>
-      </p:sp>
+      </p:pic>
     </p:spTree>
   </p:cSld>
   <p:clrMapOvr>
@@ -7023,7 +7132,7 @@
         <p:spPr>
           <a:xfrm>
             <a:off x="106466" y="601786"/>
-            <a:ext cx="1287780" cy="398780"/>
+            <a:ext cx="1033780" cy="398780"/>
           </a:xfrm>
           <a:prstGeom prst="rect">
             <a:avLst/>
@@ -7045,9 +7154,43 @@
                 <a:latin typeface="微软雅黑" panose="020B0503020204020204" charset="-122"/>
                 <a:ea typeface="微软雅黑" panose="020B0503020204020204" charset="-122"/>
               </a:rPr>
-              <a:t>下一周</a:t>
-            </a:r>
-            <a:endParaRPr lang="zh-CN" altLang="en-US" sz="2000" b="1" dirty="0">
+              <a:t>概述</a:t>
+            </a:r>
+            <a:endParaRPr lang="zh-CN" altLang="en-US" sz="2000" b="1" dirty="0"/>
+          </a:p>
+        </p:txBody>
+      </p:sp>
+      <p:sp>
+        <p:nvSpPr>
+          <p:cNvPr id="7" name="文本框 6"/>
+          <p:cNvSpPr txBox="1"/>
+          <p:nvPr/>
+        </p:nvSpPr>
+        <p:spPr>
+          <a:xfrm>
+            <a:off x="724535" y="1323340"/>
+            <a:ext cx="2247900" cy="410845"/>
+          </a:xfrm>
+          <a:prstGeom prst="rect">
+            <a:avLst/>
+          </a:prstGeom>
+          <a:noFill/>
+        </p:spPr>
+        <p:txBody>
+          <a:bodyPr wrap="square">
+            <a:noAutofit/>
+          </a:bodyPr>
+          <a:lstStyle/>
+          <a:p>
+            <a:pPr algn="l" fontAlgn="auto">
+              <a:lnSpc>
+                <a:spcPts val="2200"/>
+              </a:lnSpc>
+              <a:buClrTx/>
+              <a:buSzTx/>
+              <a:buNone/>
+            </a:pPr>
+            <a:endParaRPr lang="zh-CN" altLang="en-US" sz="1600" dirty="0">
               <a:latin typeface="微软雅黑" panose="020B0503020204020204" charset="-122"/>
               <a:ea typeface="微软雅黑" panose="020B0503020204020204" charset="-122"/>
             </a:endParaRPr>
@@ -7056,7 +7199,7 @@
       </p:sp>
       <p:sp>
         <p:nvSpPr>
-          <p:cNvPr id="6" name="矩形 5"/>
+          <p:cNvPr id="3" name="矩形 2"/>
           <p:cNvSpPr/>
           <p:nvPr>
             <p:custDataLst>
@@ -7115,256 +7258,125 @@
               <a:defRPr/>
             </a:pPr>
             <a:r>
+              <a:rPr lang="en-US" altLang="zh-CN" sz="1800" dirty="0">
+                <a:effectLst/>
+                <a:latin typeface="微软雅黑" panose="020B0503020204020204" charset="-122"/>
+                <a:ea typeface="微软雅黑" panose="020B0503020204020204" charset="-122"/>
+              </a:rPr>
+              <a:t>3.</a:t>
+            </a:r>
+            <a:r>
               <a:rPr lang="en-US" altLang="zh-CN" dirty="0">
                 <a:effectLst/>
                 <a:latin typeface="微软雅黑" panose="020B0503020204020204" charset="-122"/>
                 <a:ea typeface="微软雅黑" panose="020B0503020204020204" charset="-122"/>
+              </a:rPr>
+              <a:t>Comput</a:t>
+            </a:r>
+            <a:r>
+              <a:rPr lang="en-US" altLang="zh-CN" dirty="0">
+                <a:effectLst/>
+                <a:latin typeface="微软雅黑" panose="020B0503020204020204" charset="-122"/>
+                <a:ea typeface="微软雅黑" panose="020B0503020204020204" charset="-122"/>
                 <a:sym typeface="+mn-ea"/>
               </a:rPr>
-              <a:t>4.</a:t>
-            </a:r>
-            <a:r>
-              <a:rPr lang="zh-CN" altLang="en-US" dirty="0">
-                <a:effectLst/>
-                <a:latin typeface="微软雅黑" panose="020B0503020204020204" charset="-122"/>
-                <a:ea typeface="微软雅黑" panose="020B0503020204020204" charset="-122"/>
-                <a:sym typeface="+mn-ea"/>
-              </a:rPr>
-              <a:t>计划</a:t>
-            </a:r>
-            <a:endParaRPr lang="zh-CN" altLang="en-US" dirty="0">
+              <a:t>ational Bottlenecks of Training Small-scale Large Language Models</a:t>
+            </a:r>
+            <a:endParaRPr lang="en-US" altLang="zh-CN" dirty="0">
               <a:effectLst/>
               <a:latin typeface="微软雅黑" panose="020B0503020204020204" charset="-122"/>
               <a:ea typeface="微软雅黑" panose="020B0503020204020204" charset="-122"/>
-              <a:sym typeface="+mn-ea"/>
-            </a:endParaRPr>
-          </a:p>
-        </p:txBody>
-      </p:sp>
-      <p:sp>
-        <p:nvSpPr>
-          <p:cNvPr id="7" name="文本框 6"/>
+            </a:endParaRPr>
+          </a:p>
+        </p:txBody>
+      </p:sp>
+      <p:sp>
+        <p:nvSpPr>
+          <p:cNvPr id="10" name="文本框 9"/>
           <p:cNvSpPr txBox="1"/>
           <p:nvPr/>
         </p:nvSpPr>
         <p:spPr>
           <a:xfrm>
-            <a:off x="911860" y="889635"/>
-            <a:ext cx="8903970" cy="3046095"/>
+            <a:off x="204470" y="1226820"/>
+            <a:ext cx="11251565" cy="1423670"/>
           </a:xfrm>
           <a:prstGeom prst="rect">
             <a:avLst/>
           </a:prstGeom>
-        </p:spPr>
-        <p:txBody>
-          <a:bodyPr wrap="square">
-            <a:spAutoFit/>
+          <a:noFill/>
+        </p:spPr>
+        <p:txBody>
+          <a:bodyPr wrap="square" rtlCol="0">
+            <a:noAutofit/>
           </a:bodyPr>
           <a:p>
-            <a:pPr marL="0" indent="0" algn="just"/>
-            <a:r>
-              <a:rPr lang="zh-CN" altLang="en-US" sz="1600" b="0" i="0">
-                <a:solidFill>
-                  <a:srgbClr val="000000"/>
-                </a:solidFill>
-                <a:latin typeface="微软雅黑" panose="020B0503020204020204" charset="-122"/>
-                <a:ea typeface="微软雅黑" panose="020B0503020204020204" charset="-122"/>
-              </a:rPr>
-              <a:t>动手实践方面，我主要请教的是</a:t>
-            </a:r>
-            <a:r>
-              <a:rPr lang="en-US" altLang="zh-CN" sz="1600" b="0" i="0">
-                <a:solidFill>
-                  <a:srgbClr val="000000"/>
-                </a:solidFill>
-                <a:latin typeface="微软雅黑" panose="020B0503020204020204" charset="-122"/>
-                <a:ea typeface="微软雅黑" panose="020B0503020204020204" charset="-122"/>
-              </a:rPr>
-              <a:t>zls</a:t>
-            </a:r>
-            <a:r>
-              <a:rPr lang="zh-CN" altLang="en-US" sz="1600" b="0" i="0">
-                <a:solidFill>
-                  <a:srgbClr val="000000"/>
-                </a:solidFill>
-                <a:latin typeface="微软雅黑" panose="020B0503020204020204" charset="-122"/>
-                <a:ea typeface="微软雅黑" panose="020B0503020204020204" charset="-122"/>
-              </a:rPr>
-              <a:t>学长，可以学习他部署的文生图模型然后进行微调的步骤。我也部署一个相似参数量的模型</a:t>
-            </a:r>
-            <a:r>
-              <a:rPr lang="en-US" altLang="zh-CN" sz="1600" b="0" i="0">
-                <a:solidFill>
-                  <a:srgbClr val="000000"/>
-                </a:solidFill>
-                <a:latin typeface="微软雅黑" panose="020B0503020204020204" charset="-122"/>
-                <a:ea typeface="微软雅黑" panose="020B0503020204020204" charset="-122"/>
-              </a:rPr>
-              <a:t> </a:t>
-            </a:r>
-            <a:r>
-              <a:rPr lang="zh-CN" altLang="en-US" sz="1600" b="0" i="0">
-                <a:solidFill>
-                  <a:srgbClr val="000000"/>
-                </a:solidFill>
-                <a:latin typeface="微软雅黑" panose="020B0503020204020204" charset="-122"/>
-                <a:ea typeface="微软雅黑" panose="020B0503020204020204" charset="-122"/>
-              </a:rPr>
-              <a:t>（学长的模型花费内存</a:t>
-            </a:r>
-            <a:r>
-              <a:rPr lang="en-US" altLang="zh-CN" sz="1600" b="0" i="0">
-                <a:solidFill>
-                  <a:srgbClr val="000000"/>
-                </a:solidFill>
-                <a:latin typeface="微软雅黑" panose="020B0503020204020204" charset="-122"/>
-                <a:ea typeface="微软雅黑" panose="020B0503020204020204" charset="-122"/>
-              </a:rPr>
-              <a:t>50G</a:t>
-            </a:r>
-            <a:r>
-              <a:rPr lang="zh-CN" altLang="en-US" sz="1600" b="0" i="0">
-                <a:solidFill>
-                  <a:srgbClr val="000000"/>
-                </a:solidFill>
-                <a:latin typeface="微软雅黑" panose="020B0503020204020204" charset="-122"/>
-                <a:ea typeface="微软雅黑" panose="020B0503020204020204" charset="-122"/>
-              </a:rPr>
-              <a:t>左右，显存</a:t>
-            </a:r>
-            <a:r>
-              <a:rPr lang="en-US" altLang="zh-CN" sz="1600" b="0" i="0">
-                <a:solidFill>
-                  <a:srgbClr val="000000"/>
-                </a:solidFill>
-                <a:latin typeface="微软雅黑" panose="020B0503020204020204" charset="-122"/>
-                <a:ea typeface="微软雅黑" panose="020B0503020204020204" charset="-122"/>
-              </a:rPr>
-              <a:t>24G</a:t>
-            </a:r>
-            <a:r>
-              <a:rPr lang="zh-CN" altLang="en-US" sz="1600" b="0" i="0">
-                <a:solidFill>
-                  <a:srgbClr val="000000"/>
-                </a:solidFill>
-                <a:latin typeface="微软雅黑" panose="020B0503020204020204" charset="-122"/>
-                <a:ea typeface="微软雅黑" panose="020B0503020204020204" charset="-122"/>
-              </a:rPr>
-              <a:t>跑起来没有问题）</a:t>
-            </a:r>
-            <a:endParaRPr lang="zh-CN" altLang="en-US" sz="1600" b="0" i="0">
+            <a:pPr marL="0" lvl="0" indent="457200">
+              <a:buNone/>
+            </a:pPr>
+            <a:r>
+              <a:rPr lang="zh-CN" altLang="en-US" sz="1600" dirty="0">
+                <a:solidFill>
+                  <a:schemeClr val="tx1"/>
+                </a:solidFill>
+                <a:latin typeface="微软雅黑" panose="020B0503020204020204" charset="-122"/>
+                <a:ea typeface="微软雅黑" panose="020B0503020204020204" charset="-122"/>
+              </a:rPr>
+              <a:t>最大化</a:t>
+            </a:r>
+            <a:r>
+              <a:rPr lang="en-US" altLang="zh-CN" sz="1600" dirty="0">
+                <a:solidFill>
+                  <a:schemeClr val="tx1"/>
+                </a:solidFill>
+                <a:latin typeface="微软雅黑" panose="020B0503020204020204" charset="-122"/>
+                <a:ea typeface="微软雅黑" panose="020B0503020204020204" charset="-122"/>
+              </a:rPr>
+              <a:t>GPU</a:t>
+            </a:r>
+            <a:r>
+              <a:rPr lang="zh-CN" altLang="en-US" sz="1600" dirty="0">
+                <a:solidFill>
+                  <a:schemeClr val="tx1"/>
+                </a:solidFill>
+                <a:latin typeface="微软雅黑" panose="020B0503020204020204" charset="-122"/>
+                <a:ea typeface="微软雅黑" panose="020B0503020204020204" charset="-122"/>
+              </a:rPr>
+              <a:t>内存利用率对</a:t>
+            </a:r>
+            <a:r>
+              <a:rPr lang="en-US" altLang="zh-CN" sz="1600" dirty="0">
+                <a:solidFill>
+                  <a:schemeClr val="tx1"/>
+                </a:solidFill>
+                <a:latin typeface="微软雅黑" panose="020B0503020204020204" charset="-122"/>
+                <a:ea typeface="微软雅黑" panose="020B0503020204020204" charset="-122"/>
+              </a:rPr>
+              <a:t>SLM</a:t>
+            </a:r>
+            <a:r>
+              <a:rPr lang="zh-CN" altLang="en-US" sz="1600" dirty="0">
+                <a:solidFill>
+                  <a:schemeClr val="tx1"/>
+                </a:solidFill>
+                <a:latin typeface="微软雅黑" panose="020B0503020204020204" charset="-122"/>
+                <a:ea typeface="微软雅黑" panose="020B0503020204020204" charset="-122"/>
+              </a:rPr>
+              <a:t>训练并不一定是成本最优的选择</a:t>
+            </a:r>
+            <a:endParaRPr lang="zh-CN" altLang="en-US" sz="1600" dirty="0">
               <a:solidFill>
-                <a:srgbClr val="000000"/>
+                <a:schemeClr val="tx1"/>
               </a:solidFill>
               <a:latin typeface="微软雅黑" panose="020B0503020204020204" charset="-122"/>
               <a:ea typeface="微软雅黑" panose="020B0503020204020204" charset="-122"/>
             </a:endParaRPr>
           </a:p>
-          <a:p>
-            <a:pPr marL="0" indent="0" algn="just"/>
-            <a:endParaRPr lang="zh-CN" altLang="en-US" sz="1600" b="0" i="0">
-              <a:solidFill>
-                <a:srgbClr val="000000"/>
-              </a:solidFill>
-              <a:latin typeface="微软雅黑" panose="020B0503020204020204" charset="-122"/>
-              <a:ea typeface="微软雅黑" panose="020B0503020204020204" charset="-122"/>
-            </a:endParaRPr>
-          </a:p>
-          <a:p>
-            <a:pPr marL="0" indent="0" algn="just"/>
-            <a:r>
-              <a:rPr lang="zh-CN" altLang="en-US" sz="1600" b="0" i="0">
-                <a:solidFill>
-                  <a:srgbClr val="000000"/>
-                </a:solidFill>
-                <a:latin typeface="微软雅黑" panose="020B0503020204020204" charset="-122"/>
-                <a:ea typeface="微软雅黑" panose="020B0503020204020204" charset="-122"/>
-              </a:rPr>
-              <a:t>或者是这个：这个是我找的一个医疗影像的大模型项目，他有一些自带的数据集和公开的数据集，然后提供了几个微调的实例，我已经部署好了，等着下周去尝试一个微调，调的最好的模型作者说已经商用了就没开放</a:t>
-            </a:r>
-            <a:endParaRPr lang="zh-CN" altLang="en-US" sz="1600" b="0" i="0">
-              <a:solidFill>
-                <a:srgbClr val="000000"/>
-              </a:solidFill>
-              <a:latin typeface="微软雅黑" panose="020B0503020204020204" charset="-122"/>
-              <a:ea typeface="微软雅黑" panose="020B0503020204020204" charset="-122"/>
-            </a:endParaRPr>
-          </a:p>
-          <a:p>
-            <a:pPr marL="0" indent="0" algn="just"/>
-            <a:endParaRPr lang="zh-CN" altLang="en-US" sz="1600" b="0" i="0">
-              <a:solidFill>
-                <a:srgbClr val="000000"/>
-              </a:solidFill>
-              <a:latin typeface="微软雅黑" panose="020B0503020204020204" charset="-122"/>
-              <a:ea typeface="微软雅黑" panose="020B0503020204020204" charset="-122"/>
-            </a:endParaRPr>
-          </a:p>
-          <a:p>
-            <a:pPr marL="0" indent="0" algn="just"/>
-            <a:r>
-              <a:rPr lang="en-US" altLang="zh-CN" sz="1600" b="0" i="0">
-                <a:solidFill>
-                  <a:srgbClr val="000000"/>
-                </a:solidFill>
-                <a:latin typeface="微软雅黑" panose="020B0503020204020204" charset="-122"/>
-                <a:ea typeface="微软雅黑" panose="020B0503020204020204" charset="-122"/>
-              </a:rPr>
-              <a:t>https://github.com/WangRongsheng/XrayGLM/tree/main</a:t>
-            </a:r>
-            <a:endParaRPr lang="zh-CN" altLang="en-US" sz="1600" b="0" i="0">
-              <a:solidFill>
-                <a:srgbClr val="000000"/>
-              </a:solidFill>
-              <a:latin typeface="微软雅黑" panose="020B0503020204020204" charset="-122"/>
-              <a:ea typeface="微软雅黑" panose="020B0503020204020204" charset="-122"/>
-            </a:endParaRPr>
-          </a:p>
-          <a:p>
-            <a:pPr marL="0" indent="0" algn="just"/>
-            <a:endParaRPr lang="zh-CN" altLang="en-US" sz="1600" b="0" i="0">
-              <a:solidFill>
-                <a:srgbClr val="000000"/>
-              </a:solidFill>
-              <a:latin typeface="微软雅黑" panose="020B0503020204020204" charset="-122"/>
-              <a:ea typeface="微软雅黑" panose="020B0503020204020204" charset="-122"/>
-            </a:endParaRPr>
-          </a:p>
-          <a:p>
-            <a:pPr marL="0" indent="0" algn="just"/>
-            <a:endParaRPr lang="en-US" altLang="zh-CN" sz="1600" b="0" i="0">
-              <a:solidFill>
-                <a:srgbClr val="000000"/>
-              </a:solidFill>
-              <a:latin typeface="微软雅黑" panose="020B0503020204020204" charset="-122"/>
-              <a:ea typeface="微软雅黑" panose="020B0503020204020204" charset="-122"/>
-            </a:endParaRPr>
-          </a:p>
-          <a:p>
-            <a:pPr marL="0" indent="0" algn="just"/>
-            <a:endParaRPr lang="zh-CN" altLang="en-US" sz="1600" b="0" i="0">
-              <a:solidFill>
-                <a:srgbClr val="000000"/>
-              </a:solidFill>
-              <a:latin typeface="微软雅黑" panose="020B0503020204020204" charset="-122"/>
-              <a:ea typeface="微软雅黑" panose="020B0503020204020204" charset="-122"/>
-            </a:endParaRPr>
-          </a:p>
-          <a:p>
-            <a:pPr marL="0" indent="0" algn="just"/>
-            <a:endParaRPr lang="zh-CN" altLang="en-US" sz="1600" b="0" i="0">
-              <a:solidFill>
-                <a:srgbClr val="000000"/>
-              </a:solidFill>
-              <a:latin typeface="微软雅黑" panose="020B0503020204020204" charset="-122"/>
-              <a:ea typeface="微软雅黑" panose="020B0503020204020204" charset="-122"/>
-            </a:endParaRPr>
-          </a:p>
         </p:txBody>
       </p:sp>
       <p:pic>
         <p:nvPicPr>
-          <p:cNvPr id="2" name="图片 1"/>
+          <p:cNvPr id="5" name="图片 4"/>
           <p:cNvPicPr>
             <a:picLocks noChangeAspect="1"/>
           </p:cNvPicPr>
@@ -7378,32 +7390,8 @@
         </p:blipFill>
         <p:spPr>
           <a:xfrm>
-            <a:off x="311785" y="3044190"/>
-            <a:ext cx="5784215" cy="3710305"/>
-          </a:xfrm>
-          <a:prstGeom prst="rect">
-            <a:avLst/>
-          </a:prstGeom>
-        </p:spPr>
-      </p:pic>
-      <p:pic>
-        <p:nvPicPr>
-          <p:cNvPr id="4" name="图片 3"/>
-          <p:cNvPicPr>
-            <a:picLocks noChangeAspect="1"/>
-          </p:cNvPicPr>
-          <p:nvPr/>
-        </p:nvPicPr>
-        <p:blipFill>
-          <a:blip r:embed="rId3"/>
-          <a:stretch>
-            <a:fillRect/>
-          </a:stretch>
-        </p:blipFill>
-        <p:spPr>
-          <a:xfrm>
-            <a:off x="6096000" y="4029075"/>
-            <a:ext cx="5321935" cy="1846580"/>
+            <a:off x="359410" y="1814195"/>
+            <a:ext cx="9721850" cy="3511550"/>
           </a:xfrm>
           <a:prstGeom prst="rect">
             <a:avLst/>
@@ -7467,8 +7455,8 @@
         </p:nvSpPr>
         <p:spPr>
           <a:xfrm>
-            <a:off x="768985" y="2095500"/>
-            <a:ext cx="7110730" cy="1445260"/>
+            <a:off x="1038225" y="1470025"/>
+            <a:ext cx="2301875" cy="1861185"/>
           </a:xfrm>
           <a:prstGeom prst="rect">
             <a:avLst/>
@@ -7498,7 +7486,7 @@
               <a:defRPr/>
             </a:pPr>
             <a:r>
-              <a:rPr kumimoji="0" lang="en-US" altLang="zh-CN" sz="8800" b="0" i="0" u="none" strike="noStrike" kern="1200" cap="none" spc="0" normalizeH="0" baseline="0" noProof="0" dirty="0">
+              <a:rPr kumimoji="0" lang="en-US" altLang="zh-CN" sz="11500" b="0" i="0" u="none" strike="noStrike" kern="1200" cap="none" spc="0" normalizeH="0" baseline="0" noProof="0" dirty="0">
                 <a:ln>
                   <a:solidFill>
                     <a:srgbClr val="383987"/>
@@ -7512,9 +7500,9 @@
                 <a:ea typeface="宋体" panose="02010600030101010101" pitchFamily="2" charset="-122"/>
                 <a:cs typeface="+mn-cs"/>
               </a:rPr>
-              <a:t>THANKS</a:t>
-            </a:r>
-            <a:endParaRPr kumimoji="0" lang="en-US" altLang="zh-CN" sz="8800" b="0" i="0" u="none" strike="noStrike" kern="1200" cap="none" spc="0" normalizeH="0" baseline="0" noProof="0" dirty="0">
+              <a:t>04</a:t>
+            </a:r>
+            <a:endParaRPr kumimoji="0" lang="en-US" altLang="zh-CN" sz="11500" b="0" i="0" u="none" strike="noStrike" kern="1200" cap="none" spc="0" normalizeH="0" baseline="0" noProof="0" dirty="0">
               <a:ln>
                 <a:solidFill>
                   <a:srgbClr val="383987"/>
@@ -7533,14 +7521,14 @@
       </p:sp>
       <p:sp>
         <p:nvSpPr>
-          <p:cNvPr id="2" name="文本框 1"/>
+          <p:cNvPr id="6" name="文本框 5"/>
           <p:cNvSpPr txBox="1"/>
           <p:nvPr/>
         </p:nvSpPr>
         <p:spPr>
           <a:xfrm>
-            <a:off x="934085" y="3540760"/>
-            <a:ext cx="4176395" cy="460375"/>
+            <a:off x="1265555" y="3049270"/>
+            <a:ext cx="11768455" cy="777240"/>
           </a:xfrm>
           <a:prstGeom prst="rect">
             <a:avLst/>
@@ -7549,11 +7537,11 @@
         </p:spPr>
         <p:txBody>
           <a:bodyPr wrap="square" rtlCol="0">
-            <a:spAutoFit/>
+            <a:noAutofit/>
           </a:bodyPr>
           <a:lstStyle/>
           <a:p>
-            <a:pPr marL="0" marR="0" lvl="0" indent="0" algn="dist" defTabSz="914400" rtl="0" eaLnBrk="1" fontAlgn="auto" latinLnBrk="0" hangingPunct="1">
+            <a:pPr marL="0" marR="0" lvl="0" indent="0" algn="ctr" defTabSz="914400" rtl="0" eaLnBrk="1" fontAlgn="auto" latinLnBrk="0" hangingPunct="1">
               <a:lnSpc>
                 <a:spcPct val="100000"/>
               </a:lnSpc>
@@ -7570,39 +7558,1111 @@
               <a:defRPr/>
             </a:pPr>
             <a:r>
-              <a:rPr kumimoji="0" lang="zh-CN" altLang="en-US" sz="2400" b="0" i="0" u="none" strike="noStrike" kern="1200" cap="none" spc="0" normalizeH="0" baseline="0" noProof="0">
-                <a:ln>
-                  <a:noFill/>
-                </a:ln>
+              <a:rPr lang="zh-CN" sz="3600" dirty="0">
                 <a:solidFill>
                   <a:srgbClr val="383987"/>
                 </a:solidFill>
-                <a:effectLst/>
-                <a:uLnTx/>
-                <a:uFillTx/>
-                <a:latin typeface="微软雅黑" panose="020B0503020204020204" charset="-122"/>
-                <a:ea typeface="微软雅黑" panose="020B0503020204020204" charset="-122"/>
-                <a:cs typeface="+mn-cs"/>
-              </a:rPr>
-              <a:t>谢谢观看</a:t>
-            </a:r>
-            <a:endParaRPr kumimoji="0" lang="zh-CN" altLang="en-US" sz="2400" b="0" i="0" u="none" strike="noStrike" kern="1200" cap="none" spc="0" normalizeH="0" baseline="0" noProof="0">
-              <a:ln>
-                <a:noFill/>
-              </a:ln>
+                <a:latin typeface="微软雅黑" panose="020B0503020204020204" charset="-122"/>
+                <a:ea typeface="微软雅黑" panose="020B0503020204020204" charset="-122"/>
+                <a:sym typeface="+mn-ea"/>
+              </a:rPr>
+              <a:t>计划</a:t>
+            </a:r>
+            <a:endParaRPr lang="zh-CN" sz="3600" dirty="0">
               <a:solidFill>
                 <a:srgbClr val="383987"/>
               </a:solidFill>
+              <a:latin typeface="微软雅黑" panose="020B0503020204020204" charset="-122"/>
+              <a:ea typeface="微软雅黑" panose="020B0503020204020204" charset="-122"/>
+              <a:sym typeface="+mn-ea"/>
+            </a:endParaRPr>
+          </a:p>
+        </p:txBody>
+      </p:sp>
+    </p:spTree>
+  </p:cSld>
+  <p:clrMapOvr>
+    <a:masterClrMapping/>
+  </p:clrMapOvr>
+</p:sld>
+</file>
+
+<file path=ppt/slides/slide18.xml><?xml version="1.0" encoding="utf-8"?>
+<p:sld xmlns:a="http://schemas.openxmlformats.org/drawingml/2006/main" xmlns:r="http://schemas.openxmlformats.org/officeDocument/2006/relationships" xmlns:p="http://schemas.openxmlformats.org/presentationml/2006/main">
+  <p:cSld>
+    <p:spTree>
+      <p:nvGrpSpPr>
+        <p:cNvPr id="1" name=""/>
+        <p:cNvGrpSpPr/>
+        <p:nvPr/>
+      </p:nvGrpSpPr>
+      <p:grpSpPr>
+        <a:xfrm>
+          <a:off x="0" y="0"/>
+          <a:ext cx="0" cy="0"/>
+          <a:chOff x="0" y="0"/>
+          <a:chExt cx="0" cy="0"/>
+        </a:xfrm>
+      </p:grpSpPr>
+      <p:sp>
+        <p:nvSpPr>
+          <p:cNvPr id="13" name="文本框 12"/>
+          <p:cNvSpPr txBox="1"/>
+          <p:nvPr/>
+        </p:nvSpPr>
+        <p:spPr>
+          <a:xfrm>
+            <a:off x="106466" y="601786"/>
+            <a:ext cx="1287780" cy="398780"/>
+          </a:xfrm>
+          <a:prstGeom prst="rect">
+            <a:avLst/>
+          </a:prstGeom>
+          <a:noFill/>
+        </p:spPr>
+        <p:txBody>
+          <a:bodyPr wrap="none" rtlCol="0">
+            <a:spAutoFit/>
+          </a:bodyPr>
+          <a:lstStyle/>
+          <a:p>
+            <a:pPr marL="342900" indent="-342900">
+              <a:buFont typeface="Wingdings" panose="05000000000000000000" charset="0"/>
+              <a:buChar char="n"/>
+            </a:pPr>
+            <a:r>
+              <a:rPr lang="zh-CN" altLang="en-US" sz="2000" b="1" dirty="0">
+                <a:latin typeface="微软雅黑" panose="020B0503020204020204" charset="-122"/>
+                <a:ea typeface="微软雅黑" panose="020B0503020204020204" charset="-122"/>
+              </a:rPr>
+              <a:t>下一周</a:t>
+            </a:r>
+            <a:endParaRPr lang="zh-CN" altLang="en-US" sz="2000" b="1" dirty="0">
+              <a:latin typeface="微软雅黑" panose="020B0503020204020204" charset="-122"/>
+              <a:ea typeface="微软雅黑" panose="020B0503020204020204" charset="-122"/>
+            </a:endParaRPr>
+          </a:p>
+        </p:txBody>
+      </p:sp>
+      <p:sp>
+        <p:nvSpPr>
+          <p:cNvPr id="6" name="矩形 5"/>
+          <p:cNvSpPr/>
+          <p:nvPr>
+            <p:custDataLst>
+              <p:tags r:id="rId1"/>
+            </p:custDataLst>
+          </p:nvPr>
+        </p:nvSpPr>
+        <p:spPr>
+          <a:xfrm>
+            <a:off x="-6350" y="0"/>
+            <a:ext cx="12198350" cy="540000"/>
+          </a:xfrm>
+          <a:prstGeom prst="rect">
+            <a:avLst/>
+          </a:prstGeom>
+          <a:solidFill>
+            <a:srgbClr val="A099CB"/>
+          </a:solidFill>
+          <a:ln>
+            <a:noFill/>
+          </a:ln>
+        </p:spPr>
+        <p:style>
+          <a:lnRef idx="2">
+            <a:schemeClr val="accent1">
+              <a:shade val="50000"/>
+            </a:schemeClr>
+          </a:lnRef>
+          <a:fillRef idx="1">
+            <a:schemeClr val="accent1"/>
+          </a:fillRef>
+          <a:effectRef idx="0">
+            <a:schemeClr val="accent1"/>
+          </a:effectRef>
+          <a:fontRef idx="minor">
+            <a:schemeClr val="lt1"/>
+          </a:fontRef>
+        </p:style>
+        <p:txBody>
+          <a:bodyPr rtlCol="0" anchor="ctr"/>
+          <a:p>
+            <a:pPr marL="0" marR="0" lvl="0" indent="0" algn="ctr" defTabSz="914400" rtl="0" eaLnBrk="1" fontAlgn="auto" latinLnBrk="0" hangingPunct="1">
+              <a:lnSpc>
+                <a:spcPct val="100000"/>
+              </a:lnSpc>
+              <a:spcBef>
+                <a:spcPts val="0"/>
+              </a:spcBef>
+              <a:spcAft>
+                <a:spcPts val="0"/>
+              </a:spcAft>
+              <a:buClrTx/>
+              <a:buSzTx/>
+              <a:buFontTx/>
+              <a:buNone/>
+              <a:defRPr/>
+            </a:pPr>
+            <a:r>
+              <a:rPr lang="en-US" altLang="zh-CN" dirty="0">
+                <a:effectLst/>
+                <a:latin typeface="微软雅黑" panose="020B0503020204020204" charset="-122"/>
+                <a:ea typeface="微软雅黑" panose="020B0503020204020204" charset="-122"/>
+                <a:sym typeface="+mn-ea"/>
+              </a:rPr>
+              <a:t>4.</a:t>
+            </a:r>
+            <a:r>
+              <a:rPr lang="zh-CN" altLang="en-US" dirty="0">
+                <a:effectLst/>
+                <a:latin typeface="微软雅黑" panose="020B0503020204020204" charset="-122"/>
+                <a:ea typeface="微软雅黑" panose="020B0503020204020204" charset="-122"/>
+                <a:sym typeface="+mn-ea"/>
+              </a:rPr>
+              <a:t>计划</a:t>
+            </a:r>
+            <a:endParaRPr lang="zh-CN" altLang="en-US" dirty="0">
               <a:effectLst/>
-              <a:uLnTx/>
-              <a:uFillTx/>
               <a:latin typeface="微软雅黑" panose="020B0503020204020204" charset="-122"/>
               <a:ea typeface="微软雅黑" panose="020B0503020204020204" charset="-122"/>
-              <a:cs typeface="+mn-cs"/>
-            </a:endParaRPr>
-          </a:p>
-        </p:txBody>
-      </p:sp>
+              <a:sym typeface="+mn-ea"/>
+            </a:endParaRPr>
+          </a:p>
+        </p:txBody>
+      </p:sp>
+      <p:sp>
+        <p:nvSpPr>
+          <p:cNvPr id="3" name="文本框 2"/>
+          <p:cNvSpPr txBox="1"/>
+          <p:nvPr>
+            <p:custDataLst>
+              <p:tags r:id="rId2"/>
+            </p:custDataLst>
+          </p:nvPr>
+        </p:nvSpPr>
+        <p:spPr>
+          <a:xfrm>
+            <a:off x="455295" y="1657350"/>
+            <a:ext cx="4956810" cy="506730"/>
+          </a:xfrm>
+          <a:prstGeom prst="rect">
+            <a:avLst/>
+          </a:prstGeom>
+          <a:noFill/>
+        </p:spPr>
+        <p:txBody>
+          <a:bodyPr wrap="square" rtlCol="0">
+            <a:spAutoFit/>
+          </a:bodyPr>
+          <a:p>
+            <a:pPr marL="285750" indent="-285750">
+              <a:lnSpc>
+                <a:spcPct val="150000"/>
+              </a:lnSpc>
+              <a:buFont typeface="Wingdings" panose="05000000000000000000" charset="0"/>
+              <a:buChar char="p"/>
+            </a:pPr>
+            <a:r>
+              <a:rPr lang="zh-CN" altLang="en-US" b="1" dirty="0">
+                <a:latin typeface="微软雅黑" panose="020B0503020204020204" charset="-122"/>
+                <a:ea typeface="微软雅黑" panose="020B0503020204020204" charset="-122"/>
+              </a:rPr>
+              <a:t>继续读大模型</a:t>
+            </a:r>
+            <a:r>
+              <a:rPr lang="en-US" altLang="zh-CN" b="1" dirty="0">
+                <a:latin typeface="微软雅黑" panose="020B0503020204020204" charset="-122"/>
+                <a:ea typeface="微软雅黑" panose="020B0503020204020204" charset="-122"/>
+              </a:rPr>
+              <a:t>guide</a:t>
+            </a:r>
+            <a:r>
+              <a:rPr lang="zh-CN" altLang="en-US" b="1" dirty="0">
+                <a:latin typeface="微软雅黑" panose="020B0503020204020204" charset="-122"/>
+                <a:ea typeface="微软雅黑" panose="020B0503020204020204" charset="-122"/>
+              </a:rPr>
+              <a:t>的论文推荐：</a:t>
+            </a:r>
+            <a:endParaRPr lang="en-US" altLang="zh-CN" b="1" dirty="0">
+              <a:latin typeface="微软雅黑" panose="020B0503020204020204" charset="-122"/>
+              <a:ea typeface="微软雅黑" panose="020B0503020204020204" charset="-122"/>
+            </a:endParaRPr>
+          </a:p>
+        </p:txBody>
+      </p:sp>
+      <p:sp>
+        <p:nvSpPr>
+          <p:cNvPr id="7" name="文本框 6"/>
+          <p:cNvSpPr txBox="1"/>
+          <p:nvPr/>
+        </p:nvSpPr>
+        <p:spPr>
+          <a:xfrm>
+            <a:off x="911860" y="2178050"/>
+            <a:ext cx="8903970" cy="4523105"/>
+          </a:xfrm>
+          <a:prstGeom prst="rect">
+            <a:avLst/>
+          </a:prstGeom>
+        </p:spPr>
+        <p:txBody>
+          <a:bodyPr wrap="square">
+            <a:spAutoFit/>
+          </a:bodyPr>
+          <a:p>
+            <a:pPr marL="0" indent="0" algn="just"/>
+            <a:r>
+              <a:rPr lang="zh-CN" altLang="en-US" sz="1600" b="0" i="0">
+                <a:solidFill>
+                  <a:srgbClr val="000000"/>
+                </a:solidFill>
+                <a:latin typeface="微软雅黑" panose="020B0503020204020204" charset="-122"/>
+                <a:ea typeface="微软雅黑" panose="020B0503020204020204" charset="-122"/>
+              </a:rPr>
+              <a:t>继续补充大模型和微调的基础论文，少看视频，多看论文和博客。不懂的多查，感觉看视频十分低效</a:t>
+            </a:r>
+            <a:endParaRPr lang="zh-CN" altLang="en-US" sz="1600" b="0" i="0">
+              <a:solidFill>
+                <a:srgbClr val="000000"/>
+              </a:solidFill>
+              <a:latin typeface="微软雅黑" panose="020B0503020204020204" charset="-122"/>
+              <a:ea typeface="微软雅黑" panose="020B0503020204020204" charset="-122"/>
+            </a:endParaRPr>
+          </a:p>
+          <a:p>
+            <a:pPr marL="0" indent="0" algn="just"/>
+            <a:endParaRPr lang="zh-CN" altLang="en-US" sz="1600" b="0" i="0">
+              <a:solidFill>
+                <a:srgbClr val="000000"/>
+              </a:solidFill>
+              <a:latin typeface="微软雅黑" panose="020B0503020204020204" charset="-122"/>
+              <a:ea typeface="微软雅黑" panose="020B0503020204020204" charset="-122"/>
+            </a:endParaRPr>
+          </a:p>
+          <a:p>
+            <a:pPr marL="0" indent="0" algn="just"/>
+            <a:r>
+              <a:rPr lang="zh-CN" altLang="en-US" sz="1600" b="1" i="0">
+                <a:solidFill>
+                  <a:srgbClr val="000000"/>
+                </a:solidFill>
+                <a:latin typeface="微软雅黑" panose="020B0503020204020204" charset="-122"/>
+                <a:ea typeface="微软雅黑" panose="020B0503020204020204" charset="-122"/>
+              </a:rPr>
+              <a:t>现阶段的疑惑是</a:t>
+            </a:r>
+            <a:r>
+              <a:rPr lang="zh-CN" altLang="en-US" sz="1600" b="0" i="0">
+                <a:solidFill>
+                  <a:srgbClr val="000000"/>
+                </a:solidFill>
+                <a:latin typeface="微软雅黑" panose="020B0503020204020204" charset="-122"/>
+                <a:ea typeface="微软雅黑" panose="020B0503020204020204" charset="-122"/>
+              </a:rPr>
+              <a:t>：</a:t>
+            </a:r>
+            <a:endParaRPr lang="zh-CN" altLang="en-US" sz="1600" b="0" i="0">
+              <a:solidFill>
+                <a:srgbClr val="000000"/>
+              </a:solidFill>
+              <a:latin typeface="微软雅黑" panose="020B0503020204020204" charset="-122"/>
+              <a:ea typeface="微软雅黑" panose="020B0503020204020204" charset="-122"/>
+            </a:endParaRPr>
+          </a:p>
+          <a:p>
+            <a:pPr marL="0" indent="0" algn="just"/>
+            <a:r>
+              <a:rPr lang="zh-CN" altLang="en-US" sz="1600" b="0" i="0">
+                <a:solidFill>
+                  <a:srgbClr val="000000"/>
+                </a:solidFill>
+                <a:latin typeface="微软雅黑" panose="020B0503020204020204" charset="-122"/>
+                <a:ea typeface="微软雅黑" panose="020B0503020204020204" charset="-122"/>
+              </a:rPr>
+              <a:t>在和学长们的讨论后，对基础的补齐思路大致如下：</a:t>
+            </a:r>
+            <a:endParaRPr lang="zh-CN" altLang="en-US" sz="1600" b="0" i="0">
+              <a:solidFill>
+                <a:srgbClr val="000000"/>
+              </a:solidFill>
+              <a:latin typeface="微软雅黑" panose="020B0503020204020204" charset="-122"/>
+              <a:ea typeface="微软雅黑" panose="020B0503020204020204" charset="-122"/>
+            </a:endParaRPr>
+          </a:p>
+          <a:p>
+            <a:pPr marL="0" indent="0" algn="just"/>
+            <a:endParaRPr lang="zh-CN" altLang="en-US" sz="1600" b="0" i="0">
+              <a:solidFill>
+                <a:srgbClr val="000000"/>
+              </a:solidFill>
+              <a:latin typeface="微软雅黑" panose="020B0503020204020204" charset="-122"/>
+              <a:ea typeface="微软雅黑" panose="020B0503020204020204" charset="-122"/>
+            </a:endParaRPr>
+          </a:p>
+          <a:p>
+            <a:pPr marL="0" indent="0" algn="just"/>
+            <a:r>
+              <a:rPr lang="zh-CN" altLang="en-US" sz="1600" b="0" i="0">
+                <a:solidFill>
+                  <a:srgbClr val="000000"/>
+                </a:solidFill>
+                <a:latin typeface="微软雅黑" panose="020B0503020204020204" charset="-122"/>
+                <a:ea typeface="微软雅黑" panose="020B0503020204020204" charset="-122"/>
+              </a:rPr>
+              <a:t>理论知识：</a:t>
+            </a:r>
+            <a:endParaRPr lang="zh-CN" altLang="en-US" sz="1600" b="0" i="0">
+              <a:solidFill>
+                <a:srgbClr val="000000"/>
+              </a:solidFill>
+              <a:latin typeface="微软雅黑" panose="020B0503020204020204" charset="-122"/>
+              <a:ea typeface="微软雅黑" panose="020B0503020204020204" charset="-122"/>
+            </a:endParaRPr>
+          </a:p>
+          <a:p>
+            <a:pPr marL="0" indent="457200" algn="just"/>
+            <a:r>
+              <a:rPr lang="en-US" altLang="zh-CN" sz="1600" b="0" i="0">
+                <a:solidFill>
+                  <a:srgbClr val="000000"/>
+                </a:solidFill>
+                <a:latin typeface="微软雅黑" panose="020B0503020204020204" charset="-122"/>
+                <a:ea typeface="微软雅黑" panose="020B0503020204020204" charset="-122"/>
+              </a:rPr>
+              <a:t>1.</a:t>
+            </a:r>
+            <a:r>
+              <a:rPr lang="zh-CN" altLang="en-US" sz="1600" b="0" i="0">
+                <a:solidFill>
+                  <a:srgbClr val="000000"/>
+                </a:solidFill>
+                <a:latin typeface="微软雅黑" panose="020B0503020204020204" charset="-122"/>
+                <a:ea typeface="微软雅黑" panose="020B0503020204020204" charset="-122"/>
+              </a:rPr>
+              <a:t>前置的</a:t>
+            </a:r>
+            <a:r>
+              <a:rPr lang="en-US" altLang="zh-CN" sz="1600" b="0" i="0">
+                <a:solidFill>
+                  <a:srgbClr val="000000"/>
+                </a:solidFill>
+                <a:latin typeface="微软雅黑" panose="020B0503020204020204" charset="-122"/>
+                <a:ea typeface="微软雅黑" panose="020B0503020204020204" charset="-122"/>
+              </a:rPr>
+              <a:t>NLP</a:t>
+            </a:r>
+            <a:r>
+              <a:rPr lang="zh-CN" altLang="en-US" sz="1600" b="0" i="0">
+                <a:solidFill>
+                  <a:srgbClr val="000000"/>
+                </a:solidFill>
+                <a:latin typeface="微软雅黑" panose="020B0503020204020204" charset="-122"/>
+                <a:ea typeface="微软雅黑" panose="020B0503020204020204" charset="-122"/>
+              </a:rPr>
+              <a:t>，</a:t>
+            </a:r>
+            <a:r>
+              <a:rPr lang="en-US" altLang="zh-CN" sz="1600" b="0" i="0">
+                <a:solidFill>
+                  <a:srgbClr val="000000"/>
+                </a:solidFill>
+                <a:latin typeface="微软雅黑" panose="020B0503020204020204" charset="-122"/>
+                <a:ea typeface="微软雅黑" panose="020B0503020204020204" charset="-122"/>
+              </a:rPr>
+              <a:t>DL</a:t>
+            </a:r>
+            <a:endParaRPr lang="en-US" altLang="zh-CN" sz="1600" b="0" i="0">
+              <a:solidFill>
+                <a:srgbClr val="000000"/>
+              </a:solidFill>
+              <a:latin typeface="微软雅黑" panose="020B0503020204020204" charset="-122"/>
+              <a:ea typeface="微软雅黑" panose="020B0503020204020204" charset="-122"/>
+            </a:endParaRPr>
+          </a:p>
+          <a:p>
+            <a:pPr marL="0" indent="457200" algn="just"/>
+            <a:r>
+              <a:rPr lang="en-US" altLang="zh-CN" sz="1600" b="0" i="0">
+                <a:solidFill>
+                  <a:srgbClr val="000000"/>
+                </a:solidFill>
+                <a:latin typeface="微软雅黑" panose="020B0503020204020204" charset="-122"/>
+                <a:ea typeface="微软雅黑" panose="020B0503020204020204" charset="-122"/>
+              </a:rPr>
+              <a:t>2.LLM</a:t>
+            </a:r>
+            <a:endParaRPr lang="en-US" altLang="zh-CN" sz="1600" b="0" i="0">
+              <a:solidFill>
+                <a:srgbClr val="000000"/>
+              </a:solidFill>
+              <a:latin typeface="微软雅黑" panose="020B0503020204020204" charset="-122"/>
+              <a:ea typeface="微软雅黑" panose="020B0503020204020204" charset="-122"/>
+            </a:endParaRPr>
+          </a:p>
+          <a:p>
+            <a:pPr marL="0" indent="457200" algn="just"/>
+            <a:r>
+              <a:rPr lang="en-US" altLang="zh-CN" sz="1600" b="0" i="0">
+                <a:solidFill>
+                  <a:srgbClr val="000000"/>
+                </a:solidFill>
+                <a:latin typeface="微软雅黑" panose="020B0503020204020204" charset="-122"/>
+                <a:ea typeface="微软雅黑" panose="020B0503020204020204" charset="-122"/>
+              </a:rPr>
+              <a:t>3.</a:t>
+            </a:r>
+            <a:r>
+              <a:rPr lang="zh-CN" altLang="en-US" sz="1600" b="0" i="0">
+                <a:solidFill>
+                  <a:srgbClr val="000000"/>
+                </a:solidFill>
+                <a:latin typeface="微软雅黑" panose="020B0503020204020204" charset="-122"/>
+                <a:ea typeface="微软雅黑" panose="020B0503020204020204" charset="-122"/>
+              </a:rPr>
+              <a:t>模型微调，剪枝，模型量化（目前我正在主要学习的）</a:t>
+            </a:r>
+            <a:endParaRPr lang="en-US" altLang="zh-CN" sz="1600" b="0" i="0">
+              <a:solidFill>
+                <a:srgbClr val="000000"/>
+              </a:solidFill>
+              <a:latin typeface="微软雅黑" panose="020B0503020204020204" charset="-122"/>
+              <a:ea typeface="微软雅黑" panose="020B0503020204020204" charset="-122"/>
+            </a:endParaRPr>
+          </a:p>
+          <a:p>
+            <a:pPr marL="0" indent="457200" algn="just"/>
+            <a:r>
+              <a:rPr lang="en-US" altLang="zh-CN" sz="1600" b="0" i="0">
+                <a:solidFill>
+                  <a:srgbClr val="000000"/>
+                </a:solidFill>
+                <a:latin typeface="微软雅黑" panose="020B0503020204020204" charset="-122"/>
+                <a:ea typeface="微软雅黑" panose="020B0503020204020204" charset="-122"/>
+              </a:rPr>
+              <a:t>4.SLM</a:t>
+            </a:r>
+            <a:r>
+              <a:rPr lang="zh-CN" altLang="en-US" sz="1600" b="0" i="0">
+                <a:solidFill>
+                  <a:srgbClr val="000000"/>
+                </a:solidFill>
+                <a:latin typeface="微软雅黑" panose="020B0503020204020204" charset="-122"/>
+                <a:ea typeface="微软雅黑" panose="020B0503020204020204" charset="-122"/>
+              </a:rPr>
+              <a:t>，</a:t>
+            </a:r>
+            <a:r>
+              <a:rPr lang="en-US" altLang="zh-CN" sz="1600" b="0" i="0">
+                <a:solidFill>
+                  <a:srgbClr val="000000"/>
+                </a:solidFill>
+                <a:latin typeface="微软雅黑" panose="020B0503020204020204" charset="-122"/>
+                <a:ea typeface="微软雅黑" panose="020B0503020204020204" charset="-122"/>
+              </a:rPr>
+              <a:t>VLM</a:t>
+            </a:r>
+            <a:endParaRPr lang="en-US" altLang="zh-CN" sz="1600" b="0" i="0">
+              <a:solidFill>
+                <a:srgbClr val="000000"/>
+              </a:solidFill>
+              <a:latin typeface="微软雅黑" panose="020B0503020204020204" charset="-122"/>
+              <a:ea typeface="微软雅黑" panose="020B0503020204020204" charset="-122"/>
+            </a:endParaRPr>
+          </a:p>
+          <a:p>
+            <a:pPr marL="0" indent="457200" algn="just"/>
+            <a:endParaRPr lang="zh-CN" altLang="en-US" sz="1600" b="0" i="0">
+              <a:solidFill>
+                <a:srgbClr val="000000"/>
+              </a:solidFill>
+              <a:latin typeface="微软雅黑" panose="020B0503020204020204" charset="-122"/>
+              <a:ea typeface="微软雅黑" panose="020B0503020204020204" charset="-122"/>
+            </a:endParaRPr>
+          </a:p>
+          <a:p>
+            <a:pPr marL="0" lvl="0" indent="0" algn="just">
+              <a:buNone/>
+            </a:pPr>
+            <a:r>
+              <a:rPr lang="zh-CN" altLang="en-US" sz="1600" b="0" i="0">
+                <a:solidFill>
+                  <a:srgbClr val="000000"/>
+                </a:solidFill>
+                <a:latin typeface="微软雅黑" panose="020B0503020204020204" charset="-122"/>
+                <a:ea typeface="微软雅黑" panose="020B0503020204020204" charset="-122"/>
+              </a:rPr>
+              <a:t>动手实践：</a:t>
+            </a:r>
+            <a:endParaRPr lang="zh-CN" altLang="en-US" sz="1600" b="0" i="0">
+              <a:solidFill>
+                <a:srgbClr val="000000"/>
+              </a:solidFill>
+              <a:latin typeface="微软雅黑" panose="020B0503020204020204" charset="-122"/>
+              <a:ea typeface="微软雅黑" panose="020B0503020204020204" charset="-122"/>
+            </a:endParaRPr>
+          </a:p>
+          <a:p>
+            <a:pPr marL="0" lvl="0" indent="457200" algn="just">
+              <a:buNone/>
+            </a:pPr>
+            <a:r>
+              <a:rPr lang="en-US" altLang="zh-CN" sz="1600" b="0" i="0">
+                <a:solidFill>
+                  <a:srgbClr val="000000"/>
+                </a:solidFill>
+                <a:latin typeface="微软雅黑" panose="020B0503020204020204" charset="-122"/>
+                <a:ea typeface="微软雅黑" panose="020B0503020204020204" charset="-122"/>
+              </a:rPr>
+              <a:t>1.</a:t>
+            </a:r>
+            <a:r>
+              <a:rPr lang="zh-CN" altLang="en-US" sz="1600" b="0" i="0">
+                <a:solidFill>
+                  <a:srgbClr val="000000"/>
+                </a:solidFill>
+                <a:latin typeface="微软雅黑" panose="020B0503020204020204" charset="-122"/>
+                <a:ea typeface="微软雅黑" panose="020B0503020204020204" charset="-122"/>
+              </a:rPr>
+              <a:t>前置知识的实践（已经跟着一些比如李沐老师的动手深度学习等敲过一些）</a:t>
+            </a:r>
+            <a:endParaRPr lang="zh-CN" altLang="en-US" sz="1600" b="0" i="0">
+              <a:solidFill>
+                <a:srgbClr val="000000"/>
+              </a:solidFill>
+              <a:latin typeface="微软雅黑" panose="020B0503020204020204" charset="-122"/>
+              <a:ea typeface="微软雅黑" panose="020B0503020204020204" charset="-122"/>
+            </a:endParaRPr>
+          </a:p>
+          <a:p>
+            <a:pPr marL="0" lvl="0" indent="457200" algn="just">
+              <a:buNone/>
+            </a:pPr>
+            <a:r>
+              <a:rPr lang="en-US" altLang="zh-CN" sz="1600" b="0" i="0">
+                <a:solidFill>
+                  <a:srgbClr val="000000"/>
+                </a:solidFill>
+                <a:latin typeface="微软雅黑" panose="020B0503020204020204" charset="-122"/>
+                <a:ea typeface="微软雅黑" panose="020B0503020204020204" charset="-122"/>
+              </a:rPr>
+              <a:t>2.</a:t>
+            </a:r>
+            <a:r>
+              <a:rPr lang="zh-CN" altLang="en-US" sz="1600" b="0" i="0">
+                <a:solidFill>
+                  <a:srgbClr val="000000"/>
+                </a:solidFill>
+                <a:latin typeface="微软雅黑" panose="020B0503020204020204" charset="-122"/>
+                <a:ea typeface="微软雅黑" panose="020B0503020204020204" charset="-122"/>
+              </a:rPr>
+              <a:t>自己实践一次模型的微调对齐（目前正在尝试的）</a:t>
+            </a:r>
+            <a:endParaRPr lang="zh-CN" altLang="en-US" sz="1600" b="0" i="0">
+              <a:solidFill>
+                <a:srgbClr val="000000"/>
+              </a:solidFill>
+              <a:latin typeface="微软雅黑" panose="020B0503020204020204" charset="-122"/>
+              <a:ea typeface="微软雅黑" panose="020B0503020204020204" charset="-122"/>
+            </a:endParaRPr>
+          </a:p>
+          <a:p>
+            <a:pPr marL="0" lvl="0" indent="457200" algn="just">
+              <a:buNone/>
+            </a:pPr>
+            <a:r>
+              <a:rPr lang="en-US" altLang="zh-CN" sz="1600" b="0" i="0">
+                <a:solidFill>
+                  <a:srgbClr val="000000"/>
+                </a:solidFill>
+                <a:latin typeface="微软雅黑" panose="020B0503020204020204" charset="-122"/>
+                <a:ea typeface="微软雅黑" panose="020B0503020204020204" charset="-122"/>
+              </a:rPr>
+              <a:t>3.</a:t>
+            </a:r>
+            <a:r>
+              <a:rPr lang="zh-CN" altLang="en-US" sz="1600" b="0" i="0">
+                <a:solidFill>
+                  <a:srgbClr val="000000"/>
+                </a:solidFill>
+                <a:latin typeface="微软雅黑" panose="020B0503020204020204" charset="-122"/>
+                <a:ea typeface="微软雅黑" panose="020B0503020204020204" charset="-122"/>
+              </a:rPr>
+              <a:t>尝试自己把一个原有模型迁移到其他任务</a:t>
+            </a:r>
+            <a:endParaRPr lang="zh-CN" altLang="en-US" sz="1600" b="0" i="0">
+              <a:solidFill>
+                <a:srgbClr val="000000"/>
+              </a:solidFill>
+              <a:latin typeface="微软雅黑" panose="020B0503020204020204" charset="-122"/>
+              <a:ea typeface="微软雅黑" panose="020B0503020204020204" charset="-122"/>
+            </a:endParaRPr>
+          </a:p>
+          <a:p>
+            <a:pPr marL="0" lvl="0" indent="457200" algn="just">
+              <a:buNone/>
+            </a:pPr>
+            <a:r>
+              <a:rPr lang="en-US" altLang="zh-CN" sz="1600" b="0" i="0">
+                <a:solidFill>
+                  <a:srgbClr val="000000"/>
+                </a:solidFill>
+                <a:latin typeface="微软雅黑" panose="020B0503020204020204" charset="-122"/>
+                <a:ea typeface="微软雅黑" panose="020B0503020204020204" charset="-122"/>
+              </a:rPr>
+              <a:t>4.</a:t>
+            </a:r>
+            <a:r>
+              <a:rPr lang="zh-CN" altLang="en-US" sz="1600" b="0" i="0">
+                <a:solidFill>
+                  <a:srgbClr val="000000"/>
+                </a:solidFill>
+                <a:latin typeface="微软雅黑" panose="020B0503020204020204" charset="-122"/>
+                <a:ea typeface="微软雅黑" panose="020B0503020204020204" charset="-122"/>
+              </a:rPr>
+              <a:t>实践一次模型量化</a:t>
+            </a:r>
+            <a:endParaRPr lang="zh-CN" altLang="en-US" sz="1600" b="0" i="0">
+              <a:solidFill>
+                <a:srgbClr val="000000"/>
+              </a:solidFill>
+              <a:latin typeface="微软雅黑" panose="020B0503020204020204" charset="-122"/>
+              <a:ea typeface="微软雅黑" panose="020B0503020204020204" charset="-122"/>
+            </a:endParaRPr>
+          </a:p>
+          <a:p>
+            <a:pPr marL="0" indent="0" algn="just"/>
+            <a:endParaRPr lang="zh-CN" altLang="en-US" sz="1600" b="0" i="0">
+              <a:solidFill>
+                <a:srgbClr val="000000"/>
+              </a:solidFill>
+              <a:latin typeface="微软雅黑" panose="020B0503020204020204" charset="-122"/>
+              <a:ea typeface="微软雅黑" panose="020B0503020204020204" charset="-122"/>
+            </a:endParaRPr>
+          </a:p>
+        </p:txBody>
+      </p:sp>
+    </p:spTree>
+  </p:cSld>
+  <p:clrMapOvr>
+    <a:masterClrMapping/>
+  </p:clrMapOvr>
+</p:sld>
+</file>
+
+<file path=ppt/slides/slide19.xml><?xml version="1.0" encoding="utf-8"?>
+<p:sld xmlns:a="http://schemas.openxmlformats.org/drawingml/2006/main" xmlns:r="http://schemas.openxmlformats.org/officeDocument/2006/relationships" xmlns:p="http://schemas.openxmlformats.org/presentationml/2006/main">
+  <p:cSld>
+    <p:spTree>
+      <p:nvGrpSpPr>
+        <p:cNvPr id="1" name=""/>
+        <p:cNvGrpSpPr/>
+        <p:nvPr/>
+      </p:nvGrpSpPr>
+      <p:grpSpPr>
+        <a:xfrm>
+          <a:off x="0" y="0"/>
+          <a:ext cx="0" cy="0"/>
+          <a:chOff x="0" y="0"/>
+          <a:chExt cx="0" cy="0"/>
+        </a:xfrm>
+      </p:grpSpPr>
+      <p:sp>
+        <p:nvSpPr>
+          <p:cNvPr id="13" name="文本框 12"/>
+          <p:cNvSpPr txBox="1"/>
+          <p:nvPr/>
+        </p:nvSpPr>
+        <p:spPr>
+          <a:xfrm>
+            <a:off x="106466" y="601786"/>
+            <a:ext cx="1287780" cy="398780"/>
+          </a:xfrm>
+          <a:prstGeom prst="rect">
+            <a:avLst/>
+          </a:prstGeom>
+          <a:noFill/>
+        </p:spPr>
+        <p:txBody>
+          <a:bodyPr wrap="none" rtlCol="0">
+            <a:spAutoFit/>
+          </a:bodyPr>
+          <a:lstStyle/>
+          <a:p>
+            <a:pPr marL="342900" indent="-342900">
+              <a:buFont typeface="Wingdings" panose="05000000000000000000" charset="0"/>
+              <a:buChar char="n"/>
+            </a:pPr>
+            <a:r>
+              <a:rPr lang="zh-CN" altLang="en-US" sz="2000" b="1" dirty="0">
+                <a:latin typeface="微软雅黑" panose="020B0503020204020204" charset="-122"/>
+                <a:ea typeface="微软雅黑" panose="020B0503020204020204" charset="-122"/>
+              </a:rPr>
+              <a:t>下一周</a:t>
+            </a:r>
+            <a:endParaRPr lang="zh-CN" altLang="en-US" sz="2000" b="1" dirty="0">
+              <a:latin typeface="微软雅黑" panose="020B0503020204020204" charset="-122"/>
+              <a:ea typeface="微软雅黑" panose="020B0503020204020204" charset="-122"/>
+            </a:endParaRPr>
+          </a:p>
+        </p:txBody>
+      </p:sp>
+      <p:sp>
+        <p:nvSpPr>
+          <p:cNvPr id="6" name="矩形 5"/>
+          <p:cNvSpPr/>
+          <p:nvPr>
+            <p:custDataLst>
+              <p:tags r:id="rId1"/>
+            </p:custDataLst>
+          </p:nvPr>
+        </p:nvSpPr>
+        <p:spPr>
+          <a:xfrm>
+            <a:off x="-6350" y="0"/>
+            <a:ext cx="12198350" cy="540000"/>
+          </a:xfrm>
+          <a:prstGeom prst="rect">
+            <a:avLst/>
+          </a:prstGeom>
+          <a:solidFill>
+            <a:srgbClr val="A099CB"/>
+          </a:solidFill>
+          <a:ln>
+            <a:noFill/>
+          </a:ln>
+        </p:spPr>
+        <p:style>
+          <a:lnRef idx="2">
+            <a:schemeClr val="accent1">
+              <a:shade val="50000"/>
+            </a:schemeClr>
+          </a:lnRef>
+          <a:fillRef idx="1">
+            <a:schemeClr val="accent1"/>
+          </a:fillRef>
+          <a:effectRef idx="0">
+            <a:schemeClr val="accent1"/>
+          </a:effectRef>
+          <a:fontRef idx="minor">
+            <a:schemeClr val="lt1"/>
+          </a:fontRef>
+        </p:style>
+        <p:txBody>
+          <a:bodyPr rtlCol="0" anchor="ctr"/>
+          <a:p>
+            <a:pPr marL="0" marR="0" lvl="0" indent="0" algn="ctr" defTabSz="914400" rtl="0" eaLnBrk="1" fontAlgn="auto" latinLnBrk="0" hangingPunct="1">
+              <a:lnSpc>
+                <a:spcPct val="100000"/>
+              </a:lnSpc>
+              <a:spcBef>
+                <a:spcPts val="0"/>
+              </a:spcBef>
+              <a:spcAft>
+                <a:spcPts val="0"/>
+              </a:spcAft>
+              <a:buClrTx/>
+              <a:buSzTx/>
+              <a:buFontTx/>
+              <a:buNone/>
+              <a:defRPr/>
+            </a:pPr>
+            <a:r>
+              <a:rPr lang="en-US" altLang="zh-CN" dirty="0">
+                <a:effectLst/>
+                <a:latin typeface="微软雅黑" panose="020B0503020204020204" charset="-122"/>
+                <a:ea typeface="微软雅黑" panose="020B0503020204020204" charset="-122"/>
+                <a:sym typeface="+mn-ea"/>
+              </a:rPr>
+              <a:t>4.</a:t>
+            </a:r>
+            <a:r>
+              <a:rPr lang="zh-CN" altLang="en-US" dirty="0">
+                <a:effectLst/>
+                <a:latin typeface="微软雅黑" panose="020B0503020204020204" charset="-122"/>
+                <a:ea typeface="微软雅黑" panose="020B0503020204020204" charset="-122"/>
+                <a:sym typeface="+mn-ea"/>
+              </a:rPr>
+              <a:t>计划</a:t>
+            </a:r>
+            <a:endParaRPr lang="zh-CN" altLang="en-US" dirty="0">
+              <a:effectLst/>
+              <a:latin typeface="微软雅黑" panose="020B0503020204020204" charset="-122"/>
+              <a:ea typeface="微软雅黑" panose="020B0503020204020204" charset="-122"/>
+              <a:sym typeface="+mn-ea"/>
+            </a:endParaRPr>
+          </a:p>
+        </p:txBody>
+      </p:sp>
+      <p:sp>
+        <p:nvSpPr>
+          <p:cNvPr id="7" name="文本框 6"/>
+          <p:cNvSpPr txBox="1"/>
+          <p:nvPr/>
+        </p:nvSpPr>
+        <p:spPr>
+          <a:xfrm>
+            <a:off x="911860" y="889635"/>
+            <a:ext cx="8903970" cy="3046095"/>
+          </a:xfrm>
+          <a:prstGeom prst="rect">
+            <a:avLst/>
+          </a:prstGeom>
+        </p:spPr>
+        <p:txBody>
+          <a:bodyPr wrap="square">
+            <a:spAutoFit/>
+          </a:bodyPr>
+          <a:p>
+            <a:pPr marL="0" indent="0" algn="just"/>
+            <a:r>
+              <a:rPr lang="zh-CN" altLang="en-US" sz="1600" b="0" i="0">
+                <a:solidFill>
+                  <a:srgbClr val="000000"/>
+                </a:solidFill>
+                <a:latin typeface="微软雅黑" panose="020B0503020204020204" charset="-122"/>
+                <a:ea typeface="微软雅黑" panose="020B0503020204020204" charset="-122"/>
+              </a:rPr>
+              <a:t>动手实践方面，我主要请教的是</a:t>
+            </a:r>
+            <a:r>
+              <a:rPr lang="en-US" altLang="zh-CN" sz="1600" b="0" i="0">
+                <a:solidFill>
+                  <a:srgbClr val="000000"/>
+                </a:solidFill>
+                <a:latin typeface="微软雅黑" panose="020B0503020204020204" charset="-122"/>
+                <a:ea typeface="微软雅黑" panose="020B0503020204020204" charset="-122"/>
+              </a:rPr>
+              <a:t>zls</a:t>
+            </a:r>
+            <a:r>
+              <a:rPr lang="zh-CN" altLang="en-US" sz="1600" b="0" i="0">
+                <a:solidFill>
+                  <a:srgbClr val="000000"/>
+                </a:solidFill>
+                <a:latin typeface="微软雅黑" panose="020B0503020204020204" charset="-122"/>
+                <a:ea typeface="微软雅黑" panose="020B0503020204020204" charset="-122"/>
+              </a:rPr>
+              <a:t>学长，可以学习他部署的文生图模型然后进行微调的步骤。我也部署一个相似参数量的模型</a:t>
+            </a:r>
+            <a:r>
+              <a:rPr lang="en-US" altLang="zh-CN" sz="1600" b="0" i="0">
+                <a:solidFill>
+                  <a:srgbClr val="000000"/>
+                </a:solidFill>
+                <a:latin typeface="微软雅黑" panose="020B0503020204020204" charset="-122"/>
+                <a:ea typeface="微软雅黑" panose="020B0503020204020204" charset="-122"/>
+              </a:rPr>
+              <a:t> </a:t>
+            </a:r>
+            <a:r>
+              <a:rPr lang="zh-CN" altLang="en-US" sz="1600" b="0" i="0">
+                <a:solidFill>
+                  <a:srgbClr val="000000"/>
+                </a:solidFill>
+                <a:latin typeface="微软雅黑" panose="020B0503020204020204" charset="-122"/>
+                <a:ea typeface="微软雅黑" panose="020B0503020204020204" charset="-122"/>
+              </a:rPr>
+              <a:t>（学长的模型花费内存</a:t>
+            </a:r>
+            <a:r>
+              <a:rPr lang="en-US" altLang="zh-CN" sz="1600" b="0" i="0">
+                <a:solidFill>
+                  <a:srgbClr val="000000"/>
+                </a:solidFill>
+                <a:latin typeface="微软雅黑" panose="020B0503020204020204" charset="-122"/>
+                <a:ea typeface="微软雅黑" panose="020B0503020204020204" charset="-122"/>
+              </a:rPr>
+              <a:t>50G</a:t>
+            </a:r>
+            <a:r>
+              <a:rPr lang="zh-CN" altLang="en-US" sz="1600" b="0" i="0">
+                <a:solidFill>
+                  <a:srgbClr val="000000"/>
+                </a:solidFill>
+                <a:latin typeface="微软雅黑" panose="020B0503020204020204" charset="-122"/>
+                <a:ea typeface="微软雅黑" panose="020B0503020204020204" charset="-122"/>
+              </a:rPr>
+              <a:t>左右，显存</a:t>
+            </a:r>
+            <a:r>
+              <a:rPr lang="en-US" altLang="zh-CN" sz="1600" b="0" i="0">
+                <a:solidFill>
+                  <a:srgbClr val="000000"/>
+                </a:solidFill>
+                <a:latin typeface="微软雅黑" panose="020B0503020204020204" charset="-122"/>
+                <a:ea typeface="微软雅黑" panose="020B0503020204020204" charset="-122"/>
+              </a:rPr>
+              <a:t>24G</a:t>
+            </a:r>
+            <a:r>
+              <a:rPr lang="zh-CN" altLang="en-US" sz="1600" b="0" i="0">
+                <a:solidFill>
+                  <a:srgbClr val="000000"/>
+                </a:solidFill>
+                <a:latin typeface="微软雅黑" panose="020B0503020204020204" charset="-122"/>
+                <a:ea typeface="微软雅黑" panose="020B0503020204020204" charset="-122"/>
+              </a:rPr>
+              <a:t>跑起来没有问题）</a:t>
+            </a:r>
+            <a:endParaRPr lang="zh-CN" altLang="en-US" sz="1600" b="0" i="0">
+              <a:solidFill>
+                <a:srgbClr val="000000"/>
+              </a:solidFill>
+              <a:latin typeface="微软雅黑" panose="020B0503020204020204" charset="-122"/>
+              <a:ea typeface="微软雅黑" panose="020B0503020204020204" charset="-122"/>
+            </a:endParaRPr>
+          </a:p>
+          <a:p>
+            <a:pPr marL="0" indent="0" algn="just"/>
+            <a:endParaRPr lang="zh-CN" altLang="en-US" sz="1600" b="0" i="0">
+              <a:solidFill>
+                <a:srgbClr val="000000"/>
+              </a:solidFill>
+              <a:latin typeface="微软雅黑" panose="020B0503020204020204" charset="-122"/>
+              <a:ea typeface="微软雅黑" panose="020B0503020204020204" charset="-122"/>
+            </a:endParaRPr>
+          </a:p>
+          <a:p>
+            <a:pPr marL="0" indent="0" algn="just"/>
+            <a:r>
+              <a:rPr lang="zh-CN" altLang="en-US" sz="1600" b="0" i="0">
+                <a:solidFill>
+                  <a:srgbClr val="000000"/>
+                </a:solidFill>
+                <a:latin typeface="微软雅黑" panose="020B0503020204020204" charset="-122"/>
+                <a:ea typeface="微软雅黑" panose="020B0503020204020204" charset="-122"/>
+              </a:rPr>
+              <a:t>或者是这个：这个是我找的一个医疗影像的大模型项目，他有一些自带的数据集和公开的数据集，然后提供了几个微调的实例，我已经部署好了，等着下周去尝试一个微调，调的最好的模型作者说已经商用了就没开放</a:t>
+            </a:r>
+            <a:endParaRPr lang="zh-CN" altLang="en-US" sz="1600" b="0" i="0">
+              <a:solidFill>
+                <a:srgbClr val="000000"/>
+              </a:solidFill>
+              <a:latin typeface="微软雅黑" panose="020B0503020204020204" charset="-122"/>
+              <a:ea typeface="微软雅黑" panose="020B0503020204020204" charset="-122"/>
+            </a:endParaRPr>
+          </a:p>
+          <a:p>
+            <a:pPr marL="0" indent="0" algn="just"/>
+            <a:endParaRPr lang="zh-CN" altLang="en-US" sz="1600" b="0" i="0">
+              <a:solidFill>
+                <a:srgbClr val="000000"/>
+              </a:solidFill>
+              <a:latin typeface="微软雅黑" panose="020B0503020204020204" charset="-122"/>
+              <a:ea typeface="微软雅黑" panose="020B0503020204020204" charset="-122"/>
+            </a:endParaRPr>
+          </a:p>
+          <a:p>
+            <a:pPr marL="0" indent="0" algn="just"/>
+            <a:r>
+              <a:rPr lang="en-US" altLang="zh-CN" sz="1600" b="0" i="0">
+                <a:solidFill>
+                  <a:srgbClr val="000000"/>
+                </a:solidFill>
+                <a:latin typeface="微软雅黑" panose="020B0503020204020204" charset="-122"/>
+                <a:ea typeface="微软雅黑" panose="020B0503020204020204" charset="-122"/>
+              </a:rPr>
+              <a:t>https://github.com/WangRongsheng/XrayGLM/tree/main</a:t>
+            </a:r>
+            <a:endParaRPr lang="zh-CN" altLang="en-US" sz="1600" b="0" i="0">
+              <a:solidFill>
+                <a:srgbClr val="000000"/>
+              </a:solidFill>
+              <a:latin typeface="微软雅黑" panose="020B0503020204020204" charset="-122"/>
+              <a:ea typeface="微软雅黑" panose="020B0503020204020204" charset="-122"/>
+            </a:endParaRPr>
+          </a:p>
+          <a:p>
+            <a:pPr marL="0" indent="0" algn="just"/>
+            <a:endParaRPr lang="zh-CN" altLang="en-US" sz="1600" b="0" i="0">
+              <a:solidFill>
+                <a:srgbClr val="000000"/>
+              </a:solidFill>
+              <a:latin typeface="微软雅黑" panose="020B0503020204020204" charset="-122"/>
+              <a:ea typeface="微软雅黑" panose="020B0503020204020204" charset="-122"/>
+            </a:endParaRPr>
+          </a:p>
+          <a:p>
+            <a:pPr marL="0" indent="0" algn="just"/>
+            <a:endParaRPr lang="en-US" altLang="zh-CN" sz="1600" b="0" i="0">
+              <a:solidFill>
+                <a:srgbClr val="000000"/>
+              </a:solidFill>
+              <a:latin typeface="微软雅黑" panose="020B0503020204020204" charset="-122"/>
+              <a:ea typeface="微软雅黑" panose="020B0503020204020204" charset="-122"/>
+            </a:endParaRPr>
+          </a:p>
+          <a:p>
+            <a:pPr marL="0" indent="0" algn="just"/>
+            <a:endParaRPr lang="zh-CN" altLang="en-US" sz="1600" b="0" i="0">
+              <a:solidFill>
+                <a:srgbClr val="000000"/>
+              </a:solidFill>
+              <a:latin typeface="微软雅黑" panose="020B0503020204020204" charset="-122"/>
+              <a:ea typeface="微软雅黑" panose="020B0503020204020204" charset="-122"/>
+            </a:endParaRPr>
+          </a:p>
+          <a:p>
+            <a:pPr marL="0" indent="0" algn="just"/>
+            <a:endParaRPr lang="zh-CN" altLang="en-US" sz="1600" b="0" i="0">
+              <a:solidFill>
+                <a:srgbClr val="000000"/>
+              </a:solidFill>
+              <a:latin typeface="微软雅黑" panose="020B0503020204020204" charset="-122"/>
+              <a:ea typeface="微软雅黑" panose="020B0503020204020204" charset="-122"/>
+            </a:endParaRPr>
+          </a:p>
+        </p:txBody>
+      </p:sp>
+      <p:pic>
+        <p:nvPicPr>
+          <p:cNvPr id="2" name="图片 1"/>
+          <p:cNvPicPr>
+            <a:picLocks noChangeAspect="1"/>
+          </p:cNvPicPr>
+          <p:nvPr/>
+        </p:nvPicPr>
+        <p:blipFill>
+          <a:blip r:embed="rId2"/>
+          <a:stretch>
+            <a:fillRect/>
+          </a:stretch>
+        </p:blipFill>
+        <p:spPr>
+          <a:xfrm>
+            <a:off x="311785" y="3044190"/>
+            <a:ext cx="5784215" cy="3710305"/>
+          </a:xfrm>
+          <a:prstGeom prst="rect">
+            <a:avLst/>
+          </a:prstGeom>
+        </p:spPr>
+      </p:pic>
+      <p:pic>
+        <p:nvPicPr>
+          <p:cNvPr id="4" name="图片 3"/>
+          <p:cNvPicPr>
+            <a:picLocks noChangeAspect="1"/>
+          </p:cNvPicPr>
+          <p:nvPr/>
+        </p:nvPicPr>
+        <p:blipFill>
+          <a:blip r:embed="rId3"/>
+          <a:stretch>
+            <a:fillRect/>
+          </a:stretch>
+        </p:blipFill>
+        <p:spPr>
+          <a:xfrm>
+            <a:off x="6096000" y="4029075"/>
+            <a:ext cx="5321935" cy="1846580"/>
+          </a:xfrm>
+          <a:prstGeom prst="rect">
+            <a:avLst/>
+          </a:prstGeom>
+        </p:spPr>
+      </p:pic>
     </p:spTree>
   </p:cSld>
   <p:clrMapOvr>
@@ -8478,6 +9538,199 @@
               <a:ea typeface="微软雅黑" panose="020B0503020204020204" charset="-122"/>
               <a:cs typeface="+mn-cs"/>
               <a:sym typeface="+mn-ea"/>
+            </a:endParaRPr>
+          </a:p>
+        </p:txBody>
+      </p:sp>
+    </p:spTree>
+  </p:cSld>
+  <p:clrMapOvr>
+    <a:masterClrMapping/>
+  </p:clrMapOvr>
+</p:sld>
+</file>
+
+<file path=ppt/slides/slide20.xml><?xml version="1.0" encoding="utf-8"?>
+<p:sld xmlns:a="http://schemas.openxmlformats.org/drawingml/2006/main" xmlns:r="http://schemas.openxmlformats.org/officeDocument/2006/relationships" xmlns:p="http://schemas.openxmlformats.org/presentationml/2006/main">
+  <p:cSld>
+    <p:spTree>
+      <p:nvGrpSpPr>
+        <p:cNvPr id="1" name=""/>
+        <p:cNvGrpSpPr/>
+        <p:nvPr/>
+      </p:nvGrpSpPr>
+      <p:grpSpPr>
+        <a:xfrm>
+          <a:off x="0" y="0"/>
+          <a:ext cx="0" cy="0"/>
+          <a:chOff x="0" y="0"/>
+          <a:chExt cx="0" cy="0"/>
+        </a:xfrm>
+      </p:grpSpPr>
+      <p:pic>
+        <p:nvPicPr>
+          <p:cNvPr id="4" name="图片 3" descr="1"/>
+          <p:cNvPicPr>
+            <a:picLocks noChangeAspect="1"/>
+          </p:cNvPicPr>
+          <p:nvPr/>
+        </p:nvPicPr>
+        <p:blipFill>
+          <a:blip r:embed="rId1"/>
+          <a:stretch>
+            <a:fillRect/>
+          </a:stretch>
+        </p:blipFill>
+        <p:spPr>
+          <a:xfrm>
+            <a:off x="4745355" y="-588645"/>
+            <a:ext cx="12060555" cy="8474075"/>
+          </a:xfrm>
+          <a:prstGeom prst="rect">
+            <a:avLst/>
+          </a:prstGeom>
+        </p:spPr>
+      </p:pic>
+      <p:sp>
+        <p:nvSpPr>
+          <p:cNvPr id="5" name="文本框 4"/>
+          <p:cNvSpPr txBox="1"/>
+          <p:nvPr/>
+        </p:nvSpPr>
+        <p:spPr>
+          <a:xfrm>
+            <a:off x="768985" y="2095500"/>
+            <a:ext cx="7110730" cy="1445260"/>
+          </a:xfrm>
+          <a:prstGeom prst="rect">
+            <a:avLst/>
+          </a:prstGeom>
+          <a:noFill/>
+        </p:spPr>
+        <p:txBody>
+          <a:bodyPr wrap="square" rtlCol="0">
+            <a:spAutoFit/>
+          </a:bodyPr>
+          <a:lstStyle/>
+          <a:p>
+            <a:pPr marL="0" marR="0" lvl="0" indent="0" algn="l" defTabSz="914400" rtl="0" eaLnBrk="1" fontAlgn="auto" latinLnBrk="0" hangingPunct="1">
+              <a:lnSpc>
+                <a:spcPct val="100000"/>
+              </a:lnSpc>
+              <a:spcBef>
+                <a:spcPts val="0"/>
+              </a:spcBef>
+              <a:spcAft>
+                <a:spcPts val="0"/>
+              </a:spcAft>
+              <a:buClrTx/>
+              <a:buSzTx/>
+              <a:buFontTx/>
+              <a:buNone/>
+              <a:defRPr/>
+            </a:pPr>
+            <a:r>
+              <a:rPr kumimoji="0" lang="en-US" altLang="zh-CN" sz="8800" b="0" i="0" u="none" strike="noStrike" kern="1200" cap="none" spc="0" normalizeH="0" baseline="0" noProof="0" dirty="0">
+                <a:ln>
+                  <a:solidFill>
+                    <a:srgbClr val="383987"/>
+                  </a:solidFill>
+                </a:ln>
+                <a:noFill/>
+                <a:effectLst/>
+                <a:uLnTx/>
+                <a:uFillTx/>
+                <a:latin typeface="Agency FB" panose="020B0503020202020204" pitchFamily="34" charset="0"/>
+                <a:ea typeface="宋体" panose="02010600030101010101" pitchFamily="2" charset="-122"/>
+                <a:cs typeface="+mn-cs"/>
+              </a:rPr>
+              <a:t>THANKS</a:t>
+            </a:r>
+            <a:endParaRPr kumimoji="0" lang="en-US" altLang="zh-CN" sz="8800" b="0" i="0" u="none" strike="noStrike" kern="1200" cap="none" spc="0" normalizeH="0" baseline="0" noProof="0" dirty="0">
+              <a:ln>
+                <a:solidFill>
+                  <a:srgbClr val="383987"/>
+                </a:solidFill>
+              </a:ln>
+              <a:noFill/>
+              <a:effectLst/>
+              <a:uLnTx/>
+              <a:uFillTx/>
+              <a:latin typeface="Agency FB" panose="020B0503020202020204" pitchFamily="34" charset="0"/>
+              <a:ea typeface="宋体" panose="02010600030101010101" pitchFamily="2" charset="-122"/>
+              <a:cs typeface="+mn-cs"/>
+            </a:endParaRPr>
+          </a:p>
+        </p:txBody>
+      </p:sp>
+      <p:sp>
+        <p:nvSpPr>
+          <p:cNvPr id="2" name="文本框 1"/>
+          <p:cNvSpPr txBox="1"/>
+          <p:nvPr/>
+        </p:nvSpPr>
+        <p:spPr>
+          <a:xfrm>
+            <a:off x="934085" y="3540760"/>
+            <a:ext cx="4176395" cy="460375"/>
+          </a:xfrm>
+          <a:prstGeom prst="rect">
+            <a:avLst/>
+          </a:prstGeom>
+          <a:noFill/>
+        </p:spPr>
+        <p:txBody>
+          <a:bodyPr wrap="square" rtlCol="0">
+            <a:spAutoFit/>
+          </a:bodyPr>
+          <a:lstStyle/>
+          <a:p>
+            <a:pPr marL="0" marR="0" lvl="0" indent="0" algn="dist" defTabSz="914400" rtl="0" eaLnBrk="1" fontAlgn="auto" latinLnBrk="0" hangingPunct="1">
+              <a:lnSpc>
+                <a:spcPct val="100000"/>
+              </a:lnSpc>
+              <a:spcBef>
+                <a:spcPts val="0"/>
+              </a:spcBef>
+              <a:spcAft>
+                <a:spcPts val="0"/>
+              </a:spcAft>
+              <a:buClrTx/>
+              <a:buSzTx/>
+              <a:buFontTx/>
+              <a:buNone/>
+              <a:defRPr/>
+            </a:pPr>
+            <a:r>
+              <a:rPr kumimoji="0" lang="zh-CN" altLang="en-US" sz="2400" b="0" i="0" u="none" strike="noStrike" kern="1200" cap="none" spc="0" normalizeH="0" baseline="0" noProof="0">
+                <a:ln>
+                  <a:noFill/>
+                </a:ln>
+                <a:solidFill>
+                  <a:srgbClr val="383987"/>
+                </a:solidFill>
+                <a:effectLst/>
+                <a:uLnTx/>
+                <a:uFillTx/>
+                <a:latin typeface="微软雅黑" panose="020B0503020204020204" charset="-122"/>
+                <a:ea typeface="微软雅黑" panose="020B0503020204020204" charset="-122"/>
+                <a:cs typeface="+mn-cs"/>
+              </a:rPr>
+              <a:t>谢谢观看</a:t>
+            </a:r>
+            <a:endParaRPr kumimoji="0" lang="zh-CN" altLang="en-US" sz="2400" b="0" i="0" u="none" strike="noStrike" kern="1200" cap="none" spc="0" normalizeH="0" baseline="0" noProof="0">
+              <a:ln>
+                <a:noFill/>
+              </a:ln>
+              <a:solidFill>
+                <a:srgbClr val="383987"/>
+              </a:solidFill>
+              <a:effectLst/>
+              <a:uLnTx/>
+              <a:uFillTx/>
+              <a:latin typeface="微软雅黑" panose="020B0503020204020204" charset="-122"/>
+              <a:ea typeface="微软雅黑" panose="020B0503020204020204" charset="-122"/>
+              <a:cs typeface="+mn-cs"/>
             </a:endParaRPr>
           </a:p>
         </p:txBody>
@@ -11572,6 +12825,24 @@
 </file>
 
 <file path=ppt/tags/tag34.xml><?xml version="1.0" encoding="utf-8"?>
+<p:tagLst xmlns:p="http://schemas.openxmlformats.org/presentationml/2006/main">
+  <p:tag name="KSO_WM_BEAUTIFY_FLAG" val=""/>
+</p:tagLst>
+</file>
+
+<file path=ppt/tags/tag35.xml><?xml version="1.0" encoding="utf-8"?>
+<p:tagLst xmlns:p="http://schemas.openxmlformats.org/presentationml/2006/main">
+  <p:tag name="KSO_WM_BEAUTIFY_FLAG" val=""/>
+</p:tagLst>
+</file>
+
+<file path=ppt/tags/tag36.xml><?xml version="1.0" encoding="utf-8"?>
+<p:tagLst xmlns:p="http://schemas.openxmlformats.org/presentationml/2006/main">
+  <p:tag name="KSO_WM_BEAUTIFY_FLAG" val=""/>
+</p:tagLst>
+</file>
+
+<file path=ppt/tags/tag37.xml><?xml version="1.0" encoding="utf-8"?>
 <p:tagLst xmlns:p="http://schemas.openxmlformats.org/presentationml/2006/main">
   <p:tag name="KSO_WPP_MARK_KEY" val="c7925d13-95db-4618-ac98-c22196edd7f9"/>
   <p:tag name="COMMONDATA" val="eyJoZGlkIjoiZTg3MzIzMDhlODgyZTlkYzQ0OWY3ZDI2YzlhMjBjMGIifQ=="/>
